--- a/01_CM/CM3 Réseaux Informatiques.pptx
+++ b/01_CM/CM3 Réseaux Informatiques.pptx
@@ -5,37 +5,44 @@
     <p:sldMasterId id="2147483648" r:id="rId1"/>
   </p:sldMasterIdLst>
   <p:notesMasterIdLst>
-    <p:notesMasterId r:id="rId30"/>
+    <p:notesMasterId r:id="rId37"/>
   </p:notesMasterIdLst>
   <p:sldIdLst>
     <p:sldId id="256" r:id="rId2"/>
     <p:sldId id="261" r:id="rId3"/>
-    <p:sldId id="294" r:id="rId4"/>
-    <p:sldId id="267" r:id="rId5"/>
-    <p:sldId id="295" r:id="rId6"/>
-    <p:sldId id="319" r:id="rId7"/>
-    <p:sldId id="320" r:id="rId8"/>
-    <p:sldId id="321" r:id="rId9"/>
-    <p:sldId id="268" r:id="rId10"/>
-    <p:sldId id="278" r:id="rId11"/>
-    <p:sldId id="322" r:id="rId12"/>
-    <p:sldId id="275" r:id="rId13"/>
-    <p:sldId id="297" r:id="rId14"/>
-    <p:sldId id="327" r:id="rId15"/>
-    <p:sldId id="280" r:id="rId16"/>
-    <p:sldId id="279" r:id="rId17"/>
-    <p:sldId id="328" r:id="rId18"/>
-    <p:sldId id="298" r:id="rId19"/>
-    <p:sldId id="329" r:id="rId20"/>
-    <p:sldId id="323" r:id="rId21"/>
-    <p:sldId id="324" r:id="rId22"/>
-    <p:sldId id="269" r:id="rId23"/>
-    <p:sldId id="271" r:id="rId24"/>
-    <p:sldId id="325" r:id="rId25"/>
-    <p:sldId id="272" r:id="rId26"/>
-    <p:sldId id="326" r:id="rId27"/>
-    <p:sldId id="273" r:id="rId28"/>
-    <p:sldId id="274" r:id="rId29"/>
+    <p:sldId id="335" r:id="rId4"/>
+    <p:sldId id="336" r:id="rId5"/>
+    <p:sldId id="294" r:id="rId6"/>
+    <p:sldId id="267" r:id="rId7"/>
+    <p:sldId id="295" r:id="rId8"/>
+    <p:sldId id="319" r:id="rId9"/>
+    <p:sldId id="320" r:id="rId10"/>
+    <p:sldId id="321" r:id="rId11"/>
+    <p:sldId id="330" r:id="rId12"/>
+    <p:sldId id="331" r:id="rId13"/>
+    <p:sldId id="332" r:id="rId14"/>
+    <p:sldId id="333" r:id="rId15"/>
+    <p:sldId id="334" r:id="rId16"/>
+    <p:sldId id="268" r:id="rId17"/>
+    <p:sldId id="278" r:id="rId18"/>
+    <p:sldId id="322" r:id="rId19"/>
+    <p:sldId id="275" r:id="rId20"/>
+    <p:sldId id="297" r:id="rId21"/>
+    <p:sldId id="327" r:id="rId22"/>
+    <p:sldId id="280" r:id="rId23"/>
+    <p:sldId id="279" r:id="rId24"/>
+    <p:sldId id="328" r:id="rId25"/>
+    <p:sldId id="298" r:id="rId26"/>
+    <p:sldId id="329" r:id="rId27"/>
+    <p:sldId id="323" r:id="rId28"/>
+    <p:sldId id="324" r:id="rId29"/>
+    <p:sldId id="269" r:id="rId30"/>
+    <p:sldId id="271" r:id="rId31"/>
+    <p:sldId id="325" r:id="rId32"/>
+    <p:sldId id="272" r:id="rId33"/>
+    <p:sldId id="326" r:id="rId34"/>
+    <p:sldId id="273" r:id="rId35"/>
+    <p:sldId id="274" r:id="rId36"/>
   </p:sldIdLst>
   <p:sldSz cx="12192000" cy="6858000"/>
   <p:notesSz cx="6858000" cy="9144000"/>
@@ -224,7 +231,7 @@
           <a:p>
             <a:fld id="{601F3737-FD25-4DA3-9DDE-A31E7FA8A5F0}" type="datetimeFigureOut">
               <a:rPr lang="fr-FR" smtClean="0"/>
-              <a:t>13/02/2023</a:t>
+              <a:t>21/02/2023</a:t>
             </a:fld>
             <a:endParaRPr lang="fr-FR"/>
           </a:p>
@@ -619,10 +626,7 @@
           <a:bodyPr/>
           <a:lstStyle/>
           <a:p>
-            <a:r>
-              <a:rPr lang="fr-FR" dirty="0"/>
-              <a:t>https://azurplus.fr/a-quoi-sert-exactement-une-adresse-mac/</a:t>
-            </a:r>
+            <a:endParaRPr lang="fr-FR" dirty="0"/>
           </a:p>
         </p:txBody>
       </p:sp>
@@ -643,7 +647,7 @@
           <a:p>
             <a:fld id="{95BC48CA-3C1F-45E9-AF42-30C003A38B71}" type="slidenum">
               <a:rPr lang="fr-FR" smtClean="0"/>
-              <a:t>18</a:t>
+              <a:t>17</a:t>
             </a:fld>
             <a:endParaRPr lang="fr-FR"/>
           </a:p>
@@ -652,7 +656,7 @@
     </p:spTree>
     <p:extLst>
       <p:ext uri="{BB962C8B-B14F-4D97-AF65-F5344CB8AC3E}">
-        <p14:creationId xmlns:p14="http://schemas.microsoft.com/office/powerpoint/2010/main" val="2662081274"/>
+        <p14:creationId xmlns:p14="http://schemas.microsoft.com/office/powerpoint/2010/main" val="1570122862"/>
       </p:ext>
     </p:extLst>
   </p:cSld>
@@ -708,7 +712,13 @@
           <a:p>
             <a:r>
               <a:rPr lang="fr-FR" dirty="0"/>
-              <a:t>https://azurplus.fr/a-quoi-sert-exactement-une-adresse-mac/</a:t>
+              <a:t>Plus de PAT/NAT : Problème de sécurité</a:t>
+            </a:r>
+          </a:p>
+          <a:p>
+            <a:r>
+              <a:rPr lang="fr-FR" dirty="0"/>
+              <a:t>Description d’une architecture avec la box, filtrage par la box, filtrage a faire par l’ordinateur / capteur</a:t>
             </a:r>
           </a:p>
         </p:txBody>
@@ -730,7 +740,7 @@
           <a:p>
             <a:fld id="{95BC48CA-3C1F-45E9-AF42-30C003A38B71}" type="slidenum">
               <a:rPr lang="fr-FR" smtClean="0"/>
-              <a:t>19</a:t>
+              <a:t>18</a:t>
             </a:fld>
             <a:endParaRPr lang="fr-FR"/>
           </a:p>
@@ -739,7 +749,7 @@
     </p:spTree>
     <p:extLst>
       <p:ext uri="{BB962C8B-B14F-4D97-AF65-F5344CB8AC3E}">
-        <p14:creationId xmlns:p14="http://schemas.microsoft.com/office/powerpoint/2010/main" val="3329939500"/>
+        <p14:creationId xmlns:p14="http://schemas.microsoft.com/office/powerpoint/2010/main" val="2705267897"/>
       </p:ext>
     </p:extLst>
   </p:cSld>
@@ -793,38 +803,18 @@
           <a:bodyPr/>
           <a:lstStyle/>
           <a:p>
-            <a:pPr marL="0" marR="0" lvl="0" indent="0" algn="l" defTabSz="914400" rtl="0" eaLnBrk="1" fontAlgn="auto" latinLnBrk="0" hangingPunct="1">
-              <a:lnSpc>
-                <a:spcPct val="100000"/>
-              </a:lnSpc>
-              <a:spcBef>
-                <a:spcPts val="0"/>
-              </a:spcBef>
-              <a:spcAft>
-                <a:spcPts val="0"/>
-              </a:spcAft>
-              <a:buClrTx/>
-              <a:buSzTx/>
-              <a:buFontTx/>
-              <a:buNone/>
-              <a:tabLst/>
-              <a:defRPr/>
-            </a:pPr>
-            <a:r>
-              <a:rPr lang="fr-FR" dirty="0"/>
-              <a:t>Est-ce que ça vous aurait intéressé de sertir des </a:t>
-            </a:r>
-            <a:r>
-              <a:rPr lang="fr-FR" dirty="0" err="1"/>
-              <a:t>câbmes</a:t>
-            </a:r>
-            <a:r>
-              <a:rPr lang="fr-FR" dirty="0"/>
-              <a:t> ?</a:t>
-            </a:r>
-          </a:p>
-          <a:p>
-            <a:endParaRPr lang="fr-FR" dirty="0"/>
+            <a:r>
+              <a:rPr lang="fr-FR" dirty="0"/>
+              <a:t>Quels sont </a:t>
+            </a:r>
+            <a:r>
+              <a:rPr lang="fr-FR"/>
+              <a:t>les protocoles </a:t>
+            </a:r>
+            <a:r>
+              <a:rPr lang="fr-FR" dirty="0"/>
+              <a:t>que vous connaissez ?</a:t>
+            </a:r>
           </a:p>
         </p:txBody>
       </p:sp>
@@ -845,7 +835,7 @@
           <a:p>
             <a:fld id="{95BC48CA-3C1F-45E9-AF42-30C003A38B71}" type="slidenum">
               <a:rPr lang="fr-FR" smtClean="0"/>
-              <a:t>21</a:t>
+              <a:t>19</a:t>
             </a:fld>
             <a:endParaRPr lang="fr-FR"/>
           </a:p>
@@ -854,7 +844,7 @@
     </p:spTree>
     <p:extLst>
       <p:ext uri="{BB962C8B-B14F-4D97-AF65-F5344CB8AC3E}">
-        <p14:creationId xmlns:p14="http://schemas.microsoft.com/office/powerpoint/2010/main" val="620435831"/>
+        <p14:creationId xmlns:p14="http://schemas.microsoft.com/office/powerpoint/2010/main" val="4286678656"/>
       </p:ext>
     </p:extLst>
   </p:cSld>
@@ -908,37 +898,6 @@
           <a:bodyPr/>
           <a:lstStyle/>
           <a:p>
-            <a:pPr marL="0" marR="0" lvl="0" indent="0" algn="l" defTabSz="914400" rtl="0" eaLnBrk="1" fontAlgn="auto" latinLnBrk="0" hangingPunct="1">
-              <a:lnSpc>
-                <a:spcPct val="100000"/>
-              </a:lnSpc>
-              <a:spcBef>
-                <a:spcPts val="0"/>
-              </a:spcBef>
-              <a:spcAft>
-                <a:spcPts val="0"/>
-              </a:spcAft>
-              <a:buClrTx/>
-              <a:buSzTx/>
-              <a:buFontTx/>
-              <a:buNone/>
-              <a:tabLst/>
-              <a:defRPr/>
-            </a:pPr>
-            <a:r>
-              <a:rPr lang="fr-FR" dirty="0"/>
-              <a:t>Est-ce que ça vous aurait intéressé de sertir des </a:t>
-            </a:r>
-            <a:r>
-              <a:rPr lang="fr-FR" dirty="0" err="1"/>
-              <a:t>câbmes</a:t>
-            </a:r>
-            <a:r>
-              <a:rPr lang="fr-FR" dirty="0"/>
-              <a:t> ?</a:t>
-            </a:r>
-          </a:p>
-          <a:p>
             <a:endParaRPr lang="fr-FR" dirty="0"/>
           </a:p>
         </p:txBody>
@@ -960,7 +919,7 @@
           <a:p>
             <a:fld id="{95BC48CA-3C1F-45E9-AF42-30C003A38B71}" type="slidenum">
               <a:rPr lang="fr-FR" smtClean="0"/>
-              <a:t>22</a:t>
+              <a:t>20</a:t>
             </a:fld>
             <a:endParaRPr lang="fr-FR"/>
           </a:p>
@@ -969,7 +928,7 @@
     </p:spTree>
     <p:extLst>
       <p:ext uri="{BB962C8B-B14F-4D97-AF65-F5344CB8AC3E}">
-        <p14:creationId xmlns:p14="http://schemas.microsoft.com/office/powerpoint/2010/main" val="1129090529"/>
+        <p14:creationId xmlns:p14="http://schemas.microsoft.com/office/powerpoint/2010/main" val="2481491489"/>
       </p:ext>
     </p:extLst>
   </p:cSld>
@@ -1025,19 +984,67 @@
           <a:p>
             <a:r>
               <a:rPr lang="fr-FR" dirty="0"/>
-              <a:t>Très utilisé ! Notamment pour relier des antennes 4G qui sont trop loin du réseau</a:t>
-            </a:r>
-            <a:r>
-              <a:rPr lang="fr-FR" baseline="0" dirty="0"/>
-              <a:t> fibre</a:t>
-            </a:r>
-          </a:p>
-          <a:p>
-            <a:r>
-              <a:rPr lang="fr-FR" baseline="0" dirty="0"/>
-              <a:t>EDF : Barrage relié en point à point</a:t>
+              <a:t>https://sitelec.org/cours/caleca/ftp/les_bases.htm</a:t>
+            </a:r>
+          </a:p>
+          <a:p>
+            <a:r>
+              <a:rPr lang="fr-FR" dirty="0"/>
+              <a:t>Quelque commandes :</a:t>
+            </a:r>
+          </a:p>
+          <a:p>
+            <a:r>
+              <a:rPr lang="fr-FR" dirty="0"/>
+              <a:t>USER  </a:t>
+            </a:r>
+            <a:r>
+              <a:rPr lang="fr-FR" dirty="0" err="1"/>
+              <a:t>user</a:t>
             </a:r>
             <a:endParaRPr lang="fr-FR" dirty="0"/>
+          </a:p>
+          <a:p>
+            <a:r>
+              <a:rPr lang="fr-FR" dirty="0" err="1"/>
+              <a:t>PASS</a:t>
+            </a:r>
+            <a:r>
+              <a:rPr lang="fr-FR" dirty="0"/>
+              <a:t> mot de passe</a:t>
+            </a:r>
+          </a:p>
+          <a:p>
+            <a:r>
+              <a:rPr lang="fr-FR" dirty="0" err="1"/>
+              <a:t>PWD</a:t>
+            </a:r>
+            <a:r>
+              <a:rPr lang="fr-FR" dirty="0"/>
+              <a:t> : </a:t>
+            </a:r>
+            <a:r>
+              <a:rPr lang="fr-FR" dirty="0" err="1"/>
+              <a:t>Print</a:t>
+            </a:r>
+            <a:r>
+              <a:rPr lang="fr-FR" dirty="0"/>
+              <a:t> </a:t>
+            </a:r>
+            <a:r>
+              <a:rPr lang="fr-FR" dirty="0" err="1"/>
+              <a:t>Working</a:t>
+            </a:r>
+            <a:r>
+              <a:rPr lang="fr-FR" dirty="0"/>
+              <a:t> Directory (donne / quand on est la racine)</a:t>
+            </a:r>
+          </a:p>
+          <a:p>
+            <a:r>
+              <a:rPr lang="fr-FR" dirty="0"/>
+              <a:t>LIST : LS</a:t>
+            </a:r>
           </a:p>
         </p:txBody>
       </p:sp>
@@ -1058,7 +1065,7 @@
           <a:p>
             <a:fld id="{95BC48CA-3C1F-45E9-AF42-30C003A38B71}" type="slidenum">
               <a:rPr lang="fr-FR" smtClean="0"/>
-              <a:t>27</a:t>
+              <a:t>21</a:t>
             </a:fld>
             <a:endParaRPr lang="fr-FR"/>
           </a:p>
@@ -1067,7 +1074,498 @@
     </p:spTree>
     <p:extLst>
       <p:ext uri="{BB962C8B-B14F-4D97-AF65-F5344CB8AC3E}">
-        <p14:creationId xmlns:p14="http://schemas.microsoft.com/office/powerpoint/2010/main" val="2254966998"/>
+        <p14:creationId xmlns:p14="http://schemas.microsoft.com/office/powerpoint/2010/main" val="3330790896"/>
+      </p:ext>
+    </p:extLst>
+  </p:cSld>
+  <p:clrMapOvr>
+    <a:masterClrMapping/>
+  </p:clrMapOvr>
+</p:notes>
+</file>
+
+<file path=ppt/notesSlides/notesSlide15.xml><?xml version="1.0" encoding="utf-8"?>
+<p:notes xmlns:a="http://schemas.openxmlformats.org/drawingml/2006/main" xmlns:r="http://schemas.openxmlformats.org/officeDocument/2006/relationships" xmlns:p="http://schemas.openxmlformats.org/presentationml/2006/main">
+  <p:cSld>
+    <p:spTree>
+      <p:nvGrpSpPr>
+        <p:cNvPr id="1" name=""/>
+        <p:cNvGrpSpPr/>
+        <p:nvPr/>
+      </p:nvGrpSpPr>
+      <p:grpSpPr>
+        <a:xfrm>
+          <a:off x="0" y="0"/>
+          <a:ext cx="0" cy="0"/>
+          <a:chOff x="0" y="0"/>
+          <a:chExt cx="0" cy="0"/>
+        </a:xfrm>
+      </p:grpSpPr>
+      <p:sp>
+        <p:nvSpPr>
+          <p:cNvPr id="2" name="Espace réservé de l'image des diapositives 1"/>
+          <p:cNvSpPr>
+            <a:spLocks noGrp="1" noRot="1" noChangeAspect="1"/>
+          </p:cNvSpPr>
+          <p:nvPr>
+            <p:ph type="sldImg"/>
+          </p:nvPr>
+        </p:nvSpPr>
+        <p:spPr/>
+      </p:sp>
+      <p:sp>
+        <p:nvSpPr>
+          <p:cNvPr id="3" name="Espace réservé des notes 2"/>
+          <p:cNvSpPr>
+            <a:spLocks noGrp="1"/>
+          </p:cNvSpPr>
+          <p:nvPr>
+            <p:ph type="body" idx="1"/>
+          </p:nvPr>
+        </p:nvSpPr>
+        <p:spPr/>
+        <p:txBody>
+          <a:bodyPr/>
+          <a:lstStyle/>
+          <a:p>
+            <a:r>
+              <a:rPr lang="fr-FR" dirty="0"/>
+              <a:t>Reverse </a:t>
+            </a:r>
+            <a:r>
+              <a:rPr lang="fr-FR" dirty="0" err="1"/>
+              <a:t>SSH</a:t>
+            </a:r>
+            <a:r>
+              <a:rPr lang="fr-FR" dirty="0"/>
+              <a:t> : schéma au tableau</a:t>
+            </a:r>
+          </a:p>
+        </p:txBody>
+      </p:sp>
+      <p:sp>
+        <p:nvSpPr>
+          <p:cNvPr id="4" name="Espace réservé du numéro de diapositive 3"/>
+          <p:cNvSpPr>
+            <a:spLocks noGrp="1"/>
+          </p:cNvSpPr>
+          <p:nvPr>
+            <p:ph type="sldNum" sz="quarter" idx="5"/>
+          </p:nvPr>
+        </p:nvSpPr>
+        <p:spPr/>
+        <p:txBody>
+          <a:bodyPr/>
+          <a:lstStyle/>
+          <a:p>
+            <a:fld id="{95BC48CA-3C1F-45E9-AF42-30C003A38B71}" type="slidenum">
+              <a:rPr lang="fr-FR" smtClean="0"/>
+              <a:t>24</a:t>
+            </a:fld>
+            <a:endParaRPr lang="fr-FR"/>
+          </a:p>
+        </p:txBody>
+      </p:sp>
+    </p:spTree>
+    <p:extLst>
+      <p:ext uri="{BB962C8B-B14F-4D97-AF65-F5344CB8AC3E}">
+        <p14:creationId xmlns:p14="http://schemas.microsoft.com/office/powerpoint/2010/main" val="3686479247"/>
+      </p:ext>
+    </p:extLst>
+  </p:cSld>
+  <p:clrMapOvr>
+    <a:masterClrMapping/>
+  </p:clrMapOvr>
+</p:notes>
+</file>
+
+<file path=ppt/notesSlides/notesSlide16.xml><?xml version="1.0" encoding="utf-8"?>
+<p:notes xmlns:a="http://schemas.openxmlformats.org/drawingml/2006/main" xmlns:r="http://schemas.openxmlformats.org/officeDocument/2006/relationships" xmlns:p="http://schemas.openxmlformats.org/presentationml/2006/main">
+  <p:cSld>
+    <p:spTree>
+      <p:nvGrpSpPr>
+        <p:cNvPr id="1" name=""/>
+        <p:cNvGrpSpPr/>
+        <p:nvPr/>
+      </p:nvGrpSpPr>
+      <p:grpSpPr>
+        <a:xfrm>
+          <a:off x="0" y="0"/>
+          <a:ext cx="0" cy="0"/>
+          <a:chOff x="0" y="0"/>
+          <a:chExt cx="0" cy="0"/>
+        </a:xfrm>
+      </p:grpSpPr>
+      <p:sp>
+        <p:nvSpPr>
+          <p:cNvPr id="2" name="Espace réservé de l'image des diapositives 1"/>
+          <p:cNvSpPr>
+            <a:spLocks noGrp="1" noRot="1" noChangeAspect="1"/>
+          </p:cNvSpPr>
+          <p:nvPr>
+            <p:ph type="sldImg"/>
+          </p:nvPr>
+        </p:nvSpPr>
+        <p:spPr/>
+      </p:sp>
+      <p:sp>
+        <p:nvSpPr>
+          <p:cNvPr id="3" name="Espace réservé des notes 2"/>
+          <p:cNvSpPr>
+            <a:spLocks noGrp="1"/>
+          </p:cNvSpPr>
+          <p:nvPr>
+            <p:ph type="body" idx="1"/>
+          </p:nvPr>
+        </p:nvSpPr>
+        <p:spPr/>
+        <p:txBody>
+          <a:bodyPr/>
+          <a:lstStyle/>
+          <a:p>
+            <a:r>
+              <a:rPr lang="fr-FR" dirty="0"/>
+              <a:t>https://azurplus.fr/a-quoi-sert-exactement-une-adresse-mac/</a:t>
+            </a:r>
+          </a:p>
+        </p:txBody>
+      </p:sp>
+      <p:sp>
+        <p:nvSpPr>
+          <p:cNvPr id="4" name="Espace réservé du numéro de diapositive 3"/>
+          <p:cNvSpPr>
+            <a:spLocks noGrp="1"/>
+          </p:cNvSpPr>
+          <p:nvPr>
+            <p:ph type="sldNum" sz="quarter" idx="5"/>
+          </p:nvPr>
+        </p:nvSpPr>
+        <p:spPr/>
+        <p:txBody>
+          <a:bodyPr/>
+          <a:lstStyle/>
+          <a:p>
+            <a:fld id="{95BC48CA-3C1F-45E9-AF42-30C003A38B71}" type="slidenum">
+              <a:rPr lang="fr-FR" smtClean="0"/>
+              <a:t>25</a:t>
+            </a:fld>
+            <a:endParaRPr lang="fr-FR"/>
+          </a:p>
+        </p:txBody>
+      </p:sp>
+    </p:spTree>
+    <p:extLst>
+      <p:ext uri="{BB962C8B-B14F-4D97-AF65-F5344CB8AC3E}">
+        <p14:creationId xmlns:p14="http://schemas.microsoft.com/office/powerpoint/2010/main" val="2662081274"/>
+      </p:ext>
+    </p:extLst>
+  </p:cSld>
+  <p:clrMapOvr>
+    <a:masterClrMapping/>
+  </p:clrMapOvr>
+</p:notes>
+</file>
+
+<file path=ppt/notesSlides/notesSlide17.xml><?xml version="1.0" encoding="utf-8"?>
+<p:notes xmlns:a="http://schemas.openxmlformats.org/drawingml/2006/main" xmlns:r="http://schemas.openxmlformats.org/officeDocument/2006/relationships" xmlns:p="http://schemas.openxmlformats.org/presentationml/2006/main">
+  <p:cSld>
+    <p:spTree>
+      <p:nvGrpSpPr>
+        <p:cNvPr id="1" name=""/>
+        <p:cNvGrpSpPr/>
+        <p:nvPr/>
+      </p:nvGrpSpPr>
+      <p:grpSpPr>
+        <a:xfrm>
+          <a:off x="0" y="0"/>
+          <a:ext cx="0" cy="0"/>
+          <a:chOff x="0" y="0"/>
+          <a:chExt cx="0" cy="0"/>
+        </a:xfrm>
+      </p:grpSpPr>
+      <p:sp>
+        <p:nvSpPr>
+          <p:cNvPr id="2" name="Espace réservé de l'image des diapositives 1"/>
+          <p:cNvSpPr>
+            <a:spLocks noGrp="1" noRot="1" noChangeAspect="1"/>
+          </p:cNvSpPr>
+          <p:nvPr>
+            <p:ph type="sldImg"/>
+          </p:nvPr>
+        </p:nvSpPr>
+        <p:spPr/>
+      </p:sp>
+      <p:sp>
+        <p:nvSpPr>
+          <p:cNvPr id="3" name="Espace réservé des notes 2"/>
+          <p:cNvSpPr>
+            <a:spLocks noGrp="1"/>
+          </p:cNvSpPr>
+          <p:nvPr>
+            <p:ph type="body" idx="1"/>
+          </p:nvPr>
+        </p:nvSpPr>
+        <p:spPr/>
+        <p:txBody>
+          <a:bodyPr/>
+          <a:lstStyle/>
+          <a:p>
+            <a:r>
+              <a:rPr lang="fr-FR" dirty="0"/>
+              <a:t>https://azurplus.fr/a-quoi-sert-exactement-une-adresse-mac/</a:t>
+            </a:r>
+          </a:p>
+        </p:txBody>
+      </p:sp>
+      <p:sp>
+        <p:nvSpPr>
+          <p:cNvPr id="4" name="Espace réservé du numéro de diapositive 3"/>
+          <p:cNvSpPr>
+            <a:spLocks noGrp="1"/>
+          </p:cNvSpPr>
+          <p:nvPr>
+            <p:ph type="sldNum" sz="quarter" idx="5"/>
+          </p:nvPr>
+        </p:nvSpPr>
+        <p:spPr/>
+        <p:txBody>
+          <a:bodyPr/>
+          <a:lstStyle/>
+          <a:p>
+            <a:fld id="{95BC48CA-3C1F-45E9-AF42-30C003A38B71}" type="slidenum">
+              <a:rPr lang="fr-FR" smtClean="0"/>
+              <a:t>26</a:t>
+            </a:fld>
+            <a:endParaRPr lang="fr-FR"/>
+          </a:p>
+        </p:txBody>
+      </p:sp>
+    </p:spTree>
+    <p:extLst>
+      <p:ext uri="{BB962C8B-B14F-4D97-AF65-F5344CB8AC3E}">
+        <p14:creationId xmlns:p14="http://schemas.microsoft.com/office/powerpoint/2010/main" val="3329939500"/>
+      </p:ext>
+    </p:extLst>
+  </p:cSld>
+  <p:clrMapOvr>
+    <a:masterClrMapping/>
+  </p:clrMapOvr>
+</p:notes>
+</file>
+
+<file path=ppt/notesSlides/notesSlide18.xml><?xml version="1.0" encoding="utf-8"?>
+<p:notes xmlns:a="http://schemas.openxmlformats.org/drawingml/2006/main" xmlns:r="http://schemas.openxmlformats.org/officeDocument/2006/relationships" xmlns:p="http://schemas.openxmlformats.org/presentationml/2006/main">
+  <p:cSld>
+    <p:spTree>
+      <p:nvGrpSpPr>
+        <p:cNvPr id="1" name=""/>
+        <p:cNvGrpSpPr/>
+        <p:nvPr/>
+      </p:nvGrpSpPr>
+      <p:grpSpPr>
+        <a:xfrm>
+          <a:off x="0" y="0"/>
+          <a:ext cx="0" cy="0"/>
+          <a:chOff x="0" y="0"/>
+          <a:chExt cx="0" cy="0"/>
+        </a:xfrm>
+      </p:grpSpPr>
+      <p:sp>
+        <p:nvSpPr>
+          <p:cNvPr id="2" name="Espace réservé de l'image des diapositives 1"/>
+          <p:cNvSpPr>
+            <a:spLocks noGrp="1" noRot="1" noChangeAspect="1"/>
+          </p:cNvSpPr>
+          <p:nvPr>
+            <p:ph type="sldImg"/>
+          </p:nvPr>
+        </p:nvSpPr>
+        <p:spPr/>
+      </p:sp>
+      <p:sp>
+        <p:nvSpPr>
+          <p:cNvPr id="3" name="Espace réservé des notes 2"/>
+          <p:cNvSpPr>
+            <a:spLocks noGrp="1"/>
+          </p:cNvSpPr>
+          <p:nvPr>
+            <p:ph type="body" idx="1"/>
+          </p:nvPr>
+        </p:nvSpPr>
+        <p:spPr/>
+        <p:txBody>
+          <a:bodyPr/>
+          <a:lstStyle/>
+          <a:p>
+            <a:pPr marL="0" marR="0" lvl="0" indent="0" algn="l" defTabSz="914400" rtl="0" eaLnBrk="1" fontAlgn="auto" latinLnBrk="0" hangingPunct="1">
+              <a:lnSpc>
+                <a:spcPct val="100000"/>
+              </a:lnSpc>
+              <a:spcBef>
+                <a:spcPts val="0"/>
+              </a:spcBef>
+              <a:spcAft>
+                <a:spcPts val="0"/>
+              </a:spcAft>
+              <a:buClrTx/>
+              <a:buSzTx/>
+              <a:buFontTx/>
+              <a:buNone/>
+              <a:tabLst/>
+              <a:defRPr/>
+            </a:pPr>
+            <a:r>
+              <a:rPr lang="fr-FR" dirty="0"/>
+              <a:t>Est-ce que ça vous aurait intéressé de sertir des </a:t>
+            </a:r>
+            <a:r>
+              <a:rPr lang="fr-FR" dirty="0" err="1"/>
+              <a:t>câbmes</a:t>
+            </a:r>
+            <a:r>
+              <a:rPr lang="fr-FR" dirty="0"/>
+              <a:t> ?</a:t>
+            </a:r>
+          </a:p>
+          <a:p>
+            <a:endParaRPr lang="fr-FR" dirty="0"/>
+          </a:p>
+        </p:txBody>
+      </p:sp>
+      <p:sp>
+        <p:nvSpPr>
+          <p:cNvPr id="4" name="Espace réservé du numéro de diapositive 3"/>
+          <p:cNvSpPr>
+            <a:spLocks noGrp="1"/>
+          </p:cNvSpPr>
+          <p:nvPr>
+            <p:ph type="sldNum" sz="quarter" idx="5"/>
+          </p:nvPr>
+        </p:nvSpPr>
+        <p:spPr/>
+        <p:txBody>
+          <a:bodyPr/>
+          <a:lstStyle/>
+          <a:p>
+            <a:fld id="{95BC48CA-3C1F-45E9-AF42-30C003A38B71}" type="slidenum">
+              <a:rPr lang="fr-FR" smtClean="0"/>
+              <a:t>28</a:t>
+            </a:fld>
+            <a:endParaRPr lang="fr-FR"/>
+          </a:p>
+        </p:txBody>
+      </p:sp>
+    </p:spTree>
+    <p:extLst>
+      <p:ext uri="{BB962C8B-B14F-4D97-AF65-F5344CB8AC3E}">
+        <p14:creationId xmlns:p14="http://schemas.microsoft.com/office/powerpoint/2010/main" val="620435831"/>
+      </p:ext>
+    </p:extLst>
+  </p:cSld>
+  <p:clrMapOvr>
+    <a:masterClrMapping/>
+  </p:clrMapOvr>
+</p:notes>
+</file>
+
+<file path=ppt/notesSlides/notesSlide19.xml><?xml version="1.0" encoding="utf-8"?>
+<p:notes xmlns:a="http://schemas.openxmlformats.org/drawingml/2006/main" xmlns:r="http://schemas.openxmlformats.org/officeDocument/2006/relationships" xmlns:p="http://schemas.openxmlformats.org/presentationml/2006/main">
+  <p:cSld>
+    <p:spTree>
+      <p:nvGrpSpPr>
+        <p:cNvPr id="1" name=""/>
+        <p:cNvGrpSpPr/>
+        <p:nvPr/>
+      </p:nvGrpSpPr>
+      <p:grpSpPr>
+        <a:xfrm>
+          <a:off x="0" y="0"/>
+          <a:ext cx="0" cy="0"/>
+          <a:chOff x="0" y="0"/>
+          <a:chExt cx="0" cy="0"/>
+        </a:xfrm>
+      </p:grpSpPr>
+      <p:sp>
+        <p:nvSpPr>
+          <p:cNvPr id="2" name="Espace réservé de l'image des diapositives 1"/>
+          <p:cNvSpPr>
+            <a:spLocks noGrp="1" noRot="1" noChangeAspect="1"/>
+          </p:cNvSpPr>
+          <p:nvPr>
+            <p:ph type="sldImg"/>
+          </p:nvPr>
+        </p:nvSpPr>
+        <p:spPr/>
+      </p:sp>
+      <p:sp>
+        <p:nvSpPr>
+          <p:cNvPr id="3" name="Espace réservé des notes 2"/>
+          <p:cNvSpPr>
+            <a:spLocks noGrp="1"/>
+          </p:cNvSpPr>
+          <p:nvPr>
+            <p:ph type="body" idx="1"/>
+          </p:nvPr>
+        </p:nvSpPr>
+        <p:spPr/>
+        <p:txBody>
+          <a:bodyPr/>
+          <a:lstStyle/>
+          <a:p>
+            <a:pPr marL="0" marR="0" lvl="0" indent="0" algn="l" defTabSz="914400" rtl="0" eaLnBrk="1" fontAlgn="auto" latinLnBrk="0" hangingPunct="1">
+              <a:lnSpc>
+                <a:spcPct val="100000"/>
+              </a:lnSpc>
+              <a:spcBef>
+                <a:spcPts val="0"/>
+              </a:spcBef>
+              <a:spcAft>
+                <a:spcPts val="0"/>
+              </a:spcAft>
+              <a:buClrTx/>
+              <a:buSzTx/>
+              <a:buFontTx/>
+              <a:buNone/>
+              <a:tabLst/>
+              <a:defRPr/>
+            </a:pPr>
+            <a:r>
+              <a:rPr lang="fr-FR" dirty="0"/>
+              <a:t>Utilisation d’une boite de chicoré : 200m</a:t>
+            </a:r>
+          </a:p>
+          <a:p>
+            <a:endParaRPr lang="fr-FR" dirty="0"/>
+          </a:p>
+        </p:txBody>
+      </p:sp>
+      <p:sp>
+        <p:nvSpPr>
+          <p:cNvPr id="4" name="Espace réservé du numéro de diapositive 3"/>
+          <p:cNvSpPr>
+            <a:spLocks noGrp="1"/>
+          </p:cNvSpPr>
+          <p:nvPr>
+            <p:ph type="sldNum" sz="quarter" idx="5"/>
+          </p:nvPr>
+        </p:nvSpPr>
+        <p:spPr/>
+        <p:txBody>
+          <a:bodyPr/>
+          <a:lstStyle/>
+          <a:p>
+            <a:fld id="{95BC48CA-3C1F-45E9-AF42-30C003A38B71}" type="slidenum">
+              <a:rPr lang="fr-FR" smtClean="0"/>
+              <a:t>29</a:t>
+            </a:fld>
+            <a:endParaRPr lang="fr-FR"/>
+          </a:p>
+        </p:txBody>
+      </p:sp>
+    </p:spTree>
+    <p:extLst>
+      <p:ext uri="{BB962C8B-B14F-4D97-AF65-F5344CB8AC3E}">
+        <p14:creationId xmlns:p14="http://schemas.microsoft.com/office/powerpoint/2010/main" val="1129090529"/>
       </p:ext>
     </p:extLst>
   </p:cSld>
@@ -1123,8 +1621,17 @@
           <a:p>
             <a:r>
               <a:rPr lang="fr-FR" dirty="0"/>
-              <a:t>10.103.45.8/10 : 10. 0110 0111 : Réseau 10.64.0.0 Masque : 255.192.0.0 Adresse machine : </a:t>
-            </a:r>
+              <a:t>Pénurie Adresse MAC : </a:t>
+            </a:r>
+          </a:p>
+          <a:p>
+            <a:r>
+              <a:rPr lang="fr-FR" dirty="0"/>
+              <a:t>48 Bits -&gt; 281 000 milliards d’équipements -&gt; 543 000 interface / km² sur la terre entière</a:t>
+            </a:r>
+          </a:p>
+          <a:p>
+            <a:endParaRPr lang="fr-FR" dirty="0"/>
           </a:p>
         </p:txBody>
       </p:sp>
@@ -1145,7 +1652,7 @@
           <a:p>
             <a:fld id="{B39FDBF7-FC3A-4DFE-85ED-83EB322307D6}" type="slidenum">
               <a:rPr lang="fr-FR" smtClean="0"/>
-              <a:t>5</a:t>
+              <a:t>7</a:t>
             </a:fld>
             <a:endParaRPr lang="fr-FR"/>
           </a:p>
@@ -1155,6 +1662,104 @@
     <p:extLst>
       <p:ext uri="{BB962C8B-B14F-4D97-AF65-F5344CB8AC3E}">
         <p14:creationId xmlns:p14="http://schemas.microsoft.com/office/powerpoint/2010/main" val="1899507704"/>
+      </p:ext>
+    </p:extLst>
+  </p:cSld>
+  <p:clrMapOvr>
+    <a:masterClrMapping/>
+  </p:clrMapOvr>
+</p:notes>
+</file>
+
+<file path=ppt/notesSlides/notesSlide20.xml><?xml version="1.0" encoding="utf-8"?>
+<p:notes xmlns:a="http://schemas.openxmlformats.org/drawingml/2006/main" xmlns:r="http://schemas.openxmlformats.org/officeDocument/2006/relationships" xmlns:p="http://schemas.openxmlformats.org/presentationml/2006/main">
+  <p:cSld>
+    <p:spTree>
+      <p:nvGrpSpPr>
+        <p:cNvPr id="1" name=""/>
+        <p:cNvGrpSpPr/>
+        <p:nvPr/>
+      </p:nvGrpSpPr>
+      <p:grpSpPr>
+        <a:xfrm>
+          <a:off x="0" y="0"/>
+          <a:ext cx="0" cy="0"/>
+          <a:chOff x="0" y="0"/>
+          <a:chExt cx="0" cy="0"/>
+        </a:xfrm>
+      </p:grpSpPr>
+      <p:sp>
+        <p:nvSpPr>
+          <p:cNvPr id="2" name="Espace réservé de l'image des diapositives 1"/>
+          <p:cNvSpPr>
+            <a:spLocks noGrp="1" noRot="1" noChangeAspect="1"/>
+          </p:cNvSpPr>
+          <p:nvPr>
+            <p:ph type="sldImg"/>
+          </p:nvPr>
+        </p:nvSpPr>
+        <p:spPr/>
+      </p:sp>
+      <p:sp>
+        <p:nvSpPr>
+          <p:cNvPr id="3" name="Espace réservé des notes 2"/>
+          <p:cNvSpPr>
+            <a:spLocks noGrp="1"/>
+          </p:cNvSpPr>
+          <p:nvPr>
+            <p:ph type="body" idx="1"/>
+          </p:nvPr>
+        </p:nvSpPr>
+        <p:spPr/>
+        <p:txBody>
+          <a:bodyPr/>
+          <a:lstStyle/>
+          <a:p>
+            <a:r>
+              <a:rPr lang="fr-FR" dirty="0"/>
+              <a:t>Très utilisé ! Notamment pour relier des antennes 4G qui sont trop loin du réseau</a:t>
+            </a:r>
+            <a:r>
+              <a:rPr lang="fr-FR" baseline="0" dirty="0"/>
+              <a:t> fibre</a:t>
+            </a:r>
+          </a:p>
+          <a:p>
+            <a:r>
+              <a:rPr lang="fr-FR" baseline="0" dirty="0"/>
+              <a:t>EDF : Barrage relié en point à point</a:t>
+            </a:r>
+            <a:endParaRPr lang="fr-FR" dirty="0"/>
+          </a:p>
+        </p:txBody>
+      </p:sp>
+      <p:sp>
+        <p:nvSpPr>
+          <p:cNvPr id="4" name="Espace réservé du numéro de diapositive 3"/>
+          <p:cNvSpPr>
+            <a:spLocks noGrp="1"/>
+          </p:cNvSpPr>
+          <p:nvPr>
+            <p:ph type="sldNum" sz="quarter" idx="5"/>
+          </p:nvPr>
+        </p:nvSpPr>
+        <p:spPr/>
+        <p:txBody>
+          <a:bodyPr/>
+          <a:lstStyle/>
+          <a:p>
+            <a:fld id="{95BC48CA-3C1F-45E9-AF42-30C003A38B71}" type="slidenum">
+              <a:rPr lang="fr-FR" smtClean="0"/>
+              <a:t>34</a:t>
+            </a:fld>
+            <a:endParaRPr lang="fr-FR"/>
+          </a:p>
+        </p:txBody>
+      </p:sp>
+    </p:spTree>
+    <p:extLst>
+      <p:ext uri="{BB962C8B-B14F-4D97-AF65-F5344CB8AC3E}">
+        <p14:creationId xmlns:p14="http://schemas.microsoft.com/office/powerpoint/2010/main" val="2254966998"/>
       </p:ext>
     </p:extLst>
   </p:cSld>
@@ -1210,7 +1815,41 @@
           <a:p>
             <a:r>
               <a:rPr lang="fr-FR" dirty="0"/>
-              <a:t>10.103.45.8/10 : 10. 0110 0111 : Réseau 10.64.0.0 Masque : 255.192.0.0 Adresse machine : </a:t>
+              <a:t>10.8.45.8/8 : </a:t>
+            </a:r>
+          </a:p>
+          <a:p>
+            <a:r>
+              <a:rPr lang="fr-FR" dirty="0" err="1"/>
+              <a:t>Reseau</a:t>
+            </a:r>
+            <a:r>
+              <a:rPr lang="fr-FR" dirty="0"/>
+              <a:t> : 10.0.0.0</a:t>
+            </a:r>
+          </a:p>
+          <a:p>
+            <a:r>
+              <a:rPr lang="fr-FR" dirty="0"/>
+              <a:t>Masque 255.0.0.0</a:t>
+            </a:r>
+          </a:p>
+          <a:p>
+            <a:r>
+              <a:rPr lang="fr-FR" dirty="0"/>
+              <a:t>Nombre d’équipement = 16 777 216 – 1</a:t>
+            </a:r>
+          </a:p>
+          <a:p>
+            <a:r>
+              <a:rPr lang="fr-FR" dirty="0"/>
+              <a:t>Adresse de broadcast 10.255.255.255</a:t>
+            </a:r>
+          </a:p>
+          <a:p>
+            <a:r>
+              <a:rPr lang="fr-FR" dirty="0"/>
+              <a:t>Masque / 16 : 255.255.0.0</a:t>
             </a:r>
           </a:p>
         </p:txBody>
@@ -1232,7 +1871,7 @@
           <a:p>
             <a:fld id="{B39FDBF7-FC3A-4DFE-85ED-83EB322307D6}" type="slidenum">
               <a:rPr lang="fr-FR" smtClean="0"/>
-              <a:t>6</a:t>
+              <a:t>8</a:t>
             </a:fld>
             <a:endParaRPr lang="fr-FR"/>
           </a:p>
@@ -1319,7 +1958,7 @@
           <a:p>
             <a:fld id="{B39FDBF7-FC3A-4DFE-85ED-83EB322307D6}" type="slidenum">
               <a:rPr lang="fr-FR" smtClean="0"/>
-              <a:t>7</a:t>
+              <a:t>9</a:t>
             </a:fld>
             <a:endParaRPr lang="fr-FR"/>
           </a:p>
@@ -1403,7 +2042,7 @@
           <a:p>
             <a:fld id="{B39FDBF7-FC3A-4DFE-85ED-83EB322307D6}" type="slidenum">
               <a:rPr lang="fr-FR" smtClean="0"/>
-              <a:t>8</a:t>
+              <a:t>10</a:t>
             </a:fld>
             <a:endParaRPr lang="fr-FR"/>
           </a:p>
@@ -1487,7 +2126,7 @@
           <a:p>
             <a:fld id="{95BC48CA-3C1F-45E9-AF42-30C003A38B71}" type="slidenum">
               <a:rPr lang="fr-FR" smtClean="0"/>
-              <a:t>10</a:t>
+              <a:t>12</a:t>
             </a:fld>
             <a:endParaRPr lang="fr-FR"/>
           </a:p>
@@ -1496,7 +2135,7 @@
     </p:spTree>
     <p:extLst>
       <p:ext uri="{BB962C8B-B14F-4D97-AF65-F5344CB8AC3E}">
-        <p14:creationId xmlns:p14="http://schemas.microsoft.com/office/powerpoint/2010/main" val="1570122862"/>
+        <p14:creationId xmlns:p14="http://schemas.microsoft.com/office/powerpoint/2010/main" val="2019437361"/>
       </p:ext>
     </p:extLst>
   </p:cSld>
@@ -1571,7 +2210,7 @@
           <a:p>
             <a:fld id="{95BC48CA-3C1F-45E9-AF42-30C003A38B71}" type="slidenum">
               <a:rPr lang="fr-FR" smtClean="0"/>
-              <a:t>11</a:t>
+              <a:t>13</a:t>
             </a:fld>
             <a:endParaRPr lang="fr-FR"/>
           </a:p>
@@ -1580,7 +2219,7 @@
     </p:spTree>
     <p:extLst>
       <p:ext uri="{BB962C8B-B14F-4D97-AF65-F5344CB8AC3E}">
-        <p14:creationId xmlns:p14="http://schemas.microsoft.com/office/powerpoint/2010/main" val="2705267897"/>
+        <p14:creationId xmlns:p14="http://schemas.microsoft.com/office/powerpoint/2010/main" val="2172525238"/>
       </p:ext>
     </p:extLst>
   </p:cSld>
@@ -1636,58 +2275,25 @@
           <a:p>
             <a:r>
               <a:rPr lang="fr-FR" dirty="0"/>
-              <a:t>Format : </a:t>
-            </a:r>
-            <a:r>
-              <a:rPr lang="fr-FR" dirty="0" err="1"/>
-              <a:t>HH</a:t>
-            </a:r>
-            <a:r>
-              <a:rPr lang="fr-FR" dirty="0"/>
-              <a:t> </a:t>
-            </a:r>
-            <a:r>
-              <a:rPr lang="fr-FR" dirty="0" err="1"/>
-              <a:t>HH</a:t>
-            </a:r>
-            <a:r>
-              <a:rPr lang="fr-FR" dirty="0"/>
-              <a:t> </a:t>
-            </a:r>
-            <a:r>
-              <a:rPr lang="fr-FR" dirty="0" err="1"/>
-              <a:t>HH</a:t>
-            </a:r>
-            <a:r>
-              <a:rPr lang="fr-FR" dirty="0"/>
-              <a:t> </a:t>
-            </a:r>
-            <a:r>
-              <a:rPr lang="fr-FR" dirty="0" err="1"/>
-              <a:t>HH</a:t>
-            </a:r>
-            <a:r>
-              <a:rPr lang="fr-FR" dirty="0"/>
-              <a:t> </a:t>
-            </a:r>
-            <a:r>
-              <a:rPr lang="fr-FR" dirty="0" err="1"/>
-              <a:t>HH</a:t>
-            </a:r>
-            <a:r>
-              <a:rPr lang="fr-FR" dirty="0"/>
-              <a:t> </a:t>
-            </a:r>
-            <a:r>
-              <a:rPr lang="fr-FR" dirty="0" err="1"/>
-              <a:t>HH</a:t>
-            </a:r>
-            <a:endParaRPr lang="fr-FR" dirty="0"/>
-          </a:p>
-          <a:p>
-            <a:r>
-              <a:rPr lang="fr-FR" dirty="0"/>
-              <a:t>Spécificité : unicité </a:t>
+              <a:t>Toutes les équipements n’ont pas besoin d’avoir accès à internet en même temps.</a:t>
+            </a:r>
+          </a:p>
+          <a:p>
+            <a:r>
+              <a:rPr lang="fr-FR" dirty="0"/>
+              <a:t>Seuls les équipements actifs utilisent une adresse IP publique</a:t>
+            </a:r>
+          </a:p>
+          <a:p>
+            <a:r>
+              <a:rPr lang="fr-FR" dirty="0"/>
+              <a:t>Le routeur réalise l’allocation de façon dynamique</a:t>
+            </a:r>
+          </a:p>
+          <a:p>
+            <a:r>
+              <a:rPr lang="fr-FR" dirty="0"/>
+              <a:t>Il remplace dans les trames IP l’adresse source par une adresse publique</a:t>
             </a:r>
           </a:p>
         </p:txBody>
@@ -1709,7 +2315,7 @@
           <a:p>
             <a:fld id="{95BC48CA-3C1F-45E9-AF42-30C003A38B71}" type="slidenum">
               <a:rPr lang="fr-FR" smtClean="0"/>
-              <a:t>13</a:t>
+              <a:t>14</a:t>
             </a:fld>
             <a:endParaRPr lang="fr-FR"/>
           </a:p>
@@ -1718,7 +2324,7 @@
     </p:spTree>
     <p:extLst>
       <p:ext uri="{BB962C8B-B14F-4D97-AF65-F5344CB8AC3E}">
-        <p14:creationId xmlns:p14="http://schemas.microsoft.com/office/powerpoint/2010/main" val="2481491489"/>
+        <p14:creationId xmlns:p14="http://schemas.microsoft.com/office/powerpoint/2010/main" val="3644133298"/>
       </p:ext>
     </p:extLst>
   </p:cSld>
@@ -1774,58 +2380,13 @@
           <a:p>
             <a:r>
               <a:rPr lang="fr-FR" dirty="0"/>
-              <a:t>Format : </a:t>
-            </a:r>
-            <a:r>
-              <a:rPr lang="fr-FR" dirty="0" err="1"/>
-              <a:t>HH</a:t>
-            </a:r>
-            <a:r>
-              <a:rPr lang="fr-FR" dirty="0"/>
-              <a:t> </a:t>
-            </a:r>
-            <a:r>
-              <a:rPr lang="fr-FR" dirty="0" err="1"/>
-              <a:t>HH</a:t>
-            </a:r>
-            <a:r>
-              <a:rPr lang="fr-FR" dirty="0"/>
-              <a:t> </a:t>
-            </a:r>
-            <a:r>
-              <a:rPr lang="fr-FR" dirty="0" err="1"/>
-              <a:t>HH</a:t>
-            </a:r>
-            <a:r>
-              <a:rPr lang="fr-FR" dirty="0"/>
-              <a:t> </a:t>
-            </a:r>
-            <a:r>
-              <a:rPr lang="fr-FR" dirty="0" err="1"/>
-              <a:t>HH</a:t>
-            </a:r>
-            <a:r>
-              <a:rPr lang="fr-FR" dirty="0"/>
-              <a:t> </a:t>
-            </a:r>
-            <a:r>
-              <a:rPr lang="fr-FR" dirty="0" err="1"/>
-              <a:t>HH</a:t>
-            </a:r>
-            <a:r>
-              <a:rPr lang="fr-FR" dirty="0"/>
-              <a:t> </a:t>
-            </a:r>
-            <a:r>
-              <a:rPr lang="fr-FR" dirty="0" err="1"/>
-              <a:t>HH</a:t>
-            </a:r>
-            <a:endParaRPr lang="fr-FR" dirty="0"/>
-          </a:p>
-          <a:p>
-            <a:r>
-              <a:rPr lang="fr-FR" dirty="0"/>
-              <a:t>Spécificité : unicité </a:t>
+              <a:t>Cas classique des box Internet</a:t>
+            </a:r>
+          </a:p>
+          <a:p>
+            <a:r>
+              <a:rPr lang="fr-FR" dirty="0"/>
+              <a:t>Avantage en terme de sécurité</a:t>
             </a:r>
           </a:p>
         </p:txBody>
@@ -1847,7 +2408,7 @@
           <a:p>
             <a:fld id="{95BC48CA-3C1F-45E9-AF42-30C003A38B71}" type="slidenum">
               <a:rPr lang="fr-FR" smtClean="0"/>
-              <a:t>14</a:t>
+              <a:t>15</a:t>
             </a:fld>
             <a:endParaRPr lang="fr-FR"/>
           </a:p>
@@ -1856,7 +2417,7 @@
     </p:spTree>
     <p:extLst>
       <p:ext uri="{BB962C8B-B14F-4D97-AF65-F5344CB8AC3E}">
-        <p14:creationId xmlns:p14="http://schemas.microsoft.com/office/powerpoint/2010/main" val="3330790896"/>
+        <p14:creationId xmlns:p14="http://schemas.microsoft.com/office/powerpoint/2010/main" val="85297561"/>
       </p:ext>
     </p:extLst>
   </p:cSld>
@@ -2013,7 +2574,7 @@
           <a:p>
             <a:fld id="{449235ED-62CB-4048-8D5F-74D492A1C6D7}" type="datetimeFigureOut">
               <a:rPr lang="fr-FR" smtClean="0"/>
-              <a:t>13/02/2023</a:t>
+              <a:t>21/02/2023</a:t>
             </a:fld>
             <a:endParaRPr lang="fr-FR"/>
           </a:p>
@@ -2211,7 +2772,7 @@
           <a:p>
             <a:fld id="{449235ED-62CB-4048-8D5F-74D492A1C6D7}" type="datetimeFigureOut">
               <a:rPr lang="fr-FR" smtClean="0"/>
-              <a:t>13/02/2023</a:t>
+              <a:t>21/02/2023</a:t>
             </a:fld>
             <a:endParaRPr lang="fr-FR"/>
           </a:p>
@@ -2419,7 +2980,7 @@
           <a:p>
             <a:fld id="{449235ED-62CB-4048-8D5F-74D492A1C6D7}" type="datetimeFigureOut">
               <a:rPr lang="fr-FR" smtClean="0"/>
-              <a:t>13/02/2023</a:t>
+              <a:t>21/02/2023</a:t>
             </a:fld>
             <a:endParaRPr lang="fr-FR"/>
           </a:p>
@@ -2617,7 +3178,7 @@
           <a:p>
             <a:fld id="{449235ED-62CB-4048-8D5F-74D492A1C6D7}" type="datetimeFigureOut">
               <a:rPr lang="fr-FR" smtClean="0"/>
-              <a:t>13/02/2023</a:t>
+              <a:t>21/02/2023</a:t>
             </a:fld>
             <a:endParaRPr lang="fr-FR"/>
           </a:p>
@@ -2892,7 +3453,7 @@
           <a:p>
             <a:fld id="{449235ED-62CB-4048-8D5F-74D492A1C6D7}" type="datetimeFigureOut">
               <a:rPr lang="fr-FR" smtClean="0"/>
-              <a:t>13/02/2023</a:t>
+              <a:t>21/02/2023</a:t>
             </a:fld>
             <a:endParaRPr lang="fr-FR"/>
           </a:p>
@@ -3157,7 +3718,7 @@
           <a:p>
             <a:fld id="{449235ED-62CB-4048-8D5F-74D492A1C6D7}" type="datetimeFigureOut">
               <a:rPr lang="fr-FR" smtClean="0"/>
-              <a:t>13/02/2023</a:t>
+              <a:t>21/02/2023</a:t>
             </a:fld>
             <a:endParaRPr lang="fr-FR"/>
           </a:p>
@@ -3569,7 +4130,7 @@
           <a:p>
             <a:fld id="{449235ED-62CB-4048-8D5F-74D492A1C6D7}" type="datetimeFigureOut">
               <a:rPr lang="fr-FR" smtClean="0"/>
-              <a:t>13/02/2023</a:t>
+              <a:t>21/02/2023</a:t>
             </a:fld>
             <a:endParaRPr lang="fr-FR"/>
           </a:p>
@@ -3710,7 +4271,7 @@
           <a:p>
             <a:fld id="{449235ED-62CB-4048-8D5F-74D492A1C6D7}" type="datetimeFigureOut">
               <a:rPr lang="fr-FR" smtClean="0"/>
-              <a:t>13/02/2023</a:t>
+              <a:t>21/02/2023</a:t>
             </a:fld>
             <a:endParaRPr lang="fr-FR"/>
           </a:p>
@@ -3823,7 +4384,7 @@
           <a:p>
             <a:fld id="{449235ED-62CB-4048-8D5F-74D492A1C6D7}" type="datetimeFigureOut">
               <a:rPr lang="fr-FR" smtClean="0"/>
-              <a:t>13/02/2023</a:t>
+              <a:t>21/02/2023</a:t>
             </a:fld>
             <a:endParaRPr lang="fr-FR"/>
           </a:p>
@@ -4134,7 +4695,7 @@
           <a:p>
             <a:fld id="{449235ED-62CB-4048-8D5F-74D492A1C6D7}" type="datetimeFigureOut">
               <a:rPr lang="fr-FR" smtClean="0"/>
-              <a:t>13/02/2023</a:t>
+              <a:t>21/02/2023</a:t>
             </a:fld>
             <a:endParaRPr lang="fr-FR"/>
           </a:p>
@@ -4422,7 +4983,7 @@
           <a:p>
             <a:fld id="{449235ED-62CB-4048-8D5F-74D492A1C6D7}" type="datetimeFigureOut">
               <a:rPr lang="fr-FR" smtClean="0"/>
-              <a:t>13/02/2023</a:t>
+              <a:t>21/02/2023</a:t>
             </a:fld>
             <a:endParaRPr lang="fr-FR"/>
           </a:p>
@@ -4663,7 +5224,7 @@
           <a:p>
             <a:fld id="{449235ED-62CB-4048-8D5F-74D492A1C6D7}" type="datetimeFigureOut">
               <a:rPr lang="fr-FR" smtClean="0"/>
-              <a:t>13/02/2023</a:t>
+              <a:t>21/02/2023</a:t>
             </a:fld>
             <a:endParaRPr lang="fr-FR"/>
           </a:p>
@@ -7482,7 +8043,7 @@
           <a:p>
             <a:r>
               <a:rPr lang="fr-FR" dirty="0"/>
-              <a:t>Couche – Réseau – IPV6</a:t>
+              <a:t>Matériel</a:t>
             </a:r>
           </a:p>
         </p:txBody>
@@ -7505,78 +8066,49 @@
         </p:nvSpPr>
         <p:spPr/>
         <p:txBody>
-          <a:bodyPr/>
-          <a:lstStyle/>
-          <a:p>
-            <a:r>
-              <a:rPr lang="fr-FR" dirty="0"/>
-              <a:t>Le constat : pénurie d’adresse IPV4 (Malgré sous réseau et PAT…)</a:t>
-            </a:r>
-          </a:p>
-          <a:p>
-            <a:pPr lvl="1"/>
-            <a:r>
-              <a:rPr lang="fr-FR" dirty="0"/>
-              <a:t>32bits -&gt; 4 milliards d’adresses disponibles</a:t>
-            </a:r>
-          </a:p>
-          <a:p>
-            <a:pPr lvl="1"/>
-            <a:r>
-              <a:rPr lang="fr-FR" dirty="0"/>
-              <a:t>2011 : Tous les blocs d’adresse IP distribués aux </a:t>
-            </a:r>
-            <a:r>
-              <a:rPr lang="fr-FR" dirty="0" err="1"/>
-              <a:t>RIR</a:t>
-            </a:r>
-            <a:endParaRPr lang="fr-FR" dirty="0"/>
+          <a:bodyPr>
+            <a:normAutofit/>
+          </a:bodyPr>
+          <a:lstStyle/>
+          <a:p>
+            <a:r>
+              <a:rPr lang="fr-FR" dirty="0"/>
+              <a:t>HUB : Couche 2</a:t>
+            </a:r>
+          </a:p>
+          <a:p>
+            <a:r>
+              <a:rPr lang="fr-FR" dirty="0"/>
+              <a:t>SWITCH : Couche 3</a:t>
+            </a:r>
+          </a:p>
+          <a:p>
+            <a:r>
+              <a:rPr lang="fr-FR" dirty="0"/>
+              <a:t>Firewall/Routeur : Toutes les couches</a:t>
+            </a:r>
           </a:p>
           <a:p>
             <a:pPr lvl="1"/>
             <a:endParaRPr lang="fr-FR" dirty="0"/>
           </a:p>
           <a:p>
-            <a:pPr marL="457200" lvl="1" indent="0">
+            <a:pPr marL="0" indent="0">
+              <a:buNone/>
+            </a:pPr>
+            <a:endParaRPr lang="fr-FR" sz="2400" dirty="0"/>
+          </a:p>
+          <a:p>
+            <a:pPr marL="0" indent="0">
               <a:buNone/>
             </a:pPr>
             <a:endParaRPr lang="fr-FR" dirty="0"/>
           </a:p>
           <a:p>
-            <a:r>
-              <a:rPr lang="fr-FR" dirty="0"/>
-              <a:t>IPV6</a:t>
-            </a:r>
-          </a:p>
-          <a:p>
-            <a:pPr lvl="1"/>
-            <a:r>
-              <a:rPr lang="fr-FR" dirty="0"/>
-              <a:t>340.10</a:t>
-            </a:r>
-            <a:r>
-              <a:rPr lang="fr-FR" baseline="30000" dirty="0"/>
-              <a:t>36 </a:t>
-            </a:r>
-            <a:r>
-              <a:rPr lang="fr-FR" dirty="0"/>
-              <a:t>adresses disponibles</a:t>
-            </a:r>
-          </a:p>
-          <a:p>
-            <a:pPr lvl="1"/>
-            <a:r>
-              <a:rPr lang="fr-FR" dirty="0"/>
-              <a:t>Réserve Illimité : correspond 10</a:t>
-            </a:r>
-            <a:r>
-              <a:rPr lang="fr-FR" baseline="30000" dirty="0"/>
-              <a:t>18</a:t>
-            </a:r>
-            <a:r>
-              <a:rPr lang="fr-FR" dirty="0"/>
-              <a:t> par mm² de la terre</a:t>
-            </a:r>
+            <a:pPr marL="0" indent="0">
+              <a:buNone/>
+            </a:pPr>
+            <a:endParaRPr lang="fr-FR" dirty="0"/>
           </a:p>
           <a:p>
             <a:pPr marL="0" indent="0">
@@ -7633,7 +8165,7 @@
           <p:cNvPr id="6" name="Image 5">
             <a:extLst>
               <a:ext uri="{FF2B5EF4-FFF2-40B4-BE49-F238E27FC236}">
-                <a16:creationId xmlns:a16="http://schemas.microsoft.com/office/drawing/2014/main" id="{D197E323-B287-9810-05C9-0E94DC3B2E0F}"/>
+                <a16:creationId xmlns:a16="http://schemas.microsoft.com/office/drawing/2014/main" id="{A2C876D8-37A5-C480-FD53-F56891D060E4}"/>
               </a:ext>
             </a:extLst>
           </p:cNvPr>
@@ -7656,8 +8188,80 @@
         </p:blipFill>
         <p:spPr>
           <a:xfrm>
-            <a:off x="7856049" y="1825625"/>
-            <a:ext cx="4335951" cy="3468760"/>
+            <a:off x="9374589" y="294880"/>
+            <a:ext cx="2372294" cy="2791616"/>
+          </a:xfrm>
+          <a:prstGeom prst="rect">
+            <a:avLst/>
+          </a:prstGeom>
+        </p:spPr>
+      </p:pic>
+      <p:pic>
+        <p:nvPicPr>
+          <p:cNvPr id="7" name="Image 6" descr="Une image contenant équipement électronique&#10;&#10;Description générée automatiquement">
+            <a:extLst>
+              <a:ext uri="{FF2B5EF4-FFF2-40B4-BE49-F238E27FC236}">
+                <a16:creationId xmlns:a16="http://schemas.microsoft.com/office/drawing/2014/main" id="{42F7A123-3209-9A8D-06A3-08B709E4BE79}"/>
+              </a:ext>
+            </a:extLst>
+          </p:cNvPr>
+          <p:cNvPicPr>
+            <a:picLocks noChangeAspect="1"/>
+          </p:cNvPicPr>
+          <p:nvPr/>
+        </p:nvPicPr>
+        <p:blipFill>
+          <a:blip r:embed="rId5">
+            <a:extLst>
+              <a:ext uri="{28A0092B-C50C-407E-A947-70E740481C1C}">
+                <a14:useLocalDpi xmlns:a14="http://schemas.microsoft.com/office/drawing/2010/main" val="0"/>
+              </a:ext>
+            </a:extLst>
+          </a:blip>
+          <a:stretch>
+            <a:fillRect/>
+          </a:stretch>
+        </p:blipFill>
+        <p:spPr>
+          <a:xfrm>
+            <a:off x="6682416" y="3429000"/>
+            <a:ext cx="5181042" cy="2426855"/>
+          </a:xfrm>
+          <a:prstGeom prst="rect">
+            <a:avLst/>
+          </a:prstGeom>
+        </p:spPr>
+      </p:pic>
+      <p:pic>
+        <p:nvPicPr>
+          <p:cNvPr id="8" name="Image 7" descr="Une image contenant texte, musique&#10;&#10;Description générée automatiquement">
+            <a:extLst>
+              <a:ext uri="{FF2B5EF4-FFF2-40B4-BE49-F238E27FC236}">
+                <a16:creationId xmlns:a16="http://schemas.microsoft.com/office/drawing/2014/main" id="{B1756481-BA47-C67F-0D1F-70B16E30FBFE}"/>
+              </a:ext>
+            </a:extLst>
+          </p:cNvPr>
+          <p:cNvPicPr>
+            <a:picLocks noChangeAspect="1"/>
+          </p:cNvPicPr>
+          <p:nvPr/>
+        </p:nvPicPr>
+        <p:blipFill>
+          <a:blip r:embed="rId6">
+            <a:extLst>
+              <a:ext uri="{28A0092B-C50C-407E-A947-70E740481C1C}">
+                <a14:useLocalDpi xmlns:a14="http://schemas.microsoft.com/office/drawing/2010/main" val="0"/>
+              </a:ext>
+            </a:extLst>
+          </a:blip>
+          <a:stretch>
+            <a:fillRect/>
+          </a:stretch>
+        </p:blipFill>
+        <p:spPr>
+          <a:xfrm>
+            <a:off x="1934678" y="3911045"/>
+            <a:ext cx="3472874" cy="1944810"/>
           </a:xfrm>
           <a:prstGeom prst="rect">
             <a:avLst/>
@@ -7667,7 +8271,7 @@
     </p:spTree>
     <p:extLst>
       <p:ext uri="{BB962C8B-B14F-4D97-AF65-F5344CB8AC3E}">
-        <p14:creationId xmlns:p14="http://schemas.microsoft.com/office/powerpoint/2010/main" val="3620924059"/>
+        <p14:creationId xmlns:p14="http://schemas.microsoft.com/office/powerpoint/2010/main" val="1461841320"/>
       </p:ext>
     </p:extLst>
   </p:cSld>
@@ -7699,6 +8303,216 @@
           <p:cNvPr id="2" name="Titre 1">
             <a:extLst>
               <a:ext uri="{FF2B5EF4-FFF2-40B4-BE49-F238E27FC236}">
+                <a16:creationId xmlns:a16="http://schemas.microsoft.com/office/drawing/2014/main" id="{C5043ED2-81F2-6A57-E62B-245ECA8237B3}"/>
+              </a:ext>
+            </a:extLst>
+          </p:cNvPr>
+          <p:cNvSpPr>
+            <a:spLocks noGrp="1"/>
+          </p:cNvSpPr>
+          <p:nvPr>
+            <p:ph type="title"/>
+          </p:nvPr>
+        </p:nvSpPr>
+        <p:spPr/>
+        <p:txBody>
+          <a:bodyPr/>
+          <a:lstStyle/>
+          <a:p>
+            <a:r>
+              <a:rPr lang="fr-FR" dirty="0"/>
+              <a:t>Couche Transport</a:t>
+            </a:r>
+          </a:p>
+        </p:txBody>
+      </p:sp>
+      <p:sp>
+        <p:nvSpPr>
+          <p:cNvPr id="3" name="Espace réservé du texte 2">
+            <a:extLst>
+              <a:ext uri="{FF2B5EF4-FFF2-40B4-BE49-F238E27FC236}">
+                <a16:creationId xmlns:a16="http://schemas.microsoft.com/office/drawing/2014/main" id="{52351BCF-26D8-991A-A104-19A66B599DD5}"/>
+              </a:ext>
+            </a:extLst>
+          </p:cNvPr>
+          <p:cNvSpPr>
+            <a:spLocks noGrp="1"/>
+          </p:cNvSpPr>
+          <p:nvPr>
+            <p:ph type="body" idx="1"/>
+          </p:nvPr>
+        </p:nvSpPr>
+        <p:spPr/>
+        <p:txBody>
+          <a:bodyPr/>
+          <a:lstStyle/>
+          <a:p>
+            <a:r>
+              <a:rPr lang="fr-FR" dirty="0"/>
+              <a:t>NAT / PAT</a:t>
+            </a:r>
+          </a:p>
+        </p:txBody>
+      </p:sp>
+      <p:pic>
+        <p:nvPicPr>
+          <p:cNvPr id="4" name="Image 3">
+            <a:extLst>
+              <a:ext uri="{FF2B5EF4-FFF2-40B4-BE49-F238E27FC236}">
+                <a16:creationId xmlns:a16="http://schemas.microsoft.com/office/drawing/2014/main" id="{7D5CAAE2-A607-881E-6517-72A27C9BFC58}"/>
+              </a:ext>
+            </a:extLst>
+          </p:cNvPr>
+          <p:cNvPicPr>
+            <a:picLocks noChangeAspect="1"/>
+          </p:cNvPicPr>
+          <p:nvPr/>
+        </p:nvPicPr>
+        <p:blipFill>
+          <a:blip r:embed="rId2">
+            <a:extLst>
+              <a:ext uri="{28A0092B-C50C-407E-A947-70E740481C1C}">
+                <a14:useLocalDpi xmlns:a14="http://schemas.microsoft.com/office/drawing/2010/main" val="0"/>
+              </a:ext>
+            </a:extLst>
+          </a:blip>
+          <a:stretch>
+            <a:fillRect/>
+          </a:stretch>
+        </p:blipFill>
+        <p:spPr>
+          <a:xfrm>
+            <a:off x="259474" y="6154384"/>
+            <a:ext cx="1675204" cy="519313"/>
+          </a:xfrm>
+          <a:prstGeom prst="rect">
+            <a:avLst/>
+          </a:prstGeom>
+        </p:spPr>
+      </p:pic>
+      <p:pic>
+        <p:nvPicPr>
+          <p:cNvPr id="5" name="Image 4">
+            <a:extLst>
+              <a:ext uri="{FF2B5EF4-FFF2-40B4-BE49-F238E27FC236}">
+                <a16:creationId xmlns:a16="http://schemas.microsoft.com/office/drawing/2014/main" id="{43C0F8CC-0304-2975-6CC6-5D369C364821}"/>
+              </a:ext>
+            </a:extLst>
+          </p:cNvPr>
+          <p:cNvPicPr>
+            <a:picLocks noChangeAspect="1"/>
+          </p:cNvPicPr>
+          <p:nvPr/>
+        </p:nvPicPr>
+        <p:blipFill>
+          <a:blip r:embed="rId3">
+            <a:extLst>
+              <a:ext uri="{28A0092B-C50C-407E-A947-70E740481C1C}">
+                <a14:useLocalDpi xmlns:a14="http://schemas.microsoft.com/office/drawing/2010/main" val="0"/>
+              </a:ext>
+            </a:extLst>
+          </a:blip>
+          <a:stretch>
+            <a:fillRect/>
+          </a:stretch>
+        </p:blipFill>
+        <p:spPr>
+          <a:xfrm>
+            <a:off x="7358135" y="922338"/>
+            <a:ext cx="4391143" cy="5167312"/>
+          </a:xfrm>
+          <a:prstGeom prst="rect">
+            <a:avLst/>
+          </a:prstGeom>
+        </p:spPr>
+      </p:pic>
+      <p:sp>
+        <p:nvSpPr>
+          <p:cNvPr id="6" name="Rectangle 5">
+            <a:extLst>
+              <a:ext uri="{FF2B5EF4-FFF2-40B4-BE49-F238E27FC236}">
+                <a16:creationId xmlns:a16="http://schemas.microsoft.com/office/drawing/2014/main" id="{D2A38D7A-4EE8-C7E9-0BA0-52DE89264C42}"/>
+              </a:ext>
+            </a:extLst>
+          </p:cNvPr>
+          <p:cNvSpPr/>
+          <p:nvPr/>
+        </p:nvSpPr>
+        <p:spPr>
+          <a:xfrm>
+            <a:off x="8117007" y="3846038"/>
+            <a:ext cx="3431357" cy="716437"/>
+          </a:xfrm>
+          <a:prstGeom prst="rect">
+            <a:avLst/>
+          </a:prstGeom>
+          <a:noFill/>
+          <a:ln w="57150">
+            <a:solidFill>
+              <a:srgbClr val="FF0000"/>
+            </a:solidFill>
+          </a:ln>
+        </p:spPr>
+        <p:style>
+          <a:lnRef idx="2">
+            <a:schemeClr val="accent1">
+              <a:shade val="50000"/>
+            </a:schemeClr>
+          </a:lnRef>
+          <a:fillRef idx="1">
+            <a:schemeClr val="accent1"/>
+          </a:fillRef>
+          <a:effectRef idx="0">
+            <a:schemeClr val="accent1"/>
+          </a:effectRef>
+          <a:fontRef idx="minor">
+            <a:schemeClr val="lt1"/>
+          </a:fontRef>
+        </p:style>
+        <p:txBody>
+          <a:bodyPr rtlCol="0" anchor="ctr"/>
+          <a:lstStyle/>
+          <a:p>
+            <a:pPr algn="ctr"/>
+            <a:endParaRPr lang="fr-FR"/>
+          </a:p>
+        </p:txBody>
+      </p:sp>
+    </p:spTree>
+    <p:extLst>
+      <p:ext uri="{BB962C8B-B14F-4D97-AF65-F5344CB8AC3E}">
+        <p14:creationId xmlns:p14="http://schemas.microsoft.com/office/powerpoint/2010/main" val="2363574349"/>
+      </p:ext>
+    </p:extLst>
+  </p:cSld>
+  <p:clrMapOvr>
+    <a:masterClrMapping/>
+  </p:clrMapOvr>
+</p:sld>
+</file>
+
+<file path=ppt/slides/slide12.xml><?xml version="1.0" encoding="utf-8"?>
+<p:sld xmlns:a="http://schemas.openxmlformats.org/drawingml/2006/main" xmlns:r="http://schemas.openxmlformats.org/officeDocument/2006/relationships" xmlns:p="http://schemas.openxmlformats.org/presentationml/2006/main">
+  <p:cSld>
+    <p:spTree>
+      <p:nvGrpSpPr>
+        <p:cNvPr id="1" name=""/>
+        <p:cNvGrpSpPr/>
+        <p:nvPr/>
+      </p:nvGrpSpPr>
+      <p:grpSpPr>
+        <a:xfrm>
+          <a:off x="0" y="0"/>
+          <a:ext cx="0" cy="0"/>
+          <a:chOff x="0" y="0"/>
+          <a:chExt cx="0" cy="0"/>
+        </a:xfrm>
+      </p:grpSpPr>
+      <p:sp>
+        <p:nvSpPr>
+          <p:cNvPr id="2" name="Titre 1">
+            <a:extLst>
+              <a:ext uri="{FF2B5EF4-FFF2-40B4-BE49-F238E27FC236}">
                 <a16:creationId xmlns:a16="http://schemas.microsoft.com/office/drawing/2014/main" id="{84879000-F87B-E4F1-EDA7-E630DAE221AF}"/>
               </a:ext>
             </a:extLst>
@@ -7717,7 +8531,7 @@
           <a:p>
             <a:r>
               <a:rPr lang="fr-FR" dirty="0"/>
-              <a:t>Couche – Réseau – IPV6</a:t>
+              <a:t>Transport – NAT / PAT</a:t>
             </a:r>
           </a:p>
         </p:txBody>
@@ -7741,13 +8555,27 @@
         <p:spPr/>
         <p:txBody>
           <a:bodyPr>
-            <a:normAutofit fontScale="85000" lnSpcReduction="20000"/>
+            <a:normAutofit/>
           </a:bodyPr>
           <a:lstStyle/>
           <a:p>
             <a:r>
               <a:rPr lang="fr-FR" dirty="0"/>
-              <a:t>Format :</a:t>
+              <a:t>Objectif : </a:t>
+            </a:r>
+          </a:p>
+          <a:p>
+            <a:pPr lvl="1"/>
+            <a:r>
+              <a:rPr lang="fr-FR" dirty="0"/>
+              <a:t>Masquer les adresses des équipements (sécurité)</a:t>
+            </a:r>
+          </a:p>
+          <a:p>
+            <a:pPr lvl="1"/>
+            <a:r>
+              <a:rPr lang="fr-FR" dirty="0"/>
+              <a:t>Utiliser un faible nombre d’adresse IP publique pour un grand nombre d’adresse IP privée</a:t>
             </a:r>
           </a:p>
           <a:p>
@@ -7759,49 +8587,1186 @@
           <a:p>
             <a:r>
               <a:rPr lang="fr-FR" dirty="0"/>
-              <a:t>Notation : 8 Groupes de 2 Octets : </a:t>
+              <a:t>NAT : Network </a:t>
+            </a:r>
+            <a:r>
+              <a:rPr lang="fr-FR" dirty="0" err="1"/>
+              <a:t>Address</a:t>
+            </a:r>
+            <a:r>
+              <a:rPr lang="fr-FR" dirty="0"/>
+              <a:t> Translation</a:t>
+            </a:r>
+          </a:p>
+          <a:p>
+            <a:r>
+              <a:rPr lang="fr-FR" dirty="0"/>
+              <a:t>PAT : Port </a:t>
+            </a:r>
+            <a:r>
+              <a:rPr lang="fr-FR" dirty="0" err="1"/>
+              <a:t>Address</a:t>
+            </a:r>
+            <a:r>
+              <a:rPr lang="fr-FR" dirty="0"/>
+              <a:t> Translation</a:t>
+            </a:r>
+          </a:p>
+          <a:p>
+            <a:pPr marL="0" indent="0">
+              <a:buNone/>
+            </a:pPr>
+            <a:endParaRPr lang="fr-FR" dirty="0"/>
+          </a:p>
+          <a:p>
+            <a:pPr marL="0" indent="0">
+              <a:buNone/>
+            </a:pPr>
+            <a:endParaRPr lang="fr-FR" dirty="0"/>
+          </a:p>
+        </p:txBody>
+      </p:sp>
+      <p:pic>
+        <p:nvPicPr>
+          <p:cNvPr id="4" name="Image 3">
+            <a:extLst>
+              <a:ext uri="{FF2B5EF4-FFF2-40B4-BE49-F238E27FC236}">
+                <a16:creationId xmlns:a16="http://schemas.microsoft.com/office/drawing/2014/main" id="{C736F3A7-1CC9-4DE4-7E3D-52AEAC04D557}"/>
+              </a:ext>
+            </a:extLst>
+          </p:cNvPr>
+          <p:cNvPicPr>
+            <a:picLocks noChangeAspect="1"/>
+          </p:cNvPicPr>
+          <p:nvPr/>
+        </p:nvPicPr>
+        <p:blipFill>
+          <a:blip r:embed="rId3">
+            <a:extLst>
+              <a:ext uri="{28A0092B-C50C-407E-A947-70E740481C1C}">
+                <a14:useLocalDpi xmlns:a14="http://schemas.microsoft.com/office/drawing/2010/main" val="0"/>
+              </a:ext>
+            </a:extLst>
+          </a:blip>
+          <a:stretch>
+            <a:fillRect/>
+          </a:stretch>
+        </p:blipFill>
+        <p:spPr>
+          <a:xfrm>
+            <a:off x="259474" y="6154384"/>
+            <a:ext cx="1675204" cy="519313"/>
+          </a:xfrm>
+          <a:prstGeom prst="rect">
+            <a:avLst/>
+          </a:prstGeom>
+        </p:spPr>
+      </p:pic>
+    </p:spTree>
+    <p:extLst>
+      <p:ext uri="{BB962C8B-B14F-4D97-AF65-F5344CB8AC3E}">
+        <p14:creationId xmlns:p14="http://schemas.microsoft.com/office/powerpoint/2010/main" val="1965124127"/>
+      </p:ext>
+    </p:extLst>
+  </p:cSld>
+  <p:clrMapOvr>
+    <a:masterClrMapping/>
+  </p:clrMapOvr>
+</p:sld>
+</file>
+
+<file path=ppt/slides/slide13.xml><?xml version="1.0" encoding="utf-8"?>
+<p:sld xmlns:a="http://schemas.openxmlformats.org/drawingml/2006/main" xmlns:r="http://schemas.openxmlformats.org/officeDocument/2006/relationships" xmlns:p="http://schemas.openxmlformats.org/presentationml/2006/main">
+  <p:cSld>
+    <p:spTree>
+      <p:nvGrpSpPr>
+        <p:cNvPr id="1" name=""/>
+        <p:cNvGrpSpPr/>
+        <p:nvPr/>
+      </p:nvGrpSpPr>
+      <p:grpSpPr>
+        <a:xfrm>
+          <a:off x="0" y="0"/>
+          <a:ext cx="0" cy="0"/>
+          <a:chOff x="0" y="0"/>
+          <a:chExt cx="0" cy="0"/>
+        </a:xfrm>
+      </p:grpSpPr>
+      <p:sp>
+        <p:nvSpPr>
+          <p:cNvPr id="2" name="Titre 1">
+            <a:extLst>
+              <a:ext uri="{FF2B5EF4-FFF2-40B4-BE49-F238E27FC236}">
+                <a16:creationId xmlns:a16="http://schemas.microsoft.com/office/drawing/2014/main" id="{84879000-F87B-E4F1-EDA7-E630DAE221AF}"/>
+              </a:ext>
+            </a:extLst>
+          </p:cNvPr>
+          <p:cNvSpPr>
+            <a:spLocks noGrp="1"/>
+          </p:cNvSpPr>
+          <p:nvPr>
+            <p:ph type="title"/>
+          </p:nvPr>
+        </p:nvSpPr>
+        <p:spPr/>
+        <p:txBody>
+          <a:bodyPr/>
+          <a:lstStyle/>
+          <a:p>
+            <a:r>
+              <a:rPr lang="fr-FR" dirty="0"/>
+              <a:t>Transport – NAT</a:t>
+            </a:r>
+          </a:p>
+        </p:txBody>
+      </p:sp>
+      <p:sp>
+        <p:nvSpPr>
+          <p:cNvPr id="3" name="Espace réservé du contenu 2">
+            <a:extLst>
+              <a:ext uri="{FF2B5EF4-FFF2-40B4-BE49-F238E27FC236}">
+                <a16:creationId xmlns:a16="http://schemas.microsoft.com/office/drawing/2014/main" id="{B23F1D09-D3FA-EDEE-E62D-4B0BA5CAE0B7}"/>
+              </a:ext>
+            </a:extLst>
+          </p:cNvPr>
+          <p:cNvSpPr>
+            <a:spLocks noGrp="1"/>
+          </p:cNvSpPr>
+          <p:nvPr>
+            <p:ph idx="1"/>
+          </p:nvPr>
+        </p:nvSpPr>
+        <p:spPr/>
+        <p:txBody>
+          <a:bodyPr>
+            <a:normAutofit/>
+          </a:bodyPr>
+          <a:lstStyle/>
+          <a:p>
+            <a:pPr marL="0" indent="0">
+              <a:buNone/>
+            </a:pPr>
+            <a:r>
+              <a:rPr lang="fr-FR" dirty="0"/>
+              <a:t>4 sous réseaux en /24</a:t>
+            </a:r>
+          </a:p>
+          <a:p>
+            <a:pPr marL="0" indent="0">
+              <a:buNone/>
+            </a:pPr>
+            <a:r>
+              <a:rPr lang="fr-FR" dirty="0"/>
+              <a:t>-&gt; 1000 Équipements</a:t>
+            </a:r>
+          </a:p>
+          <a:p>
+            <a:pPr marL="0" indent="0">
+              <a:buNone/>
+            </a:pPr>
+            <a:r>
+              <a:rPr lang="fr-FR" dirty="0"/>
+              <a:t>-&gt; 1000 Adresses IP publiques</a:t>
+            </a:r>
+          </a:p>
+          <a:p>
+            <a:pPr marL="0" indent="0">
+              <a:buNone/>
+            </a:pPr>
+            <a:endParaRPr lang="fr-FR" dirty="0"/>
+          </a:p>
+        </p:txBody>
+      </p:sp>
+      <p:pic>
+        <p:nvPicPr>
+          <p:cNvPr id="4" name="Image 3">
+            <a:extLst>
+              <a:ext uri="{FF2B5EF4-FFF2-40B4-BE49-F238E27FC236}">
+                <a16:creationId xmlns:a16="http://schemas.microsoft.com/office/drawing/2014/main" id="{C736F3A7-1CC9-4DE4-7E3D-52AEAC04D557}"/>
+              </a:ext>
+            </a:extLst>
+          </p:cNvPr>
+          <p:cNvPicPr>
+            <a:picLocks noChangeAspect="1"/>
+          </p:cNvPicPr>
+          <p:nvPr/>
+        </p:nvPicPr>
+        <p:blipFill>
+          <a:blip r:embed="rId3">
+            <a:extLst>
+              <a:ext uri="{28A0092B-C50C-407E-A947-70E740481C1C}">
+                <a14:useLocalDpi xmlns:a14="http://schemas.microsoft.com/office/drawing/2010/main" val="0"/>
+              </a:ext>
+            </a:extLst>
+          </a:blip>
+          <a:stretch>
+            <a:fillRect/>
+          </a:stretch>
+        </p:blipFill>
+        <p:spPr>
+          <a:xfrm>
+            <a:off x="259474" y="6154384"/>
+            <a:ext cx="1675204" cy="519313"/>
+          </a:xfrm>
+          <a:prstGeom prst="rect">
+            <a:avLst/>
+          </a:prstGeom>
+        </p:spPr>
+      </p:pic>
+      <p:pic>
+        <p:nvPicPr>
+          <p:cNvPr id="6" name="Image 5">
+            <a:extLst>
+              <a:ext uri="{FF2B5EF4-FFF2-40B4-BE49-F238E27FC236}">
+                <a16:creationId xmlns:a16="http://schemas.microsoft.com/office/drawing/2014/main" id="{B208D33C-DF03-4D57-4C11-C3CEE4D2B865}"/>
+              </a:ext>
+            </a:extLst>
+          </p:cNvPr>
+          <p:cNvPicPr>
+            <a:picLocks noChangeAspect="1"/>
+          </p:cNvPicPr>
+          <p:nvPr/>
+        </p:nvPicPr>
+        <p:blipFill>
+          <a:blip r:embed="rId4">
+            <a:extLst>
+              <a:ext uri="{28A0092B-C50C-407E-A947-70E740481C1C}">
+                <a14:useLocalDpi xmlns:a14="http://schemas.microsoft.com/office/drawing/2010/main" val="0"/>
+              </a:ext>
+            </a:extLst>
+          </a:blip>
+          <a:stretch>
+            <a:fillRect/>
+          </a:stretch>
+        </p:blipFill>
+        <p:spPr>
+          <a:xfrm>
+            <a:off x="4455679" y="1513168"/>
+            <a:ext cx="6898121" cy="4641216"/>
+          </a:xfrm>
+          <a:prstGeom prst="rect">
+            <a:avLst/>
+          </a:prstGeom>
+        </p:spPr>
+      </p:pic>
+    </p:spTree>
+    <p:extLst>
+      <p:ext uri="{BB962C8B-B14F-4D97-AF65-F5344CB8AC3E}">
+        <p14:creationId xmlns:p14="http://schemas.microsoft.com/office/powerpoint/2010/main" val="2500582481"/>
+      </p:ext>
+    </p:extLst>
+  </p:cSld>
+  <p:clrMapOvr>
+    <a:masterClrMapping/>
+  </p:clrMapOvr>
+</p:sld>
+</file>
+
+<file path=ppt/slides/slide14.xml><?xml version="1.0" encoding="utf-8"?>
+<p:sld xmlns:a="http://schemas.openxmlformats.org/drawingml/2006/main" xmlns:r="http://schemas.openxmlformats.org/officeDocument/2006/relationships" xmlns:p="http://schemas.openxmlformats.org/presentationml/2006/main">
+  <p:cSld>
+    <p:spTree>
+      <p:nvGrpSpPr>
+        <p:cNvPr id="1" name=""/>
+        <p:cNvGrpSpPr/>
+        <p:nvPr/>
+      </p:nvGrpSpPr>
+      <p:grpSpPr>
+        <a:xfrm>
+          <a:off x="0" y="0"/>
+          <a:ext cx="0" cy="0"/>
+          <a:chOff x="0" y="0"/>
+          <a:chExt cx="0" cy="0"/>
+        </a:xfrm>
+      </p:grpSpPr>
+      <p:sp>
+        <p:nvSpPr>
+          <p:cNvPr id="2" name="Titre 1">
+            <a:extLst>
+              <a:ext uri="{FF2B5EF4-FFF2-40B4-BE49-F238E27FC236}">
+                <a16:creationId xmlns:a16="http://schemas.microsoft.com/office/drawing/2014/main" id="{84879000-F87B-E4F1-EDA7-E630DAE221AF}"/>
+              </a:ext>
+            </a:extLst>
+          </p:cNvPr>
+          <p:cNvSpPr>
+            <a:spLocks noGrp="1"/>
+          </p:cNvSpPr>
+          <p:nvPr>
+            <p:ph type="title"/>
+          </p:nvPr>
+        </p:nvSpPr>
+        <p:spPr/>
+        <p:txBody>
+          <a:bodyPr/>
+          <a:lstStyle/>
+          <a:p>
+            <a:r>
+              <a:rPr lang="fr-FR" dirty="0"/>
+              <a:t>Transport – NAT</a:t>
+            </a:r>
+          </a:p>
+        </p:txBody>
+      </p:sp>
+      <p:sp>
+        <p:nvSpPr>
+          <p:cNvPr id="3" name="Espace réservé du contenu 2">
+            <a:extLst>
+              <a:ext uri="{FF2B5EF4-FFF2-40B4-BE49-F238E27FC236}">
+                <a16:creationId xmlns:a16="http://schemas.microsoft.com/office/drawing/2014/main" id="{B23F1D09-D3FA-EDEE-E62D-4B0BA5CAE0B7}"/>
+              </a:ext>
+            </a:extLst>
+          </p:cNvPr>
+          <p:cNvSpPr>
+            <a:spLocks noGrp="1"/>
+          </p:cNvSpPr>
+          <p:nvPr>
+            <p:ph idx="1"/>
+          </p:nvPr>
+        </p:nvSpPr>
+        <p:spPr/>
+        <p:txBody>
+          <a:bodyPr>
+            <a:normAutofit/>
+          </a:bodyPr>
+          <a:lstStyle/>
+          <a:p>
+            <a:pPr marL="0" indent="0">
+              <a:buNone/>
+            </a:pPr>
+            <a:r>
+              <a:rPr lang="fr-FR" dirty="0"/>
+              <a:t>4 sous réseaux en /16</a:t>
+            </a:r>
+          </a:p>
+          <a:p>
+            <a:pPr marL="0" indent="0">
+              <a:buNone/>
+            </a:pPr>
+            <a:r>
+              <a:rPr lang="fr-FR" dirty="0"/>
+              <a:t>-&gt; 25000 Équipements</a:t>
+            </a:r>
+          </a:p>
+          <a:p>
+            <a:pPr marL="0" indent="0">
+              <a:buNone/>
+            </a:pPr>
+            <a:r>
+              <a:rPr lang="fr-FR" dirty="0"/>
+              <a:t>-&gt; 255 Adresses IP publiques</a:t>
+            </a:r>
+          </a:p>
+          <a:p>
+            <a:pPr marL="0" indent="0">
+              <a:buNone/>
+            </a:pPr>
+            <a:endParaRPr lang="fr-FR" dirty="0"/>
+          </a:p>
+        </p:txBody>
+      </p:sp>
+      <p:pic>
+        <p:nvPicPr>
+          <p:cNvPr id="4" name="Image 3">
+            <a:extLst>
+              <a:ext uri="{FF2B5EF4-FFF2-40B4-BE49-F238E27FC236}">
+                <a16:creationId xmlns:a16="http://schemas.microsoft.com/office/drawing/2014/main" id="{C736F3A7-1CC9-4DE4-7E3D-52AEAC04D557}"/>
+              </a:ext>
+            </a:extLst>
+          </p:cNvPr>
+          <p:cNvPicPr>
+            <a:picLocks noChangeAspect="1"/>
+          </p:cNvPicPr>
+          <p:nvPr/>
+        </p:nvPicPr>
+        <p:blipFill>
+          <a:blip r:embed="rId3">
+            <a:extLst>
+              <a:ext uri="{28A0092B-C50C-407E-A947-70E740481C1C}">
+                <a14:useLocalDpi xmlns:a14="http://schemas.microsoft.com/office/drawing/2010/main" val="0"/>
+              </a:ext>
+            </a:extLst>
+          </a:blip>
+          <a:stretch>
+            <a:fillRect/>
+          </a:stretch>
+        </p:blipFill>
+        <p:spPr>
+          <a:xfrm>
+            <a:off x="259474" y="6154384"/>
+            <a:ext cx="1675204" cy="519313"/>
+          </a:xfrm>
+          <a:prstGeom prst="rect">
+            <a:avLst/>
+          </a:prstGeom>
+        </p:spPr>
+      </p:pic>
+      <p:pic>
+        <p:nvPicPr>
+          <p:cNvPr id="7" name="Image 6">
+            <a:extLst>
+              <a:ext uri="{FF2B5EF4-FFF2-40B4-BE49-F238E27FC236}">
+                <a16:creationId xmlns:a16="http://schemas.microsoft.com/office/drawing/2014/main" id="{9BE41B79-EA4C-75FC-2CEB-B09FE9D8AD1F}"/>
+              </a:ext>
+            </a:extLst>
+          </p:cNvPr>
+          <p:cNvPicPr>
+            <a:picLocks noChangeAspect="1"/>
+          </p:cNvPicPr>
+          <p:nvPr/>
+        </p:nvPicPr>
+        <p:blipFill>
+          <a:blip r:embed="rId4">
+            <a:extLst>
+              <a:ext uri="{28A0092B-C50C-407E-A947-70E740481C1C}">
+                <a14:useLocalDpi xmlns:a14="http://schemas.microsoft.com/office/drawing/2010/main" val="0"/>
+              </a:ext>
+            </a:extLst>
+          </a:blip>
+          <a:stretch>
+            <a:fillRect/>
+          </a:stretch>
+        </p:blipFill>
+        <p:spPr>
+          <a:xfrm>
+            <a:off x="4879484" y="1239645"/>
+            <a:ext cx="6474316" cy="5174395"/>
+          </a:xfrm>
+          <a:prstGeom prst="rect">
+            <a:avLst/>
+          </a:prstGeom>
+        </p:spPr>
+      </p:pic>
+      <p:sp>
+        <p:nvSpPr>
+          <p:cNvPr id="8" name="Rectangle 7">
+            <a:extLst>
+              <a:ext uri="{FF2B5EF4-FFF2-40B4-BE49-F238E27FC236}">
+                <a16:creationId xmlns:a16="http://schemas.microsoft.com/office/drawing/2014/main" id="{1CDF7502-80BF-80C6-B965-490114E6264B}"/>
+              </a:ext>
+            </a:extLst>
+          </p:cNvPr>
+          <p:cNvSpPr/>
+          <p:nvPr/>
+        </p:nvSpPr>
+        <p:spPr>
+          <a:xfrm>
+            <a:off x="5288437" y="6176963"/>
+            <a:ext cx="2092751" cy="496734"/>
+          </a:xfrm>
+          <a:prstGeom prst="rect">
+            <a:avLst/>
+          </a:prstGeom>
+          <a:solidFill>
+            <a:schemeClr val="bg1"/>
+          </a:solidFill>
+          <a:ln>
+            <a:noFill/>
+          </a:ln>
+        </p:spPr>
+        <p:style>
+          <a:lnRef idx="2">
+            <a:schemeClr val="accent1">
+              <a:shade val="50000"/>
+            </a:schemeClr>
+          </a:lnRef>
+          <a:fillRef idx="1">
+            <a:schemeClr val="accent1"/>
+          </a:fillRef>
+          <a:effectRef idx="0">
+            <a:schemeClr val="accent1"/>
+          </a:effectRef>
+          <a:fontRef idx="minor">
+            <a:schemeClr val="lt1"/>
+          </a:fontRef>
+        </p:style>
+        <p:txBody>
+          <a:bodyPr rtlCol="0" anchor="ctr"/>
+          <a:lstStyle/>
+          <a:p>
+            <a:pPr algn="ctr"/>
+            <a:endParaRPr lang="fr-FR"/>
+          </a:p>
+        </p:txBody>
+      </p:sp>
+      <p:sp>
+        <p:nvSpPr>
+          <p:cNvPr id="9" name="Rectangle 8">
+            <a:extLst>
+              <a:ext uri="{FF2B5EF4-FFF2-40B4-BE49-F238E27FC236}">
+                <a16:creationId xmlns:a16="http://schemas.microsoft.com/office/drawing/2014/main" id="{6B362D99-8C29-4798-4660-9B593EB335E3}"/>
+              </a:ext>
+            </a:extLst>
+          </p:cNvPr>
+          <p:cNvSpPr/>
+          <p:nvPr/>
+        </p:nvSpPr>
+        <p:spPr>
+          <a:xfrm>
+            <a:off x="6983310" y="5917306"/>
+            <a:ext cx="806831" cy="496734"/>
+          </a:xfrm>
+          <a:prstGeom prst="rect">
+            <a:avLst/>
+          </a:prstGeom>
+          <a:solidFill>
+            <a:schemeClr val="bg1"/>
+          </a:solidFill>
+          <a:ln>
+            <a:noFill/>
+          </a:ln>
+        </p:spPr>
+        <p:style>
+          <a:lnRef idx="2">
+            <a:schemeClr val="accent1">
+              <a:shade val="50000"/>
+            </a:schemeClr>
+          </a:lnRef>
+          <a:fillRef idx="1">
+            <a:schemeClr val="accent1"/>
+          </a:fillRef>
+          <a:effectRef idx="0">
+            <a:schemeClr val="accent1"/>
+          </a:effectRef>
+          <a:fontRef idx="minor">
+            <a:schemeClr val="lt1"/>
+          </a:fontRef>
+        </p:style>
+        <p:txBody>
+          <a:bodyPr rtlCol="0" anchor="ctr"/>
+          <a:lstStyle/>
+          <a:p>
+            <a:pPr algn="ctr"/>
+            <a:endParaRPr lang="fr-FR"/>
+          </a:p>
+        </p:txBody>
+      </p:sp>
+    </p:spTree>
+    <p:extLst>
+      <p:ext uri="{BB962C8B-B14F-4D97-AF65-F5344CB8AC3E}">
+        <p14:creationId xmlns:p14="http://schemas.microsoft.com/office/powerpoint/2010/main" val="3610491533"/>
+      </p:ext>
+    </p:extLst>
+  </p:cSld>
+  <p:clrMapOvr>
+    <a:masterClrMapping/>
+  </p:clrMapOvr>
+</p:sld>
+</file>
+
+<file path=ppt/slides/slide15.xml><?xml version="1.0" encoding="utf-8"?>
+<p:sld xmlns:a="http://schemas.openxmlformats.org/drawingml/2006/main" xmlns:r="http://schemas.openxmlformats.org/officeDocument/2006/relationships" xmlns:p="http://schemas.openxmlformats.org/presentationml/2006/main">
+  <p:cSld>
+    <p:spTree>
+      <p:nvGrpSpPr>
+        <p:cNvPr id="1" name=""/>
+        <p:cNvGrpSpPr/>
+        <p:nvPr/>
+      </p:nvGrpSpPr>
+      <p:grpSpPr>
+        <a:xfrm>
+          <a:off x="0" y="0"/>
+          <a:ext cx="0" cy="0"/>
+          <a:chOff x="0" y="0"/>
+          <a:chExt cx="0" cy="0"/>
+        </a:xfrm>
+      </p:grpSpPr>
+      <p:sp>
+        <p:nvSpPr>
+          <p:cNvPr id="2" name="Titre 1">
+            <a:extLst>
+              <a:ext uri="{FF2B5EF4-FFF2-40B4-BE49-F238E27FC236}">
+                <a16:creationId xmlns:a16="http://schemas.microsoft.com/office/drawing/2014/main" id="{84879000-F87B-E4F1-EDA7-E630DAE221AF}"/>
+              </a:ext>
+            </a:extLst>
+          </p:cNvPr>
+          <p:cNvSpPr>
+            <a:spLocks noGrp="1"/>
+          </p:cNvSpPr>
+          <p:nvPr>
+            <p:ph type="title"/>
+          </p:nvPr>
+        </p:nvSpPr>
+        <p:spPr/>
+        <p:txBody>
+          <a:bodyPr/>
+          <a:lstStyle/>
+          <a:p>
+            <a:r>
+              <a:rPr lang="fr-FR" dirty="0"/>
+              <a:t>Transport – PAT</a:t>
+            </a:r>
+          </a:p>
+        </p:txBody>
+      </p:sp>
+      <p:sp>
+        <p:nvSpPr>
+          <p:cNvPr id="3" name="Espace réservé du contenu 2">
+            <a:extLst>
+              <a:ext uri="{FF2B5EF4-FFF2-40B4-BE49-F238E27FC236}">
+                <a16:creationId xmlns:a16="http://schemas.microsoft.com/office/drawing/2014/main" id="{B23F1D09-D3FA-EDEE-E62D-4B0BA5CAE0B7}"/>
+              </a:ext>
+            </a:extLst>
+          </p:cNvPr>
+          <p:cNvSpPr>
+            <a:spLocks noGrp="1"/>
+          </p:cNvSpPr>
+          <p:nvPr>
+            <p:ph idx="1"/>
+          </p:nvPr>
+        </p:nvSpPr>
+        <p:spPr>
+          <a:xfrm>
+            <a:off x="838200" y="1825625"/>
+            <a:ext cx="4897582" cy="4351338"/>
+          </a:xfrm>
+        </p:spPr>
+        <p:txBody>
+          <a:bodyPr>
+            <a:normAutofit/>
+          </a:bodyPr>
+          <a:lstStyle/>
+          <a:p>
+            <a:pPr marL="0" indent="0">
+              <a:buNone/>
+            </a:pPr>
+            <a:r>
+              <a:rPr lang="fr-FR" dirty="0"/>
+              <a:t>4 sous réseaux en /16</a:t>
+            </a:r>
+          </a:p>
+          <a:p>
+            <a:pPr marL="0" indent="0">
+              <a:buNone/>
+            </a:pPr>
+            <a:r>
+              <a:rPr lang="fr-FR" dirty="0"/>
+              <a:t>-&gt; 25000 Équipements</a:t>
+            </a:r>
+          </a:p>
+          <a:p>
+            <a:pPr marL="0" indent="0">
+              <a:buNone/>
+            </a:pPr>
+            <a:r>
+              <a:rPr lang="fr-FR" dirty="0"/>
+              <a:t>-&gt; 1 Adresse IP publique</a:t>
+            </a:r>
+          </a:p>
+          <a:p>
+            <a:pPr marL="0" indent="0">
+              <a:buNone/>
+            </a:pPr>
+            <a:endParaRPr lang="fr-FR" dirty="0"/>
+          </a:p>
+          <a:p>
+            <a:pPr marL="0" indent="0">
+              <a:buNone/>
+            </a:pPr>
+            <a:r>
+              <a:rPr lang="fr-FR" dirty="0"/>
+              <a:t>Le routeur attribue un numéro de port pour chaque équipement/flux</a:t>
+            </a:r>
+          </a:p>
+          <a:p>
+            <a:pPr marL="0" indent="0">
+              <a:buNone/>
+            </a:pPr>
+            <a:endParaRPr lang="fr-FR" dirty="0"/>
+          </a:p>
+        </p:txBody>
+      </p:sp>
+      <p:pic>
+        <p:nvPicPr>
+          <p:cNvPr id="4" name="Image 3">
+            <a:extLst>
+              <a:ext uri="{FF2B5EF4-FFF2-40B4-BE49-F238E27FC236}">
+                <a16:creationId xmlns:a16="http://schemas.microsoft.com/office/drawing/2014/main" id="{C736F3A7-1CC9-4DE4-7E3D-52AEAC04D557}"/>
+              </a:ext>
+            </a:extLst>
+          </p:cNvPr>
+          <p:cNvPicPr>
+            <a:picLocks noChangeAspect="1"/>
+          </p:cNvPicPr>
+          <p:nvPr/>
+        </p:nvPicPr>
+        <p:blipFill>
+          <a:blip r:embed="rId3">
+            <a:extLst>
+              <a:ext uri="{28A0092B-C50C-407E-A947-70E740481C1C}">
+                <a14:useLocalDpi xmlns:a14="http://schemas.microsoft.com/office/drawing/2010/main" val="0"/>
+              </a:ext>
+            </a:extLst>
+          </a:blip>
+          <a:stretch>
+            <a:fillRect/>
+          </a:stretch>
+        </p:blipFill>
+        <p:spPr>
+          <a:xfrm>
+            <a:off x="259474" y="6154384"/>
+            <a:ext cx="1675204" cy="519313"/>
+          </a:xfrm>
+          <a:prstGeom prst="rect">
+            <a:avLst/>
+          </a:prstGeom>
+        </p:spPr>
+      </p:pic>
+      <p:sp>
+        <p:nvSpPr>
+          <p:cNvPr id="8" name="Rectangle 7">
+            <a:extLst>
+              <a:ext uri="{FF2B5EF4-FFF2-40B4-BE49-F238E27FC236}">
+                <a16:creationId xmlns:a16="http://schemas.microsoft.com/office/drawing/2014/main" id="{1CDF7502-80BF-80C6-B965-490114E6264B}"/>
+              </a:ext>
+            </a:extLst>
+          </p:cNvPr>
+          <p:cNvSpPr/>
+          <p:nvPr/>
+        </p:nvSpPr>
+        <p:spPr>
+          <a:xfrm>
+            <a:off x="5288437" y="6176963"/>
+            <a:ext cx="2092751" cy="496734"/>
+          </a:xfrm>
+          <a:prstGeom prst="rect">
+            <a:avLst/>
+          </a:prstGeom>
+          <a:solidFill>
+            <a:schemeClr val="bg1"/>
+          </a:solidFill>
+          <a:ln>
+            <a:noFill/>
+          </a:ln>
+        </p:spPr>
+        <p:style>
+          <a:lnRef idx="2">
+            <a:schemeClr val="accent1">
+              <a:shade val="50000"/>
+            </a:schemeClr>
+          </a:lnRef>
+          <a:fillRef idx="1">
+            <a:schemeClr val="accent1"/>
+          </a:fillRef>
+          <a:effectRef idx="0">
+            <a:schemeClr val="accent1"/>
+          </a:effectRef>
+          <a:fontRef idx="minor">
+            <a:schemeClr val="lt1"/>
+          </a:fontRef>
+        </p:style>
+        <p:txBody>
+          <a:bodyPr rtlCol="0" anchor="ctr"/>
+          <a:lstStyle/>
+          <a:p>
+            <a:pPr algn="ctr"/>
+            <a:endParaRPr lang="fr-FR"/>
+          </a:p>
+        </p:txBody>
+      </p:sp>
+      <p:sp>
+        <p:nvSpPr>
+          <p:cNvPr id="9" name="Rectangle 8">
+            <a:extLst>
+              <a:ext uri="{FF2B5EF4-FFF2-40B4-BE49-F238E27FC236}">
+                <a16:creationId xmlns:a16="http://schemas.microsoft.com/office/drawing/2014/main" id="{6B362D99-8C29-4798-4660-9B593EB335E3}"/>
+              </a:ext>
+            </a:extLst>
+          </p:cNvPr>
+          <p:cNvSpPr/>
+          <p:nvPr/>
+        </p:nvSpPr>
+        <p:spPr>
+          <a:xfrm>
+            <a:off x="6983310" y="5917306"/>
+            <a:ext cx="806831" cy="496734"/>
+          </a:xfrm>
+          <a:prstGeom prst="rect">
+            <a:avLst/>
+          </a:prstGeom>
+          <a:solidFill>
+            <a:schemeClr val="bg1"/>
+          </a:solidFill>
+          <a:ln>
+            <a:noFill/>
+          </a:ln>
+        </p:spPr>
+        <p:style>
+          <a:lnRef idx="2">
+            <a:schemeClr val="accent1">
+              <a:shade val="50000"/>
+            </a:schemeClr>
+          </a:lnRef>
+          <a:fillRef idx="1">
+            <a:schemeClr val="accent1"/>
+          </a:fillRef>
+          <a:effectRef idx="0">
+            <a:schemeClr val="accent1"/>
+          </a:effectRef>
+          <a:fontRef idx="minor">
+            <a:schemeClr val="lt1"/>
+          </a:fontRef>
+        </p:style>
+        <p:txBody>
+          <a:bodyPr rtlCol="0" anchor="ctr"/>
+          <a:lstStyle/>
+          <a:p>
+            <a:pPr algn="ctr"/>
+            <a:endParaRPr lang="fr-FR"/>
+          </a:p>
+        </p:txBody>
+      </p:sp>
+      <p:pic>
+        <p:nvPicPr>
+          <p:cNvPr id="6" name="Image 5">
+            <a:extLst>
+              <a:ext uri="{FF2B5EF4-FFF2-40B4-BE49-F238E27FC236}">
+                <a16:creationId xmlns:a16="http://schemas.microsoft.com/office/drawing/2014/main" id="{7A0DF4ED-F284-CDDC-6B61-3939682FB135}"/>
+              </a:ext>
+            </a:extLst>
+          </p:cNvPr>
+          <p:cNvPicPr>
+            <a:picLocks noChangeAspect="1"/>
+          </p:cNvPicPr>
+          <p:nvPr/>
+        </p:nvPicPr>
+        <p:blipFill>
+          <a:blip r:embed="rId4">
+            <a:extLst>
+              <a:ext uri="{28A0092B-C50C-407E-A947-70E740481C1C}">
+                <a14:useLocalDpi xmlns:a14="http://schemas.microsoft.com/office/drawing/2010/main" val="0"/>
+              </a:ext>
+            </a:extLst>
+          </a:blip>
+          <a:stretch>
+            <a:fillRect/>
+          </a:stretch>
+        </p:blipFill>
+        <p:spPr>
+          <a:xfrm>
+            <a:off x="5644210" y="1076421"/>
+            <a:ext cx="6288316" cy="4976612"/>
+          </a:xfrm>
+          <a:prstGeom prst="rect">
+            <a:avLst/>
+          </a:prstGeom>
+        </p:spPr>
+      </p:pic>
+    </p:spTree>
+    <p:extLst>
+      <p:ext uri="{BB962C8B-B14F-4D97-AF65-F5344CB8AC3E}">
+        <p14:creationId xmlns:p14="http://schemas.microsoft.com/office/powerpoint/2010/main" val="480004727"/>
+      </p:ext>
+    </p:extLst>
+  </p:cSld>
+  <p:clrMapOvr>
+    <a:masterClrMapping/>
+  </p:clrMapOvr>
+</p:sld>
+</file>
+
+<file path=ppt/slides/slide16.xml><?xml version="1.0" encoding="utf-8"?>
+<p:sld xmlns:a="http://schemas.openxmlformats.org/drawingml/2006/main" xmlns:r="http://schemas.openxmlformats.org/officeDocument/2006/relationships" xmlns:p="http://schemas.openxmlformats.org/presentationml/2006/main">
+  <p:cSld>
+    <p:spTree>
+      <p:nvGrpSpPr>
+        <p:cNvPr id="1" name=""/>
+        <p:cNvGrpSpPr/>
+        <p:nvPr/>
+      </p:nvGrpSpPr>
+      <p:grpSpPr>
+        <a:xfrm>
+          <a:off x="0" y="0"/>
+          <a:ext cx="0" cy="0"/>
+          <a:chOff x="0" y="0"/>
+          <a:chExt cx="0" cy="0"/>
+        </a:xfrm>
+      </p:grpSpPr>
+      <p:sp>
+        <p:nvSpPr>
+          <p:cNvPr id="2" name="Titre 1">
+            <a:extLst>
+              <a:ext uri="{FF2B5EF4-FFF2-40B4-BE49-F238E27FC236}">
+                <a16:creationId xmlns:a16="http://schemas.microsoft.com/office/drawing/2014/main" id="{C5043ED2-81F2-6A57-E62B-245ECA8237B3}"/>
+              </a:ext>
+            </a:extLst>
+          </p:cNvPr>
+          <p:cNvSpPr>
+            <a:spLocks noGrp="1"/>
+          </p:cNvSpPr>
+          <p:nvPr>
+            <p:ph type="title"/>
+          </p:nvPr>
+        </p:nvSpPr>
+        <p:spPr/>
+        <p:txBody>
+          <a:bodyPr/>
+          <a:lstStyle/>
+          <a:p>
+            <a:r>
+              <a:rPr lang="fr-FR" dirty="0"/>
+              <a:t>Couche Réseau</a:t>
+            </a:r>
+          </a:p>
+        </p:txBody>
+      </p:sp>
+      <p:sp>
+        <p:nvSpPr>
+          <p:cNvPr id="3" name="Espace réservé du texte 2">
+            <a:extLst>
+              <a:ext uri="{FF2B5EF4-FFF2-40B4-BE49-F238E27FC236}">
+                <a16:creationId xmlns:a16="http://schemas.microsoft.com/office/drawing/2014/main" id="{52351BCF-26D8-991A-A104-19A66B599DD5}"/>
+              </a:ext>
+            </a:extLst>
+          </p:cNvPr>
+          <p:cNvSpPr>
+            <a:spLocks noGrp="1"/>
+          </p:cNvSpPr>
+          <p:nvPr>
+            <p:ph type="body" idx="1"/>
+          </p:nvPr>
+        </p:nvSpPr>
+        <p:spPr/>
+        <p:txBody>
+          <a:bodyPr/>
+          <a:lstStyle/>
+          <a:p>
+            <a:r>
+              <a:rPr lang="fr-FR" dirty="0"/>
+              <a:t>IPV6</a:t>
+            </a:r>
+          </a:p>
+        </p:txBody>
+      </p:sp>
+      <p:pic>
+        <p:nvPicPr>
+          <p:cNvPr id="4" name="Image 3">
+            <a:extLst>
+              <a:ext uri="{FF2B5EF4-FFF2-40B4-BE49-F238E27FC236}">
+                <a16:creationId xmlns:a16="http://schemas.microsoft.com/office/drawing/2014/main" id="{7D5CAAE2-A607-881E-6517-72A27C9BFC58}"/>
+              </a:ext>
+            </a:extLst>
+          </p:cNvPr>
+          <p:cNvPicPr>
+            <a:picLocks noChangeAspect="1"/>
+          </p:cNvPicPr>
+          <p:nvPr/>
+        </p:nvPicPr>
+        <p:blipFill>
+          <a:blip r:embed="rId2">
+            <a:extLst>
+              <a:ext uri="{28A0092B-C50C-407E-A947-70E740481C1C}">
+                <a14:useLocalDpi xmlns:a14="http://schemas.microsoft.com/office/drawing/2010/main" val="0"/>
+              </a:ext>
+            </a:extLst>
+          </a:blip>
+          <a:stretch>
+            <a:fillRect/>
+          </a:stretch>
+        </p:blipFill>
+        <p:spPr>
+          <a:xfrm>
+            <a:off x="259474" y="6154384"/>
+            <a:ext cx="1675204" cy="519313"/>
+          </a:xfrm>
+          <a:prstGeom prst="rect">
+            <a:avLst/>
+          </a:prstGeom>
+        </p:spPr>
+      </p:pic>
+      <p:pic>
+        <p:nvPicPr>
+          <p:cNvPr id="5" name="Image 4">
+            <a:extLst>
+              <a:ext uri="{FF2B5EF4-FFF2-40B4-BE49-F238E27FC236}">
+                <a16:creationId xmlns:a16="http://schemas.microsoft.com/office/drawing/2014/main" id="{43C0F8CC-0304-2975-6CC6-5D369C364821}"/>
+              </a:ext>
+            </a:extLst>
+          </p:cNvPr>
+          <p:cNvPicPr>
+            <a:picLocks noChangeAspect="1"/>
+          </p:cNvPicPr>
+          <p:nvPr/>
+        </p:nvPicPr>
+        <p:blipFill>
+          <a:blip r:embed="rId3">
+            <a:extLst>
+              <a:ext uri="{28A0092B-C50C-407E-A947-70E740481C1C}">
+                <a14:useLocalDpi xmlns:a14="http://schemas.microsoft.com/office/drawing/2010/main" val="0"/>
+              </a:ext>
+            </a:extLst>
+          </a:blip>
+          <a:stretch>
+            <a:fillRect/>
+          </a:stretch>
+        </p:blipFill>
+        <p:spPr>
+          <a:xfrm>
+            <a:off x="7358135" y="922338"/>
+            <a:ext cx="4391143" cy="5167312"/>
+          </a:xfrm>
+          <a:prstGeom prst="rect">
+            <a:avLst/>
+          </a:prstGeom>
+        </p:spPr>
+      </p:pic>
+      <p:sp>
+        <p:nvSpPr>
+          <p:cNvPr id="6" name="Rectangle 5">
+            <a:extLst>
+              <a:ext uri="{FF2B5EF4-FFF2-40B4-BE49-F238E27FC236}">
+                <a16:creationId xmlns:a16="http://schemas.microsoft.com/office/drawing/2014/main" id="{D2A38D7A-4EE8-C7E9-0BA0-52DE89264C42}"/>
+              </a:ext>
+            </a:extLst>
+          </p:cNvPr>
+          <p:cNvSpPr/>
+          <p:nvPr/>
+        </p:nvSpPr>
+        <p:spPr>
+          <a:xfrm>
+            <a:off x="8117007" y="3846038"/>
+            <a:ext cx="3431357" cy="716437"/>
+          </a:xfrm>
+          <a:prstGeom prst="rect">
+            <a:avLst/>
+          </a:prstGeom>
+          <a:noFill/>
+          <a:ln w="57150">
+            <a:solidFill>
+              <a:srgbClr val="FF0000"/>
+            </a:solidFill>
+          </a:ln>
+        </p:spPr>
+        <p:style>
+          <a:lnRef idx="2">
+            <a:schemeClr val="accent1">
+              <a:shade val="50000"/>
+            </a:schemeClr>
+          </a:lnRef>
+          <a:fillRef idx="1">
+            <a:schemeClr val="accent1"/>
+          </a:fillRef>
+          <a:effectRef idx="0">
+            <a:schemeClr val="accent1"/>
+          </a:effectRef>
+          <a:fontRef idx="minor">
+            <a:schemeClr val="lt1"/>
+          </a:fontRef>
+        </p:style>
+        <p:txBody>
+          <a:bodyPr rtlCol="0" anchor="ctr"/>
+          <a:lstStyle/>
+          <a:p>
+            <a:pPr algn="ctr"/>
+            <a:endParaRPr lang="fr-FR"/>
+          </a:p>
+        </p:txBody>
+      </p:sp>
+    </p:spTree>
+    <p:extLst>
+      <p:ext uri="{BB962C8B-B14F-4D97-AF65-F5344CB8AC3E}">
+        <p14:creationId xmlns:p14="http://schemas.microsoft.com/office/powerpoint/2010/main" val="2810393567"/>
+      </p:ext>
+    </p:extLst>
+  </p:cSld>
+  <p:clrMapOvr>
+    <a:masterClrMapping/>
+  </p:clrMapOvr>
+</p:sld>
+</file>
+
+<file path=ppt/slides/slide17.xml><?xml version="1.0" encoding="utf-8"?>
+<p:sld xmlns:a="http://schemas.openxmlformats.org/drawingml/2006/main" xmlns:r="http://schemas.openxmlformats.org/officeDocument/2006/relationships" xmlns:p="http://schemas.openxmlformats.org/presentationml/2006/main">
+  <p:cSld>
+    <p:spTree>
+      <p:nvGrpSpPr>
+        <p:cNvPr id="1" name=""/>
+        <p:cNvGrpSpPr/>
+        <p:nvPr/>
+      </p:nvGrpSpPr>
+      <p:grpSpPr>
+        <a:xfrm>
+          <a:off x="0" y="0"/>
+          <a:ext cx="0" cy="0"/>
+          <a:chOff x="0" y="0"/>
+          <a:chExt cx="0" cy="0"/>
+        </a:xfrm>
+      </p:grpSpPr>
+      <p:sp>
+        <p:nvSpPr>
+          <p:cNvPr id="2" name="Titre 1">
+            <a:extLst>
+              <a:ext uri="{FF2B5EF4-FFF2-40B4-BE49-F238E27FC236}">
+                <a16:creationId xmlns:a16="http://schemas.microsoft.com/office/drawing/2014/main" id="{84879000-F87B-E4F1-EDA7-E630DAE221AF}"/>
+              </a:ext>
+            </a:extLst>
+          </p:cNvPr>
+          <p:cNvSpPr>
+            <a:spLocks noGrp="1"/>
+          </p:cNvSpPr>
+          <p:nvPr>
+            <p:ph type="title"/>
+          </p:nvPr>
+        </p:nvSpPr>
+        <p:spPr/>
+        <p:txBody>
+          <a:bodyPr/>
+          <a:lstStyle/>
+          <a:p>
+            <a:r>
+              <a:rPr lang="fr-FR" dirty="0"/>
+              <a:t>Couche – Réseau – IPV6</a:t>
+            </a:r>
+          </a:p>
+        </p:txBody>
+      </p:sp>
+      <p:sp>
+        <p:nvSpPr>
+          <p:cNvPr id="3" name="Espace réservé du contenu 2">
+            <a:extLst>
+              <a:ext uri="{FF2B5EF4-FFF2-40B4-BE49-F238E27FC236}">
+                <a16:creationId xmlns:a16="http://schemas.microsoft.com/office/drawing/2014/main" id="{B23F1D09-D3FA-EDEE-E62D-4B0BA5CAE0B7}"/>
+              </a:ext>
+            </a:extLst>
+          </p:cNvPr>
+          <p:cNvSpPr>
+            <a:spLocks noGrp="1"/>
+          </p:cNvSpPr>
+          <p:nvPr>
+            <p:ph idx="1"/>
+          </p:nvPr>
+        </p:nvSpPr>
+        <p:spPr/>
+        <p:txBody>
+          <a:bodyPr/>
+          <a:lstStyle/>
+          <a:p>
+            <a:r>
+              <a:rPr lang="fr-FR" dirty="0"/>
+              <a:t>Le constat : pénurie d’adresse IPV4 (Malgré sous réseau et PAT…)</a:t>
             </a:r>
           </a:p>
           <a:p>
             <a:pPr lvl="1"/>
             <a:r>
               <a:rPr lang="fr-FR" dirty="0"/>
-              <a:t>2001:0db8:0000:85a3:0000:0000:ac1f:8001</a:t>
+              <a:t>32bits -&gt; 4 milliards d’adresses disponibles</a:t>
             </a:r>
           </a:p>
           <a:p>
             <a:pPr lvl="1"/>
             <a:r>
               <a:rPr lang="fr-FR" dirty="0"/>
-              <a:t>2001:db8:0:85a3:0:0:ac1f:8001 (On peut retirer les 0 non significatifs)</a:t>
-            </a:r>
+              <a:t>2011 : Tous les blocs d’adresse IP distribués aux </a:t>
+            </a:r>
+            <a:r>
+              <a:rPr lang="fr-FR" dirty="0" err="1"/>
+              <a:t>RIR</a:t>
+            </a:r>
+            <a:endParaRPr lang="fr-FR" dirty="0"/>
           </a:p>
           <a:p>
             <a:pPr lvl="1"/>
-            <a:r>
-              <a:rPr lang="fr-FR" dirty="0"/>
-              <a:t>2001:db8:0:85a3::ac1f:8001 (Une suite de plusieurs groupe 0 peuvent être retirés)</a:t>
-            </a:r>
-          </a:p>
-          <a:p>
-            <a:pPr lvl="1"/>
-            <a:r>
-              <a:rPr lang="fr-FR" dirty="0"/>
-              <a:t>Masque de sous réseau : idem IPV4</a:t>
-            </a:r>
-          </a:p>
-          <a:p>
-            <a:r>
-              <a:rPr lang="fr-FR" dirty="0"/>
-              <a:t>Propriété :</a:t>
-            </a:r>
-          </a:p>
-          <a:p>
-            <a:pPr lvl="1"/>
-            <a:r>
-              <a:rPr lang="fr-FR" dirty="0"/>
-              <a:t>Unique ! Plus besoin de PAT/NAT</a:t>
-            </a:r>
+            <a:endParaRPr lang="fr-FR" dirty="0"/>
           </a:p>
           <a:p>
             <a:pPr marL="457200" lvl="1" indent="0">
@@ -7812,21 +9777,29 @@
           <a:p>
             <a:r>
               <a:rPr lang="fr-FR" dirty="0"/>
-              <a:t>Adresses spécifiques</a:t>
+              <a:t>IPV6</a:t>
             </a:r>
           </a:p>
           <a:p>
             <a:pPr lvl="1"/>
             <a:r>
               <a:rPr lang="fr-FR" dirty="0"/>
-              <a:t>127.0.0.1 -&gt; ::1/128</a:t>
+              <a:t>340.10</a:t>
+            </a:r>
+            <a:r>
+              <a:rPr lang="fr-FR" baseline="30000" dirty="0"/>
+              <a:t>36 </a:t>
+            </a:r>
+            <a:r>
+              <a:rPr lang="fr-FR" dirty="0"/>
+              <a:t>adresses disponibles</a:t>
             </a:r>
           </a:p>
           <a:p>
             <a:pPr lvl="1"/>
             <a:r>
               <a:rPr lang="fr-FR" dirty="0"/>
-              <a:t>Réserve Illimité : correspond 10</a:t>
+              <a:t>Réserve illimité : correspond 10</a:t>
             </a:r>
             <a:r>
               <a:rPr lang="fr-FR" baseline="30000" dirty="0"/>
@@ -7835,6 +9808,250 @@
             <a:r>
               <a:rPr lang="fr-FR" dirty="0"/>
               <a:t> par mm² de la terre</a:t>
+            </a:r>
+          </a:p>
+          <a:p>
+            <a:pPr marL="0" indent="0">
+              <a:buNone/>
+            </a:pPr>
+            <a:endParaRPr lang="fr-FR" dirty="0"/>
+          </a:p>
+          <a:p>
+            <a:pPr marL="0" indent="0">
+              <a:buNone/>
+            </a:pPr>
+            <a:endParaRPr lang="fr-FR" dirty="0"/>
+          </a:p>
+        </p:txBody>
+      </p:sp>
+      <p:pic>
+        <p:nvPicPr>
+          <p:cNvPr id="4" name="Image 3">
+            <a:extLst>
+              <a:ext uri="{FF2B5EF4-FFF2-40B4-BE49-F238E27FC236}">
+                <a16:creationId xmlns:a16="http://schemas.microsoft.com/office/drawing/2014/main" id="{C736F3A7-1CC9-4DE4-7E3D-52AEAC04D557}"/>
+              </a:ext>
+            </a:extLst>
+          </p:cNvPr>
+          <p:cNvPicPr>
+            <a:picLocks noChangeAspect="1"/>
+          </p:cNvPicPr>
+          <p:nvPr/>
+        </p:nvPicPr>
+        <p:blipFill>
+          <a:blip r:embed="rId3">
+            <a:extLst>
+              <a:ext uri="{28A0092B-C50C-407E-A947-70E740481C1C}">
+                <a14:useLocalDpi xmlns:a14="http://schemas.microsoft.com/office/drawing/2010/main" val="0"/>
+              </a:ext>
+            </a:extLst>
+          </a:blip>
+          <a:stretch>
+            <a:fillRect/>
+          </a:stretch>
+        </p:blipFill>
+        <p:spPr>
+          <a:xfrm>
+            <a:off x="259474" y="6154384"/>
+            <a:ext cx="1675204" cy="519313"/>
+          </a:xfrm>
+          <a:prstGeom prst="rect">
+            <a:avLst/>
+          </a:prstGeom>
+        </p:spPr>
+      </p:pic>
+      <p:pic>
+        <p:nvPicPr>
+          <p:cNvPr id="6" name="Image 5">
+            <a:extLst>
+              <a:ext uri="{FF2B5EF4-FFF2-40B4-BE49-F238E27FC236}">
+                <a16:creationId xmlns:a16="http://schemas.microsoft.com/office/drawing/2014/main" id="{D197E323-B287-9810-05C9-0E94DC3B2E0F}"/>
+              </a:ext>
+            </a:extLst>
+          </p:cNvPr>
+          <p:cNvPicPr>
+            <a:picLocks noChangeAspect="1"/>
+          </p:cNvPicPr>
+          <p:nvPr/>
+        </p:nvPicPr>
+        <p:blipFill>
+          <a:blip r:embed="rId4">
+            <a:extLst>
+              <a:ext uri="{28A0092B-C50C-407E-A947-70E740481C1C}">
+                <a14:useLocalDpi xmlns:a14="http://schemas.microsoft.com/office/drawing/2010/main" val="0"/>
+              </a:ext>
+            </a:extLst>
+          </a:blip>
+          <a:stretch>
+            <a:fillRect/>
+          </a:stretch>
+        </p:blipFill>
+        <p:spPr>
+          <a:xfrm>
+            <a:off x="7856049" y="2425989"/>
+            <a:ext cx="4335951" cy="3468760"/>
+          </a:xfrm>
+          <a:prstGeom prst="rect">
+            <a:avLst/>
+          </a:prstGeom>
+        </p:spPr>
+      </p:pic>
+    </p:spTree>
+    <p:extLst>
+      <p:ext uri="{BB962C8B-B14F-4D97-AF65-F5344CB8AC3E}">
+        <p14:creationId xmlns:p14="http://schemas.microsoft.com/office/powerpoint/2010/main" val="3620924059"/>
+      </p:ext>
+    </p:extLst>
+  </p:cSld>
+  <p:clrMapOvr>
+    <a:masterClrMapping/>
+  </p:clrMapOvr>
+</p:sld>
+</file>
+
+<file path=ppt/slides/slide18.xml><?xml version="1.0" encoding="utf-8"?>
+<p:sld xmlns:a="http://schemas.openxmlformats.org/drawingml/2006/main" xmlns:r="http://schemas.openxmlformats.org/officeDocument/2006/relationships" xmlns:p="http://schemas.openxmlformats.org/presentationml/2006/main">
+  <p:cSld>
+    <p:spTree>
+      <p:nvGrpSpPr>
+        <p:cNvPr id="1" name=""/>
+        <p:cNvGrpSpPr/>
+        <p:nvPr/>
+      </p:nvGrpSpPr>
+      <p:grpSpPr>
+        <a:xfrm>
+          <a:off x="0" y="0"/>
+          <a:ext cx="0" cy="0"/>
+          <a:chOff x="0" y="0"/>
+          <a:chExt cx="0" cy="0"/>
+        </a:xfrm>
+      </p:grpSpPr>
+      <p:sp>
+        <p:nvSpPr>
+          <p:cNvPr id="2" name="Titre 1">
+            <a:extLst>
+              <a:ext uri="{FF2B5EF4-FFF2-40B4-BE49-F238E27FC236}">
+                <a16:creationId xmlns:a16="http://schemas.microsoft.com/office/drawing/2014/main" id="{84879000-F87B-E4F1-EDA7-E630DAE221AF}"/>
+              </a:ext>
+            </a:extLst>
+          </p:cNvPr>
+          <p:cNvSpPr>
+            <a:spLocks noGrp="1"/>
+          </p:cNvSpPr>
+          <p:nvPr>
+            <p:ph type="title"/>
+          </p:nvPr>
+        </p:nvSpPr>
+        <p:spPr/>
+        <p:txBody>
+          <a:bodyPr/>
+          <a:lstStyle/>
+          <a:p>
+            <a:r>
+              <a:rPr lang="fr-FR" dirty="0"/>
+              <a:t>Couche – Réseau – IPV6</a:t>
+            </a:r>
+          </a:p>
+        </p:txBody>
+      </p:sp>
+      <p:sp>
+        <p:nvSpPr>
+          <p:cNvPr id="3" name="Espace réservé du contenu 2">
+            <a:extLst>
+              <a:ext uri="{FF2B5EF4-FFF2-40B4-BE49-F238E27FC236}">
+                <a16:creationId xmlns:a16="http://schemas.microsoft.com/office/drawing/2014/main" id="{B23F1D09-D3FA-EDEE-E62D-4B0BA5CAE0B7}"/>
+              </a:ext>
+            </a:extLst>
+          </p:cNvPr>
+          <p:cNvSpPr>
+            <a:spLocks noGrp="1"/>
+          </p:cNvSpPr>
+          <p:nvPr>
+            <p:ph idx="1"/>
+          </p:nvPr>
+        </p:nvSpPr>
+        <p:spPr/>
+        <p:txBody>
+          <a:bodyPr>
+            <a:normAutofit fontScale="92500" lnSpcReduction="20000"/>
+          </a:bodyPr>
+          <a:lstStyle/>
+          <a:p>
+            <a:r>
+              <a:rPr lang="fr-FR" dirty="0"/>
+              <a:t>Format :</a:t>
+            </a:r>
+          </a:p>
+          <a:p>
+            <a:pPr marL="0" indent="0">
+              <a:buNone/>
+            </a:pPr>
+            <a:endParaRPr lang="fr-FR" dirty="0"/>
+          </a:p>
+          <a:p>
+            <a:r>
+              <a:rPr lang="fr-FR" dirty="0"/>
+              <a:t>Notation : 8 Groupes de 2 Octets : </a:t>
+            </a:r>
+          </a:p>
+          <a:p>
+            <a:pPr lvl="1"/>
+            <a:r>
+              <a:rPr lang="fr-FR" dirty="0"/>
+              <a:t>2001:0db8:0000:85a3:0000:0000:ac1f:8001</a:t>
+            </a:r>
+          </a:p>
+          <a:p>
+            <a:pPr lvl="1"/>
+            <a:r>
+              <a:rPr lang="fr-FR" dirty="0"/>
+              <a:t>2001:db8:0:85a3:0:0:ac1f:8001 (On peut retirer les 0 non significatifs)</a:t>
+            </a:r>
+          </a:p>
+          <a:p>
+            <a:pPr lvl="1"/>
+            <a:r>
+              <a:rPr lang="fr-FR" dirty="0"/>
+              <a:t>2001:db8:0:85a3::ac1f:8001 (Une suite de plusieurs groupe 0 peuvent être retirés)</a:t>
+            </a:r>
+          </a:p>
+          <a:p>
+            <a:pPr lvl="1"/>
+            <a:r>
+              <a:rPr lang="fr-FR" dirty="0"/>
+              <a:t>Masque de sous réseau : idem IPV4</a:t>
+            </a:r>
+          </a:p>
+          <a:p>
+            <a:r>
+              <a:rPr lang="fr-FR" dirty="0"/>
+              <a:t>Propriété :</a:t>
+            </a:r>
+          </a:p>
+          <a:p>
+            <a:pPr lvl="1"/>
+            <a:r>
+              <a:rPr lang="fr-FR" dirty="0"/>
+              <a:t>Unique ! Plus besoin de PAT/NAT</a:t>
+            </a:r>
+          </a:p>
+          <a:p>
+            <a:pPr marL="457200" lvl="1" indent="0">
+              <a:buNone/>
+            </a:pPr>
+            <a:endParaRPr lang="fr-FR" dirty="0"/>
+          </a:p>
+          <a:p>
+            <a:r>
+              <a:rPr lang="fr-FR" dirty="0"/>
+              <a:t>Adresses spécifiques</a:t>
+            </a:r>
+          </a:p>
+          <a:p>
+            <a:pPr lvl="1"/>
+            <a:r>
+              <a:rPr lang="fr-FR" dirty="0"/>
+              <a:t>127.0.0.1 -&gt; ::1/128</a:t>
             </a:r>
           </a:p>
           <a:p>
@@ -7930,7 +10147,7 @@
 </p:sld>
 </file>
 
-<file path=ppt/slides/slide12.xml><?xml version="1.0" encoding="utf-8"?>
+<file path=ppt/slides/slide19.xml><?xml version="1.0" encoding="utf-8"?>
 <p:sld xmlns:a="http://schemas.openxmlformats.org/drawingml/2006/main" xmlns:r="http://schemas.openxmlformats.org/officeDocument/2006/relationships" xmlns:p="http://schemas.openxmlformats.org/presentationml/2006/main">
   <p:cSld>
     <p:spTree>
@@ -8015,7 +10232,7 @@
           <p:nvPr/>
         </p:nvPicPr>
         <p:blipFill>
-          <a:blip r:embed="rId2">
+          <a:blip r:embed="rId3">
             <a:extLst>
               <a:ext uri="{28A0092B-C50C-407E-A947-70E740481C1C}">
                 <a14:useLocalDpi xmlns:a14="http://schemas.microsoft.com/office/drawing/2010/main" val="0"/>
@@ -8040,1292 +10257,6 @@
     <p:extLst>
       <p:ext uri="{BB962C8B-B14F-4D97-AF65-F5344CB8AC3E}">
         <p14:creationId xmlns:p14="http://schemas.microsoft.com/office/powerpoint/2010/main" val="2392711151"/>
-      </p:ext>
-    </p:extLst>
-  </p:cSld>
-  <p:clrMapOvr>
-    <a:masterClrMapping/>
-  </p:clrMapOvr>
-</p:sld>
-</file>
-
-<file path=ppt/slides/slide13.xml><?xml version="1.0" encoding="utf-8"?>
-<p:sld xmlns:a="http://schemas.openxmlformats.org/drawingml/2006/main" xmlns:r="http://schemas.openxmlformats.org/officeDocument/2006/relationships" xmlns:p="http://schemas.openxmlformats.org/presentationml/2006/main">
-  <p:cSld>
-    <p:spTree>
-      <p:nvGrpSpPr>
-        <p:cNvPr id="1" name=""/>
-        <p:cNvGrpSpPr/>
-        <p:nvPr/>
-      </p:nvGrpSpPr>
-      <p:grpSpPr>
-        <a:xfrm>
-          <a:off x="0" y="0"/>
-          <a:ext cx="0" cy="0"/>
-          <a:chOff x="0" y="0"/>
-          <a:chExt cx="0" cy="0"/>
-        </a:xfrm>
-      </p:grpSpPr>
-      <p:sp>
-        <p:nvSpPr>
-          <p:cNvPr id="2" name="Titre 1">
-            <a:extLst>
-              <a:ext uri="{FF2B5EF4-FFF2-40B4-BE49-F238E27FC236}">
-                <a16:creationId xmlns:a16="http://schemas.microsoft.com/office/drawing/2014/main" id="{84879000-F87B-E4F1-EDA7-E630DAE221AF}"/>
-              </a:ext>
-            </a:extLst>
-          </p:cNvPr>
-          <p:cNvSpPr>
-            <a:spLocks noGrp="1"/>
-          </p:cNvSpPr>
-          <p:nvPr>
-            <p:ph type="title"/>
-          </p:nvPr>
-        </p:nvSpPr>
-        <p:spPr/>
-        <p:txBody>
-          <a:bodyPr/>
-          <a:lstStyle/>
-          <a:p>
-            <a:r>
-              <a:rPr lang="fr-FR" dirty="0"/>
-              <a:t>Protocole FTP - Présentation</a:t>
-            </a:r>
-          </a:p>
-        </p:txBody>
-      </p:sp>
-      <p:sp>
-        <p:nvSpPr>
-          <p:cNvPr id="3" name="Espace réservé du contenu 2">
-            <a:extLst>
-              <a:ext uri="{FF2B5EF4-FFF2-40B4-BE49-F238E27FC236}">
-                <a16:creationId xmlns:a16="http://schemas.microsoft.com/office/drawing/2014/main" id="{B23F1D09-D3FA-EDEE-E62D-4B0BA5CAE0B7}"/>
-              </a:ext>
-            </a:extLst>
-          </p:cNvPr>
-          <p:cNvSpPr>
-            <a:spLocks noGrp="1"/>
-          </p:cNvSpPr>
-          <p:nvPr>
-            <p:ph idx="1"/>
-          </p:nvPr>
-        </p:nvSpPr>
-        <p:spPr/>
-        <p:txBody>
-          <a:bodyPr/>
-          <a:lstStyle/>
-          <a:p>
-            <a:r>
-              <a:rPr lang="fr-FR" dirty="0"/>
-              <a:t>Objectif :</a:t>
-            </a:r>
-          </a:p>
-          <a:p>
-            <a:pPr lvl="1"/>
-            <a:r>
-              <a:rPr lang="fr-FR" dirty="0"/>
-              <a:t>Transférer des fichiers</a:t>
-            </a:r>
-          </a:p>
-          <a:p>
-            <a:pPr lvl="1"/>
-            <a:endParaRPr lang="fr-FR" dirty="0"/>
-          </a:p>
-          <a:p>
-            <a:r>
-              <a:rPr lang="fr-FR" dirty="0"/>
-              <a:t>Fonctionnement Client / Serveur</a:t>
-            </a:r>
-          </a:p>
-          <a:p>
-            <a:r>
-              <a:rPr lang="fr-FR" dirty="0"/>
-              <a:t>Port </a:t>
-            </a:r>
-            <a:r>
-              <a:rPr lang="fr-FR" dirty="0" err="1"/>
-              <a:t>TCP</a:t>
-            </a:r>
-            <a:r>
-              <a:rPr lang="fr-FR" dirty="0"/>
-              <a:t> 20 &amp; 21</a:t>
-            </a:r>
-          </a:p>
-          <a:p>
-            <a:pPr marL="0" indent="0">
-              <a:buNone/>
-            </a:pPr>
-            <a:endParaRPr lang="fr-FR" dirty="0"/>
-          </a:p>
-        </p:txBody>
-      </p:sp>
-      <p:pic>
-        <p:nvPicPr>
-          <p:cNvPr id="4" name="Image 3">
-            <a:extLst>
-              <a:ext uri="{FF2B5EF4-FFF2-40B4-BE49-F238E27FC236}">
-                <a16:creationId xmlns:a16="http://schemas.microsoft.com/office/drawing/2014/main" id="{C736F3A7-1CC9-4DE4-7E3D-52AEAC04D557}"/>
-              </a:ext>
-            </a:extLst>
-          </p:cNvPr>
-          <p:cNvPicPr>
-            <a:picLocks noChangeAspect="1"/>
-          </p:cNvPicPr>
-          <p:nvPr/>
-        </p:nvPicPr>
-        <p:blipFill>
-          <a:blip r:embed="rId3">
-            <a:extLst>
-              <a:ext uri="{28A0092B-C50C-407E-A947-70E740481C1C}">
-                <a14:useLocalDpi xmlns:a14="http://schemas.microsoft.com/office/drawing/2010/main" val="0"/>
-              </a:ext>
-            </a:extLst>
-          </a:blip>
-          <a:stretch>
-            <a:fillRect/>
-          </a:stretch>
-        </p:blipFill>
-        <p:spPr>
-          <a:xfrm>
-            <a:off x="259474" y="6154384"/>
-            <a:ext cx="1675204" cy="519313"/>
-          </a:xfrm>
-          <a:prstGeom prst="rect">
-            <a:avLst/>
-          </a:prstGeom>
-        </p:spPr>
-      </p:pic>
-      <p:pic>
-        <p:nvPicPr>
-          <p:cNvPr id="6" name="Image 5" descr="Une image contenant texte, horloge&#10;&#10;Description générée automatiquement">
-            <a:extLst>
-              <a:ext uri="{FF2B5EF4-FFF2-40B4-BE49-F238E27FC236}">
-                <a16:creationId xmlns:a16="http://schemas.microsoft.com/office/drawing/2014/main" id="{C305FCE2-8C27-62EE-AC45-7AFDD21010E1}"/>
-              </a:ext>
-            </a:extLst>
-          </p:cNvPr>
-          <p:cNvPicPr>
-            <a:picLocks noChangeAspect="1"/>
-          </p:cNvPicPr>
-          <p:nvPr/>
-        </p:nvPicPr>
-        <p:blipFill>
-          <a:blip r:embed="rId4">
-            <a:extLst>
-              <a:ext uri="{28A0092B-C50C-407E-A947-70E740481C1C}">
-                <a14:useLocalDpi xmlns:a14="http://schemas.microsoft.com/office/drawing/2010/main" val="0"/>
-              </a:ext>
-            </a:extLst>
-          </a:blip>
-          <a:stretch>
-            <a:fillRect/>
-          </a:stretch>
-        </p:blipFill>
-        <p:spPr>
-          <a:xfrm>
-            <a:off x="6647197" y="1995307"/>
-            <a:ext cx="5031041" cy="2534387"/>
-          </a:xfrm>
-          <a:prstGeom prst="rect">
-            <a:avLst/>
-          </a:prstGeom>
-        </p:spPr>
-      </p:pic>
-    </p:spTree>
-    <p:extLst>
-      <p:ext uri="{BB962C8B-B14F-4D97-AF65-F5344CB8AC3E}">
-        <p14:creationId xmlns:p14="http://schemas.microsoft.com/office/powerpoint/2010/main" val="4178829276"/>
-      </p:ext>
-    </p:extLst>
-  </p:cSld>
-  <p:clrMapOvr>
-    <a:masterClrMapping/>
-  </p:clrMapOvr>
-</p:sld>
-</file>
-
-<file path=ppt/slides/slide14.xml><?xml version="1.0" encoding="utf-8"?>
-<p:sld xmlns:a="http://schemas.openxmlformats.org/drawingml/2006/main" xmlns:r="http://schemas.openxmlformats.org/officeDocument/2006/relationships" xmlns:p="http://schemas.openxmlformats.org/presentationml/2006/main">
-  <p:cSld>
-    <p:spTree>
-      <p:nvGrpSpPr>
-        <p:cNvPr id="1" name=""/>
-        <p:cNvGrpSpPr/>
-        <p:nvPr/>
-      </p:nvGrpSpPr>
-      <p:grpSpPr>
-        <a:xfrm>
-          <a:off x="0" y="0"/>
-          <a:ext cx="0" cy="0"/>
-          <a:chOff x="0" y="0"/>
-          <a:chExt cx="0" cy="0"/>
-        </a:xfrm>
-      </p:grpSpPr>
-      <p:sp>
-        <p:nvSpPr>
-          <p:cNvPr id="2" name="Titre 1">
-            <a:extLst>
-              <a:ext uri="{FF2B5EF4-FFF2-40B4-BE49-F238E27FC236}">
-                <a16:creationId xmlns:a16="http://schemas.microsoft.com/office/drawing/2014/main" id="{84879000-F87B-E4F1-EDA7-E630DAE221AF}"/>
-              </a:ext>
-            </a:extLst>
-          </p:cNvPr>
-          <p:cNvSpPr>
-            <a:spLocks noGrp="1"/>
-          </p:cNvSpPr>
-          <p:nvPr>
-            <p:ph type="title"/>
-          </p:nvPr>
-        </p:nvSpPr>
-        <p:spPr/>
-        <p:txBody>
-          <a:bodyPr/>
-          <a:lstStyle/>
-          <a:p>
-            <a:r>
-              <a:rPr lang="fr-FR" dirty="0"/>
-              <a:t>Protocole FTP - Fonctionnement</a:t>
-            </a:r>
-          </a:p>
-        </p:txBody>
-      </p:sp>
-      <p:sp>
-        <p:nvSpPr>
-          <p:cNvPr id="3" name="Espace réservé du contenu 2">
-            <a:extLst>
-              <a:ext uri="{FF2B5EF4-FFF2-40B4-BE49-F238E27FC236}">
-                <a16:creationId xmlns:a16="http://schemas.microsoft.com/office/drawing/2014/main" id="{B23F1D09-D3FA-EDEE-E62D-4B0BA5CAE0B7}"/>
-              </a:ext>
-            </a:extLst>
-          </p:cNvPr>
-          <p:cNvSpPr>
-            <a:spLocks noGrp="1"/>
-          </p:cNvSpPr>
-          <p:nvPr>
-            <p:ph idx="1"/>
-          </p:nvPr>
-        </p:nvSpPr>
-        <p:spPr/>
-        <p:txBody>
-          <a:bodyPr/>
-          <a:lstStyle/>
-          <a:p>
-            <a:r>
-              <a:rPr lang="fr-FR" dirty="0"/>
-              <a:t>Objectif :</a:t>
-            </a:r>
-          </a:p>
-          <a:p>
-            <a:pPr lvl="1"/>
-            <a:r>
-              <a:rPr lang="fr-FR" dirty="0"/>
-              <a:t>Transférer des fichiers</a:t>
-            </a:r>
-          </a:p>
-          <a:p>
-            <a:pPr lvl="1"/>
-            <a:endParaRPr lang="fr-FR" dirty="0"/>
-          </a:p>
-          <a:p>
-            <a:r>
-              <a:rPr lang="fr-FR" dirty="0"/>
-              <a:t>Fonctionnement Client / Serveur</a:t>
-            </a:r>
-          </a:p>
-          <a:p>
-            <a:r>
-              <a:rPr lang="fr-FR" dirty="0"/>
-              <a:t>Port </a:t>
-            </a:r>
-            <a:r>
-              <a:rPr lang="fr-FR" dirty="0" err="1"/>
-              <a:t>TCP</a:t>
-            </a:r>
-            <a:r>
-              <a:rPr lang="fr-FR" dirty="0"/>
-              <a:t> 20 &amp; 21</a:t>
-            </a:r>
-          </a:p>
-          <a:p>
-            <a:pPr marL="0" indent="0">
-              <a:buNone/>
-            </a:pPr>
-            <a:endParaRPr lang="fr-FR" dirty="0"/>
-          </a:p>
-        </p:txBody>
-      </p:sp>
-      <p:pic>
-        <p:nvPicPr>
-          <p:cNvPr id="4" name="Image 3">
-            <a:extLst>
-              <a:ext uri="{FF2B5EF4-FFF2-40B4-BE49-F238E27FC236}">
-                <a16:creationId xmlns:a16="http://schemas.microsoft.com/office/drawing/2014/main" id="{C736F3A7-1CC9-4DE4-7E3D-52AEAC04D557}"/>
-              </a:ext>
-            </a:extLst>
-          </p:cNvPr>
-          <p:cNvPicPr>
-            <a:picLocks noChangeAspect="1"/>
-          </p:cNvPicPr>
-          <p:nvPr/>
-        </p:nvPicPr>
-        <p:blipFill>
-          <a:blip r:embed="rId3">
-            <a:extLst>
-              <a:ext uri="{28A0092B-C50C-407E-A947-70E740481C1C}">
-                <a14:useLocalDpi xmlns:a14="http://schemas.microsoft.com/office/drawing/2010/main" val="0"/>
-              </a:ext>
-            </a:extLst>
-          </a:blip>
-          <a:stretch>
-            <a:fillRect/>
-          </a:stretch>
-        </p:blipFill>
-        <p:spPr>
-          <a:xfrm>
-            <a:off x="259474" y="6154384"/>
-            <a:ext cx="1675204" cy="519313"/>
-          </a:xfrm>
-          <a:prstGeom prst="rect">
-            <a:avLst/>
-          </a:prstGeom>
-        </p:spPr>
-      </p:pic>
-      <p:pic>
-        <p:nvPicPr>
-          <p:cNvPr id="7" name="Image 6">
-            <a:extLst>
-              <a:ext uri="{FF2B5EF4-FFF2-40B4-BE49-F238E27FC236}">
-                <a16:creationId xmlns:a16="http://schemas.microsoft.com/office/drawing/2014/main" id="{F9E6FB30-F4CE-BEB2-74DB-BB937CAB97BB}"/>
-              </a:ext>
-            </a:extLst>
-          </p:cNvPr>
-          <p:cNvPicPr>
-            <a:picLocks noChangeAspect="1"/>
-          </p:cNvPicPr>
-          <p:nvPr/>
-        </p:nvPicPr>
-        <p:blipFill>
-          <a:blip r:embed="rId4">
-            <a:extLst>
-              <a:ext uri="{28A0092B-C50C-407E-A947-70E740481C1C}">
-                <a14:useLocalDpi xmlns:a14="http://schemas.microsoft.com/office/drawing/2010/main" val="0"/>
-              </a:ext>
-            </a:extLst>
-          </a:blip>
-          <a:stretch>
-            <a:fillRect/>
-          </a:stretch>
-        </p:blipFill>
-        <p:spPr>
-          <a:xfrm>
-            <a:off x="6452920" y="1690688"/>
-            <a:ext cx="4716000" cy="2304000"/>
-          </a:xfrm>
-          <a:prstGeom prst="rect">
-            <a:avLst/>
-          </a:prstGeom>
-        </p:spPr>
-      </p:pic>
-    </p:spTree>
-    <p:extLst>
-      <p:ext uri="{BB962C8B-B14F-4D97-AF65-F5344CB8AC3E}">
-        <p14:creationId xmlns:p14="http://schemas.microsoft.com/office/powerpoint/2010/main" val="1481591854"/>
-      </p:ext>
-    </p:extLst>
-  </p:cSld>
-  <p:clrMapOvr>
-    <a:masterClrMapping/>
-  </p:clrMapOvr>
-</p:sld>
-</file>
-
-<file path=ppt/slides/slide15.xml><?xml version="1.0" encoding="utf-8"?>
-<p:sld xmlns:a="http://schemas.openxmlformats.org/drawingml/2006/main" xmlns:r="http://schemas.openxmlformats.org/officeDocument/2006/relationships" xmlns:p="http://schemas.openxmlformats.org/presentationml/2006/main">
-  <p:cSld>
-    <p:spTree>
-      <p:nvGrpSpPr>
-        <p:cNvPr id="1" name=""/>
-        <p:cNvGrpSpPr/>
-        <p:nvPr/>
-      </p:nvGrpSpPr>
-      <p:grpSpPr>
-        <a:xfrm>
-          <a:off x="0" y="0"/>
-          <a:ext cx="0" cy="0"/>
-          <a:chOff x="0" y="0"/>
-          <a:chExt cx="0" cy="0"/>
-        </a:xfrm>
-      </p:grpSpPr>
-      <p:sp>
-        <p:nvSpPr>
-          <p:cNvPr id="2" name="Titre 1">
-            <a:extLst>
-              <a:ext uri="{FF2B5EF4-FFF2-40B4-BE49-F238E27FC236}">
-                <a16:creationId xmlns:a16="http://schemas.microsoft.com/office/drawing/2014/main" id="{84879000-F87B-E4F1-EDA7-E630DAE221AF}"/>
-              </a:ext>
-            </a:extLst>
-          </p:cNvPr>
-          <p:cNvSpPr>
-            <a:spLocks noGrp="1"/>
-          </p:cNvSpPr>
-          <p:nvPr>
-            <p:ph type="title"/>
-          </p:nvPr>
-        </p:nvSpPr>
-        <p:spPr/>
-        <p:txBody>
-          <a:bodyPr/>
-          <a:lstStyle/>
-          <a:p>
-            <a:r>
-              <a:rPr lang="fr-FR" dirty="0"/>
-              <a:t>Protocole - Telnet</a:t>
-            </a:r>
-          </a:p>
-        </p:txBody>
-      </p:sp>
-      <p:sp>
-        <p:nvSpPr>
-          <p:cNvPr id="3" name="Espace réservé du contenu 2">
-            <a:extLst>
-              <a:ext uri="{FF2B5EF4-FFF2-40B4-BE49-F238E27FC236}">
-                <a16:creationId xmlns:a16="http://schemas.microsoft.com/office/drawing/2014/main" id="{B23F1D09-D3FA-EDEE-E62D-4B0BA5CAE0B7}"/>
-              </a:ext>
-            </a:extLst>
-          </p:cNvPr>
-          <p:cNvSpPr>
-            <a:spLocks noGrp="1"/>
-          </p:cNvSpPr>
-          <p:nvPr>
-            <p:ph idx="1"/>
-          </p:nvPr>
-        </p:nvSpPr>
-        <p:spPr/>
-        <p:txBody>
-          <a:bodyPr/>
-          <a:lstStyle/>
-          <a:p>
-            <a:r>
-              <a:rPr lang="fr-FR" dirty="0"/>
-              <a:t>Objectif : Échange de ligne de texte entre serveur/client</a:t>
-            </a:r>
-          </a:p>
-          <a:p>
-            <a:r>
-              <a:rPr lang="fr-FR" dirty="0"/>
-              <a:t>Utilisé pour l’administration de serveur</a:t>
-            </a:r>
-          </a:p>
-          <a:p>
-            <a:r>
-              <a:rPr lang="fr-FR" dirty="0"/>
-              <a:t>Port : 21 </a:t>
-            </a:r>
-          </a:p>
-          <a:p>
-            <a:r>
-              <a:rPr lang="fr-FR" dirty="0"/>
-              <a:t>Attention : Toutes les </a:t>
-            </a:r>
-          </a:p>
-          <a:p>
-            <a:pPr marL="0" indent="0">
-              <a:buNone/>
-            </a:pPr>
-            <a:r>
-              <a:rPr lang="fr-FR" dirty="0"/>
-              <a:t>données sont en clair !</a:t>
-            </a:r>
-          </a:p>
-          <a:p>
-            <a:endParaRPr lang="fr-FR" dirty="0"/>
-          </a:p>
-        </p:txBody>
-      </p:sp>
-      <p:pic>
-        <p:nvPicPr>
-          <p:cNvPr id="4" name="Image 3">
-            <a:extLst>
-              <a:ext uri="{FF2B5EF4-FFF2-40B4-BE49-F238E27FC236}">
-                <a16:creationId xmlns:a16="http://schemas.microsoft.com/office/drawing/2014/main" id="{C736F3A7-1CC9-4DE4-7E3D-52AEAC04D557}"/>
-              </a:ext>
-            </a:extLst>
-          </p:cNvPr>
-          <p:cNvPicPr>
-            <a:picLocks noChangeAspect="1"/>
-          </p:cNvPicPr>
-          <p:nvPr/>
-        </p:nvPicPr>
-        <p:blipFill>
-          <a:blip r:embed="rId2">
-            <a:extLst>
-              <a:ext uri="{28A0092B-C50C-407E-A947-70E740481C1C}">
-                <a14:useLocalDpi xmlns:a14="http://schemas.microsoft.com/office/drawing/2010/main" val="0"/>
-              </a:ext>
-            </a:extLst>
-          </a:blip>
-          <a:stretch>
-            <a:fillRect/>
-          </a:stretch>
-        </p:blipFill>
-        <p:spPr>
-          <a:xfrm>
-            <a:off x="259474" y="6154384"/>
-            <a:ext cx="1675204" cy="519313"/>
-          </a:xfrm>
-          <a:prstGeom prst="rect">
-            <a:avLst/>
-          </a:prstGeom>
-        </p:spPr>
-      </p:pic>
-      <p:pic>
-        <p:nvPicPr>
-          <p:cNvPr id="6" name="Image 5">
-            <a:extLst>
-              <a:ext uri="{FF2B5EF4-FFF2-40B4-BE49-F238E27FC236}">
-                <a16:creationId xmlns:a16="http://schemas.microsoft.com/office/drawing/2014/main" id="{D6EFF5D8-9011-5FCF-18CE-40455A63AE36}"/>
-              </a:ext>
-            </a:extLst>
-          </p:cNvPr>
-          <p:cNvPicPr>
-            <a:picLocks noChangeAspect="1"/>
-          </p:cNvPicPr>
-          <p:nvPr/>
-        </p:nvPicPr>
-        <p:blipFill>
-          <a:blip r:embed="rId3">
-            <a:extLst>
-              <a:ext uri="{28A0092B-C50C-407E-A947-70E740481C1C}">
-                <a14:useLocalDpi xmlns:a14="http://schemas.microsoft.com/office/drawing/2010/main" val="0"/>
-              </a:ext>
-            </a:extLst>
-          </a:blip>
-          <a:stretch>
-            <a:fillRect/>
-          </a:stretch>
-        </p:blipFill>
-        <p:spPr>
-          <a:xfrm>
-            <a:off x="5346998" y="2866448"/>
-            <a:ext cx="6446982" cy="3626427"/>
-          </a:xfrm>
-          <a:prstGeom prst="rect">
-            <a:avLst/>
-          </a:prstGeom>
-        </p:spPr>
-      </p:pic>
-    </p:spTree>
-    <p:extLst>
-      <p:ext uri="{BB962C8B-B14F-4D97-AF65-F5344CB8AC3E}">
-        <p14:creationId xmlns:p14="http://schemas.microsoft.com/office/powerpoint/2010/main" val="2260243299"/>
-      </p:ext>
-    </p:extLst>
-  </p:cSld>
-  <p:clrMapOvr>
-    <a:masterClrMapping/>
-  </p:clrMapOvr>
-</p:sld>
-</file>
-
-<file path=ppt/slides/slide16.xml><?xml version="1.0" encoding="utf-8"?>
-<p:sld xmlns:a="http://schemas.openxmlformats.org/drawingml/2006/main" xmlns:r="http://schemas.openxmlformats.org/officeDocument/2006/relationships" xmlns:p="http://schemas.openxmlformats.org/presentationml/2006/main">
-  <p:cSld>
-    <p:spTree>
-      <p:nvGrpSpPr>
-        <p:cNvPr id="1" name=""/>
-        <p:cNvGrpSpPr/>
-        <p:nvPr/>
-      </p:nvGrpSpPr>
-      <p:grpSpPr>
-        <a:xfrm>
-          <a:off x="0" y="0"/>
-          <a:ext cx="0" cy="0"/>
-          <a:chOff x="0" y="0"/>
-          <a:chExt cx="0" cy="0"/>
-        </a:xfrm>
-      </p:grpSpPr>
-      <p:sp>
-        <p:nvSpPr>
-          <p:cNvPr id="2" name="Titre 1">
-            <a:extLst>
-              <a:ext uri="{FF2B5EF4-FFF2-40B4-BE49-F238E27FC236}">
-                <a16:creationId xmlns:a16="http://schemas.microsoft.com/office/drawing/2014/main" id="{84879000-F87B-E4F1-EDA7-E630DAE221AF}"/>
-              </a:ext>
-            </a:extLst>
-          </p:cNvPr>
-          <p:cNvSpPr>
-            <a:spLocks noGrp="1"/>
-          </p:cNvSpPr>
-          <p:nvPr>
-            <p:ph type="title"/>
-          </p:nvPr>
-        </p:nvSpPr>
-        <p:spPr/>
-        <p:txBody>
-          <a:bodyPr/>
-          <a:lstStyle/>
-          <a:p>
-            <a:r>
-              <a:rPr lang="fr-FR" dirty="0"/>
-              <a:t>Protocole - </a:t>
-            </a:r>
-            <a:r>
-              <a:rPr lang="fr-FR" dirty="0" err="1"/>
-              <a:t>SSH</a:t>
-            </a:r>
-            <a:endParaRPr lang="fr-FR" dirty="0"/>
-          </a:p>
-        </p:txBody>
-      </p:sp>
-      <p:sp>
-        <p:nvSpPr>
-          <p:cNvPr id="3" name="Espace réservé du contenu 2">
-            <a:extLst>
-              <a:ext uri="{FF2B5EF4-FFF2-40B4-BE49-F238E27FC236}">
-                <a16:creationId xmlns:a16="http://schemas.microsoft.com/office/drawing/2014/main" id="{B23F1D09-D3FA-EDEE-E62D-4B0BA5CAE0B7}"/>
-              </a:ext>
-            </a:extLst>
-          </p:cNvPr>
-          <p:cNvSpPr>
-            <a:spLocks noGrp="1"/>
-          </p:cNvSpPr>
-          <p:nvPr>
-            <p:ph idx="1"/>
-          </p:nvPr>
-        </p:nvSpPr>
-        <p:spPr/>
-        <p:txBody>
-          <a:bodyPr/>
-          <a:lstStyle/>
-          <a:p>
-            <a:r>
-              <a:rPr lang="fr-FR" dirty="0"/>
-              <a:t>Successeur de Telnet</a:t>
-            </a:r>
-          </a:p>
-          <a:p>
-            <a:r>
-              <a:rPr lang="fr-FR" dirty="0"/>
-              <a:t>Administration de serveur</a:t>
-            </a:r>
-          </a:p>
-          <a:p>
-            <a:r>
-              <a:rPr lang="fr-FR" dirty="0" err="1"/>
-              <a:t>TCP</a:t>
-            </a:r>
-            <a:r>
-              <a:rPr lang="fr-FR" dirty="0"/>
-              <a:t> 22</a:t>
-            </a:r>
-          </a:p>
-          <a:p>
-            <a:pPr marL="0" indent="0">
-              <a:buNone/>
-            </a:pPr>
-            <a:endParaRPr lang="fr-FR" dirty="0"/>
-          </a:p>
-        </p:txBody>
-      </p:sp>
-      <p:pic>
-        <p:nvPicPr>
-          <p:cNvPr id="4" name="Image 3">
-            <a:extLst>
-              <a:ext uri="{FF2B5EF4-FFF2-40B4-BE49-F238E27FC236}">
-                <a16:creationId xmlns:a16="http://schemas.microsoft.com/office/drawing/2014/main" id="{C736F3A7-1CC9-4DE4-7E3D-52AEAC04D557}"/>
-              </a:ext>
-            </a:extLst>
-          </p:cNvPr>
-          <p:cNvPicPr>
-            <a:picLocks noChangeAspect="1"/>
-          </p:cNvPicPr>
-          <p:nvPr/>
-        </p:nvPicPr>
-        <p:blipFill>
-          <a:blip r:embed="rId2">
-            <a:extLst>
-              <a:ext uri="{28A0092B-C50C-407E-A947-70E740481C1C}">
-                <a14:useLocalDpi xmlns:a14="http://schemas.microsoft.com/office/drawing/2010/main" val="0"/>
-              </a:ext>
-            </a:extLst>
-          </a:blip>
-          <a:stretch>
-            <a:fillRect/>
-          </a:stretch>
-        </p:blipFill>
-        <p:spPr>
-          <a:xfrm>
-            <a:off x="259474" y="6154384"/>
-            <a:ext cx="1675204" cy="519313"/>
-          </a:xfrm>
-          <a:prstGeom prst="rect">
-            <a:avLst/>
-          </a:prstGeom>
-        </p:spPr>
-      </p:pic>
-      <p:pic>
-        <p:nvPicPr>
-          <p:cNvPr id="11" name="Image 10" descr="Une image contenant table&#10;&#10;Description générée automatiquement">
-            <a:extLst>
-              <a:ext uri="{FF2B5EF4-FFF2-40B4-BE49-F238E27FC236}">
-                <a16:creationId xmlns:a16="http://schemas.microsoft.com/office/drawing/2014/main" id="{40300E5A-4962-A387-5673-0F30F1A76B71}"/>
-              </a:ext>
-            </a:extLst>
-          </p:cNvPr>
-          <p:cNvPicPr>
-            <a:picLocks noChangeAspect="1"/>
-          </p:cNvPicPr>
-          <p:nvPr/>
-        </p:nvPicPr>
-        <p:blipFill>
-          <a:blip r:embed="rId3">
-            <a:extLst>
-              <a:ext uri="{28A0092B-C50C-407E-A947-70E740481C1C}">
-                <a14:useLocalDpi xmlns:a14="http://schemas.microsoft.com/office/drawing/2010/main" val="0"/>
-              </a:ext>
-            </a:extLst>
-          </a:blip>
-          <a:stretch>
-            <a:fillRect/>
-          </a:stretch>
-        </p:blipFill>
-        <p:spPr>
-          <a:xfrm>
-            <a:off x="3466310" y="2983345"/>
-            <a:ext cx="8466216" cy="2503055"/>
-          </a:xfrm>
-          <a:prstGeom prst="rect">
-            <a:avLst/>
-          </a:prstGeom>
-        </p:spPr>
-      </p:pic>
-    </p:spTree>
-    <p:extLst>
-      <p:ext uri="{BB962C8B-B14F-4D97-AF65-F5344CB8AC3E}">
-        <p14:creationId xmlns:p14="http://schemas.microsoft.com/office/powerpoint/2010/main" val="1548908806"/>
-      </p:ext>
-    </p:extLst>
-  </p:cSld>
-  <p:clrMapOvr>
-    <a:masterClrMapping/>
-  </p:clrMapOvr>
-</p:sld>
-</file>
-
-<file path=ppt/slides/slide17.xml><?xml version="1.0" encoding="utf-8"?>
-<p:sld xmlns:a="http://schemas.openxmlformats.org/drawingml/2006/main" xmlns:r="http://schemas.openxmlformats.org/officeDocument/2006/relationships" xmlns:p="http://schemas.openxmlformats.org/presentationml/2006/main">
-  <p:cSld>
-    <p:spTree>
-      <p:nvGrpSpPr>
-        <p:cNvPr id="1" name=""/>
-        <p:cNvGrpSpPr/>
-        <p:nvPr/>
-      </p:nvGrpSpPr>
-      <p:grpSpPr>
-        <a:xfrm>
-          <a:off x="0" y="0"/>
-          <a:ext cx="0" cy="0"/>
-          <a:chOff x="0" y="0"/>
-          <a:chExt cx="0" cy="0"/>
-        </a:xfrm>
-      </p:grpSpPr>
-      <p:sp>
-        <p:nvSpPr>
-          <p:cNvPr id="2" name="Titre 1">
-            <a:extLst>
-              <a:ext uri="{FF2B5EF4-FFF2-40B4-BE49-F238E27FC236}">
-                <a16:creationId xmlns:a16="http://schemas.microsoft.com/office/drawing/2014/main" id="{84879000-F87B-E4F1-EDA7-E630DAE221AF}"/>
-              </a:ext>
-            </a:extLst>
-          </p:cNvPr>
-          <p:cNvSpPr>
-            <a:spLocks noGrp="1"/>
-          </p:cNvSpPr>
-          <p:nvPr>
-            <p:ph type="title"/>
-          </p:nvPr>
-        </p:nvSpPr>
-        <p:spPr/>
-        <p:txBody>
-          <a:bodyPr/>
-          <a:lstStyle/>
-          <a:p>
-            <a:r>
-              <a:rPr lang="fr-FR" dirty="0"/>
-              <a:t>Protocole - </a:t>
-            </a:r>
-            <a:r>
-              <a:rPr lang="fr-FR" dirty="0" err="1"/>
-              <a:t>SSH</a:t>
-            </a:r>
-            <a:endParaRPr lang="fr-FR" dirty="0"/>
-          </a:p>
-        </p:txBody>
-      </p:sp>
-      <p:sp>
-        <p:nvSpPr>
-          <p:cNvPr id="3" name="Espace réservé du contenu 2">
-            <a:extLst>
-              <a:ext uri="{FF2B5EF4-FFF2-40B4-BE49-F238E27FC236}">
-                <a16:creationId xmlns:a16="http://schemas.microsoft.com/office/drawing/2014/main" id="{B23F1D09-D3FA-EDEE-E62D-4B0BA5CAE0B7}"/>
-              </a:ext>
-            </a:extLst>
-          </p:cNvPr>
-          <p:cNvSpPr>
-            <a:spLocks noGrp="1"/>
-          </p:cNvSpPr>
-          <p:nvPr>
-            <p:ph idx="1"/>
-          </p:nvPr>
-        </p:nvSpPr>
-        <p:spPr/>
-        <p:txBody>
-          <a:bodyPr/>
-          <a:lstStyle/>
-          <a:p>
-            <a:r>
-              <a:rPr lang="fr-FR" dirty="0"/>
-              <a:t>Possibilité de faire du </a:t>
-            </a:r>
-            <a:r>
-              <a:rPr lang="fr-FR" dirty="0" err="1"/>
-              <a:t>tunnelling</a:t>
-            </a:r>
-            <a:r>
-              <a:rPr lang="fr-FR" dirty="0"/>
-              <a:t> : permet de sécuriser une connexion qui ne l’est pas</a:t>
-            </a:r>
-          </a:p>
-          <a:p>
-            <a:r>
-              <a:rPr lang="fr-FR" dirty="0"/>
-              <a:t>SFTP -&gt; FTP en utilisant </a:t>
-            </a:r>
-            <a:r>
-              <a:rPr lang="fr-FR" dirty="0" err="1"/>
-              <a:t>SSH</a:t>
-            </a:r>
-            <a:endParaRPr lang="fr-FR" dirty="0"/>
-          </a:p>
-          <a:p>
-            <a:r>
-              <a:rPr lang="fr-FR" dirty="0"/>
-              <a:t>SCP -&gt; Copy en utilisant </a:t>
-            </a:r>
-            <a:r>
-              <a:rPr lang="fr-FR" dirty="0" err="1"/>
-              <a:t>SSH</a:t>
-            </a:r>
-            <a:endParaRPr lang="fr-FR" dirty="0"/>
-          </a:p>
-          <a:p>
-            <a:r>
-              <a:rPr lang="fr-FR" dirty="0"/>
-              <a:t>Reverse </a:t>
-            </a:r>
-            <a:r>
-              <a:rPr lang="fr-FR" dirty="0" err="1"/>
-              <a:t>SSH</a:t>
-            </a:r>
-            <a:r>
-              <a:rPr lang="fr-FR" dirty="0"/>
-              <a:t> : Schéma au tableau</a:t>
-            </a:r>
-          </a:p>
-          <a:p>
-            <a:pPr marL="0" indent="0">
-              <a:buNone/>
-            </a:pPr>
-            <a:endParaRPr lang="fr-FR" dirty="0"/>
-          </a:p>
-        </p:txBody>
-      </p:sp>
-      <p:pic>
-        <p:nvPicPr>
-          <p:cNvPr id="4" name="Image 3">
-            <a:extLst>
-              <a:ext uri="{FF2B5EF4-FFF2-40B4-BE49-F238E27FC236}">
-                <a16:creationId xmlns:a16="http://schemas.microsoft.com/office/drawing/2014/main" id="{C736F3A7-1CC9-4DE4-7E3D-52AEAC04D557}"/>
-              </a:ext>
-            </a:extLst>
-          </p:cNvPr>
-          <p:cNvPicPr>
-            <a:picLocks noChangeAspect="1"/>
-          </p:cNvPicPr>
-          <p:nvPr/>
-        </p:nvPicPr>
-        <p:blipFill>
-          <a:blip r:embed="rId2">
-            <a:extLst>
-              <a:ext uri="{28A0092B-C50C-407E-A947-70E740481C1C}">
-                <a14:useLocalDpi xmlns:a14="http://schemas.microsoft.com/office/drawing/2010/main" val="0"/>
-              </a:ext>
-            </a:extLst>
-          </a:blip>
-          <a:stretch>
-            <a:fillRect/>
-          </a:stretch>
-        </p:blipFill>
-        <p:spPr>
-          <a:xfrm>
-            <a:off x="259474" y="6154384"/>
-            <a:ext cx="1675204" cy="519313"/>
-          </a:xfrm>
-          <a:prstGeom prst="rect">
-            <a:avLst/>
-          </a:prstGeom>
-        </p:spPr>
-      </p:pic>
-    </p:spTree>
-    <p:extLst>
-      <p:ext uri="{BB962C8B-B14F-4D97-AF65-F5344CB8AC3E}">
-        <p14:creationId xmlns:p14="http://schemas.microsoft.com/office/powerpoint/2010/main" val="1799813743"/>
-      </p:ext>
-    </p:extLst>
-  </p:cSld>
-  <p:clrMapOvr>
-    <a:masterClrMapping/>
-  </p:clrMapOvr>
-</p:sld>
-</file>
-
-<file path=ppt/slides/slide18.xml><?xml version="1.0" encoding="utf-8"?>
-<p:sld xmlns:a="http://schemas.openxmlformats.org/drawingml/2006/main" xmlns:r="http://schemas.openxmlformats.org/officeDocument/2006/relationships" xmlns:p="http://schemas.openxmlformats.org/presentationml/2006/main">
-  <p:cSld>
-    <p:spTree>
-      <p:nvGrpSpPr>
-        <p:cNvPr id="1" name=""/>
-        <p:cNvGrpSpPr/>
-        <p:nvPr/>
-      </p:nvGrpSpPr>
-      <p:grpSpPr>
-        <a:xfrm>
-          <a:off x="0" y="0"/>
-          <a:ext cx="0" cy="0"/>
-          <a:chOff x="0" y="0"/>
-          <a:chExt cx="0" cy="0"/>
-        </a:xfrm>
-      </p:grpSpPr>
-      <p:sp>
-        <p:nvSpPr>
-          <p:cNvPr id="2" name="Titre 1">
-            <a:extLst>
-              <a:ext uri="{FF2B5EF4-FFF2-40B4-BE49-F238E27FC236}">
-                <a16:creationId xmlns:a16="http://schemas.microsoft.com/office/drawing/2014/main" id="{84879000-F87B-E4F1-EDA7-E630DAE221AF}"/>
-              </a:ext>
-            </a:extLst>
-          </p:cNvPr>
-          <p:cNvSpPr>
-            <a:spLocks noGrp="1"/>
-          </p:cNvSpPr>
-          <p:nvPr>
-            <p:ph type="title"/>
-          </p:nvPr>
-        </p:nvSpPr>
-        <p:spPr/>
-        <p:txBody>
-          <a:bodyPr/>
-          <a:lstStyle/>
-          <a:p>
-            <a:r>
-              <a:rPr lang="fr-FR" dirty="0"/>
-              <a:t>Protocole - HTTP</a:t>
-            </a:r>
-          </a:p>
-        </p:txBody>
-      </p:sp>
-      <p:sp>
-        <p:nvSpPr>
-          <p:cNvPr id="3" name="Espace réservé du contenu 2">
-            <a:extLst>
-              <a:ext uri="{FF2B5EF4-FFF2-40B4-BE49-F238E27FC236}">
-                <a16:creationId xmlns:a16="http://schemas.microsoft.com/office/drawing/2014/main" id="{B23F1D09-D3FA-EDEE-E62D-4B0BA5CAE0B7}"/>
-              </a:ext>
-            </a:extLst>
-          </p:cNvPr>
-          <p:cNvSpPr>
-            <a:spLocks noGrp="1"/>
-          </p:cNvSpPr>
-          <p:nvPr>
-            <p:ph idx="1"/>
-          </p:nvPr>
-        </p:nvSpPr>
-        <p:spPr/>
-        <p:txBody>
-          <a:bodyPr/>
-          <a:lstStyle/>
-          <a:p>
-            <a:r>
-              <a:rPr lang="fr-FR" dirty="0"/>
-              <a:t>Objectif : Transférer des pages Web</a:t>
-            </a:r>
-          </a:p>
-          <a:p>
-            <a:r>
-              <a:rPr lang="fr-FR" dirty="0"/>
-              <a:t>Client Serveur </a:t>
-            </a:r>
-          </a:p>
-          <a:p>
-            <a:r>
-              <a:rPr lang="fr-FR" dirty="0"/>
-              <a:t>Port 80</a:t>
-            </a:r>
-          </a:p>
-          <a:p>
-            <a:pPr marL="0" indent="0">
-              <a:buNone/>
-            </a:pPr>
-            <a:endParaRPr lang="fr-FR" dirty="0"/>
-          </a:p>
-        </p:txBody>
-      </p:sp>
-      <p:pic>
-        <p:nvPicPr>
-          <p:cNvPr id="4" name="Image 3">
-            <a:extLst>
-              <a:ext uri="{FF2B5EF4-FFF2-40B4-BE49-F238E27FC236}">
-                <a16:creationId xmlns:a16="http://schemas.microsoft.com/office/drawing/2014/main" id="{C736F3A7-1CC9-4DE4-7E3D-52AEAC04D557}"/>
-              </a:ext>
-            </a:extLst>
-          </p:cNvPr>
-          <p:cNvPicPr>
-            <a:picLocks noChangeAspect="1"/>
-          </p:cNvPicPr>
-          <p:nvPr/>
-        </p:nvPicPr>
-        <p:blipFill>
-          <a:blip r:embed="rId3">
-            <a:extLst>
-              <a:ext uri="{28A0092B-C50C-407E-A947-70E740481C1C}">
-                <a14:useLocalDpi xmlns:a14="http://schemas.microsoft.com/office/drawing/2010/main" val="0"/>
-              </a:ext>
-            </a:extLst>
-          </a:blip>
-          <a:stretch>
-            <a:fillRect/>
-          </a:stretch>
-        </p:blipFill>
-        <p:spPr>
-          <a:xfrm>
-            <a:off x="259474" y="6154384"/>
-            <a:ext cx="1675204" cy="519313"/>
-          </a:xfrm>
-          <a:prstGeom prst="rect">
-            <a:avLst/>
-          </a:prstGeom>
-        </p:spPr>
-      </p:pic>
-      <p:pic>
-        <p:nvPicPr>
-          <p:cNvPr id="7" name="Image 6">
-            <a:extLst>
-              <a:ext uri="{FF2B5EF4-FFF2-40B4-BE49-F238E27FC236}">
-                <a16:creationId xmlns:a16="http://schemas.microsoft.com/office/drawing/2014/main" id="{55E92B14-1729-C710-4418-39F6711E80B4}"/>
-              </a:ext>
-            </a:extLst>
-          </p:cNvPr>
-          <p:cNvPicPr>
-            <a:picLocks noChangeAspect="1"/>
-          </p:cNvPicPr>
-          <p:nvPr/>
-        </p:nvPicPr>
-        <p:blipFill>
-          <a:blip r:embed="rId4"/>
-          <a:stretch>
-            <a:fillRect/>
-          </a:stretch>
-        </p:blipFill>
-        <p:spPr>
-          <a:xfrm>
-            <a:off x="1934678" y="3336796"/>
-            <a:ext cx="9144000" cy="2750119"/>
-          </a:xfrm>
-          <a:prstGeom prst="rect">
-            <a:avLst/>
-          </a:prstGeom>
-        </p:spPr>
-      </p:pic>
-    </p:spTree>
-    <p:extLst>
-      <p:ext uri="{BB962C8B-B14F-4D97-AF65-F5344CB8AC3E}">
-        <p14:creationId xmlns:p14="http://schemas.microsoft.com/office/powerpoint/2010/main" val="8873027"/>
-      </p:ext>
-    </p:extLst>
-  </p:cSld>
-  <p:clrMapOvr>
-    <a:masterClrMapping/>
-  </p:clrMapOvr>
-</p:sld>
-</file>
-
-<file path=ppt/slides/slide19.xml><?xml version="1.0" encoding="utf-8"?>
-<p:sld xmlns:a="http://schemas.openxmlformats.org/drawingml/2006/main" xmlns:r="http://schemas.openxmlformats.org/officeDocument/2006/relationships" xmlns:p="http://schemas.openxmlformats.org/presentationml/2006/main">
-  <p:cSld>
-    <p:spTree>
-      <p:nvGrpSpPr>
-        <p:cNvPr id="1" name=""/>
-        <p:cNvGrpSpPr/>
-        <p:nvPr/>
-      </p:nvGrpSpPr>
-      <p:grpSpPr>
-        <a:xfrm>
-          <a:off x="0" y="0"/>
-          <a:ext cx="0" cy="0"/>
-          <a:chOff x="0" y="0"/>
-          <a:chExt cx="0" cy="0"/>
-        </a:xfrm>
-      </p:grpSpPr>
-      <p:sp>
-        <p:nvSpPr>
-          <p:cNvPr id="2" name="Titre 1">
-            <a:extLst>
-              <a:ext uri="{FF2B5EF4-FFF2-40B4-BE49-F238E27FC236}">
-                <a16:creationId xmlns:a16="http://schemas.microsoft.com/office/drawing/2014/main" id="{84879000-F87B-E4F1-EDA7-E630DAE221AF}"/>
-              </a:ext>
-            </a:extLst>
-          </p:cNvPr>
-          <p:cNvSpPr>
-            <a:spLocks noGrp="1"/>
-          </p:cNvSpPr>
-          <p:nvPr>
-            <p:ph type="title"/>
-          </p:nvPr>
-        </p:nvSpPr>
-        <p:spPr/>
-        <p:txBody>
-          <a:bodyPr/>
-          <a:lstStyle/>
-          <a:p>
-            <a:r>
-              <a:rPr lang="fr-FR" dirty="0"/>
-              <a:t>Protocole - Modbus</a:t>
-            </a:r>
-          </a:p>
-        </p:txBody>
-      </p:sp>
-      <p:sp>
-        <p:nvSpPr>
-          <p:cNvPr id="3" name="Espace réservé du contenu 2">
-            <a:extLst>
-              <a:ext uri="{FF2B5EF4-FFF2-40B4-BE49-F238E27FC236}">
-                <a16:creationId xmlns:a16="http://schemas.microsoft.com/office/drawing/2014/main" id="{B23F1D09-D3FA-EDEE-E62D-4B0BA5CAE0B7}"/>
-              </a:ext>
-            </a:extLst>
-          </p:cNvPr>
-          <p:cNvSpPr>
-            <a:spLocks noGrp="1"/>
-          </p:cNvSpPr>
-          <p:nvPr>
-            <p:ph idx="1"/>
-          </p:nvPr>
-        </p:nvSpPr>
-        <p:spPr/>
-        <p:txBody>
-          <a:bodyPr/>
-          <a:lstStyle/>
-          <a:p>
-            <a:r>
-              <a:rPr lang="fr-FR" dirty="0"/>
-              <a:t>Objectif : Automate industriel</a:t>
-            </a:r>
-          </a:p>
-          <a:p>
-            <a:r>
-              <a:rPr lang="fr-FR" dirty="0"/>
-              <a:t>Client Serveur </a:t>
-            </a:r>
-          </a:p>
-          <a:p>
-            <a:r>
-              <a:rPr lang="fr-FR" dirty="0"/>
-              <a:t>Port 502</a:t>
-            </a:r>
-          </a:p>
-          <a:p>
-            <a:pPr marL="0" indent="0">
-              <a:buNone/>
-            </a:pPr>
-            <a:endParaRPr lang="fr-FR" dirty="0"/>
-          </a:p>
-        </p:txBody>
-      </p:sp>
-      <p:pic>
-        <p:nvPicPr>
-          <p:cNvPr id="4" name="Image 3">
-            <a:extLst>
-              <a:ext uri="{FF2B5EF4-FFF2-40B4-BE49-F238E27FC236}">
-                <a16:creationId xmlns:a16="http://schemas.microsoft.com/office/drawing/2014/main" id="{C736F3A7-1CC9-4DE4-7E3D-52AEAC04D557}"/>
-              </a:ext>
-            </a:extLst>
-          </p:cNvPr>
-          <p:cNvPicPr>
-            <a:picLocks noChangeAspect="1"/>
-          </p:cNvPicPr>
-          <p:nvPr/>
-        </p:nvPicPr>
-        <p:blipFill>
-          <a:blip r:embed="rId3">
-            <a:extLst>
-              <a:ext uri="{28A0092B-C50C-407E-A947-70E740481C1C}">
-                <a14:useLocalDpi xmlns:a14="http://schemas.microsoft.com/office/drawing/2010/main" val="0"/>
-              </a:ext>
-            </a:extLst>
-          </a:blip>
-          <a:stretch>
-            <a:fillRect/>
-          </a:stretch>
-        </p:blipFill>
-        <p:spPr>
-          <a:xfrm>
-            <a:off x="259474" y="6154384"/>
-            <a:ext cx="1675204" cy="519313"/>
-          </a:xfrm>
-          <a:prstGeom prst="rect">
-            <a:avLst/>
-          </a:prstGeom>
-        </p:spPr>
-      </p:pic>
-      <p:pic>
-        <p:nvPicPr>
-          <p:cNvPr id="6" name="Image 5">
-            <a:extLst>
-              <a:ext uri="{FF2B5EF4-FFF2-40B4-BE49-F238E27FC236}">
-                <a16:creationId xmlns:a16="http://schemas.microsoft.com/office/drawing/2014/main" id="{9E060743-A15B-695C-6142-FA7B950E2751}"/>
-              </a:ext>
-            </a:extLst>
-          </p:cNvPr>
-          <p:cNvPicPr>
-            <a:picLocks noChangeAspect="1"/>
-          </p:cNvPicPr>
-          <p:nvPr/>
-        </p:nvPicPr>
-        <p:blipFill>
-          <a:blip r:embed="rId4">
-            <a:extLst>
-              <a:ext uri="{28A0092B-C50C-407E-A947-70E740481C1C}">
-                <a14:useLocalDpi xmlns:a14="http://schemas.microsoft.com/office/drawing/2010/main" val="0"/>
-              </a:ext>
-            </a:extLst>
-          </a:blip>
-          <a:stretch>
-            <a:fillRect/>
-          </a:stretch>
-        </p:blipFill>
-        <p:spPr>
-          <a:xfrm>
-            <a:off x="3223966" y="2794311"/>
-            <a:ext cx="8798351" cy="3436856"/>
-          </a:xfrm>
-          <a:prstGeom prst="rect">
-            <a:avLst/>
-          </a:prstGeom>
-        </p:spPr>
-      </p:pic>
-    </p:spTree>
-    <p:extLst>
-      <p:ext uri="{BB962C8B-B14F-4D97-AF65-F5344CB8AC3E}">
-        <p14:creationId xmlns:p14="http://schemas.microsoft.com/office/powerpoint/2010/main" val="3094009713"/>
       </p:ext>
     </p:extLst>
   </p:cSld>
@@ -9727,7 +10658,7 @@
             <a:pPr lvl="1"/>
             <a:r>
               <a:rPr lang="fr-FR" dirty="0"/>
-              <a:t>IPV6 </a:t>
+              <a:t>NAT / PAT – IPV6</a:t>
             </a:r>
           </a:p>
           <a:p>
@@ -9805,6 +10736,1390 @@
           <p:cNvPr id="2" name="Titre 1">
             <a:extLst>
               <a:ext uri="{FF2B5EF4-FFF2-40B4-BE49-F238E27FC236}">
+                <a16:creationId xmlns:a16="http://schemas.microsoft.com/office/drawing/2014/main" id="{84879000-F87B-E4F1-EDA7-E630DAE221AF}"/>
+              </a:ext>
+            </a:extLst>
+          </p:cNvPr>
+          <p:cNvSpPr>
+            <a:spLocks noGrp="1"/>
+          </p:cNvSpPr>
+          <p:nvPr>
+            <p:ph type="title"/>
+          </p:nvPr>
+        </p:nvSpPr>
+        <p:spPr/>
+        <p:txBody>
+          <a:bodyPr/>
+          <a:lstStyle/>
+          <a:p>
+            <a:r>
+              <a:rPr lang="fr-FR" dirty="0"/>
+              <a:t>Protocole FTP - Présentation</a:t>
+            </a:r>
+          </a:p>
+        </p:txBody>
+      </p:sp>
+      <p:sp>
+        <p:nvSpPr>
+          <p:cNvPr id="3" name="Espace réservé du contenu 2">
+            <a:extLst>
+              <a:ext uri="{FF2B5EF4-FFF2-40B4-BE49-F238E27FC236}">
+                <a16:creationId xmlns:a16="http://schemas.microsoft.com/office/drawing/2014/main" id="{B23F1D09-D3FA-EDEE-E62D-4B0BA5CAE0B7}"/>
+              </a:ext>
+            </a:extLst>
+          </p:cNvPr>
+          <p:cNvSpPr>
+            <a:spLocks noGrp="1"/>
+          </p:cNvSpPr>
+          <p:nvPr>
+            <p:ph idx="1"/>
+          </p:nvPr>
+        </p:nvSpPr>
+        <p:spPr/>
+        <p:txBody>
+          <a:bodyPr/>
+          <a:lstStyle/>
+          <a:p>
+            <a:r>
+              <a:rPr lang="fr-FR" dirty="0"/>
+              <a:t>Objectif :</a:t>
+            </a:r>
+          </a:p>
+          <a:p>
+            <a:pPr lvl="1"/>
+            <a:r>
+              <a:rPr lang="fr-FR" dirty="0"/>
+              <a:t>Transférer des fichiers</a:t>
+            </a:r>
+          </a:p>
+          <a:p>
+            <a:pPr lvl="1"/>
+            <a:endParaRPr lang="fr-FR" dirty="0"/>
+          </a:p>
+          <a:p>
+            <a:r>
+              <a:rPr lang="fr-FR" dirty="0"/>
+              <a:t>Fonctionnement Client / Serveur</a:t>
+            </a:r>
+          </a:p>
+          <a:p>
+            <a:r>
+              <a:rPr lang="fr-FR" dirty="0"/>
+              <a:t>Port </a:t>
+            </a:r>
+            <a:r>
+              <a:rPr lang="fr-FR" dirty="0" err="1"/>
+              <a:t>TCP</a:t>
+            </a:r>
+            <a:r>
+              <a:rPr lang="fr-FR" dirty="0"/>
+              <a:t> 20 &amp; 21 (Par défaut)</a:t>
+            </a:r>
+          </a:p>
+          <a:p>
+            <a:pPr marL="0" indent="0">
+              <a:buNone/>
+            </a:pPr>
+            <a:endParaRPr lang="fr-FR" dirty="0"/>
+          </a:p>
+        </p:txBody>
+      </p:sp>
+      <p:pic>
+        <p:nvPicPr>
+          <p:cNvPr id="4" name="Image 3">
+            <a:extLst>
+              <a:ext uri="{FF2B5EF4-FFF2-40B4-BE49-F238E27FC236}">
+                <a16:creationId xmlns:a16="http://schemas.microsoft.com/office/drawing/2014/main" id="{C736F3A7-1CC9-4DE4-7E3D-52AEAC04D557}"/>
+              </a:ext>
+            </a:extLst>
+          </p:cNvPr>
+          <p:cNvPicPr>
+            <a:picLocks noChangeAspect="1"/>
+          </p:cNvPicPr>
+          <p:nvPr/>
+        </p:nvPicPr>
+        <p:blipFill>
+          <a:blip r:embed="rId3">
+            <a:extLst>
+              <a:ext uri="{28A0092B-C50C-407E-A947-70E740481C1C}">
+                <a14:useLocalDpi xmlns:a14="http://schemas.microsoft.com/office/drawing/2010/main" val="0"/>
+              </a:ext>
+            </a:extLst>
+          </a:blip>
+          <a:stretch>
+            <a:fillRect/>
+          </a:stretch>
+        </p:blipFill>
+        <p:spPr>
+          <a:xfrm>
+            <a:off x="259474" y="6154384"/>
+            <a:ext cx="1675204" cy="519313"/>
+          </a:xfrm>
+          <a:prstGeom prst="rect">
+            <a:avLst/>
+          </a:prstGeom>
+        </p:spPr>
+      </p:pic>
+      <p:pic>
+        <p:nvPicPr>
+          <p:cNvPr id="6" name="Image 5" descr="Une image contenant texte, horloge&#10;&#10;Description générée automatiquement">
+            <a:extLst>
+              <a:ext uri="{FF2B5EF4-FFF2-40B4-BE49-F238E27FC236}">
+                <a16:creationId xmlns:a16="http://schemas.microsoft.com/office/drawing/2014/main" id="{C305FCE2-8C27-62EE-AC45-7AFDD21010E1}"/>
+              </a:ext>
+            </a:extLst>
+          </p:cNvPr>
+          <p:cNvPicPr>
+            <a:picLocks noChangeAspect="1"/>
+          </p:cNvPicPr>
+          <p:nvPr/>
+        </p:nvPicPr>
+        <p:blipFill>
+          <a:blip r:embed="rId4">
+            <a:extLst>
+              <a:ext uri="{28A0092B-C50C-407E-A947-70E740481C1C}">
+                <a14:useLocalDpi xmlns:a14="http://schemas.microsoft.com/office/drawing/2010/main" val="0"/>
+              </a:ext>
+            </a:extLst>
+          </a:blip>
+          <a:stretch>
+            <a:fillRect/>
+          </a:stretch>
+        </p:blipFill>
+        <p:spPr>
+          <a:xfrm>
+            <a:off x="6647197" y="1995307"/>
+            <a:ext cx="5031041" cy="2534387"/>
+          </a:xfrm>
+          <a:prstGeom prst="rect">
+            <a:avLst/>
+          </a:prstGeom>
+        </p:spPr>
+      </p:pic>
+    </p:spTree>
+    <p:extLst>
+      <p:ext uri="{BB962C8B-B14F-4D97-AF65-F5344CB8AC3E}">
+        <p14:creationId xmlns:p14="http://schemas.microsoft.com/office/powerpoint/2010/main" val="4178829276"/>
+      </p:ext>
+    </p:extLst>
+  </p:cSld>
+  <p:clrMapOvr>
+    <a:masterClrMapping/>
+  </p:clrMapOvr>
+</p:sld>
+</file>
+
+<file path=ppt/slides/slide21.xml><?xml version="1.0" encoding="utf-8"?>
+<p:sld xmlns:a="http://schemas.openxmlformats.org/drawingml/2006/main" xmlns:r="http://schemas.openxmlformats.org/officeDocument/2006/relationships" xmlns:p="http://schemas.openxmlformats.org/presentationml/2006/main">
+  <p:cSld>
+    <p:spTree>
+      <p:nvGrpSpPr>
+        <p:cNvPr id="1" name=""/>
+        <p:cNvGrpSpPr/>
+        <p:nvPr/>
+      </p:nvGrpSpPr>
+      <p:grpSpPr>
+        <a:xfrm>
+          <a:off x="0" y="0"/>
+          <a:ext cx="0" cy="0"/>
+          <a:chOff x="0" y="0"/>
+          <a:chExt cx="0" cy="0"/>
+        </a:xfrm>
+      </p:grpSpPr>
+      <p:sp>
+        <p:nvSpPr>
+          <p:cNvPr id="2" name="Titre 1">
+            <a:extLst>
+              <a:ext uri="{FF2B5EF4-FFF2-40B4-BE49-F238E27FC236}">
+                <a16:creationId xmlns:a16="http://schemas.microsoft.com/office/drawing/2014/main" id="{84879000-F87B-E4F1-EDA7-E630DAE221AF}"/>
+              </a:ext>
+            </a:extLst>
+          </p:cNvPr>
+          <p:cNvSpPr>
+            <a:spLocks noGrp="1"/>
+          </p:cNvSpPr>
+          <p:nvPr>
+            <p:ph type="title"/>
+          </p:nvPr>
+        </p:nvSpPr>
+        <p:spPr/>
+        <p:txBody>
+          <a:bodyPr/>
+          <a:lstStyle/>
+          <a:p>
+            <a:r>
+              <a:rPr lang="fr-FR" dirty="0"/>
+              <a:t>Protocole FTP - Fonctionnement</a:t>
+            </a:r>
+          </a:p>
+        </p:txBody>
+      </p:sp>
+      <p:sp>
+        <p:nvSpPr>
+          <p:cNvPr id="3" name="Espace réservé du contenu 2">
+            <a:extLst>
+              <a:ext uri="{FF2B5EF4-FFF2-40B4-BE49-F238E27FC236}">
+                <a16:creationId xmlns:a16="http://schemas.microsoft.com/office/drawing/2014/main" id="{B23F1D09-D3FA-EDEE-E62D-4B0BA5CAE0B7}"/>
+              </a:ext>
+            </a:extLst>
+          </p:cNvPr>
+          <p:cNvSpPr>
+            <a:spLocks noGrp="1"/>
+          </p:cNvSpPr>
+          <p:nvPr>
+            <p:ph idx="1"/>
+          </p:nvPr>
+        </p:nvSpPr>
+        <p:spPr/>
+        <p:txBody>
+          <a:bodyPr/>
+          <a:lstStyle/>
+          <a:p>
+            <a:endParaRPr lang="fr-FR" dirty="0"/>
+          </a:p>
+          <a:p>
+            <a:r>
+              <a:rPr lang="fr-FR" dirty="0"/>
+              <a:t>Attention : tout en clair !</a:t>
+            </a:r>
+          </a:p>
+          <a:p>
+            <a:pPr marL="0" indent="0">
+              <a:buNone/>
+            </a:pPr>
+            <a:endParaRPr lang="fr-FR" dirty="0"/>
+          </a:p>
+        </p:txBody>
+      </p:sp>
+      <p:pic>
+        <p:nvPicPr>
+          <p:cNvPr id="4" name="Image 3">
+            <a:extLst>
+              <a:ext uri="{FF2B5EF4-FFF2-40B4-BE49-F238E27FC236}">
+                <a16:creationId xmlns:a16="http://schemas.microsoft.com/office/drawing/2014/main" id="{C736F3A7-1CC9-4DE4-7E3D-52AEAC04D557}"/>
+              </a:ext>
+            </a:extLst>
+          </p:cNvPr>
+          <p:cNvPicPr>
+            <a:picLocks noChangeAspect="1"/>
+          </p:cNvPicPr>
+          <p:nvPr/>
+        </p:nvPicPr>
+        <p:blipFill>
+          <a:blip r:embed="rId3">
+            <a:extLst>
+              <a:ext uri="{28A0092B-C50C-407E-A947-70E740481C1C}">
+                <a14:useLocalDpi xmlns:a14="http://schemas.microsoft.com/office/drawing/2010/main" val="0"/>
+              </a:ext>
+            </a:extLst>
+          </a:blip>
+          <a:stretch>
+            <a:fillRect/>
+          </a:stretch>
+        </p:blipFill>
+        <p:spPr>
+          <a:xfrm>
+            <a:off x="259474" y="6154384"/>
+            <a:ext cx="1675204" cy="519313"/>
+          </a:xfrm>
+          <a:prstGeom prst="rect">
+            <a:avLst/>
+          </a:prstGeom>
+        </p:spPr>
+      </p:pic>
+      <p:pic>
+        <p:nvPicPr>
+          <p:cNvPr id="7" name="Image 6">
+            <a:extLst>
+              <a:ext uri="{FF2B5EF4-FFF2-40B4-BE49-F238E27FC236}">
+                <a16:creationId xmlns:a16="http://schemas.microsoft.com/office/drawing/2014/main" id="{F9E6FB30-F4CE-BEB2-74DB-BB937CAB97BB}"/>
+              </a:ext>
+            </a:extLst>
+          </p:cNvPr>
+          <p:cNvPicPr>
+            <a:picLocks noChangeAspect="1"/>
+          </p:cNvPicPr>
+          <p:nvPr/>
+        </p:nvPicPr>
+        <p:blipFill>
+          <a:blip r:embed="rId4">
+            <a:extLst>
+              <a:ext uri="{28A0092B-C50C-407E-A947-70E740481C1C}">
+                <a14:useLocalDpi xmlns:a14="http://schemas.microsoft.com/office/drawing/2010/main" val="0"/>
+              </a:ext>
+            </a:extLst>
+          </a:blip>
+          <a:stretch>
+            <a:fillRect/>
+          </a:stretch>
+        </p:blipFill>
+        <p:spPr>
+          <a:xfrm>
+            <a:off x="7028873" y="1972070"/>
+            <a:ext cx="3564094" cy="1741236"/>
+          </a:xfrm>
+          <a:prstGeom prst="rect">
+            <a:avLst/>
+          </a:prstGeom>
+        </p:spPr>
+      </p:pic>
+      <p:pic>
+        <p:nvPicPr>
+          <p:cNvPr id="6" name="Image 5">
+            <a:extLst>
+              <a:ext uri="{FF2B5EF4-FFF2-40B4-BE49-F238E27FC236}">
+                <a16:creationId xmlns:a16="http://schemas.microsoft.com/office/drawing/2014/main" id="{CDAD16B5-FDA1-E616-3951-D6E7F940ED7F}"/>
+              </a:ext>
+            </a:extLst>
+          </p:cNvPr>
+          <p:cNvPicPr>
+            <a:picLocks noChangeAspect="1"/>
+          </p:cNvPicPr>
+          <p:nvPr/>
+        </p:nvPicPr>
+        <p:blipFill>
+          <a:blip r:embed="rId5">
+            <a:extLst>
+              <a:ext uri="{28A0092B-C50C-407E-A947-70E740481C1C}">
+                <a14:useLocalDpi xmlns:a14="http://schemas.microsoft.com/office/drawing/2010/main" val="0"/>
+              </a:ext>
+            </a:extLst>
+          </a:blip>
+          <a:stretch>
+            <a:fillRect/>
+          </a:stretch>
+        </p:blipFill>
+        <p:spPr>
+          <a:xfrm>
+            <a:off x="7028873" y="4280930"/>
+            <a:ext cx="3564092" cy="1741236"/>
+          </a:xfrm>
+          <a:prstGeom prst="rect">
+            <a:avLst/>
+          </a:prstGeom>
+        </p:spPr>
+      </p:pic>
+      <p:sp>
+        <p:nvSpPr>
+          <p:cNvPr id="8" name="ZoneTexte 7">
+            <a:extLst>
+              <a:ext uri="{FF2B5EF4-FFF2-40B4-BE49-F238E27FC236}">
+                <a16:creationId xmlns:a16="http://schemas.microsoft.com/office/drawing/2014/main" id="{055CDA5E-C7D6-ACAC-87F5-BE40FDD67F0A}"/>
+              </a:ext>
+            </a:extLst>
+          </p:cNvPr>
+          <p:cNvSpPr txBox="1"/>
+          <p:nvPr/>
+        </p:nvSpPr>
+        <p:spPr>
+          <a:xfrm>
+            <a:off x="8198411" y="3753480"/>
+            <a:ext cx="1225015" cy="369332"/>
+          </a:xfrm>
+          <a:prstGeom prst="rect">
+            <a:avLst/>
+          </a:prstGeom>
+          <a:noFill/>
+        </p:spPr>
+        <p:txBody>
+          <a:bodyPr wrap="none" rtlCol="0">
+            <a:spAutoFit/>
+          </a:bodyPr>
+          <a:lstStyle/>
+          <a:p>
+            <a:r>
+              <a:rPr lang="fr-FR" dirty="0"/>
+              <a:t>Mode Actif</a:t>
+            </a:r>
+          </a:p>
+        </p:txBody>
+      </p:sp>
+      <p:sp>
+        <p:nvSpPr>
+          <p:cNvPr id="9" name="ZoneTexte 8">
+            <a:extLst>
+              <a:ext uri="{FF2B5EF4-FFF2-40B4-BE49-F238E27FC236}">
+                <a16:creationId xmlns:a16="http://schemas.microsoft.com/office/drawing/2014/main" id="{FD636FAC-A8E3-C2EA-FA0A-149AB1CE30D2}"/>
+              </a:ext>
+            </a:extLst>
+          </p:cNvPr>
+          <p:cNvSpPr txBox="1"/>
+          <p:nvPr/>
+        </p:nvSpPr>
+        <p:spPr>
+          <a:xfrm>
+            <a:off x="8198410" y="6032471"/>
+            <a:ext cx="1321067" cy="369332"/>
+          </a:xfrm>
+          <a:prstGeom prst="rect">
+            <a:avLst/>
+          </a:prstGeom>
+          <a:noFill/>
+        </p:spPr>
+        <p:txBody>
+          <a:bodyPr wrap="none" rtlCol="0">
+            <a:spAutoFit/>
+          </a:bodyPr>
+          <a:lstStyle/>
+          <a:p>
+            <a:r>
+              <a:rPr lang="fr-FR" dirty="0"/>
+              <a:t>Mode Passif</a:t>
+            </a:r>
+          </a:p>
+        </p:txBody>
+      </p:sp>
+    </p:spTree>
+    <p:extLst>
+      <p:ext uri="{BB962C8B-B14F-4D97-AF65-F5344CB8AC3E}">
+        <p14:creationId xmlns:p14="http://schemas.microsoft.com/office/powerpoint/2010/main" val="1481591854"/>
+      </p:ext>
+    </p:extLst>
+  </p:cSld>
+  <p:clrMapOvr>
+    <a:masterClrMapping/>
+  </p:clrMapOvr>
+</p:sld>
+</file>
+
+<file path=ppt/slides/slide22.xml><?xml version="1.0" encoding="utf-8"?>
+<p:sld xmlns:a="http://schemas.openxmlformats.org/drawingml/2006/main" xmlns:r="http://schemas.openxmlformats.org/officeDocument/2006/relationships" xmlns:p="http://schemas.openxmlformats.org/presentationml/2006/main">
+  <p:cSld>
+    <p:spTree>
+      <p:nvGrpSpPr>
+        <p:cNvPr id="1" name=""/>
+        <p:cNvGrpSpPr/>
+        <p:nvPr/>
+      </p:nvGrpSpPr>
+      <p:grpSpPr>
+        <a:xfrm>
+          <a:off x="0" y="0"/>
+          <a:ext cx="0" cy="0"/>
+          <a:chOff x="0" y="0"/>
+          <a:chExt cx="0" cy="0"/>
+        </a:xfrm>
+      </p:grpSpPr>
+      <p:sp>
+        <p:nvSpPr>
+          <p:cNvPr id="2" name="Titre 1">
+            <a:extLst>
+              <a:ext uri="{FF2B5EF4-FFF2-40B4-BE49-F238E27FC236}">
+                <a16:creationId xmlns:a16="http://schemas.microsoft.com/office/drawing/2014/main" id="{84879000-F87B-E4F1-EDA7-E630DAE221AF}"/>
+              </a:ext>
+            </a:extLst>
+          </p:cNvPr>
+          <p:cNvSpPr>
+            <a:spLocks noGrp="1"/>
+          </p:cNvSpPr>
+          <p:nvPr>
+            <p:ph type="title"/>
+          </p:nvPr>
+        </p:nvSpPr>
+        <p:spPr/>
+        <p:txBody>
+          <a:bodyPr/>
+          <a:lstStyle/>
+          <a:p>
+            <a:r>
+              <a:rPr lang="fr-FR" dirty="0"/>
+              <a:t>Protocole - Telnet</a:t>
+            </a:r>
+          </a:p>
+        </p:txBody>
+      </p:sp>
+      <p:sp>
+        <p:nvSpPr>
+          <p:cNvPr id="3" name="Espace réservé du contenu 2">
+            <a:extLst>
+              <a:ext uri="{FF2B5EF4-FFF2-40B4-BE49-F238E27FC236}">
+                <a16:creationId xmlns:a16="http://schemas.microsoft.com/office/drawing/2014/main" id="{B23F1D09-D3FA-EDEE-E62D-4B0BA5CAE0B7}"/>
+              </a:ext>
+            </a:extLst>
+          </p:cNvPr>
+          <p:cNvSpPr>
+            <a:spLocks noGrp="1"/>
+          </p:cNvSpPr>
+          <p:nvPr>
+            <p:ph idx="1"/>
+          </p:nvPr>
+        </p:nvSpPr>
+        <p:spPr/>
+        <p:txBody>
+          <a:bodyPr/>
+          <a:lstStyle/>
+          <a:p>
+            <a:r>
+              <a:rPr lang="fr-FR" dirty="0"/>
+              <a:t>Objectif : Échange de ligne de texte entre serveur/client</a:t>
+            </a:r>
+          </a:p>
+          <a:p>
+            <a:r>
+              <a:rPr lang="fr-FR" dirty="0"/>
+              <a:t>Utilisé pour l’administration de serveur</a:t>
+            </a:r>
+          </a:p>
+          <a:p>
+            <a:r>
+              <a:rPr lang="fr-FR" dirty="0"/>
+              <a:t>Port : 23 </a:t>
+            </a:r>
+          </a:p>
+          <a:p>
+            <a:r>
+              <a:rPr lang="fr-FR" dirty="0"/>
+              <a:t>Attention : Toutes les </a:t>
+            </a:r>
+          </a:p>
+          <a:p>
+            <a:pPr marL="0" indent="0">
+              <a:buNone/>
+            </a:pPr>
+            <a:r>
+              <a:rPr lang="fr-FR" dirty="0"/>
+              <a:t>données sont en clair !</a:t>
+            </a:r>
+          </a:p>
+          <a:p>
+            <a:endParaRPr lang="fr-FR" dirty="0"/>
+          </a:p>
+        </p:txBody>
+      </p:sp>
+      <p:pic>
+        <p:nvPicPr>
+          <p:cNvPr id="4" name="Image 3">
+            <a:extLst>
+              <a:ext uri="{FF2B5EF4-FFF2-40B4-BE49-F238E27FC236}">
+                <a16:creationId xmlns:a16="http://schemas.microsoft.com/office/drawing/2014/main" id="{C736F3A7-1CC9-4DE4-7E3D-52AEAC04D557}"/>
+              </a:ext>
+            </a:extLst>
+          </p:cNvPr>
+          <p:cNvPicPr>
+            <a:picLocks noChangeAspect="1"/>
+          </p:cNvPicPr>
+          <p:nvPr/>
+        </p:nvPicPr>
+        <p:blipFill>
+          <a:blip r:embed="rId2">
+            <a:extLst>
+              <a:ext uri="{28A0092B-C50C-407E-A947-70E740481C1C}">
+                <a14:useLocalDpi xmlns:a14="http://schemas.microsoft.com/office/drawing/2010/main" val="0"/>
+              </a:ext>
+            </a:extLst>
+          </a:blip>
+          <a:stretch>
+            <a:fillRect/>
+          </a:stretch>
+        </p:blipFill>
+        <p:spPr>
+          <a:xfrm>
+            <a:off x="259474" y="6154384"/>
+            <a:ext cx="1675204" cy="519313"/>
+          </a:xfrm>
+          <a:prstGeom prst="rect">
+            <a:avLst/>
+          </a:prstGeom>
+        </p:spPr>
+      </p:pic>
+      <p:pic>
+        <p:nvPicPr>
+          <p:cNvPr id="6" name="Image 5">
+            <a:extLst>
+              <a:ext uri="{FF2B5EF4-FFF2-40B4-BE49-F238E27FC236}">
+                <a16:creationId xmlns:a16="http://schemas.microsoft.com/office/drawing/2014/main" id="{D6EFF5D8-9011-5FCF-18CE-40455A63AE36}"/>
+              </a:ext>
+            </a:extLst>
+          </p:cNvPr>
+          <p:cNvPicPr>
+            <a:picLocks noChangeAspect="1"/>
+          </p:cNvPicPr>
+          <p:nvPr/>
+        </p:nvPicPr>
+        <p:blipFill>
+          <a:blip r:embed="rId3">
+            <a:extLst>
+              <a:ext uri="{28A0092B-C50C-407E-A947-70E740481C1C}">
+                <a14:useLocalDpi xmlns:a14="http://schemas.microsoft.com/office/drawing/2010/main" val="0"/>
+              </a:ext>
+            </a:extLst>
+          </a:blip>
+          <a:stretch>
+            <a:fillRect/>
+          </a:stretch>
+        </p:blipFill>
+        <p:spPr>
+          <a:xfrm>
+            <a:off x="5346998" y="2866448"/>
+            <a:ext cx="6446982" cy="3626427"/>
+          </a:xfrm>
+          <a:prstGeom prst="rect">
+            <a:avLst/>
+          </a:prstGeom>
+        </p:spPr>
+      </p:pic>
+    </p:spTree>
+    <p:extLst>
+      <p:ext uri="{BB962C8B-B14F-4D97-AF65-F5344CB8AC3E}">
+        <p14:creationId xmlns:p14="http://schemas.microsoft.com/office/powerpoint/2010/main" val="2260243299"/>
+      </p:ext>
+    </p:extLst>
+  </p:cSld>
+  <p:clrMapOvr>
+    <a:masterClrMapping/>
+  </p:clrMapOvr>
+</p:sld>
+</file>
+
+<file path=ppt/slides/slide23.xml><?xml version="1.0" encoding="utf-8"?>
+<p:sld xmlns:a="http://schemas.openxmlformats.org/drawingml/2006/main" xmlns:r="http://schemas.openxmlformats.org/officeDocument/2006/relationships" xmlns:p="http://schemas.openxmlformats.org/presentationml/2006/main">
+  <p:cSld>
+    <p:spTree>
+      <p:nvGrpSpPr>
+        <p:cNvPr id="1" name=""/>
+        <p:cNvGrpSpPr/>
+        <p:nvPr/>
+      </p:nvGrpSpPr>
+      <p:grpSpPr>
+        <a:xfrm>
+          <a:off x="0" y="0"/>
+          <a:ext cx="0" cy="0"/>
+          <a:chOff x="0" y="0"/>
+          <a:chExt cx="0" cy="0"/>
+        </a:xfrm>
+      </p:grpSpPr>
+      <p:sp>
+        <p:nvSpPr>
+          <p:cNvPr id="2" name="Titre 1">
+            <a:extLst>
+              <a:ext uri="{FF2B5EF4-FFF2-40B4-BE49-F238E27FC236}">
+                <a16:creationId xmlns:a16="http://schemas.microsoft.com/office/drawing/2014/main" id="{84879000-F87B-E4F1-EDA7-E630DAE221AF}"/>
+              </a:ext>
+            </a:extLst>
+          </p:cNvPr>
+          <p:cNvSpPr>
+            <a:spLocks noGrp="1"/>
+          </p:cNvSpPr>
+          <p:nvPr>
+            <p:ph type="title"/>
+          </p:nvPr>
+        </p:nvSpPr>
+        <p:spPr/>
+        <p:txBody>
+          <a:bodyPr/>
+          <a:lstStyle/>
+          <a:p>
+            <a:r>
+              <a:rPr lang="fr-FR" dirty="0"/>
+              <a:t>Protocole - </a:t>
+            </a:r>
+            <a:r>
+              <a:rPr lang="fr-FR" dirty="0" err="1"/>
+              <a:t>SSH</a:t>
+            </a:r>
+            <a:endParaRPr lang="fr-FR" dirty="0"/>
+          </a:p>
+        </p:txBody>
+      </p:sp>
+      <p:sp>
+        <p:nvSpPr>
+          <p:cNvPr id="3" name="Espace réservé du contenu 2">
+            <a:extLst>
+              <a:ext uri="{FF2B5EF4-FFF2-40B4-BE49-F238E27FC236}">
+                <a16:creationId xmlns:a16="http://schemas.microsoft.com/office/drawing/2014/main" id="{B23F1D09-D3FA-EDEE-E62D-4B0BA5CAE0B7}"/>
+              </a:ext>
+            </a:extLst>
+          </p:cNvPr>
+          <p:cNvSpPr>
+            <a:spLocks noGrp="1"/>
+          </p:cNvSpPr>
+          <p:nvPr>
+            <p:ph idx="1"/>
+          </p:nvPr>
+        </p:nvSpPr>
+        <p:spPr/>
+        <p:txBody>
+          <a:bodyPr/>
+          <a:lstStyle/>
+          <a:p>
+            <a:r>
+              <a:rPr lang="fr-FR" dirty="0"/>
+              <a:t>Successeur de Telnet</a:t>
+            </a:r>
+          </a:p>
+          <a:p>
+            <a:r>
+              <a:rPr lang="fr-FR" dirty="0"/>
+              <a:t>Administration de serveur</a:t>
+            </a:r>
+          </a:p>
+          <a:p>
+            <a:r>
+              <a:rPr lang="fr-FR" dirty="0" err="1"/>
+              <a:t>TCP</a:t>
+            </a:r>
+            <a:r>
+              <a:rPr lang="fr-FR" dirty="0"/>
+              <a:t> 22</a:t>
+            </a:r>
+          </a:p>
+          <a:p>
+            <a:endParaRPr lang="fr-FR" dirty="0"/>
+          </a:p>
+          <a:p>
+            <a:r>
+              <a:rPr lang="fr-FR" dirty="0"/>
+              <a:t>Flux sécurisés</a:t>
+            </a:r>
+          </a:p>
+          <a:p>
+            <a:r>
+              <a:rPr lang="fr-FR" dirty="0"/>
+              <a:t>Connection :</a:t>
+            </a:r>
+          </a:p>
+          <a:p>
+            <a:pPr lvl="1"/>
+            <a:r>
+              <a:rPr lang="fr-FR" dirty="0"/>
+              <a:t>mot de passe</a:t>
+            </a:r>
+          </a:p>
+          <a:p>
+            <a:pPr lvl="1"/>
+            <a:r>
+              <a:rPr lang="fr-FR" dirty="0"/>
+              <a:t>Clé</a:t>
+            </a:r>
+          </a:p>
+          <a:p>
+            <a:pPr marL="0" indent="0">
+              <a:buNone/>
+            </a:pPr>
+            <a:endParaRPr lang="fr-FR" dirty="0"/>
+          </a:p>
+        </p:txBody>
+      </p:sp>
+      <p:pic>
+        <p:nvPicPr>
+          <p:cNvPr id="4" name="Image 3">
+            <a:extLst>
+              <a:ext uri="{FF2B5EF4-FFF2-40B4-BE49-F238E27FC236}">
+                <a16:creationId xmlns:a16="http://schemas.microsoft.com/office/drawing/2014/main" id="{C736F3A7-1CC9-4DE4-7E3D-52AEAC04D557}"/>
+              </a:ext>
+            </a:extLst>
+          </p:cNvPr>
+          <p:cNvPicPr>
+            <a:picLocks noChangeAspect="1"/>
+          </p:cNvPicPr>
+          <p:nvPr/>
+        </p:nvPicPr>
+        <p:blipFill>
+          <a:blip r:embed="rId2">
+            <a:extLst>
+              <a:ext uri="{28A0092B-C50C-407E-A947-70E740481C1C}">
+                <a14:useLocalDpi xmlns:a14="http://schemas.microsoft.com/office/drawing/2010/main" val="0"/>
+              </a:ext>
+            </a:extLst>
+          </a:blip>
+          <a:stretch>
+            <a:fillRect/>
+          </a:stretch>
+        </p:blipFill>
+        <p:spPr>
+          <a:xfrm>
+            <a:off x="259474" y="6154384"/>
+            <a:ext cx="1675204" cy="519313"/>
+          </a:xfrm>
+          <a:prstGeom prst="rect">
+            <a:avLst/>
+          </a:prstGeom>
+        </p:spPr>
+      </p:pic>
+      <p:pic>
+        <p:nvPicPr>
+          <p:cNvPr id="11" name="Image 10" descr="Une image contenant table&#10;&#10;Description générée automatiquement">
+            <a:extLst>
+              <a:ext uri="{FF2B5EF4-FFF2-40B4-BE49-F238E27FC236}">
+                <a16:creationId xmlns:a16="http://schemas.microsoft.com/office/drawing/2014/main" id="{40300E5A-4962-A387-5673-0F30F1A76B71}"/>
+              </a:ext>
+            </a:extLst>
+          </p:cNvPr>
+          <p:cNvPicPr>
+            <a:picLocks noChangeAspect="1"/>
+          </p:cNvPicPr>
+          <p:nvPr/>
+        </p:nvPicPr>
+        <p:blipFill>
+          <a:blip r:embed="rId3">
+            <a:extLst>
+              <a:ext uri="{28A0092B-C50C-407E-A947-70E740481C1C}">
+                <a14:useLocalDpi xmlns:a14="http://schemas.microsoft.com/office/drawing/2010/main" val="0"/>
+              </a:ext>
+            </a:extLst>
+          </a:blip>
+          <a:stretch>
+            <a:fillRect/>
+          </a:stretch>
+        </p:blipFill>
+        <p:spPr>
+          <a:xfrm>
+            <a:off x="3466310" y="2983345"/>
+            <a:ext cx="8466216" cy="2503055"/>
+          </a:xfrm>
+          <a:prstGeom prst="rect">
+            <a:avLst/>
+          </a:prstGeom>
+        </p:spPr>
+      </p:pic>
+    </p:spTree>
+    <p:extLst>
+      <p:ext uri="{BB962C8B-B14F-4D97-AF65-F5344CB8AC3E}">
+        <p14:creationId xmlns:p14="http://schemas.microsoft.com/office/powerpoint/2010/main" val="1548908806"/>
+      </p:ext>
+    </p:extLst>
+  </p:cSld>
+  <p:clrMapOvr>
+    <a:masterClrMapping/>
+  </p:clrMapOvr>
+</p:sld>
+</file>
+
+<file path=ppt/slides/slide24.xml><?xml version="1.0" encoding="utf-8"?>
+<p:sld xmlns:a="http://schemas.openxmlformats.org/drawingml/2006/main" xmlns:r="http://schemas.openxmlformats.org/officeDocument/2006/relationships" xmlns:p="http://schemas.openxmlformats.org/presentationml/2006/main">
+  <p:cSld>
+    <p:spTree>
+      <p:nvGrpSpPr>
+        <p:cNvPr id="1" name=""/>
+        <p:cNvGrpSpPr/>
+        <p:nvPr/>
+      </p:nvGrpSpPr>
+      <p:grpSpPr>
+        <a:xfrm>
+          <a:off x="0" y="0"/>
+          <a:ext cx="0" cy="0"/>
+          <a:chOff x="0" y="0"/>
+          <a:chExt cx="0" cy="0"/>
+        </a:xfrm>
+      </p:grpSpPr>
+      <p:sp>
+        <p:nvSpPr>
+          <p:cNvPr id="2" name="Titre 1">
+            <a:extLst>
+              <a:ext uri="{FF2B5EF4-FFF2-40B4-BE49-F238E27FC236}">
+                <a16:creationId xmlns:a16="http://schemas.microsoft.com/office/drawing/2014/main" id="{84879000-F87B-E4F1-EDA7-E630DAE221AF}"/>
+              </a:ext>
+            </a:extLst>
+          </p:cNvPr>
+          <p:cNvSpPr>
+            <a:spLocks noGrp="1"/>
+          </p:cNvSpPr>
+          <p:nvPr>
+            <p:ph type="title"/>
+          </p:nvPr>
+        </p:nvSpPr>
+        <p:spPr/>
+        <p:txBody>
+          <a:bodyPr/>
+          <a:lstStyle/>
+          <a:p>
+            <a:r>
+              <a:rPr lang="fr-FR" dirty="0"/>
+              <a:t>Protocole - </a:t>
+            </a:r>
+            <a:r>
+              <a:rPr lang="fr-FR" dirty="0" err="1"/>
+              <a:t>SSH</a:t>
+            </a:r>
+            <a:endParaRPr lang="fr-FR" dirty="0"/>
+          </a:p>
+        </p:txBody>
+      </p:sp>
+      <p:sp>
+        <p:nvSpPr>
+          <p:cNvPr id="3" name="Espace réservé du contenu 2">
+            <a:extLst>
+              <a:ext uri="{FF2B5EF4-FFF2-40B4-BE49-F238E27FC236}">
+                <a16:creationId xmlns:a16="http://schemas.microsoft.com/office/drawing/2014/main" id="{B23F1D09-D3FA-EDEE-E62D-4B0BA5CAE0B7}"/>
+              </a:ext>
+            </a:extLst>
+          </p:cNvPr>
+          <p:cNvSpPr>
+            <a:spLocks noGrp="1"/>
+          </p:cNvSpPr>
+          <p:nvPr>
+            <p:ph idx="1"/>
+          </p:nvPr>
+        </p:nvSpPr>
+        <p:spPr/>
+        <p:txBody>
+          <a:bodyPr/>
+          <a:lstStyle/>
+          <a:p>
+            <a:r>
+              <a:rPr lang="fr-FR" dirty="0"/>
+              <a:t>Possibilité de faire du </a:t>
+            </a:r>
+            <a:r>
+              <a:rPr lang="fr-FR" dirty="0" err="1"/>
+              <a:t>tunnelling</a:t>
+            </a:r>
+            <a:r>
+              <a:rPr lang="fr-FR" dirty="0"/>
+              <a:t> : permet de sécuriser une connexion qui ne l’est pas</a:t>
+            </a:r>
+          </a:p>
+          <a:p>
+            <a:r>
+              <a:rPr lang="fr-FR" dirty="0"/>
+              <a:t>SFTP (Différent de FTPS) -&gt; FTP en utilisant </a:t>
+            </a:r>
+            <a:r>
+              <a:rPr lang="fr-FR" dirty="0" err="1"/>
+              <a:t>SSH</a:t>
+            </a:r>
+            <a:endParaRPr lang="fr-FR" dirty="0"/>
+          </a:p>
+          <a:p>
+            <a:r>
+              <a:rPr lang="fr-FR" dirty="0"/>
+              <a:t>SCP -&gt; Copy en utilisant </a:t>
+            </a:r>
+            <a:r>
+              <a:rPr lang="fr-FR" dirty="0" err="1"/>
+              <a:t>SSH</a:t>
+            </a:r>
+            <a:endParaRPr lang="fr-FR" dirty="0"/>
+          </a:p>
+          <a:p>
+            <a:r>
+              <a:rPr lang="fr-FR" dirty="0"/>
+              <a:t>Reverse </a:t>
+            </a:r>
+            <a:r>
+              <a:rPr lang="fr-FR" dirty="0" err="1"/>
+              <a:t>SSH</a:t>
+            </a:r>
+            <a:endParaRPr lang="fr-FR" dirty="0"/>
+          </a:p>
+        </p:txBody>
+      </p:sp>
+      <p:pic>
+        <p:nvPicPr>
+          <p:cNvPr id="4" name="Image 3">
+            <a:extLst>
+              <a:ext uri="{FF2B5EF4-FFF2-40B4-BE49-F238E27FC236}">
+                <a16:creationId xmlns:a16="http://schemas.microsoft.com/office/drawing/2014/main" id="{C736F3A7-1CC9-4DE4-7E3D-52AEAC04D557}"/>
+              </a:ext>
+            </a:extLst>
+          </p:cNvPr>
+          <p:cNvPicPr>
+            <a:picLocks noChangeAspect="1"/>
+          </p:cNvPicPr>
+          <p:nvPr/>
+        </p:nvPicPr>
+        <p:blipFill>
+          <a:blip r:embed="rId3">
+            <a:extLst>
+              <a:ext uri="{28A0092B-C50C-407E-A947-70E740481C1C}">
+                <a14:useLocalDpi xmlns:a14="http://schemas.microsoft.com/office/drawing/2010/main" val="0"/>
+              </a:ext>
+            </a:extLst>
+          </a:blip>
+          <a:stretch>
+            <a:fillRect/>
+          </a:stretch>
+        </p:blipFill>
+        <p:spPr>
+          <a:xfrm>
+            <a:off x="259474" y="6154384"/>
+            <a:ext cx="1675204" cy="519313"/>
+          </a:xfrm>
+          <a:prstGeom prst="rect">
+            <a:avLst/>
+          </a:prstGeom>
+        </p:spPr>
+      </p:pic>
+    </p:spTree>
+    <p:extLst>
+      <p:ext uri="{BB962C8B-B14F-4D97-AF65-F5344CB8AC3E}">
+        <p14:creationId xmlns:p14="http://schemas.microsoft.com/office/powerpoint/2010/main" val="1799813743"/>
+      </p:ext>
+    </p:extLst>
+  </p:cSld>
+  <p:clrMapOvr>
+    <a:masterClrMapping/>
+  </p:clrMapOvr>
+</p:sld>
+</file>
+
+<file path=ppt/slides/slide25.xml><?xml version="1.0" encoding="utf-8"?>
+<p:sld xmlns:a="http://schemas.openxmlformats.org/drawingml/2006/main" xmlns:r="http://schemas.openxmlformats.org/officeDocument/2006/relationships" xmlns:p="http://schemas.openxmlformats.org/presentationml/2006/main">
+  <p:cSld>
+    <p:spTree>
+      <p:nvGrpSpPr>
+        <p:cNvPr id="1" name=""/>
+        <p:cNvGrpSpPr/>
+        <p:nvPr/>
+      </p:nvGrpSpPr>
+      <p:grpSpPr>
+        <a:xfrm>
+          <a:off x="0" y="0"/>
+          <a:ext cx="0" cy="0"/>
+          <a:chOff x="0" y="0"/>
+          <a:chExt cx="0" cy="0"/>
+        </a:xfrm>
+      </p:grpSpPr>
+      <p:sp>
+        <p:nvSpPr>
+          <p:cNvPr id="2" name="Titre 1">
+            <a:extLst>
+              <a:ext uri="{FF2B5EF4-FFF2-40B4-BE49-F238E27FC236}">
+                <a16:creationId xmlns:a16="http://schemas.microsoft.com/office/drawing/2014/main" id="{84879000-F87B-E4F1-EDA7-E630DAE221AF}"/>
+              </a:ext>
+            </a:extLst>
+          </p:cNvPr>
+          <p:cNvSpPr>
+            <a:spLocks noGrp="1"/>
+          </p:cNvSpPr>
+          <p:nvPr>
+            <p:ph type="title"/>
+          </p:nvPr>
+        </p:nvSpPr>
+        <p:spPr/>
+        <p:txBody>
+          <a:bodyPr/>
+          <a:lstStyle/>
+          <a:p>
+            <a:r>
+              <a:rPr lang="fr-FR" dirty="0"/>
+              <a:t>Protocole - HTTP</a:t>
+            </a:r>
+          </a:p>
+        </p:txBody>
+      </p:sp>
+      <p:sp>
+        <p:nvSpPr>
+          <p:cNvPr id="3" name="Espace réservé du contenu 2">
+            <a:extLst>
+              <a:ext uri="{FF2B5EF4-FFF2-40B4-BE49-F238E27FC236}">
+                <a16:creationId xmlns:a16="http://schemas.microsoft.com/office/drawing/2014/main" id="{B23F1D09-D3FA-EDEE-E62D-4B0BA5CAE0B7}"/>
+              </a:ext>
+            </a:extLst>
+          </p:cNvPr>
+          <p:cNvSpPr>
+            <a:spLocks noGrp="1"/>
+          </p:cNvSpPr>
+          <p:nvPr>
+            <p:ph idx="1"/>
+          </p:nvPr>
+        </p:nvSpPr>
+        <p:spPr/>
+        <p:txBody>
+          <a:bodyPr/>
+          <a:lstStyle/>
+          <a:p>
+            <a:r>
+              <a:rPr lang="fr-FR" dirty="0"/>
+              <a:t>Objectif : Transférer des pages Web</a:t>
+            </a:r>
+          </a:p>
+          <a:p>
+            <a:r>
+              <a:rPr lang="fr-FR" dirty="0"/>
+              <a:t>Client Serveur </a:t>
+            </a:r>
+          </a:p>
+          <a:p>
+            <a:r>
+              <a:rPr lang="fr-FR" dirty="0"/>
+              <a:t>Port 80</a:t>
+            </a:r>
+          </a:p>
+          <a:p>
+            <a:pPr marL="0" indent="0">
+              <a:buNone/>
+            </a:pPr>
+            <a:endParaRPr lang="fr-FR" dirty="0"/>
+          </a:p>
+        </p:txBody>
+      </p:sp>
+      <p:pic>
+        <p:nvPicPr>
+          <p:cNvPr id="4" name="Image 3">
+            <a:extLst>
+              <a:ext uri="{FF2B5EF4-FFF2-40B4-BE49-F238E27FC236}">
+                <a16:creationId xmlns:a16="http://schemas.microsoft.com/office/drawing/2014/main" id="{C736F3A7-1CC9-4DE4-7E3D-52AEAC04D557}"/>
+              </a:ext>
+            </a:extLst>
+          </p:cNvPr>
+          <p:cNvPicPr>
+            <a:picLocks noChangeAspect="1"/>
+          </p:cNvPicPr>
+          <p:nvPr/>
+        </p:nvPicPr>
+        <p:blipFill>
+          <a:blip r:embed="rId3">
+            <a:extLst>
+              <a:ext uri="{28A0092B-C50C-407E-A947-70E740481C1C}">
+                <a14:useLocalDpi xmlns:a14="http://schemas.microsoft.com/office/drawing/2010/main" val="0"/>
+              </a:ext>
+            </a:extLst>
+          </a:blip>
+          <a:stretch>
+            <a:fillRect/>
+          </a:stretch>
+        </p:blipFill>
+        <p:spPr>
+          <a:xfrm>
+            <a:off x="259474" y="6154384"/>
+            <a:ext cx="1675204" cy="519313"/>
+          </a:xfrm>
+          <a:prstGeom prst="rect">
+            <a:avLst/>
+          </a:prstGeom>
+        </p:spPr>
+      </p:pic>
+      <p:pic>
+        <p:nvPicPr>
+          <p:cNvPr id="7" name="Image 6">
+            <a:extLst>
+              <a:ext uri="{FF2B5EF4-FFF2-40B4-BE49-F238E27FC236}">
+                <a16:creationId xmlns:a16="http://schemas.microsoft.com/office/drawing/2014/main" id="{55E92B14-1729-C710-4418-39F6711E80B4}"/>
+              </a:ext>
+            </a:extLst>
+          </p:cNvPr>
+          <p:cNvPicPr>
+            <a:picLocks noChangeAspect="1"/>
+          </p:cNvPicPr>
+          <p:nvPr/>
+        </p:nvPicPr>
+        <p:blipFill>
+          <a:blip r:embed="rId4"/>
+          <a:stretch>
+            <a:fillRect/>
+          </a:stretch>
+        </p:blipFill>
+        <p:spPr>
+          <a:xfrm>
+            <a:off x="1934678" y="3336796"/>
+            <a:ext cx="9144000" cy="2750119"/>
+          </a:xfrm>
+          <a:prstGeom prst="rect">
+            <a:avLst/>
+          </a:prstGeom>
+        </p:spPr>
+      </p:pic>
+    </p:spTree>
+    <p:extLst>
+      <p:ext uri="{BB962C8B-B14F-4D97-AF65-F5344CB8AC3E}">
+        <p14:creationId xmlns:p14="http://schemas.microsoft.com/office/powerpoint/2010/main" val="8873027"/>
+      </p:ext>
+    </p:extLst>
+  </p:cSld>
+  <p:clrMapOvr>
+    <a:masterClrMapping/>
+  </p:clrMapOvr>
+</p:sld>
+</file>
+
+<file path=ppt/slides/slide26.xml><?xml version="1.0" encoding="utf-8"?>
+<p:sld xmlns:a="http://schemas.openxmlformats.org/drawingml/2006/main" xmlns:r="http://schemas.openxmlformats.org/officeDocument/2006/relationships" xmlns:p="http://schemas.openxmlformats.org/presentationml/2006/main">
+  <p:cSld>
+    <p:spTree>
+      <p:nvGrpSpPr>
+        <p:cNvPr id="1" name=""/>
+        <p:cNvGrpSpPr/>
+        <p:nvPr/>
+      </p:nvGrpSpPr>
+      <p:grpSpPr>
+        <a:xfrm>
+          <a:off x="0" y="0"/>
+          <a:ext cx="0" cy="0"/>
+          <a:chOff x="0" y="0"/>
+          <a:chExt cx="0" cy="0"/>
+        </a:xfrm>
+      </p:grpSpPr>
+      <p:sp>
+        <p:nvSpPr>
+          <p:cNvPr id="2" name="Titre 1">
+            <a:extLst>
+              <a:ext uri="{FF2B5EF4-FFF2-40B4-BE49-F238E27FC236}">
+                <a16:creationId xmlns:a16="http://schemas.microsoft.com/office/drawing/2014/main" id="{84879000-F87B-E4F1-EDA7-E630DAE221AF}"/>
+              </a:ext>
+            </a:extLst>
+          </p:cNvPr>
+          <p:cNvSpPr>
+            <a:spLocks noGrp="1"/>
+          </p:cNvSpPr>
+          <p:nvPr>
+            <p:ph type="title"/>
+          </p:nvPr>
+        </p:nvSpPr>
+        <p:spPr/>
+        <p:txBody>
+          <a:bodyPr/>
+          <a:lstStyle/>
+          <a:p>
+            <a:r>
+              <a:rPr lang="fr-FR" dirty="0"/>
+              <a:t>Protocole - Modbus</a:t>
+            </a:r>
+          </a:p>
+        </p:txBody>
+      </p:sp>
+      <p:sp>
+        <p:nvSpPr>
+          <p:cNvPr id="3" name="Espace réservé du contenu 2">
+            <a:extLst>
+              <a:ext uri="{FF2B5EF4-FFF2-40B4-BE49-F238E27FC236}">
+                <a16:creationId xmlns:a16="http://schemas.microsoft.com/office/drawing/2014/main" id="{B23F1D09-D3FA-EDEE-E62D-4B0BA5CAE0B7}"/>
+              </a:ext>
+            </a:extLst>
+          </p:cNvPr>
+          <p:cNvSpPr>
+            <a:spLocks noGrp="1"/>
+          </p:cNvSpPr>
+          <p:nvPr>
+            <p:ph idx="1"/>
+          </p:nvPr>
+        </p:nvSpPr>
+        <p:spPr/>
+        <p:txBody>
+          <a:bodyPr/>
+          <a:lstStyle/>
+          <a:p>
+            <a:r>
+              <a:rPr lang="fr-FR" dirty="0"/>
+              <a:t>Objectif : Automate industriel</a:t>
+            </a:r>
+          </a:p>
+          <a:p>
+            <a:r>
+              <a:rPr lang="fr-FR" dirty="0"/>
+              <a:t>Client Serveur </a:t>
+            </a:r>
+          </a:p>
+          <a:p>
+            <a:r>
+              <a:rPr lang="fr-FR" dirty="0"/>
+              <a:t>Port 502</a:t>
+            </a:r>
+          </a:p>
+          <a:p>
+            <a:pPr marL="0" indent="0">
+              <a:buNone/>
+            </a:pPr>
+            <a:endParaRPr lang="fr-FR" dirty="0"/>
+          </a:p>
+        </p:txBody>
+      </p:sp>
+      <p:pic>
+        <p:nvPicPr>
+          <p:cNvPr id="4" name="Image 3">
+            <a:extLst>
+              <a:ext uri="{FF2B5EF4-FFF2-40B4-BE49-F238E27FC236}">
+                <a16:creationId xmlns:a16="http://schemas.microsoft.com/office/drawing/2014/main" id="{C736F3A7-1CC9-4DE4-7E3D-52AEAC04D557}"/>
+              </a:ext>
+            </a:extLst>
+          </p:cNvPr>
+          <p:cNvPicPr>
+            <a:picLocks noChangeAspect="1"/>
+          </p:cNvPicPr>
+          <p:nvPr/>
+        </p:nvPicPr>
+        <p:blipFill>
+          <a:blip r:embed="rId3">
+            <a:extLst>
+              <a:ext uri="{28A0092B-C50C-407E-A947-70E740481C1C}">
+                <a14:useLocalDpi xmlns:a14="http://schemas.microsoft.com/office/drawing/2010/main" val="0"/>
+              </a:ext>
+            </a:extLst>
+          </a:blip>
+          <a:stretch>
+            <a:fillRect/>
+          </a:stretch>
+        </p:blipFill>
+        <p:spPr>
+          <a:xfrm>
+            <a:off x="259474" y="6154384"/>
+            <a:ext cx="1675204" cy="519313"/>
+          </a:xfrm>
+          <a:prstGeom prst="rect">
+            <a:avLst/>
+          </a:prstGeom>
+        </p:spPr>
+      </p:pic>
+      <p:pic>
+        <p:nvPicPr>
+          <p:cNvPr id="6" name="Image 5">
+            <a:extLst>
+              <a:ext uri="{FF2B5EF4-FFF2-40B4-BE49-F238E27FC236}">
+                <a16:creationId xmlns:a16="http://schemas.microsoft.com/office/drawing/2014/main" id="{9E060743-A15B-695C-6142-FA7B950E2751}"/>
+              </a:ext>
+            </a:extLst>
+          </p:cNvPr>
+          <p:cNvPicPr>
+            <a:picLocks noChangeAspect="1"/>
+          </p:cNvPicPr>
+          <p:nvPr/>
+        </p:nvPicPr>
+        <p:blipFill>
+          <a:blip r:embed="rId4">
+            <a:extLst>
+              <a:ext uri="{28A0092B-C50C-407E-A947-70E740481C1C}">
+                <a14:useLocalDpi xmlns:a14="http://schemas.microsoft.com/office/drawing/2010/main" val="0"/>
+              </a:ext>
+            </a:extLst>
+          </a:blip>
+          <a:stretch>
+            <a:fillRect/>
+          </a:stretch>
+        </p:blipFill>
+        <p:spPr>
+          <a:xfrm>
+            <a:off x="3223966" y="2794311"/>
+            <a:ext cx="8798351" cy="3436856"/>
+          </a:xfrm>
+          <a:prstGeom prst="rect">
+            <a:avLst/>
+          </a:prstGeom>
+        </p:spPr>
+      </p:pic>
+    </p:spTree>
+    <p:extLst>
+      <p:ext uri="{BB962C8B-B14F-4D97-AF65-F5344CB8AC3E}">
+        <p14:creationId xmlns:p14="http://schemas.microsoft.com/office/powerpoint/2010/main" val="3094009713"/>
+      </p:ext>
+    </p:extLst>
+  </p:cSld>
+  <p:clrMapOvr>
+    <a:masterClrMapping/>
+  </p:clrMapOvr>
+</p:sld>
+</file>
+
+<file path=ppt/slides/slide27.xml><?xml version="1.0" encoding="utf-8"?>
+<p:sld xmlns:a="http://schemas.openxmlformats.org/drawingml/2006/main" xmlns:r="http://schemas.openxmlformats.org/officeDocument/2006/relationships" xmlns:p="http://schemas.openxmlformats.org/presentationml/2006/main">
+  <p:cSld>
+    <p:spTree>
+      <p:nvGrpSpPr>
+        <p:cNvPr id="1" name=""/>
+        <p:cNvGrpSpPr/>
+        <p:nvPr/>
+      </p:nvGrpSpPr>
+      <p:grpSpPr>
+        <a:xfrm>
+          <a:off x="0" y="0"/>
+          <a:ext cx="0" cy="0"/>
+          <a:chOff x="0" y="0"/>
+          <a:chExt cx="0" cy="0"/>
+        </a:xfrm>
+      </p:grpSpPr>
+      <p:sp>
+        <p:nvSpPr>
+          <p:cNvPr id="2" name="Titre 1">
+            <a:extLst>
+              <a:ext uri="{FF2B5EF4-FFF2-40B4-BE49-F238E27FC236}">
                 <a16:creationId xmlns:a16="http://schemas.microsoft.com/office/drawing/2014/main" id="{48CB7FAE-F3F3-4C9C-48BD-39EBB588B21F}"/>
               </a:ext>
             </a:extLst>
@@ -9902,7 +12217,7 @@
 </p:sld>
 </file>
 
-<file path=ppt/slides/slide21.xml><?xml version="1.0" encoding="utf-8"?>
+<file path=ppt/slides/slide28.xml><?xml version="1.0" encoding="utf-8"?>
 <p:sld xmlns:a="http://schemas.openxmlformats.org/drawingml/2006/main" xmlns:r="http://schemas.openxmlformats.org/officeDocument/2006/relationships" xmlns:p="http://schemas.openxmlformats.org/presentationml/2006/main">
   <p:cSld>
     <p:spTree>
@@ -10109,7 +12424,7 @@
 </p:sld>
 </file>
 
-<file path=ppt/slides/slide22.xml><?xml version="1.0" encoding="utf-8"?>
+<file path=ppt/slides/slide29.xml><?xml version="1.0" encoding="utf-8"?>
 <p:sld xmlns:a="http://schemas.openxmlformats.org/drawingml/2006/main" xmlns:r="http://schemas.openxmlformats.org/officeDocument/2006/relationships" xmlns:p="http://schemas.openxmlformats.org/presentationml/2006/main">
   <p:cSld>
     <p:spTree>
@@ -10293,7 +12608,90 @@
 </p:sld>
 </file>
 
-<file path=ppt/slides/slide23.xml><?xml version="1.0" encoding="utf-8"?>
+<file path=ppt/slides/slide3.xml><?xml version="1.0" encoding="utf-8"?>
+<p:sld xmlns:a="http://schemas.openxmlformats.org/drawingml/2006/main" xmlns:r="http://schemas.openxmlformats.org/officeDocument/2006/relationships" xmlns:p="http://schemas.openxmlformats.org/presentationml/2006/main">
+  <p:cSld>
+    <p:spTree>
+      <p:nvGrpSpPr>
+        <p:cNvPr id="1" name=""/>
+        <p:cNvGrpSpPr/>
+        <p:nvPr/>
+      </p:nvGrpSpPr>
+      <p:grpSpPr>
+        <a:xfrm>
+          <a:off x="0" y="0"/>
+          <a:ext cx="0" cy="0"/>
+          <a:chOff x="0" y="0"/>
+          <a:chExt cx="0" cy="0"/>
+        </a:xfrm>
+      </p:grpSpPr>
+      <p:sp>
+        <p:nvSpPr>
+          <p:cNvPr id="2" name="Titre 1">
+            <a:extLst>
+              <a:ext uri="{FF2B5EF4-FFF2-40B4-BE49-F238E27FC236}">
+                <a16:creationId xmlns:a16="http://schemas.microsoft.com/office/drawing/2014/main" id="{99B0F8FE-A827-0885-328C-57D5BE44EB72}"/>
+              </a:ext>
+            </a:extLst>
+          </p:cNvPr>
+          <p:cNvSpPr>
+            <a:spLocks noGrp="1"/>
+          </p:cNvSpPr>
+          <p:nvPr>
+            <p:ph type="title"/>
+          </p:nvPr>
+        </p:nvSpPr>
+        <p:spPr/>
+        <p:txBody>
+          <a:bodyPr/>
+          <a:lstStyle/>
+          <a:p>
+            <a:r>
+              <a:rPr lang="fr-FR" dirty="0"/>
+              <a:t>Exercice – Cartographie réseau</a:t>
+            </a:r>
+          </a:p>
+        </p:txBody>
+      </p:sp>
+      <p:sp>
+        <p:nvSpPr>
+          <p:cNvPr id="3" name="Espace réservé du contenu 2">
+            <a:extLst>
+              <a:ext uri="{FF2B5EF4-FFF2-40B4-BE49-F238E27FC236}">
+                <a16:creationId xmlns:a16="http://schemas.microsoft.com/office/drawing/2014/main" id="{85E4C45F-37A2-5449-904C-AE12992DBE03}"/>
+              </a:ext>
+            </a:extLst>
+          </p:cNvPr>
+          <p:cNvSpPr>
+            <a:spLocks noGrp="1"/>
+          </p:cNvSpPr>
+          <p:nvPr>
+            <p:ph idx="1"/>
+          </p:nvPr>
+        </p:nvSpPr>
+        <p:spPr/>
+        <p:txBody>
+          <a:bodyPr/>
+          <a:lstStyle/>
+          <a:p>
+            <a:endParaRPr lang="fr-FR" dirty="0"/>
+          </a:p>
+        </p:txBody>
+      </p:sp>
+    </p:spTree>
+    <p:extLst>
+      <p:ext uri="{BB962C8B-B14F-4D97-AF65-F5344CB8AC3E}">
+        <p14:creationId xmlns:p14="http://schemas.microsoft.com/office/powerpoint/2010/main" val="2141566544"/>
+      </p:ext>
+    </p:extLst>
+  </p:cSld>
+  <p:clrMapOvr>
+    <a:masterClrMapping/>
+  </p:clrMapOvr>
+</p:sld>
+</file>
+
+<file path=ppt/slides/slide30.xml><?xml version="1.0" encoding="utf-8"?>
 <p:sld xmlns:a="http://schemas.openxmlformats.org/drawingml/2006/main" xmlns:r="http://schemas.openxmlformats.org/officeDocument/2006/relationships" xmlns:p="http://schemas.openxmlformats.org/presentationml/2006/main">
   <p:cSld>
     <p:spTree>
@@ -10529,7 +12927,7 @@
 </p:sld>
 </file>
 
-<file path=ppt/slides/slide24.xml><?xml version="1.0" encoding="utf-8"?>
+<file path=ppt/slides/slide31.xml><?xml version="1.0" encoding="utf-8"?>
 <p:sld xmlns:a="http://schemas.openxmlformats.org/drawingml/2006/main" xmlns:r="http://schemas.openxmlformats.org/officeDocument/2006/relationships" xmlns:p="http://schemas.openxmlformats.org/presentationml/2006/main">
   <p:cSld>
     <p:spTree>
@@ -10612,7 +13010,7 @@
 </p:sld>
 </file>
 
-<file path=ppt/slides/slide25.xml><?xml version="1.0" encoding="utf-8"?>
+<file path=ppt/slides/slide32.xml><?xml version="1.0" encoding="utf-8"?>
 <p:sld xmlns:a="http://schemas.openxmlformats.org/drawingml/2006/main" xmlns:r="http://schemas.openxmlformats.org/officeDocument/2006/relationships" xmlns:p="http://schemas.openxmlformats.org/presentationml/2006/main">
   <p:cSld>
     <p:spTree>
@@ -10688,15 +13086,7 @@
             </a:r>
             <a:r>
               <a:rPr lang="fr-FR" dirty="0"/>
-              <a:t> Network) permettant d’</a:t>
-            </a:r>
-            <a:r>
-              <a:rPr lang="fr-FR" dirty="0" err="1"/>
-              <a:t>interconnection</a:t>
-            </a:r>
-            <a:r>
-              <a:rPr lang="fr-FR" dirty="0"/>
-              <a:t> de réseau</a:t>
+              <a:t> Network) permettant l’interconnexion de réseau</a:t>
             </a:r>
           </a:p>
           <a:p>
@@ -10798,7 +13188,7 @@
 </p:sld>
 </file>
 
-<file path=ppt/slides/slide26.xml><?xml version="1.0" encoding="utf-8"?>
+<file path=ppt/slides/slide33.xml><?xml version="1.0" encoding="utf-8"?>
 <p:sld xmlns:a="http://schemas.openxmlformats.org/drawingml/2006/main" xmlns:r="http://schemas.openxmlformats.org/officeDocument/2006/relationships" xmlns:p="http://schemas.openxmlformats.org/presentationml/2006/main">
   <p:cSld>
     <p:spTree>
@@ -11000,7 +13390,7 @@
 </p:sld>
 </file>
 
-<file path=ppt/slides/slide27.xml><?xml version="1.0" encoding="utf-8"?>
+<file path=ppt/slides/slide34.xml><?xml version="1.0" encoding="utf-8"?>
 <p:sld xmlns:a="http://schemas.openxmlformats.org/drawingml/2006/main" xmlns:r="http://schemas.openxmlformats.org/officeDocument/2006/relationships" xmlns:p="http://schemas.openxmlformats.org/presentationml/2006/main">
   <p:cSld>
     <p:spTree>
@@ -11178,7 +13568,7 @@
 </p:sld>
 </file>
 
-<file path=ppt/slides/slide28.xml><?xml version="1.0" encoding="utf-8"?>
+<file path=ppt/slides/slide35.xml><?xml version="1.0" encoding="utf-8"?>
 <p:sld xmlns:a="http://schemas.openxmlformats.org/drawingml/2006/main" xmlns:r="http://schemas.openxmlformats.org/officeDocument/2006/relationships" xmlns:p="http://schemas.openxmlformats.org/presentationml/2006/main">
   <p:cSld>
     <p:spTree>
@@ -11260,12 +13650,8 @@
           </a:p>
           <a:p>
             <a:r>
-              <a:rPr lang="fr-FR" dirty="0" err="1"/>
-              <a:t>Utiliosation</a:t>
-            </a:r>
-            <a:r>
-              <a:rPr lang="fr-FR" dirty="0"/>
-              <a:t> : entre deux sites de la même entreprise</a:t>
+              <a:rPr lang="fr-FR" dirty="0"/>
+              <a:t>Utilisation : entre deux sites de la même entreprise</a:t>
             </a:r>
           </a:p>
         </p:txBody>
@@ -11349,7 +13735,7 @@
 </p:sld>
 </file>
 
-<file path=ppt/slides/slide3.xml><?xml version="1.0" encoding="utf-8"?>
+<file path=ppt/slides/slide4.xml><?xml version="1.0" encoding="utf-8"?>
 <p:sld xmlns:a="http://schemas.openxmlformats.org/drawingml/2006/main" xmlns:r="http://schemas.openxmlformats.org/officeDocument/2006/relationships" xmlns:p="http://schemas.openxmlformats.org/presentationml/2006/main">
   <p:cSld>
     <p:spTree>
@@ -11371,6 +13757,1339 @@
           <p:cNvPr id="2" name="Titre 1">
             <a:extLst>
               <a:ext uri="{FF2B5EF4-FFF2-40B4-BE49-F238E27FC236}">
+                <a16:creationId xmlns:a16="http://schemas.microsoft.com/office/drawing/2014/main" id="{99B0F8FE-A827-0885-328C-57D5BE44EB72}"/>
+              </a:ext>
+            </a:extLst>
+          </p:cNvPr>
+          <p:cNvSpPr>
+            <a:spLocks noGrp="1"/>
+          </p:cNvSpPr>
+          <p:nvPr>
+            <p:ph type="title"/>
+          </p:nvPr>
+        </p:nvSpPr>
+        <p:spPr/>
+        <p:txBody>
+          <a:bodyPr/>
+          <a:lstStyle/>
+          <a:p>
+            <a:r>
+              <a:rPr lang="fr-FR" dirty="0"/>
+              <a:t>Exercice – Cartographie réseau</a:t>
+            </a:r>
+          </a:p>
+        </p:txBody>
+      </p:sp>
+      <p:pic>
+        <p:nvPicPr>
+          <p:cNvPr id="4" name="Image 3">
+            <a:extLst>
+              <a:ext uri="{FF2B5EF4-FFF2-40B4-BE49-F238E27FC236}">
+                <a16:creationId xmlns:a16="http://schemas.microsoft.com/office/drawing/2014/main" id="{A0883E2B-1495-8DBD-5A43-F0D7C67B0291}"/>
+              </a:ext>
+            </a:extLst>
+          </p:cNvPr>
+          <p:cNvPicPr>
+            <a:picLocks noChangeAspect="1"/>
+          </p:cNvPicPr>
+          <p:nvPr/>
+        </p:nvPicPr>
+        <p:blipFill>
+          <a:blip r:embed="rId2"/>
+          <a:stretch>
+            <a:fillRect/>
+          </a:stretch>
+        </p:blipFill>
+        <p:spPr>
+          <a:xfrm>
+            <a:off x="468528" y="3730640"/>
+            <a:ext cx="666750" cy="714375"/>
+          </a:xfrm>
+          <a:prstGeom prst="rect">
+            <a:avLst/>
+          </a:prstGeom>
+        </p:spPr>
+      </p:pic>
+      <p:pic>
+        <p:nvPicPr>
+          <p:cNvPr id="5" name="Image 4">
+            <a:extLst>
+              <a:ext uri="{FF2B5EF4-FFF2-40B4-BE49-F238E27FC236}">
+                <a16:creationId xmlns:a16="http://schemas.microsoft.com/office/drawing/2014/main" id="{B5329C88-3B83-CA65-D9E9-24BF044229CB}"/>
+              </a:ext>
+            </a:extLst>
+          </p:cNvPr>
+          <p:cNvPicPr>
+            <a:picLocks noChangeAspect="1"/>
+          </p:cNvPicPr>
+          <p:nvPr/>
+        </p:nvPicPr>
+        <p:blipFill>
+          <a:blip r:embed="rId3"/>
+          <a:stretch>
+            <a:fillRect/>
+          </a:stretch>
+        </p:blipFill>
+        <p:spPr>
+          <a:xfrm>
+            <a:off x="3497245" y="4548776"/>
+            <a:ext cx="1026860" cy="1515836"/>
+          </a:xfrm>
+          <a:prstGeom prst="rect">
+            <a:avLst/>
+          </a:prstGeom>
+        </p:spPr>
+      </p:pic>
+      <p:sp>
+        <p:nvSpPr>
+          <p:cNvPr id="6" name="ZoneTexte 5">
+            <a:extLst>
+              <a:ext uri="{FF2B5EF4-FFF2-40B4-BE49-F238E27FC236}">
+                <a16:creationId xmlns:a16="http://schemas.microsoft.com/office/drawing/2014/main" id="{FFF43C68-2D72-142A-9C24-36A905222EBC}"/>
+              </a:ext>
+            </a:extLst>
+          </p:cNvPr>
+          <p:cNvSpPr txBox="1"/>
+          <p:nvPr/>
+        </p:nvSpPr>
+        <p:spPr>
+          <a:xfrm rot="16200000">
+            <a:off x="1050589" y="3903162"/>
+            <a:ext cx="1176925" cy="369332"/>
+          </a:xfrm>
+          <a:prstGeom prst="rect">
+            <a:avLst/>
+          </a:prstGeom>
+          <a:noFill/>
+        </p:spPr>
+        <p:txBody>
+          <a:bodyPr wrap="none" rtlCol="0">
+            <a:spAutoFit/>
+          </a:bodyPr>
+          <a:lstStyle/>
+          <a:p>
+            <a:r>
+              <a:rPr lang="fr-FR" dirty="0"/>
+              <a:t>2.7.113.68</a:t>
+            </a:r>
+          </a:p>
+        </p:txBody>
+      </p:sp>
+      <p:sp>
+        <p:nvSpPr>
+          <p:cNvPr id="8" name="ZoneTexte 7">
+            <a:extLst>
+              <a:ext uri="{FF2B5EF4-FFF2-40B4-BE49-F238E27FC236}">
+                <a16:creationId xmlns:a16="http://schemas.microsoft.com/office/drawing/2014/main" id="{D5387D23-C477-8049-9A94-28C769E47672}"/>
+              </a:ext>
+            </a:extLst>
+          </p:cNvPr>
+          <p:cNvSpPr txBox="1"/>
+          <p:nvPr/>
+        </p:nvSpPr>
+        <p:spPr>
+          <a:xfrm rot="16200000">
+            <a:off x="2663868" y="5052050"/>
+            <a:ext cx="1527982" cy="369332"/>
+          </a:xfrm>
+          <a:prstGeom prst="rect">
+            <a:avLst/>
+          </a:prstGeom>
+          <a:noFill/>
+        </p:spPr>
+        <p:txBody>
+          <a:bodyPr wrap="none" rtlCol="0">
+            <a:spAutoFit/>
+          </a:bodyPr>
+          <a:lstStyle/>
+          <a:p>
+            <a:r>
+              <a:rPr lang="fr-FR" dirty="0"/>
+              <a:t>192.168.1.200</a:t>
+            </a:r>
+          </a:p>
+        </p:txBody>
+      </p:sp>
+      <p:pic>
+        <p:nvPicPr>
+          <p:cNvPr id="9" name="Image 8">
+            <a:extLst>
+              <a:ext uri="{FF2B5EF4-FFF2-40B4-BE49-F238E27FC236}">
+                <a16:creationId xmlns:a16="http://schemas.microsoft.com/office/drawing/2014/main" id="{C85F961B-7F39-4C82-A576-1C350AB4D388}"/>
+              </a:ext>
+            </a:extLst>
+          </p:cNvPr>
+          <p:cNvPicPr>
+            <a:picLocks noChangeAspect="1"/>
+          </p:cNvPicPr>
+          <p:nvPr/>
+        </p:nvPicPr>
+        <p:blipFill>
+          <a:blip r:embed="rId3"/>
+          <a:stretch>
+            <a:fillRect/>
+          </a:stretch>
+        </p:blipFill>
+        <p:spPr>
+          <a:xfrm>
+            <a:off x="1751487" y="3309523"/>
+            <a:ext cx="1026860" cy="1515836"/>
+          </a:xfrm>
+          <a:prstGeom prst="rect">
+            <a:avLst/>
+          </a:prstGeom>
+        </p:spPr>
+      </p:pic>
+      <p:sp>
+        <p:nvSpPr>
+          <p:cNvPr id="10" name="ZoneTexte 9">
+            <a:extLst>
+              <a:ext uri="{FF2B5EF4-FFF2-40B4-BE49-F238E27FC236}">
+                <a16:creationId xmlns:a16="http://schemas.microsoft.com/office/drawing/2014/main" id="{56042668-100A-432D-321D-AAF1322FBB2F}"/>
+              </a:ext>
+            </a:extLst>
+          </p:cNvPr>
+          <p:cNvSpPr txBox="1"/>
+          <p:nvPr/>
+        </p:nvSpPr>
+        <p:spPr>
+          <a:xfrm rot="16200000">
+            <a:off x="3803421" y="4884919"/>
+            <a:ext cx="1617751" cy="369332"/>
+          </a:xfrm>
+          <a:prstGeom prst="rect">
+            <a:avLst/>
+          </a:prstGeom>
+          <a:noFill/>
+        </p:spPr>
+        <p:txBody>
+          <a:bodyPr wrap="none" rtlCol="0">
+            <a:spAutoFit/>
+          </a:bodyPr>
+          <a:lstStyle/>
+          <a:p>
+            <a:r>
+              <a:rPr lang="fr-FR" dirty="0"/>
+              <a:t>192.168.0.1/24</a:t>
+            </a:r>
+          </a:p>
+        </p:txBody>
+      </p:sp>
+      <p:pic>
+        <p:nvPicPr>
+          <p:cNvPr id="11" name="Image 10">
+            <a:extLst>
+              <a:ext uri="{FF2B5EF4-FFF2-40B4-BE49-F238E27FC236}">
+                <a16:creationId xmlns:a16="http://schemas.microsoft.com/office/drawing/2014/main" id="{9BB166C9-1558-216A-6D61-E8ACCA09A859}"/>
+              </a:ext>
+            </a:extLst>
+          </p:cNvPr>
+          <p:cNvPicPr>
+            <a:picLocks noChangeAspect="1"/>
+          </p:cNvPicPr>
+          <p:nvPr/>
+        </p:nvPicPr>
+        <p:blipFill>
+          <a:blip r:embed="rId4"/>
+          <a:stretch>
+            <a:fillRect/>
+          </a:stretch>
+        </p:blipFill>
+        <p:spPr>
+          <a:xfrm>
+            <a:off x="5561128" y="5393283"/>
+            <a:ext cx="1143634" cy="970356"/>
+          </a:xfrm>
+          <a:prstGeom prst="rect">
+            <a:avLst/>
+          </a:prstGeom>
+        </p:spPr>
+      </p:pic>
+      <p:pic>
+        <p:nvPicPr>
+          <p:cNvPr id="12" name="Image 11">
+            <a:extLst>
+              <a:ext uri="{FF2B5EF4-FFF2-40B4-BE49-F238E27FC236}">
+                <a16:creationId xmlns:a16="http://schemas.microsoft.com/office/drawing/2014/main" id="{98BA3DDF-F396-E60F-AF99-E051E4CE7109}"/>
+              </a:ext>
+            </a:extLst>
+          </p:cNvPr>
+          <p:cNvPicPr>
+            <a:picLocks noChangeAspect="1"/>
+          </p:cNvPicPr>
+          <p:nvPr/>
+        </p:nvPicPr>
+        <p:blipFill>
+          <a:blip r:embed="rId4"/>
+          <a:stretch>
+            <a:fillRect/>
+          </a:stretch>
+        </p:blipFill>
+        <p:spPr>
+          <a:xfrm>
+            <a:off x="6936218" y="5340154"/>
+            <a:ext cx="1143634" cy="970356"/>
+          </a:xfrm>
+          <a:prstGeom prst="rect">
+            <a:avLst/>
+          </a:prstGeom>
+        </p:spPr>
+      </p:pic>
+      <p:sp>
+        <p:nvSpPr>
+          <p:cNvPr id="13" name="ZoneTexte 12">
+            <a:extLst>
+              <a:ext uri="{FF2B5EF4-FFF2-40B4-BE49-F238E27FC236}">
+                <a16:creationId xmlns:a16="http://schemas.microsoft.com/office/drawing/2014/main" id="{92C5EAC5-BA3C-FFCB-5BEA-0A1D2D82C306}"/>
+              </a:ext>
+            </a:extLst>
+          </p:cNvPr>
+          <p:cNvSpPr txBox="1"/>
+          <p:nvPr/>
+        </p:nvSpPr>
+        <p:spPr>
+          <a:xfrm>
+            <a:off x="5292508" y="6233361"/>
+            <a:ext cx="1527982" cy="369332"/>
+          </a:xfrm>
+          <a:prstGeom prst="rect">
+            <a:avLst/>
+          </a:prstGeom>
+          <a:noFill/>
+        </p:spPr>
+        <p:txBody>
+          <a:bodyPr wrap="none" rtlCol="0">
+            <a:spAutoFit/>
+          </a:bodyPr>
+          <a:lstStyle/>
+          <a:p>
+            <a:r>
+              <a:rPr lang="fr-FR" dirty="0"/>
+              <a:t>192.168.0.115</a:t>
+            </a:r>
+          </a:p>
+        </p:txBody>
+      </p:sp>
+      <p:sp>
+        <p:nvSpPr>
+          <p:cNvPr id="14" name="ZoneTexte 13">
+            <a:extLst>
+              <a:ext uri="{FF2B5EF4-FFF2-40B4-BE49-F238E27FC236}">
+                <a16:creationId xmlns:a16="http://schemas.microsoft.com/office/drawing/2014/main" id="{ABEA16C4-B24C-D82B-7430-C0FB20D18427}"/>
+              </a:ext>
+            </a:extLst>
+          </p:cNvPr>
+          <p:cNvSpPr txBox="1"/>
+          <p:nvPr/>
+        </p:nvSpPr>
+        <p:spPr>
+          <a:xfrm>
+            <a:off x="6916908" y="6229670"/>
+            <a:ext cx="1527982" cy="369332"/>
+          </a:xfrm>
+          <a:prstGeom prst="rect">
+            <a:avLst/>
+          </a:prstGeom>
+          <a:noFill/>
+        </p:spPr>
+        <p:txBody>
+          <a:bodyPr wrap="none" rtlCol="0">
+            <a:spAutoFit/>
+          </a:bodyPr>
+          <a:lstStyle/>
+          <a:p>
+            <a:r>
+              <a:rPr lang="fr-FR" dirty="0"/>
+              <a:t>192.168.0.116</a:t>
+            </a:r>
+          </a:p>
+        </p:txBody>
+      </p:sp>
+      <p:pic>
+        <p:nvPicPr>
+          <p:cNvPr id="15" name="Image 14">
+            <a:extLst>
+              <a:ext uri="{FF2B5EF4-FFF2-40B4-BE49-F238E27FC236}">
+                <a16:creationId xmlns:a16="http://schemas.microsoft.com/office/drawing/2014/main" id="{AF5DA2AA-45E0-8285-77F7-D8706283C1EF}"/>
+              </a:ext>
+            </a:extLst>
+          </p:cNvPr>
+          <p:cNvPicPr>
+            <a:picLocks noChangeAspect="1"/>
+          </p:cNvPicPr>
+          <p:nvPr/>
+        </p:nvPicPr>
+        <p:blipFill>
+          <a:blip r:embed="rId5"/>
+          <a:stretch>
+            <a:fillRect/>
+          </a:stretch>
+        </p:blipFill>
+        <p:spPr>
+          <a:xfrm>
+            <a:off x="9011078" y="5385674"/>
+            <a:ext cx="588442" cy="746870"/>
+          </a:xfrm>
+          <a:prstGeom prst="rect">
+            <a:avLst/>
+          </a:prstGeom>
+        </p:spPr>
+      </p:pic>
+      <p:pic>
+        <p:nvPicPr>
+          <p:cNvPr id="16" name="Image 15">
+            <a:extLst>
+              <a:ext uri="{FF2B5EF4-FFF2-40B4-BE49-F238E27FC236}">
+                <a16:creationId xmlns:a16="http://schemas.microsoft.com/office/drawing/2014/main" id="{2A9DC86E-2411-9435-4049-1FA46E86808A}"/>
+              </a:ext>
+            </a:extLst>
+          </p:cNvPr>
+          <p:cNvPicPr>
+            <a:picLocks noChangeAspect="1"/>
+          </p:cNvPicPr>
+          <p:nvPr/>
+        </p:nvPicPr>
+        <p:blipFill>
+          <a:blip r:embed="rId5"/>
+          <a:stretch>
+            <a:fillRect/>
+          </a:stretch>
+        </p:blipFill>
+        <p:spPr>
+          <a:xfrm>
+            <a:off x="10465184" y="5365017"/>
+            <a:ext cx="588442" cy="746870"/>
+          </a:xfrm>
+          <a:prstGeom prst="rect">
+            <a:avLst/>
+          </a:prstGeom>
+        </p:spPr>
+      </p:pic>
+      <p:sp>
+        <p:nvSpPr>
+          <p:cNvPr id="17" name="ZoneTexte 16">
+            <a:extLst>
+              <a:ext uri="{FF2B5EF4-FFF2-40B4-BE49-F238E27FC236}">
+                <a16:creationId xmlns:a16="http://schemas.microsoft.com/office/drawing/2014/main" id="{B66C41F4-B18A-004D-1694-9F44B2C2AFCA}"/>
+              </a:ext>
+            </a:extLst>
+          </p:cNvPr>
+          <p:cNvSpPr txBox="1"/>
+          <p:nvPr/>
+        </p:nvSpPr>
+        <p:spPr>
+          <a:xfrm>
+            <a:off x="8541308" y="6229670"/>
+            <a:ext cx="1527982" cy="369332"/>
+          </a:xfrm>
+          <a:prstGeom prst="rect">
+            <a:avLst/>
+          </a:prstGeom>
+          <a:noFill/>
+        </p:spPr>
+        <p:txBody>
+          <a:bodyPr wrap="none" rtlCol="0">
+            <a:spAutoFit/>
+          </a:bodyPr>
+          <a:lstStyle/>
+          <a:p>
+            <a:r>
+              <a:rPr lang="fr-FR" dirty="0"/>
+              <a:t>192.168.0.197</a:t>
+            </a:r>
+          </a:p>
+        </p:txBody>
+      </p:sp>
+      <p:sp>
+        <p:nvSpPr>
+          <p:cNvPr id="18" name="ZoneTexte 17">
+            <a:extLst>
+              <a:ext uri="{FF2B5EF4-FFF2-40B4-BE49-F238E27FC236}">
+                <a16:creationId xmlns:a16="http://schemas.microsoft.com/office/drawing/2014/main" id="{6A6A4068-63A8-C248-8C92-C14034135F01}"/>
+              </a:ext>
+            </a:extLst>
+          </p:cNvPr>
+          <p:cNvSpPr txBox="1"/>
+          <p:nvPr/>
+        </p:nvSpPr>
+        <p:spPr>
+          <a:xfrm>
+            <a:off x="10148454" y="6192436"/>
+            <a:ext cx="1527982" cy="369332"/>
+          </a:xfrm>
+          <a:prstGeom prst="rect">
+            <a:avLst/>
+          </a:prstGeom>
+          <a:noFill/>
+        </p:spPr>
+        <p:txBody>
+          <a:bodyPr wrap="none" rtlCol="0">
+            <a:spAutoFit/>
+          </a:bodyPr>
+          <a:lstStyle/>
+          <a:p>
+            <a:r>
+              <a:rPr lang="fr-FR" dirty="0"/>
+              <a:t>192.168.0.188</a:t>
+            </a:r>
+          </a:p>
+        </p:txBody>
+      </p:sp>
+      <p:pic>
+        <p:nvPicPr>
+          <p:cNvPr id="19" name="Image 18">
+            <a:extLst>
+              <a:ext uri="{FF2B5EF4-FFF2-40B4-BE49-F238E27FC236}">
+                <a16:creationId xmlns:a16="http://schemas.microsoft.com/office/drawing/2014/main" id="{1C31FE7A-DBBD-BC2B-16D7-1FE5DA91F4D2}"/>
+              </a:ext>
+            </a:extLst>
+          </p:cNvPr>
+          <p:cNvPicPr>
+            <a:picLocks noChangeAspect="1"/>
+          </p:cNvPicPr>
+          <p:nvPr/>
+        </p:nvPicPr>
+        <p:blipFill>
+          <a:blip r:embed="rId6"/>
+          <a:stretch>
+            <a:fillRect/>
+          </a:stretch>
+        </p:blipFill>
+        <p:spPr>
+          <a:xfrm>
+            <a:off x="5562461" y="4173886"/>
+            <a:ext cx="1187230" cy="899794"/>
+          </a:xfrm>
+          <a:prstGeom prst="rect">
+            <a:avLst/>
+          </a:prstGeom>
+        </p:spPr>
+      </p:pic>
+      <p:pic>
+        <p:nvPicPr>
+          <p:cNvPr id="20" name="Image 19">
+            <a:extLst>
+              <a:ext uri="{FF2B5EF4-FFF2-40B4-BE49-F238E27FC236}">
+                <a16:creationId xmlns:a16="http://schemas.microsoft.com/office/drawing/2014/main" id="{64022900-FC6A-B669-EBE2-B02C597A07F1}"/>
+              </a:ext>
+            </a:extLst>
+          </p:cNvPr>
+          <p:cNvPicPr>
+            <a:picLocks noChangeAspect="1"/>
+          </p:cNvPicPr>
+          <p:nvPr/>
+        </p:nvPicPr>
+        <p:blipFill>
+          <a:blip r:embed="rId7"/>
+          <a:stretch>
+            <a:fillRect/>
+          </a:stretch>
+        </p:blipFill>
+        <p:spPr>
+          <a:xfrm>
+            <a:off x="7283798" y="3752971"/>
+            <a:ext cx="819150" cy="1333500"/>
+          </a:xfrm>
+          <a:prstGeom prst="rect">
+            <a:avLst/>
+          </a:prstGeom>
+        </p:spPr>
+      </p:pic>
+      <p:sp>
+        <p:nvSpPr>
+          <p:cNvPr id="21" name="ZoneTexte 20">
+            <a:extLst>
+              <a:ext uri="{FF2B5EF4-FFF2-40B4-BE49-F238E27FC236}">
+                <a16:creationId xmlns:a16="http://schemas.microsoft.com/office/drawing/2014/main" id="{00476B0F-5AFB-365D-1279-89D7380E3798}"/>
+              </a:ext>
+            </a:extLst>
+          </p:cNvPr>
+          <p:cNvSpPr txBox="1"/>
+          <p:nvPr/>
+        </p:nvSpPr>
+        <p:spPr>
+          <a:xfrm>
+            <a:off x="5368954" y="5043931"/>
+            <a:ext cx="1527982" cy="369332"/>
+          </a:xfrm>
+          <a:prstGeom prst="rect">
+            <a:avLst/>
+          </a:prstGeom>
+          <a:noFill/>
+        </p:spPr>
+        <p:txBody>
+          <a:bodyPr wrap="none" rtlCol="0">
+            <a:spAutoFit/>
+          </a:bodyPr>
+          <a:lstStyle/>
+          <a:p>
+            <a:r>
+              <a:rPr lang="fr-FR" dirty="0"/>
+              <a:t>192.168.0.158</a:t>
+            </a:r>
+          </a:p>
+        </p:txBody>
+      </p:sp>
+      <p:sp>
+        <p:nvSpPr>
+          <p:cNvPr id="22" name="ZoneTexte 21">
+            <a:extLst>
+              <a:ext uri="{FF2B5EF4-FFF2-40B4-BE49-F238E27FC236}">
+                <a16:creationId xmlns:a16="http://schemas.microsoft.com/office/drawing/2014/main" id="{76597D29-FC9C-5B6B-E692-7A37278C6575}"/>
+              </a:ext>
+            </a:extLst>
+          </p:cNvPr>
+          <p:cNvSpPr txBox="1"/>
+          <p:nvPr/>
+        </p:nvSpPr>
+        <p:spPr>
+          <a:xfrm>
+            <a:off x="7012664" y="5016342"/>
+            <a:ext cx="1527982" cy="369332"/>
+          </a:xfrm>
+          <a:prstGeom prst="rect">
+            <a:avLst/>
+          </a:prstGeom>
+          <a:noFill/>
+        </p:spPr>
+        <p:txBody>
+          <a:bodyPr wrap="none" rtlCol="0">
+            <a:spAutoFit/>
+          </a:bodyPr>
+          <a:lstStyle/>
+          <a:p>
+            <a:r>
+              <a:rPr lang="fr-FR" dirty="0"/>
+              <a:t>192.168.0.195</a:t>
+            </a:r>
+          </a:p>
+        </p:txBody>
+      </p:sp>
+      <p:cxnSp>
+        <p:nvCxnSpPr>
+          <p:cNvPr id="23" name="Connecteur droit 22">
+            <a:extLst>
+              <a:ext uri="{FF2B5EF4-FFF2-40B4-BE49-F238E27FC236}">
+                <a16:creationId xmlns:a16="http://schemas.microsoft.com/office/drawing/2014/main" id="{6C3B48E3-E9C9-3EF9-64EF-FA62FCFD86B1}"/>
+              </a:ext>
+            </a:extLst>
+          </p:cNvPr>
+          <p:cNvCxnSpPr>
+            <a:cxnSpLocks/>
+            <a:stCxn id="4" idx="3"/>
+            <a:endCxn id="6" idx="0"/>
+          </p:cNvCxnSpPr>
+          <p:nvPr/>
+        </p:nvCxnSpPr>
+        <p:spPr>
+          <a:xfrm>
+            <a:off x="1135278" y="4087828"/>
+            <a:ext cx="319108" cy="0"/>
+          </a:xfrm>
+          <a:prstGeom prst="line">
+            <a:avLst/>
+          </a:prstGeom>
+        </p:spPr>
+        <p:style>
+          <a:lnRef idx="1">
+            <a:schemeClr val="accent1"/>
+          </a:lnRef>
+          <a:fillRef idx="0">
+            <a:schemeClr val="accent1"/>
+          </a:fillRef>
+          <a:effectRef idx="0">
+            <a:schemeClr val="accent1"/>
+          </a:effectRef>
+          <a:fontRef idx="minor">
+            <a:schemeClr val="tx1"/>
+          </a:fontRef>
+        </p:style>
+      </p:cxnSp>
+      <p:cxnSp>
+        <p:nvCxnSpPr>
+          <p:cNvPr id="24" name="Connecteur droit 23">
+            <a:extLst>
+              <a:ext uri="{FF2B5EF4-FFF2-40B4-BE49-F238E27FC236}">
+                <a16:creationId xmlns:a16="http://schemas.microsoft.com/office/drawing/2014/main" id="{3CAB1BA7-D423-FA91-5489-F003D505D32A}"/>
+              </a:ext>
+            </a:extLst>
+          </p:cNvPr>
+          <p:cNvCxnSpPr>
+            <a:cxnSpLocks/>
+            <a:stCxn id="7" idx="2"/>
+            <a:endCxn id="8" idx="0"/>
+          </p:cNvCxnSpPr>
+          <p:nvPr/>
+        </p:nvCxnSpPr>
+        <p:spPr>
+          <a:xfrm>
+            <a:off x="2978932" y="4037735"/>
+            <a:ext cx="264261" cy="1198981"/>
+          </a:xfrm>
+          <a:prstGeom prst="line">
+            <a:avLst/>
+          </a:prstGeom>
+        </p:spPr>
+        <p:style>
+          <a:lnRef idx="1">
+            <a:schemeClr val="accent1"/>
+          </a:lnRef>
+          <a:fillRef idx="0">
+            <a:schemeClr val="accent1"/>
+          </a:fillRef>
+          <a:effectRef idx="0">
+            <a:schemeClr val="accent1"/>
+          </a:effectRef>
+          <a:fontRef idx="minor">
+            <a:schemeClr val="tx1"/>
+          </a:fontRef>
+        </p:style>
+      </p:cxnSp>
+      <p:cxnSp>
+        <p:nvCxnSpPr>
+          <p:cNvPr id="25" name="Connecteur droit 24">
+            <a:extLst>
+              <a:ext uri="{FF2B5EF4-FFF2-40B4-BE49-F238E27FC236}">
+                <a16:creationId xmlns:a16="http://schemas.microsoft.com/office/drawing/2014/main" id="{61744A75-1B76-665E-025E-E2B116679C76}"/>
+              </a:ext>
+            </a:extLst>
+          </p:cNvPr>
+          <p:cNvCxnSpPr>
+            <a:cxnSpLocks/>
+          </p:cNvCxnSpPr>
+          <p:nvPr/>
+        </p:nvCxnSpPr>
+        <p:spPr>
+          <a:xfrm>
+            <a:off x="5699288" y="5302851"/>
+            <a:ext cx="0" cy="661090"/>
+          </a:xfrm>
+          <a:prstGeom prst="line">
+            <a:avLst/>
+          </a:prstGeom>
+        </p:spPr>
+        <p:style>
+          <a:lnRef idx="1">
+            <a:schemeClr val="accent1"/>
+          </a:lnRef>
+          <a:fillRef idx="0">
+            <a:schemeClr val="accent1"/>
+          </a:fillRef>
+          <a:effectRef idx="0">
+            <a:schemeClr val="accent1"/>
+          </a:effectRef>
+          <a:fontRef idx="minor">
+            <a:schemeClr val="tx1"/>
+          </a:fontRef>
+        </p:style>
+      </p:cxnSp>
+      <p:cxnSp>
+        <p:nvCxnSpPr>
+          <p:cNvPr id="26" name="Connecteur droit 25">
+            <a:extLst>
+              <a:ext uri="{FF2B5EF4-FFF2-40B4-BE49-F238E27FC236}">
+                <a16:creationId xmlns:a16="http://schemas.microsoft.com/office/drawing/2014/main" id="{1CB95B13-FA1F-C218-FB64-BF3A830B80BF}"/>
+              </a:ext>
+            </a:extLst>
+          </p:cNvPr>
+          <p:cNvCxnSpPr>
+            <a:cxnSpLocks/>
+          </p:cNvCxnSpPr>
+          <p:nvPr/>
+        </p:nvCxnSpPr>
+        <p:spPr>
+          <a:xfrm flipV="1">
+            <a:off x="4796963" y="5298133"/>
+            <a:ext cx="5682528" cy="13953"/>
+          </a:xfrm>
+          <a:prstGeom prst="line">
+            <a:avLst/>
+          </a:prstGeom>
+        </p:spPr>
+        <p:style>
+          <a:lnRef idx="1">
+            <a:schemeClr val="accent1"/>
+          </a:lnRef>
+          <a:fillRef idx="0">
+            <a:schemeClr val="accent1"/>
+          </a:fillRef>
+          <a:effectRef idx="0">
+            <a:schemeClr val="accent1"/>
+          </a:effectRef>
+          <a:fontRef idx="minor">
+            <a:schemeClr val="tx1"/>
+          </a:fontRef>
+        </p:style>
+      </p:cxnSp>
+      <p:cxnSp>
+        <p:nvCxnSpPr>
+          <p:cNvPr id="27" name="Connecteur droit 26">
+            <a:extLst>
+              <a:ext uri="{FF2B5EF4-FFF2-40B4-BE49-F238E27FC236}">
+                <a16:creationId xmlns:a16="http://schemas.microsoft.com/office/drawing/2014/main" id="{541259F4-3860-45BE-3D6F-7160AFFA7F1F}"/>
+              </a:ext>
+            </a:extLst>
+          </p:cNvPr>
+          <p:cNvCxnSpPr>
+            <a:cxnSpLocks/>
+          </p:cNvCxnSpPr>
+          <p:nvPr/>
+        </p:nvCxnSpPr>
+        <p:spPr>
+          <a:xfrm>
+            <a:off x="7098597" y="5321173"/>
+            <a:ext cx="0" cy="661090"/>
+          </a:xfrm>
+          <a:prstGeom prst="line">
+            <a:avLst/>
+          </a:prstGeom>
+        </p:spPr>
+        <p:style>
+          <a:lnRef idx="1">
+            <a:schemeClr val="accent1"/>
+          </a:lnRef>
+          <a:fillRef idx="0">
+            <a:schemeClr val="accent1"/>
+          </a:fillRef>
+          <a:effectRef idx="0">
+            <a:schemeClr val="accent1"/>
+          </a:effectRef>
+          <a:fontRef idx="minor">
+            <a:schemeClr val="tx1"/>
+          </a:fontRef>
+        </p:style>
+      </p:cxnSp>
+      <p:cxnSp>
+        <p:nvCxnSpPr>
+          <p:cNvPr id="28" name="Connecteur droit 27">
+            <a:extLst>
+              <a:ext uri="{FF2B5EF4-FFF2-40B4-BE49-F238E27FC236}">
+                <a16:creationId xmlns:a16="http://schemas.microsoft.com/office/drawing/2014/main" id="{979266F3-126B-FB67-408A-7E274D77798F}"/>
+              </a:ext>
+            </a:extLst>
+          </p:cNvPr>
+          <p:cNvCxnSpPr>
+            <a:cxnSpLocks/>
+          </p:cNvCxnSpPr>
+          <p:nvPr/>
+        </p:nvCxnSpPr>
+        <p:spPr>
+          <a:xfrm>
+            <a:off x="9011078" y="5302851"/>
+            <a:ext cx="0" cy="661090"/>
+          </a:xfrm>
+          <a:prstGeom prst="line">
+            <a:avLst/>
+          </a:prstGeom>
+        </p:spPr>
+        <p:style>
+          <a:lnRef idx="1">
+            <a:schemeClr val="accent1"/>
+          </a:lnRef>
+          <a:fillRef idx="0">
+            <a:schemeClr val="accent1"/>
+          </a:fillRef>
+          <a:effectRef idx="0">
+            <a:schemeClr val="accent1"/>
+          </a:effectRef>
+          <a:fontRef idx="minor">
+            <a:schemeClr val="tx1"/>
+          </a:fontRef>
+        </p:style>
+      </p:cxnSp>
+      <p:cxnSp>
+        <p:nvCxnSpPr>
+          <p:cNvPr id="29" name="Connecteur droit 28">
+            <a:extLst>
+              <a:ext uri="{FF2B5EF4-FFF2-40B4-BE49-F238E27FC236}">
+                <a16:creationId xmlns:a16="http://schemas.microsoft.com/office/drawing/2014/main" id="{95262BFE-3D66-1BC4-991F-C808F1BCEBF9}"/>
+              </a:ext>
+            </a:extLst>
+          </p:cNvPr>
+          <p:cNvCxnSpPr>
+            <a:cxnSpLocks/>
+          </p:cNvCxnSpPr>
+          <p:nvPr/>
+        </p:nvCxnSpPr>
+        <p:spPr>
+          <a:xfrm>
+            <a:off x="10479491" y="5284530"/>
+            <a:ext cx="0" cy="661090"/>
+          </a:xfrm>
+          <a:prstGeom prst="line">
+            <a:avLst/>
+          </a:prstGeom>
+        </p:spPr>
+        <p:style>
+          <a:lnRef idx="1">
+            <a:schemeClr val="accent1"/>
+          </a:lnRef>
+          <a:fillRef idx="0">
+            <a:schemeClr val="accent1"/>
+          </a:fillRef>
+          <a:effectRef idx="0">
+            <a:schemeClr val="accent1"/>
+          </a:effectRef>
+          <a:fontRef idx="minor">
+            <a:schemeClr val="tx1"/>
+          </a:fontRef>
+        </p:style>
+      </p:cxnSp>
+      <p:pic>
+        <p:nvPicPr>
+          <p:cNvPr id="30" name="Image 29">
+            <a:extLst>
+              <a:ext uri="{FF2B5EF4-FFF2-40B4-BE49-F238E27FC236}">
+                <a16:creationId xmlns:a16="http://schemas.microsoft.com/office/drawing/2014/main" id="{1792252F-1BF4-8208-574A-6F7602B82543}"/>
+              </a:ext>
+            </a:extLst>
+          </p:cNvPr>
+          <p:cNvPicPr>
+            <a:picLocks noChangeAspect="1"/>
+          </p:cNvPicPr>
+          <p:nvPr/>
+        </p:nvPicPr>
+        <p:blipFill>
+          <a:blip r:embed="rId3"/>
+          <a:stretch>
+            <a:fillRect/>
+          </a:stretch>
+        </p:blipFill>
+        <p:spPr>
+          <a:xfrm>
+            <a:off x="5793630" y="2385476"/>
+            <a:ext cx="1026860" cy="1515836"/>
+          </a:xfrm>
+          <a:prstGeom prst="rect">
+            <a:avLst/>
+          </a:prstGeom>
+        </p:spPr>
+      </p:pic>
+      <p:cxnSp>
+        <p:nvCxnSpPr>
+          <p:cNvPr id="31" name="Connecteur droit 30">
+            <a:extLst>
+              <a:ext uri="{FF2B5EF4-FFF2-40B4-BE49-F238E27FC236}">
+                <a16:creationId xmlns:a16="http://schemas.microsoft.com/office/drawing/2014/main" id="{4A540D07-E5B7-5017-E608-E52F4D1B8CF2}"/>
+              </a:ext>
+            </a:extLst>
+          </p:cNvPr>
+          <p:cNvCxnSpPr>
+            <a:cxnSpLocks/>
+            <a:stCxn id="34" idx="0"/>
+            <a:endCxn id="10" idx="2"/>
+          </p:cNvCxnSpPr>
+          <p:nvPr/>
+        </p:nvCxnSpPr>
+        <p:spPr>
+          <a:xfrm flipH="1">
+            <a:off x="4796963" y="3225930"/>
+            <a:ext cx="796082" cy="1843655"/>
+          </a:xfrm>
+          <a:prstGeom prst="line">
+            <a:avLst/>
+          </a:prstGeom>
+        </p:spPr>
+        <p:style>
+          <a:lnRef idx="1">
+            <a:schemeClr val="accent1"/>
+          </a:lnRef>
+          <a:fillRef idx="0">
+            <a:schemeClr val="accent1"/>
+          </a:fillRef>
+          <a:effectRef idx="0">
+            <a:schemeClr val="accent1"/>
+          </a:effectRef>
+          <a:fontRef idx="minor">
+            <a:schemeClr val="tx1"/>
+          </a:fontRef>
+        </p:style>
+      </p:cxnSp>
+      <p:pic>
+        <p:nvPicPr>
+          <p:cNvPr id="32" name="Image 31">
+            <a:extLst>
+              <a:ext uri="{FF2B5EF4-FFF2-40B4-BE49-F238E27FC236}">
+                <a16:creationId xmlns:a16="http://schemas.microsoft.com/office/drawing/2014/main" id="{E6B5EF33-E5B2-2B37-8C2E-5E08CB8FA469}"/>
+              </a:ext>
+            </a:extLst>
+          </p:cNvPr>
+          <p:cNvPicPr>
+            <a:picLocks noChangeAspect="1"/>
+          </p:cNvPicPr>
+          <p:nvPr/>
+        </p:nvPicPr>
+        <p:blipFill>
+          <a:blip r:embed="rId8"/>
+          <a:stretch>
+            <a:fillRect/>
+          </a:stretch>
+        </p:blipFill>
+        <p:spPr>
+          <a:xfrm>
+            <a:off x="7008497" y="2365303"/>
+            <a:ext cx="952500" cy="552450"/>
+          </a:xfrm>
+          <a:prstGeom prst="rect">
+            <a:avLst/>
+          </a:prstGeom>
+        </p:spPr>
+      </p:pic>
+      <p:pic>
+        <p:nvPicPr>
+          <p:cNvPr id="33" name="Image 32">
+            <a:extLst>
+              <a:ext uri="{FF2B5EF4-FFF2-40B4-BE49-F238E27FC236}">
+                <a16:creationId xmlns:a16="http://schemas.microsoft.com/office/drawing/2014/main" id="{7F4C3740-4FE8-10A3-6B08-226D7D8FF9C0}"/>
+              </a:ext>
+            </a:extLst>
+          </p:cNvPr>
+          <p:cNvPicPr>
+            <a:picLocks noChangeAspect="1"/>
+          </p:cNvPicPr>
+          <p:nvPr/>
+        </p:nvPicPr>
+        <p:blipFill>
+          <a:blip r:embed="rId9">
+            <a:extLst>
+              <a:ext uri="{28A0092B-C50C-407E-A947-70E740481C1C}">
+                <a14:useLocalDpi xmlns:a14="http://schemas.microsoft.com/office/drawing/2010/main" val="0"/>
+              </a:ext>
+            </a:extLst>
+          </a:blip>
+          <a:stretch>
+            <a:fillRect/>
+          </a:stretch>
+        </p:blipFill>
+        <p:spPr>
+          <a:xfrm>
+            <a:off x="8980732" y="1886681"/>
+            <a:ext cx="1108452" cy="1108452"/>
+          </a:xfrm>
+          <a:prstGeom prst="rect">
+            <a:avLst/>
+          </a:prstGeom>
+        </p:spPr>
+      </p:pic>
+      <p:sp>
+        <p:nvSpPr>
+          <p:cNvPr id="34" name="ZoneTexte 33">
+            <a:extLst>
+              <a:ext uri="{FF2B5EF4-FFF2-40B4-BE49-F238E27FC236}">
+                <a16:creationId xmlns:a16="http://schemas.microsoft.com/office/drawing/2014/main" id="{9C739B2D-2FDF-3DC5-79B1-E30C29B9C836}"/>
+              </a:ext>
+            </a:extLst>
+          </p:cNvPr>
+          <p:cNvSpPr txBox="1"/>
+          <p:nvPr/>
+        </p:nvSpPr>
+        <p:spPr>
+          <a:xfrm rot="16200000">
+            <a:off x="5013720" y="3041264"/>
+            <a:ext cx="1527982" cy="369332"/>
+          </a:xfrm>
+          <a:prstGeom prst="rect">
+            <a:avLst/>
+          </a:prstGeom>
+          <a:noFill/>
+        </p:spPr>
+        <p:txBody>
+          <a:bodyPr wrap="none" rtlCol="0">
+            <a:spAutoFit/>
+          </a:bodyPr>
+          <a:lstStyle/>
+          <a:p>
+            <a:r>
+              <a:rPr lang="fr-FR" dirty="0"/>
+              <a:t>192.168.0.123</a:t>
+            </a:r>
+          </a:p>
+        </p:txBody>
+      </p:sp>
+      <p:sp>
+        <p:nvSpPr>
+          <p:cNvPr id="35" name="ZoneTexte 34">
+            <a:extLst>
+              <a:ext uri="{FF2B5EF4-FFF2-40B4-BE49-F238E27FC236}">
+                <a16:creationId xmlns:a16="http://schemas.microsoft.com/office/drawing/2014/main" id="{471A8AAD-AF4B-243E-85B5-E623D6535BB7}"/>
+              </a:ext>
+            </a:extLst>
+          </p:cNvPr>
+          <p:cNvSpPr txBox="1"/>
+          <p:nvPr/>
+        </p:nvSpPr>
+        <p:spPr>
+          <a:xfrm rot="16200000">
+            <a:off x="5987289" y="2974577"/>
+            <a:ext cx="1734770" cy="369332"/>
+          </a:xfrm>
+          <a:prstGeom prst="rect">
+            <a:avLst/>
+          </a:prstGeom>
+          <a:noFill/>
+        </p:spPr>
+        <p:txBody>
+          <a:bodyPr wrap="none" rtlCol="0">
+            <a:spAutoFit/>
+          </a:bodyPr>
+          <a:lstStyle/>
+          <a:p>
+            <a:r>
+              <a:rPr lang="fr-FR" dirty="0"/>
+              <a:t>192.168.10.1/24</a:t>
+            </a:r>
+          </a:p>
+        </p:txBody>
+      </p:sp>
+      <p:cxnSp>
+        <p:nvCxnSpPr>
+          <p:cNvPr id="36" name="Connecteur droit 35">
+            <a:extLst>
+              <a:ext uri="{FF2B5EF4-FFF2-40B4-BE49-F238E27FC236}">
+                <a16:creationId xmlns:a16="http://schemas.microsoft.com/office/drawing/2014/main" id="{A6E0ABBB-7FDC-529A-4635-4A159141FB2A}"/>
+              </a:ext>
+            </a:extLst>
+          </p:cNvPr>
+          <p:cNvCxnSpPr>
+            <a:cxnSpLocks/>
+          </p:cNvCxnSpPr>
+          <p:nvPr/>
+        </p:nvCxnSpPr>
+        <p:spPr>
+          <a:xfrm>
+            <a:off x="7098597" y="3001147"/>
+            <a:ext cx="2703896" cy="0"/>
+          </a:xfrm>
+          <a:prstGeom prst="line">
+            <a:avLst/>
+          </a:prstGeom>
+        </p:spPr>
+        <p:style>
+          <a:lnRef idx="1">
+            <a:schemeClr val="accent1"/>
+          </a:lnRef>
+          <a:fillRef idx="0">
+            <a:schemeClr val="accent1"/>
+          </a:fillRef>
+          <a:effectRef idx="0">
+            <a:schemeClr val="accent1"/>
+          </a:effectRef>
+          <a:fontRef idx="minor">
+            <a:schemeClr val="tx1"/>
+          </a:fontRef>
+        </p:style>
+      </p:cxnSp>
+      <p:sp>
+        <p:nvSpPr>
+          <p:cNvPr id="37" name="ZoneTexte 36">
+            <a:extLst>
+              <a:ext uri="{FF2B5EF4-FFF2-40B4-BE49-F238E27FC236}">
+                <a16:creationId xmlns:a16="http://schemas.microsoft.com/office/drawing/2014/main" id="{4AA87572-5B63-3996-3586-9AA16C9CB895}"/>
+              </a:ext>
+            </a:extLst>
+          </p:cNvPr>
+          <p:cNvSpPr txBox="1"/>
+          <p:nvPr/>
+        </p:nvSpPr>
+        <p:spPr>
+          <a:xfrm>
+            <a:off x="10003078" y="2347497"/>
+            <a:ext cx="538930" cy="369332"/>
+          </a:xfrm>
+          <a:prstGeom prst="rect">
+            <a:avLst/>
+          </a:prstGeom>
+          <a:noFill/>
+        </p:spPr>
+        <p:txBody>
+          <a:bodyPr wrap="none" rtlCol="0">
+            <a:spAutoFit/>
+          </a:bodyPr>
+          <a:lstStyle/>
+          <a:p>
+            <a:r>
+              <a:rPr lang="fr-FR" dirty="0"/>
+              <a:t>X26</a:t>
+            </a:r>
+          </a:p>
+        </p:txBody>
+      </p:sp>
+      <p:sp>
+        <p:nvSpPr>
+          <p:cNvPr id="38" name="ZoneTexte 37">
+            <a:extLst>
+              <a:ext uri="{FF2B5EF4-FFF2-40B4-BE49-F238E27FC236}">
+                <a16:creationId xmlns:a16="http://schemas.microsoft.com/office/drawing/2014/main" id="{149CB5B1-19FD-5067-DEE5-FF937BEC4D13}"/>
+              </a:ext>
+            </a:extLst>
+          </p:cNvPr>
+          <p:cNvSpPr txBox="1"/>
+          <p:nvPr/>
+        </p:nvSpPr>
+        <p:spPr>
+          <a:xfrm>
+            <a:off x="7774720" y="2434811"/>
+            <a:ext cx="481222" cy="369332"/>
+          </a:xfrm>
+          <a:prstGeom prst="rect">
+            <a:avLst/>
+          </a:prstGeom>
+          <a:noFill/>
+        </p:spPr>
+        <p:txBody>
+          <a:bodyPr wrap="none" rtlCol="0">
+            <a:spAutoFit/>
+          </a:bodyPr>
+          <a:lstStyle/>
+          <a:p>
+            <a:r>
+              <a:rPr lang="fr-FR" dirty="0" err="1"/>
+              <a:t>RPi</a:t>
+            </a:r>
+            <a:endParaRPr lang="fr-FR" dirty="0"/>
+          </a:p>
+        </p:txBody>
+      </p:sp>
+      <p:pic>
+        <p:nvPicPr>
+          <p:cNvPr id="39" name="Image 38">
+            <a:extLst>
+              <a:ext uri="{FF2B5EF4-FFF2-40B4-BE49-F238E27FC236}">
+                <a16:creationId xmlns:a16="http://schemas.microsoft.com/office/drawing/2014/main" id="{C8FD6DC0-DAC5-7F6E-6215-DD49C988552A}"/>
+              </a:ext>
+            </a:extLst>
+          </p:cNvPr>
+          <p:cNvPicPr>
+            <a:picLocks noChangeAspect="1"/>
+          </p:cNvPicPr>
+          <p:nvPr/>
+        </p:nvPicPr>
+        <p:blipFill>
+          <a:blip r:embed="rId3"/>
+          <a:stretch>
+            <a:fillRect/>
+          </a:stretch>
+        </p:blipFill>
+        <p:spPr>
+          <a:xfrm>
+            <a:off x="3475158" y="1913164"/>
+            <a:ext cx="1026860" cy="1515836"/>
+          </a:xfrm>
+          <a:prstGeom prst="rect">
+            <a:avLst/>
+          </a:prstGeom>
+        </p:spPr>
+      </p:pic>
+      <p:cxnSp>
+        <p:nvCxnSpPr>
+          <p:cNvPr id="46" name="Connecteur droit 45">
+            <a:extLst>
+              <a:ext uri="{FF2B5EF4-FFF2-40B4-BE49-F238E27FC236}">
+                <a16:creationId xmlns:a16="http://schemas.microsoft.com/office/drawing/2014/main" id="{BAB6631D-7CD4-8BA6-B456-0AD527419169}"/>
+              </a:ext>
+            </a:extLst>
+          </p:cNvPr>
+          <p:cNvCxnSpPr>
+            <a:cxnSpLocks/>
+            <a:stCxn id="7" idx="2"/>
+            <a:endCxn id="39" idx="1"/>
+          </p:cNvCxnSpPr>
+          <p:nvPr/>
+        </p:nvCxnSpPr>
+        <p:spPr>
+          <a:xfrm flipV="1">
+            <a:off x="2978932" y="2671082"/>
+            <a:ext cx="496226" cy="1366653"/>
+          </a:xfrm>
+          <a:prstGeom prst="line">
+            <a:avLst/>
+          </a:prstGeom>
+        </p:spPr>
+        <p:style>
+          <a:lnRef idx="1">
+            <a:schemeClr val="accent1"/>
+          </a:lnRef>
+          <a:fillRef idx="0">
+            <a:schemeClr val="accent1"/>
+          </a:fillRef>
+          <a:effectRef idx="0">
+            <a:schemeClr val="accent1"/>
+          </a:effectRef>
+          <a:fontRef idx="minor">
+            <a:schemeClr val="tx1"/>
+          </a:fontRef>
+        </p:style>
+      </p:cxnSp>
+      <p:sp>
+        <p:nvSpPr>
+          <p:cNvPr id="7" name="ZoneTexte 6">
+            <a:extLst>
+              <a:ext uri="{FF2B5EF4-FFF2-40B4-BE49-F238E27FC236}">
+                <a16:creationId xmlns:a16="http://schemas.microsoft.com/office/drawing/2014/main" id="{760FD2D8-D82C-1759-BDC4-2EA76B4D5451}"/>
+              </a:ext>
+            </a:extLst>
+          </p:cNvPr>
+          <p:cNvSpPr txBox="1"/>
+          <p:nvPr/>
+        </p:nvSpPr>
+        <p:spPr>
+          <a:xfrm rot="16200000">
+            <a:off x="1985390" y="3853069"/>
+            <a:ext cx="1617751" cy="369332"/>
+          </a:xfrm>
+          <a:prstGeom prst="rect">
+            <a:avLst/>
+          </a:prstGeom>
+          <a:noFill/>
+        </p:spPr>
+        <p:txBody>
+          <a:bodyPr wrap="none" rtlCol="0">
+            <a:spAutoFit/>
+          </a:bodyPr>
+          <a:lstStyle/>
+          <a:p>
+            <a:r>
+              <a:rPr lang="fr-FR" dirty="0"/>
+              <a:t>192.168.1.1/24</a:t>
+            </a:r>
+          </a:p>
+        </p:txBody>
+      </p:sp>
+    </p:spTree>
+    <p:extLst>
+      <p:ext uri="{BB962C8B-B14F-4D97-AF65-F5344CB8AC3E}">
+        <p14:creationId xmlns:p14="http://schemas.microsoft.com/office/powerpoint/2010/main" val="1043886899"/>
+      </p:ext>
+    </p:extLst>
+  </p:cSld>
+  <p:clrMapOvr>
+    <a:masterClrMapping/>
+  </p:clrMapOvr>
+</p:sld>
+</file>
+
+<file path=ppt/slides/slide5.xml><?xml version="1.0" encoding="utf-8"?>
+<p:sld xmlns:a="http://schemas.openxmlformats.org/drawingml/2006/main" xmlns:r="http://schemas.openxmlformats.org/officeDocument/2006/relationships" xmlns:p="http://schemas.openxmlformats.org/presentationml/2006/main">
+  <p:cSld>
+    <p:spTree>
+      <p:nvGrpSpPr>
+        <p:cNvPr id="1" name=""/>
+        <p:cNvGrpSpPr/>
+        <p:nvPr/>
+      </p:nvGrpSpPr>
+      <p:grpSpPr>
+        <a:xfrm>
+          <a:off x="0" y="0"/>
+          <a:ext cx="0" cy="0"/>
+          <a:chOff x="0" y="0"/>
+          <a:chExt cx="0" cy="0"/>
+        </a:xfrm>
+      </p:grpSpPr>
+      <p:sp>
+        <p:nvSpPr>
+          <p:cNvPr id="2" name="Titre 1">
+            <a:extLst>
+              <a:ext uri="{FF2B5EF4-FFF2-40B4-BE49-F238E27FC236}">
                 <a16:creationId xmlns:a16="http://schemas.microsoft.com/office/drawing/2014/main" id="{48CB7FAE-F3F3-4C9C-48BD-39EBB588B21F}"/>
               </a:ext>
             </a:extLst>
@@ -11432,7 +15151,7 @@
 </p:sld>
 </file>
 
-<file path=ppt/slides/slide4.xml><?xml version="1.0" encoding="utf-8"?>
+<file path=ppt/slides/slide6.xml><?xml version="1.0" encoding="utf-8"?>
 <p:sld xmlns:a="http://schemas.openxmlformats.org/drawingml/2006/main" xmlns:r="http://schemas.openxmlformats.org/officeDocument/2006/relationships" xmlns:p="http://schemas.openxmlformats.org/presentationml/2006/main">
   <p:cSld>
     <p:spTree>
@@ -11590,7 +15309,7 @@
 </p:sld>
 </file>
 
-<file path=ppt/slides/slide5.xml><?xml version="1.0" encoding="utf-8"?>
+<file path=ppt/slides/slide7.xml><?xml version="1.0" encoding="utf-8"?>
 <p:sld xmlns:a="http://schemas.openxmlformats.org/drawingml/2006/main" xmlns:r="http://schemas.openxmlformats.org/officeDocument/2006/relationships" xmlns:p="http://schemas.openxmlformats.org/presentationml/2006/main">
   <p:cSld>
     <p:spTree>
@@ -11891,7 +15610,7 @@
 </p:sld>
 </file>
 
-<file path=ppt/slides/slide6.xml><?xml version="1.0" encoding="utf-8"?>
+<file path=ppt/slides/slide8.xml><?xml version="1.0" encoding="utf-8"?>
 <p:sld xmlns:a="http://schemas.openxmlformats.org/drawingml/2006/main" xmlns:r="http://schemas.openxmlformats.org/officeDocument/2006/relationships" xmlns:p="http://schemas.openxmlformats.org/presentationml/2006/main">
   <p:cSld>
     <p:spTree>
@@ -12261,7 +15980,7 @@
 </p:sld>
 </file>
 
-<file path=ppt/slides/slide7.xml><?xml version="1.0" encoding="utf-8"?>
+<file path=ppt/slides/slide9.xml><?xml version="1.0" encoding="utf-8"?>
 <p:sld xmlns:a="http://schemas.openxmlformats.org/drawingml/2006/main" xmlns:r="http://schemas.openxmlformats.org/officeDocument/2006/relationships" xmlns:p="http://schemas.openxmlformats.org/presentationml/2006/main">
   <p:cSld>
     <p:spTree>
@@ -12555,494 +16274,6 @@
     <p:extLst>
       <p:ext uri="{BB962C8B-B14F-4D97-AF65-F5344CB8AC3E}">
         <p14:creationId xmlns:p14="http://schemas.microsoft.com/office/powerpoint/2010/main" val="491612763"/>
-      </p:ext>
-    </p:extLst>
-  </p:cSld>
-  <p:clrMapOvr>
-    <a:masterClrMapping/>
-  </p:clrMapOvr>
-</p:sld>
-</file>
-
-<file path=ppt/slides/slide8.xml><?xml version="1.0" encoding="utf-8"?>
-<p:sld xmlns:a="http://schemas.openxmlformats.org/drawingml/2006/main" xmlns:r="http://schemas.openxmlformats.org/officeDocument/2006/relationships" xmlns:p="http://schemas.openxmlformats.org/presentationml/2006/main">
-  <p:cSld>
-    <p:spTree>
-      <p:nvGrpSpPr>
-        <p:cNvPr id="1" name=""/>
-        <p:cNvGrpSpPr/>
-        <p:nvPr/>
-      </p:nvGrpSpPr>
-      <p:grpSpPr>
-        <a:xfrm>
-          <a:off x="0" y="0"/>
-          <a:ext cx="0" cy="0"/>
-          <a:chOff x="0" y="0"/>
-          <a:chExt cx="0" cy="0"/>
-        </a:xfrm>
-      </p:grpSpPr>
-      <p:sp>
-        <p:nvSpPr>
-          <p:cNvPr id="2" name="Titre 1">
-            <a:extLst>
-              <a:ext uri="{FF2B5EF4-FFF2-40B4-BE49-F238E27FC236}">
-                <a16:creationId xmlns:a16="http://schemas.microsoft.com/office/drawing/2014/main" id="{84879000-F87B-E4F1-EDA7-E630DAE221AF}"/>
-              </a:ext>
-            </a:extLst>
-          </p:cNvPr>
-          <p:cNvSpPr>
-            <a:spLocks noGrp="1"/>
-          </p:cNvSpPr>
-          <p:nvPr>
-            <p:ph type="title"/>
-          </p:nvPr>
-        </p:nvSpPr>
-        <p:spPr/>
-        <p:txBody>
-          <a:bodyPr/>
-          <a:lstStyle/>
-          <a:p>
-            <a:r>
-              <a:rPr lang="fr-FR" dirty="0"/>
-              <a:t>Matériel</a:t>
-            </a:r>
-          </a:p>
-        </p:txBody>
-      </p:sp>
-      <p:sp>
-        <p:nvSpPr>
-          <p:cNvPr id="3" name="Espace réservé du contenu 2">
-            <a:extLst>
-              <a:ext uri="{FF2B5EF4-FFF2-40B4-BE49-F238E27FC236}">
-                <a16:creationId xmlns:a16="http://schemas.microsoft.com/office/drawing/2014/main" id="{B23F1D09-D3FA-EDEE-E62D-4B0BA5CAE0B7}"/>
-              </a:ext>
-            </a:extLst>
-          </p:cNvPr>
-          <p:cNvSpPr>
-            <a:spLocks noGrp="1"/>
-          </p:cNvSpPr>
-          <p:nvPr>
-            <p:ph idx="1"/>
-          </p:nvPr>
-        </p:nvSpPr>
-        <p:spPr/>
-        <p:txBody>
-          <a:bodyPr>
-            <a:normAutofit/>
-          </a:bodyPr>
-          <a:lstStyle/>
-          <a:p>
-            <a:r>
-              <a:rPr lang="fr-FR" dirty="0"/>
-              <a:t>HUB : Couche 2</a:t>
-            </a:r>
-          </a:p>
-          <a:p>
-            <a:r>
-              <a:rPr lang="fr-FR" dirty="0"/>
-              <a:t>SWITCH : Couche 3</a:t>
-            </a:r>
-          </a:p>
-          <a:p>
-            <a:r>
-              <a:rPr lang="fr-FR" dirty="0"/>
-              <a:t>Firewall/Routeur : Toutes les couches</a:t>
-            </a:r>
-          </a:p>
-          <a:p>
-            <a:pPr lvl="1"/>
-            <a:endParaRPr lang="fr-FR" dirty="0"/>
-          </a:p>
-          <a:p>
-            <a:pPr marL="0" indent="0">
-              <a:buNone/>
-            </a:pPr>
-            <a:endParaRPr lang="fr-FR" sz="2400" dirty="0"/>
-          </a:p>
-          <a:p>
-            <a:pPr marL="0" indent="0">
-              <a:buNone/>
-            </a:pPr>
-            <a:endParaRPr lang="fr-FR" dirty="0"/>
-          </a:p>
-          <a:p>
-            <a:pPr marL="0" indent="0">
-              <a:buNone/>
-            </a:pPr>
-            <a:endParaRPr lang="fr-FR" dirty="0"/>
-          </a:p>
-          <a:p>
-            <a:pPr marL="0" indent="0">
-              <a:buNone/>
-            </a:pPr>
-            <a:endParaRPr lang="fr-FR" dirty="0"/>
-          </a:p>
-          <a:p>
-            <a:pPr marL="0" indent="0">
-              <a:buNone/>
-            </a:pPr>
-            <a:endParaRPr lang="fr-FR" dirty="0"/>
-          </a:p>
-        </p:txBody>
-      </p:sp>
-      <p:pic>
-        <p:nvPicPr>
-          <p:cNvPr id="4" name="Image 3">
-            <a:extLst>
-              <a:ext uri="{FF2B5EF4-FFF2-40B4-BE49-F238E27FC236}">
-                <a16:creationId xmlns:a16="http://schemas.microsoft.com/office/drawing/2014/main" id="{C736F3A7-1CC9-4DE4-7E3D-52AEAC04D557}"/>
-              </a:ext>
-            </a:extLst>
-          </p:cNvPr>
-          <p:cNvPicPr>
-            <a:picLocks noChangeAspect="1"/>
-          </p:cNvPicPr>
-          <p:nvPr/>
-        </p:nvPicPr>
-        <p:blipFill>
-          <a:blip r:embed="rId3">
-            <a:extLst>
-              <a:ext uri="{28A0092B-C50C-407E-A947-70E740481C1C}">
-                <a14:useLocalDpi xmlns:a14="http://schemas.microsoft.com/office/drawing/2010/main" val="0"/>
-              </a:ext>
-            </a:extLst>
-          </a:blip>
-          <a:stretch>
-            <a:fillRect/>
-          </a:stretch>
-        </p:blipFill>
-        <p:spPr>
-          <a:xfrm>
-            <a:off x="259474" y="6154384"/>
-            <a:ext cx="1675204" cy="519313"/>
-          </a:xfrm>
-          <a:prstGeom prst="rect">
-            <a:avLst/>
-          </a:prstGeom>
-        </p:spPr>
-      </p:pic>
-      <p:pic>
-        <p:nvPicPr>
-          <p:cNvPr id="6" name="Image 5">
-            <a:extLst>
-              <a:ext uri="{FF2B5EF4-FFF2-40B4-BE49-F238E27FC236}">
-                <a16:creationId xmlns:a16="http://schemas.microsoft.com/office/drawing/2014/main" id="{A2C876D8-37A5-C480-FD53-F56891D060E4}"/>
-              </a:ext>
-            </a:extLst>
-          </p:cNvPr>
-          <p:cNvPicPr>
-            <a:picLocks noChangeAspect="1"/>
-          </p:cNvPicPr>
-          <p:nvPr/>
-        </p:nvPicPr>
-        <p:blipFill>
-          <a:blip r:embed="rId4">
-            <a:extLst>
-              <a:ext uri="{28A0092B-C50C-407E-A947-70E740481C1C}">
-                <a14:useLocalDpi xmlns:a14="http://schemas.microsoft.com/office/drawing/2010/main" val="0"/>
-              </a:ext>
-            </a:extLst>
-          </a:blip>
-          <a:stretch>
-            <a:fillRect/>
-          </a:stretch>
-        </p:blipFill>
-        <p:spPr>
-          <a:xfrm>
-            <a:off x="9374589" y="294880"/>
-            <a:ext cx="2372294" cy="2791616"/>
-          </a:xfrm>
-          <a:prstGeom prst="rect">
-            <a:avLst/>
-          </a:prstGeom>
-        </p:spPr>
-      </p:pic>
-      <p:pic>
-        <p:nvPicPr>
-          <p:cNvPr id="7" name="Image 6" descr="Une image contenant équipement électronique&#10;&#10;Description générée automatiquement">
-            <a:extLst>
-              <a:ext uri="{FF2B5EF4-FFF2-40B4-BE49-F238E27FC236}">
-                <a16:creationId xmlns:a16="http://schemas.microsoft.com/office/drawing/2014/main" id="{42F7A123-3209-9A8D-06A3-08B709E4BE79}"/>
-              </a:ext>
-            </a:extLst>
-          </p:cNvPr>
-          <p:cNvPicPr>
-            <a:picLocks noChangeAspect="1"/>
-          </p:cNvPicPr>
-          <p:nvPr/>
-        </p:nvPicPr>
-        <p:blipFill>
-          <a:blip r:embed="rId5">
-            <a:extLst>
-              <a:ext uri="{28A0092B-C50C-407E-A947-70E740481C1C}">
-                <a14:useLocalDpi xmlns:a14="http://schemas.microsoft.com/office/drawing/2010/main" val="0"/>
-              </a:ext>
-            </a:extLst>
-          </a:blip>
-          <a:stretch>
-            <a:fillRect/>
-          </a:stretch>
-        </p:blipFill>
-        <p:spPr>
-          <a:xfrm>
-            <a:off x="6682416" y="3429000"/>
-            <a:ext cx="5181042" cy="2426855"/>
-          </a:xfrm>
-          <a:prstGeom prst="rect">
-            <a:avLst/>
-          </a:prstGeom>
-        </p:spPr>
-      </p:pic>
-      <p:pic>
-        <p:nvPicPr>
-          <p:cNvPr id="8" name="Image 7" descr="Une image contenant texte, musique&#10;&#10;Description générée automatiquement">
-            <a:extLst>
-              <a:ext uri="{FF2B5EF4-FFF2-40B4-BE49-F238E27FC236}">
-                <a16:creationId xmlns:a16="http://schemas.microsoft.com/office/drawing/2014/main" id="{B1756481-BA47-C67F-0D1F-70B16E30FBFE}"/>
-              </a:ext>
-            </a:extLst>
-          </p:cNvPr>
-          <p:cNvPicPr>
-            <a:picLocks noChangeAspect="1"/>
-          </p:cNvPicPr>
-          <p:nvPr/>
-        </p:nvPicPr>
-        <p:blipFill>
-          <a:blip r:embed="rId6">
-            <a:extLst>
-              <a:ext uri="{28A0092B-C50C-407E-A947-70E740481C1C}">
-                <a14:useLocalDpi xmlns:a14="http://schemas.microsoft.com/office/drawing/2010/main" val="0"/>
-              </a:ext>
-            </a:extLst>
-          </a:blip>
-          <a:stretch>
-            <a:fillRect/>
-          </a:stretch>
-        </p:blipFill>
-        <p:spPr>
-          <a:xfrm>
-            <a:off x="1934678" y="3911045"/>
-            <a:ext cx="3472874" cy="1944810"/>
-          </a:xfrm>
-          <a:prstGeom prst="rect">
-            <a:avLst/>
-          </a:prstGeom>
-        </p:spPr>
-      </p:pic>
-    </p:spTree>
-    <p:extLst>
-      <p:ext uri="{BB962C8B-B14F-4D97-AF65-F5344CB8AC3E}">
-        <p14:creationId xmlns:p14="http://schemas.microsoft.com/office/powerpoint/2010/main" val="1461841320"/>
-      </p:ext>
-    </p:extLst>
-  </p:cSld>
-  <p:clrMapOvr>
-    <a:masterClrMapping/>
-  </p:clrMapOvr>
-</p:sld>
-</file>
-
-<file path=ppt/slides/slide9.xml><?xml version="1.0" encoding="utf-8"?>
-<p:sld xmlns:a="http://schemas.openxmlformats.org/drawingml/2006/main" xmlns:r="http://schemas.openxmlformats.org/officeDocument/2006/relationships" xmlns:p="http://schemas.openxmlformats.org/presentationml/2006/main">
-  <p:cSld>
-    <p:spTree>
-      <p:nvGrpSpPr>
-        <p:cNvPr id="1" name=""/>
-        <p:cNvGrpSpPr/>
-        <p:nvPr/>
-      </p:nvGrpSpPr>
-      <p:grpSpPr>
-        <a:xfrm>
-          <a:off x="0" y="0"/>
-          <a:ext cx="0" cy="0"/>
-          <a:chOff x="0" y="0"/>
-          <a:chExt cx="0" cy="0"/>
-        </a:xfrm>
-      </p:grpSpPr>
-      <p:sp>
-        <p:nvSpPr>
-          <p:cNvPr id="2" name="Titre 1">
-            <a:extLst>
-              <a:ext uri="{FF2B5EF4-FFF2-40B4-BE49-F238E27FC236}">
-                <a16:creationId xmlns:a16="http://schemas.microsoft.com/office/drawing/2014/main" id="{C5043ED2-81F2-6A57-E62B-245ECA8237B3}"/>
-              </a:ext>
-            </a:extLst>
-          </p:cNvPr>
-          <p:cNvSpPr>
-            <a:spLocks noGrp="1"/>
-          </p:cNvSpPr>
-          <p:nvPr>
-            <p:ph type="title"/>
-          </p:nvPr>
-        </p:nvSpPr>
-        <p:spPr/>
-        <p:txBody>
-          <a:bodyPr/>
-          <a:lstStyle/>
-          <a:p>
-            <a:r>
-              <a:rPr lang="fr-FR" dirty="0"/>
-              <a:t>Couche Réseau</a:t>
-            </a:r>
-          </a:p>
-        </p:txBody>
-      </p:sp>
-      <p:sp>
-        <p:nvSpPr>
-          <p:cNvPr id="3" name="Espace réservé du texte 2">
-            <a:extLst>
-              <a:ext uri="{FF2B5EF4-FFF2-40B4-BE49-F238E27FC236}">
-                <a16:creationId xmlns:a16="http://schemas.microsoft.com/office/drawing/2014/main" id="{52351BCF-26D8-991A-A104-19A66B599DD5}"/>
-              </a:ext>
-            </a:extLst>
-          </p:cNvPr>
-          <p:cNvSpPr>
-            <a:spLocks noGrp="1"/>
-          </p:cNvSpPr>
-          <p:nvPr>
-            <p:ph type="body" idx="1"/>
-          </p:nvPr>
-        </p:nvSpPr>
-        <p:spPr/>
-        <p:txBody>
-          <a:bodyPr/>
-          <a:lstStyle/>
-          <a:p>
-            <a:r>
-              <a:rPr lang="fr-FR" dirty="0"/>
-              <a:t>IPV6</a:t>
-            </a:r>
-          </a:p>
-        </p:txBody>
-      </p:sp>
-      <p:pic>
-        <p:nvPicPr>
-          <p:cNvPr id="4" name="Image 3">
-            <a:extLst>
-              <a:ext uri="{FF2B5EF4-FFF2-40B4-BE49-F238E27FC236}">
-                <a16:creationId xmlns:a16="http://schemas.microsoft.com/office/drawing/2014/main" id="{7D5CAAE2-A607-881E-6517-72A27C9BFC58}"/>
-              </a:ext>
-            </a:extLst>
-          </p:cNvPr>
-          <p:cNvPicPr>
-            <a:picLocks noChangeAspect="1"/>
-          </p:cNvPicPr>
-          <p:nvPr/>
-        </p:nvPicPr>
-        <p:blipFill>
-          <a:blip r:embed="rId2">
-            <a:extLst>
-              <a:ext uri="{28A0092B-C50C-407E-A947-70E740481C1C}">
-                <a14:useLocalDpi xmlns:a14="http://schemas.microsoft.com/office/drawing/2010/main" val="0"/>
-              </a:ext>
-            </a:extLst>
-          </a:blip>
-          <a:stretch>
-            <a:fillRect/>
-          </a:stretch>
-        </p:blipFill>
-        <p:spPr>
-          <a:xfrm>
-            <a:off x="259474" y="6154384"/>
-            <a:ext cx="1675204" cy="519313"/>
-          </a:xfrm>
-          <a:prstGeom prst="rect">
-            <a:avLst/>
-          </a:prstGeom>
-        </p:spPr>
-      </p:pic>
-      <p:pic>
-        <p:nvPicPr>
-          <p:cNvPr id="5" name="Image 4">
-            <a:extLst>
-              <a:ext uri="{FF2B5EF4-FFF2-40B4-BE49-F238E27FC236}">
-                <a16:creationId xmlns:a16="http://schemas.microsoft.com/office/drawing/2014/main" id="{43C0F8CC-0304-2975-6CC6-5D369C364821}"/>
-              </a:ext>
-            </a:extLst>
-          </p:cNvPr>
-          <p:cNvPicPr>
-            <a:picLocks noChangeAspect="1"/>
-          </p:cNvPicPr>
-          <p:nvPr/>
-        </p:nvPicPr>
-        <p:blipFill>
-          <a:blip r:embed="rId3">
-            <a:extLst>
-              <a:ext uri="{28A0092B-C50C-407E-A947-70E740481C1C}">
-                <a14:useLocalDpi xmlns:a14="http://schemas.microsoft.com/office/drawing/2010/main" val="0"/>
-              </a:ext>
-            </a:extLst>
-          </a:blip>
-          <a:stretch>
-            <a:fillRect/>
-          </a:stretch>
-        </p:blipFill>
-        <p:spPr>
-          <a:xfrm>
-            <a:off x="7358135" y="922338"/>
-            <a:ext cx="4391143" cy="5167312"/>
-          </a:xfrm>
-          <a:prstGeom prst="rect">
-            <a:avLst/>
-          </a:prstGeom>
-        </p:spPr>
-      </p:pic>
-      <p:sp>
-        <p:nvSpPr>
-          <p:cNvPr id="6" name="Rectangle 5">
-            <a:extLst>
-              <a:ext uri="{FF2B5EF4-FFF2-40B4-BE49-F238E27FC236}">
-                <a16:creationId xmlns:a16="http://schemas.microsoft.com/office/drawing/2014/main" id="{D2A38D7A-4EE8-C7E9-0BA0-52DE89264C42}"/>
-              </a:ext>
-            </a:extLst>
-          </p:cNvPr>
-          <p:cNvSpPr/>
-          <p:nvPr/>
-        </p:nvSpPr>
-        <p:spPr>
-          <a:xfrm>
-            <a:off x="8117007" y="3846038"/>
-            <a:ext cx="3431357" cy="716437"/>
-          </a:xfrm>
-          <a:prstGeom prst="rect">
-            <a:avLst/>
-          </a:prstGeom>
-          <a:noFill/>
-          <a:ln w="57150">
-            <a:solidFill>
-              <a:srgbClr val="FF0000"/>
-            </a:solidFill>
-          </a:ln>
-        </p:spPr>
-        <p:style>
-          <a:lnRef idx="2">
-            <a:schemeClr val="accent1">
-              <a:shade val="50000"/>
-            </a:schemeClr>
-          </a:lnRef>
-          <a:fillRef idx="1">
-            <a:schemeClr val="accent1"/>
-          </a:fillRef>
-          <a:effectRef idx="0">
-            <a:schemeClr val="accent1"/>
-          </a:effectRef>
-          <a:fontRef idx="minor">
-            <a:schemeClr val="lt1"/>
-          </a:fontRef>
-        </p:style>
-        <p:txBody>
-          <a:bodyPr rtlCol="0" anchor="ctr"/>
-          <a:lstStyle/>
-          <a:p>
-            <a:pPr algn="ctr"/>
-            <a:endParaRPr lang="fr-FR"/>
-          </a:p>
-        </p:txBody>
-      </p:sp>
-    </p:spTree>
-    <p:extLst>
-      <p:ext uri="{BB962C8B-B14F-4D97-AF65-F5344CB8AC3E}">
-        <p14:creationId xmlns:p14="http://schemas.microsoft.com/office/powerpoint/2010/main" val="2810393567"/>
       </p:ext>
     </p:extLst>
   </p:cSld>

--- a/01_CM/CM3 Réseaux Informatiques.pptx
+++ b/01_CM/CM3 Réseaux Informatiques.pptx
@@ -5,7 +5,7 @@
     <p:sldMasterId id="2147483648" r:id="rId1"/>
   </p:sldMasterIdLst>
   <p:notesMasterIdLst>
-    <p:notesMasterId r:id="rId37"/>
+    <p:notesMasterId r:id="rId40"/>
   </p:notesMasterIdLst>
   <p:sldIdLst>
     <p:sldId id="256" r:id="rId2"/>
@@ -41,8 +41,11 @@
     <p:sldId id="325" r:id="rId32"/>
     <p:sldId id="272" r:id="rId33"/>
     <p:sldId id="326" r:id="rId34"/>
-    <p:sldId id="273" r:id="rId35"/>
-    <p:sldId id="274" r:id="rId36"/>
+    <p:sldId id="337" r:id="rId35"/>
+    <p:sldId id="273" r:id="rId36"/>
+    <p:sldId id="274" r:id="rId37"/>
+    <p:sldId id="339" r:id="rId38"/>
+    <p:sldId id="338" r:id="rId39"/>
   </p:sldIdLst>
   <p:sldSz cx="12192000" cy="6858000"/>
   <p:notesSz cx="6858000" cy="9144000"/>
@@ -231,7 +234,7 @@
           <a:p>
             <a:fld id="{601F3737-FD25-4DA3-9DDE-A31E7FA8A5F0}" type="datetimeFigureOut">
               <a:rPr lang="fr-FR" smtClean="0"/>
-              <a:t>21/02/2023</a:t>
+              <a:t>22/02/2023</a:t>
             </a:fld>
             <a:endParaRPr lang="fr-FR"/>
           </a:p>
@@ -1750,7 +1753,7 @@
           <a:p>
             <a:fld id="{95BC48CA-3C1F-45E9-AF42-30C003A38B71}" type="slidenum">
               <a:rPr lang="fr-FR" smtClean="0"/>
-              <a:t>34</a:t>
+              <a:t>35</a:t>
             </a:fld>
             <a:endParaRPr lang="fr-FR"/>
           </a:p>
@@ -1820,12 +1823,8 @@
           </a:p>
           <a:p>
             <a:r>
-              <a:rPr lang="fr-FR" dirty="0" err="1"/>
-              <a:t>Reseau</a:t>
-            </a:r>
-            <a:r>
-              <a:rPr lang="fr-FR" dirty="0"/>
-              <a:t> : 10.0.0.0</a:t>
+              <a:rPr lang="fr-FR" dirty="0"/>
+              <a:t>Réseau : 10.0.0.0</a:t>
             </a:r>
           </a:p>
           <a:p>
@@ -2574,7 +2573,7 @@
           <a:p>
             <a:fld id="{449235ED-62CB-4048-8D5F-74D492A1C6D7}" type="datetimeFigureOut">
               <a:rPr lang="fr-FR" smtClean="0"/>
-              <a:t>21/02/2023</a:t>
+              <a:t>22/02/2023</a:t>
             </a:fld>
             <a:endParaRPr lang="fr-FR"/>
           </a:p>
@@ -2772,7 +2771,7 @@
           <a:p>
             <a:fld id="{449235ED-62CB-4048-8D5F-74D492A1C6D7}" type="datetimeFigureOut">
               <a:rPr lang="fr-FR" smtClean="0"/>
-              <a:t>21/02/2023</a:t>
+              <a:t>22/02/2023</a:t>
             </a:fld>
             <a:endParaRPr lang="fr-FR"/>
           </a:p>
@@ -2980,7 +2979,7 @@
           <a:p>
             <a:fld id="{449235ED-62CB-4048-8D5F-74D492A1C6D7}" type="datetimeFigureOut">
               <a:rPr lang="fr-FR" smtClean="0"/>
-              <a:t>21/02/2023</a:t>
+              <a:t>22/02/2023</a:t>
             </a:fld>
             <a:endParaRPr lang="fr-FR"/>
           </a:p>
@@ -3178,7 +3177,7 @@
           <a:p>
             <a:fld id="{449235ED-62CB-4048-8D5F-74D492A1C6D7}" type="datetimeFigureOut">
               <a:rPr lang="fr-FR" smtClean="0"/>
-              <a:t>21/02/2023</a:t>
+              <a:t>22/02/2023</a:t>
             </a:fld>
             <a:endParaRPr lang="fr-FR"/>
           </a:p>
@@ -3453,7 +3452,7 @@
           <a:p>
             <a:fld id="{449235ED-62CB-4048-8D5F-74D492A1C6D7}" type="datetimeFigureOut">
               <a:rPr lang="fr-FR" smtClean="0"/>
-              <a:t>21/02/2023</a:t>
+              <a:t>22/02/2023</a:t>
             </a:fld>
             <a:endParaRPr lang="fr-FR"/>
           </a:p>
@@ -3718,7 +3717,7 @@
           <a:p>
             <a:fld id="{449235ED-62CB-4048-8D5F-74D492A1C6D7}" type="datetimeFigureOut">
               <a:rPr lang="fr-FR" smtClean="0"/>
-              <a:t>21/02/2023</a:t>
+              <a:t>22/02/2023</a:t>
             </a:fld>
             <a:endParaRPr lang="fr-FR"/>
           </a:p>
@@ -4130,7 +4129,7 @@
           <a:p>
             <a:fld id="{449235ED-62CB-4048-8D5F-74D492A1C6D7}" type="datetimeFigureOut">
               <a:rPr lang="fr-FR" smtClean="0"/>
-              <a:t>21/02/2023</a:t>
+              <a:t>22/02/2023</a:t>
             </a:fld>
             <a:endParaRPr lang="fr-FR"/>
           </a:p>
@@ -4271,7 +4270,7 @@
           <a:p>
             <a:fld id="{449235ED-62CB-4048-8D5F-74D492A1C6D7}" type="datetimeFigureOut">
               <a:rPr lang="fr-FR" smtClean="0"/>
-              <a:t>21/02/2023</a:t>
+              <a:t>22/02/2023</a:t>
             </a:fld>
             <a:endParaRPr lang="fr-FR"/>
           </a:p>
@@ -4384,7 +4383,7 @@
           <a:p>
             <a:fld id="{449235ED-62CB-4048-8D5F-74D492A1C6D7}" type="datetimeFigureOut">
               <a:rPr lang="fr-FR" smtClean="0"/>
-              <a:t>21/02/2023</a:t>
+              <a:t>22/02/2023</a:t>
             </a:fld>
             <a:endParaRPr lang="fr-FR"/>
           </a:p>
@@ -4695,7 +4694,7 @@
           <a:p>
             <a:fld id="{449235ED-62CB-4048-8D5F-74D492A1C6D7}" type="datetimeFigureOut">
               <a:rPr lang="fr-FR" smtClean="0"/>
-              <a:t>21/02/2023</a:t>
+              <a:t>22/02/2023</a:t>
             </a:fld>
             <a:endParaRPr lang="fr-FR"/>
           </a:p>
@@ -4983,7 +4982,7 @@
           <a:p>
             <a:fld id="{449235ED-62CB-4048-8D5F-74D492A1C6D7}" type="datetimeFigureOut">
               <a:rPr lang="fr-FR" smtClean="0"/>
-              <a:t>21/02/2023</a:t>
+              <a:t>22/02/2023</a:t>
             </a:fld>
             <a:endParaRPr lang="fr-FR"/>
           </a:p>
@@ -5224,7 +5223,7 @@
           <a:p>
             <a:fld id="{449235ED-62CB-4048-8D5F-74D492A1C6D7}" type="datetimeFigureOut">
               <a:rPr lang="fr-FR" smtClean="0"/>
-              <a:t>21/02/2023</a:t>
+              <a:t>22/02/2023</a:t>
             </a:fld>
             <a:endParaRPr lang="fr-FR"/>
           </a:p>
@@ -13430,6 +13429,531 @@
           <a:p>
             <a:r>
               <a:rPr lang="fr-FR" dirty="0"/>
+              <a:t>VPN – Les possibilités</a:t>
+            </a:r>
+          </a:p>
+        </p:txBody>
+      </p:sp>
+      <p:pic>
+        <p:nvPicPr>
+          <p:cNvPr id="4" name="Image 3">
+            <a:extLst>
+              <a:ext uri="{FF2B5EF4-FFF2-40B4-BE49-F238E27FC236}">
+                <a16:creationId xmlns:a16="http://schemas.microsoft.com/office/drawing/2014/main" id="{C736F3A7-1CC9-4DE4-7E3D-52AEAC04D557}"/>
+              </a:ext>
+            </a:extLst>
+          </p:cNvPr>
+          <p:cNvPicPr>
+            <a:picLocks noChangeAspect="1"/>
+          </p:cNvPicPr>
+          <p:nvPr/>
+        </p:nvPicPr>
+        <p:blipFill>
+          <a:blip r:embed="rId2">
+            <a:extLst>
+              <a:ext uri="{28A0092B-C50C-407E-A947-70E740481C1C}">
+                <a14:useLocalDpi xmlns:a14="http://schemas.microsoft.com/office/drawing/2010/main" val="0"/>
+              </a:ext>
+            </a:extLst>
+          </a:blip>
+          <a:stretch>
+            <a:fillRect/>
+          </a:stretch>
+        </p:blipFill>
+        <p:spPr>
+          <a:xfrm>
+            <a:off x="259474" y="6154384"/>
+            <a:ext cx="1675204" cy="519313"/>
+          </a:xfrm>
+          <a:prstGeom prst="rect">
+            <a:avLst/>
+          </a:prstGeom>
+        </p:spPr>
+      </p:pic>
+      <p:pic>
+        <p:nvPicPr>
+          <p:cNvPr id="7" name="Picture 3">
+            <a:extLst>
+              <a:ext uri="{FF2B5EF4-FFF2-40B4-BE49-F238E27FC236}">
+                <a16:creationId xmlns:a16="http://schemas.microsoft.com/office/drawing/2014/main" id="{2615FC3A-112D-68B2-5BB0-F465B387C73A}"/>
+              </a:ext>
+            </a:extLst>
+          </p:cNvPr>
+          <p:cNvPicPr>
+            <a:picLocks noChangeAspect="1" noChangeArrowheads="1"/>
+          </p:cNvPicPr>
+          <p:nvPr/>
+        </p:nvPicPr>
+        <p:blipFill>
+          <a:blip r:embed="rId3">
+            <a:extLst>
+              <a:ext uri="{28A0092B-C50C-407E-A947-70E740481C1C}">
+                <a14:useLocalDpi xmlns:a14="http://schemas.microsoft.com/office/drawing/2010/main" val="0"/>
+              </a:ext>
+            </a:extLst>
+          </a:blip>
+          <a:srcRect/>
+          <a:stretch>
+            <a:fillRect/>
+          </a:stretch>
+        </p:blipFill>
+        <p:spPr bwMode="auto">
+          <a:xfrm>
+            <a:off x="3519632" y="4250702"/>
+            <a:ext cx="4838700" cy="1466850"/>
+          </a:xfrm>
+          <a:prstGeom prst="rect">
+            <a:avLst/>
+          </a:prstGeom>
+          <a:noFill/>
+          <a:ln>
+            <a:noFill/>
+          </a:ln>
+          <a:extLst>
+            <a:ext uri="{909E8E84-426E-40DD-AFC4-6F175D3DCCD1}">
+              <a14:hiddenFill xmlns:a14="http://schemas.microsoft.com/office/drawing/2010/main">
+                <a:solidFill>
+                  <a:schemeClr val="accent1"/>
+                </a:solidFill>
+              </a14:hiddenFill>
+            </a:ext>
+            <a:ext uri="{91240B29-F687-4F45-9708-019B960494DF}">
+              <a14:hiddenLine xmlns:a14="http://schemas.microsoft.com/office/drawing/2010/main" w="9525">
+                <a:solidFill>
+                  <a:schemeClr val="tx1"/>
+                </a:solidFill>
+                <a:miter lim="800000"/>
+                <a:headEnd/>
+                <a:tailEnd/>
+              </a14:hiddenLine>
+            </a:ext>
+          </a:extLst>
+        </p:spPr>
+      </p:pic>
+      <p:pic>
+        <p:nvPicPr>
+          <p:cNvPr id="8" name="Picture 2">
+            <a:extLst>
+              <a:ext uri="{FF2B5EF4-FFF2-40B4-BE49-F238E27FC236}">
+                <a16:creationId xmlns:a16="http://schemas.microsoft.com/office/drawing/2014/main" id="{A1CE2E1B-BA16-0EFE-EC31-405C354E53E7}"/>
+              </a:ext>
+            </a:extLst>
+          </p:cNvPr>
+          <p:cNvPicPr>
+            <a:picLocks noChangeAspect="1" noChangeArrowheads="1"/>
+          </p:cNvPicPr>
+          <p:nvPr/>
+        </p:nvPicPr>
+        <p:blipFill>
+          <a:blip r:embed="rId4">
+            <a:extLst>
+              <a:ext uri="{28A0092B-C50C-407E-A947-70E740481C1C}">
+                <a14:useLocalDpi xmlns:a14="http://schemas.microsoft.com/office/drawing/2010/main" val="0"/>
+              </a:ext>
+            </a:extLst>
+          </a:blip>
+          <a:srcRect/>
+          <a:stretch>
+            <a:fillRect/>
+          </a:stretch>
+        </p:blipFill>
+        <p:spPr bwMode="auto">
+          <a:xfrm>
+            <a:off x="1833707" y="1401214"/>
+            <a:ext cx="8210550" cy="2057400"/>
+          </a:xfrm>
+          <a:prstGeom prst="rect">
+            <a:avLst/>
+          </a:prstGeom>
+          <a:noFill/>
+          <a:ln>
+            <a:noFill/>
+          </a:ln>
+          <a:extLst>
+            <a:ext uri="{909E8E84-426E-40DD-AFC4-6F175D3DCCD1}">
+              <a14:hiddenFill xmlns:a14="http://schemas.microsoft.com/office/drawing/2010/main">
+                <a:solidFill>
+                  <a:schemeClr val="accent1"/>
+                </a:solidFill>
+              </a14:hiddenFill>
+            </a:ext>
+            <a:ext uri="{91240B29-F687-4F45-9708-019B960494DF}">
+              <a14:hiddenLine xmlns:a14="http://schemas.microsoft.com/office/drawing/2010/main" w="9525">
+                <a:solidFill>
+                  <a:schemeClr val="tx1"/>
+                </a:solidFill>
+                <a:miter lim="800000"/>
+                <a:headEnd/>
+                <a:tailEnd/>
+              </a14:hiddenLine>
+            </a:ext>
+          </a:extLst>
+        </p:spPr>
+      </p:pic>
+      <p:pic>
+        <p:nvPicPr>
+          <p:cNvPr id="9" name="Picture 2">
+            <a:extLst>
+              <a:ext uri="{FF2B5EF4-FFF2-40B4-BE49-F238E27FC236}">
+                <a16:creationId xmlns:a16="http://schemas.microsoft.com/office/drawing/2014/main" id="{052EA7A5-C47B-9872-8E9F-231255866F4A}"/>
+              </a:ext>
+            </a:extLst>
+          </p:cNvPr>
+          <p:cNvPicPr>
+            <a:picLocks noChangeAspect="1" noChangeArrowheads="1"/>
+          </p:cNvPicPr>
+          <p:nvPr/>
+        </p:nvPicPr>
+        <p:blipFill>
+          <a:blip r:embed="rId5">
+            <a:extLst>
+              <a:ext uri="{28A0092B-C50C-407E-A947-70E740481C1C}">
+                <a14:useLocalDpi xmlns:a14="http://schemas.microsoft.com/office/drawing/2010/main" val="0"/>
+              </a:ext>
+            </a:extLst>
+          </a:blip>
+          <a:srcRect/>
+          <a:stretch>
+            <a:fillRect/>
+          </a:stretch>
+        </p:blipFill>
+        <p:spPr bwMode="auto">
+          <a:xfrm>
+            <a:off x="4693310" y="2442352"/>
+            <a:ext cx="2415903" cy="366514"/>
+          </a:xfrm>
+          <a:prstGeom prst="rect">
+            <a:avLst/>
+          </a:prstGeom>
+          <a:noFill/>
+          <a:ln>
+            <a:noFill/>
+          </a:ln>
+          <a:extLst>
+            <a:ext uri="{909E8E84-426E-40DD-AFC4-6F175D3DCCD1}">
+              <a14:hiddenFill xmlns:a14="http://schemas.microsoft.com/office/drawing/2010/main">
+                <a:solidFill>
+                  <a:schemeClr val="accent1"/>
+                </a:solidFill>
+              </a14:hiddenFill>
+            </a:ext>
+            <a:ext uri="{91240B29-F687-4F45-9708-019B960494DF}">
+              <a14:hiddenLine xmlns:a14="http://schemas.microsoft.com/office/drawing/2010/main" w="9525">
+                <a:solidFill>
+                  <a:schemeClr val="tx1"/>
+                </a:solidFill>
+                <a:miter lim="800000"/>
+                <a:headEnd/>
+                <a:tailEnd/>
+              </a14:hiddenLine>
+            </a:ext>
+          </a:extLst>
+        </p:spPr>
+      </p:pic>
+      <p:sp>
+        <p:nvSpPr>
+          <p:cNvPr id="10" name="ZoneTexte 9">
+            <a:extLst>
+              <a:ext uri="{FF2B5EF4-FFF2-40B4-BE49-F238E27FC236}">
+                <a16:creationId xmlns:a16="http://schemas.microsoft.com/office/drawing/2014/main" id="{904803CD-DCAB-F223-5A5E-7593BB0D6C89}"/>
+              </a:ext>
+            </a:extLst>
+          </p:cNvPr>
+          <p:cNvSpPr txBox="1"/>
+          <p:nvPr/>
+        </p:nvSpPr>
+        <p:spPr>
+          <a:xfrm>
+            <a:off x="3202678" y="3277411"/>
+            <a:ext cx="5472608" cy="584775"/>
+          </a:xfrm>
+          <a:prstGeom prst="rect">
+            <a:avLst/>
+          </a:prstGeom>
+          <a:noFill/>
+        </p:spPr>
+        <p:txBody>
+          <a:bodyPr wrap="square" rtlCol="0">
+            <a:spAutoFit/>
+          </a:bodyPr>
+          <a:lstStyle/>
+          <a:p>
+            <a:pPr algn="ctr"/>
+            <a:r>
+              <a:rPr lang="fr-FR" sz="1600" dirty="0">
+                <a:latin typeface="Arial" panose="020B0604020202020204" pitchFamily="34" charset="0"/>
+                <a:cs typeface="Arial" panose="020B0604020202020204" pitchFamily="34" charset="0"/>
+              </a:rPr>
+              <a:t>VPN de site à site, dont le tunnel est géré par les routeurs </a:t>
+            </a:r>
+          </a:p>
+          <a:p>
+            <a:pPr algn="ctr"/>
+            <a:r>
+              <a:rPr lang="fr-FR" sz="1600" b="1" dirty="0" err="1">
+                <a:solidFill>
+                  <a:srgbClr val="943634"/>
+                </a:solidFill>
+                <a:latin typeface="Arial" panose="020B0604020202020204" pitchFamily="34" charset="0"/>
+                <a:cs typeface="Arial" panose="020B0604020202020204" pitchFamily="34" charset="0"/>
+              </a:rPr>
+              <a:t>IPsec</a:t>
+            </a:r>
+            <a:r>
+              <a:rPr lang="fr-FR" sz="1600" dirty="0">
+                <a:solidFill>
+                  <a:srgbClr val="943634"/>
+                </a:solidFill>
+                <a:latin typeface="Arial" panose="020B0604020202020204" pitchFamily="34" charset="0"/>
+                <a:cs typeface="Arial" panose="020B0604020202020204" pitchFamily="34" charset="0"/>
+              </a:rPr>
+              <a:t> </a:t>
+            </a:r>
+            <a:r>
+              <a:rPr lang="fr-FR" sz="1600" dirty="0">
+                <a:latin typeface="Arial" panose="020B0604020202020204" pitchFamily="34" charset="0"/>
+                <a:cs typeface="Arial" panose="020B0604020202020204" pitchFamily="34" charset="0"/>
+              </a:rPr>
+              <a:t>– au niveau de la couche Internet</a:t>
+            </a:r>
+          </a:p>
+        </p:txBody>
+      </p:sp>
+      <p:pic>
+        <p:nvPicPr>
+          <p:cNvPr id="11" name="Picture 2">
+            <a:extLst>
+              <a:ext uri="{FF2B5EF4-FFF2-40B4-BE49-F238E27FC236}">
+                <a16:creationId xmlns:a16="http://schemas.microsoft.com/office/drawing/2014/main" id="{C879CE6A-0207-C717-3DAB-C711A6F1E307}"/>
+              </a:ext>
+            </a:extLst>
+          </p:cNvPr>
+          <p:cNvPicPr>
+            <a:picLocks noChangeAspect="1" noChangeArrowheads="1"/>
+          </p:cNvPicPr>
+          <p:nvPr/>
+        </p:nvPicPr>
+        <p:blipFill>
+          <a:blip r:embed="rId6">
+            <a:extLst>
+              <a:ext uri="{28A0092B-C50C-407E-A947-70E740481C1C}">
+                <a14:useLocalDpi xmlns:a14="http://schemas.microsoft.com/office/drawing/2010/main" val="0"/>
+              </a:ext>
+            </a:extLst>
+          </a:blip>
+          <a:srcRect/>
+          <a:stretch>
+            <a:fillRect/>
+          </a:stretch>
+        </p:blipFill>
+        <p:spPr bwMode="auto">
+          <a:xfrm>
+            <a:off x="4570830" y="4872878"/>
+            <a:ext cx="2952328" cy="366514"/>
+          </a:xfrm>
+          <a:prstGeom prst="rect">
+            <a:avLst/>
+          </a:prstGeom>
+          <a:noFill/>
+          <a:ln>
+            <a:noFill/>
+          </a:ln>
+          <a:extLst>
+            <a:ext uri="{909E8E84-426E-40DD-AFC4-6F175D3DCCD1}">
+              <a14:hiddenFill xmlns:a14="http://schemas.microsoft.com/office/drawing/2010/main">
+                <a:solidFill>
+                  <a:schemeClr val="accent1"/>
+                </a:solidFill>
+              </a14:hiddenFill>
+            </a:ext>
+            <a:ext uri="{91240B29-F687-4F45-9708-019B960494DF}">
+              <a14:hiddenLine xmlns:a14="http://schemas.microsoft.com/office/drawing/2010/main" w="9525">
+                <a:solidFill>
+                  <a:schemeClr val="tx1"/>
+                </a:solidFill>
+                <a:miter lim="800000"/>
+                <a:headEnd/>
+                <a:tailEnd/>
+              </a14:hiddenLine>
+            </a:ext>
+          </a:extLst>
+        </p:spPr>
+      </p:pic>
+      <p:sp>
+        <p:nvSpPr>
+          <p:cNvPr id="12" name="ZoneTexte 11">
+            <a:extLst>
+              <a:ext uri="{FF2B5EF4-FFF2-40B4-BE49-F238E27FC236}">
+                <a16:creationId xmlns:a16="http://schemas.microsoft.com/office/drawing/2014/main" id="{B0B73FD7-6952-10B1-5BC5-E046A5189861}"/>
+              </a:ext>
+            </a:extLst>
+          </p:cNvPr>
+          <p:cNvSpPr txBox="1"/>
+          <p:nvPr/>
+        </p:nvSpPr>
+        <p:spPr>
+          <a:xfrm>
+            <a:off x="3058662" y="5734394"/>
+            <a:ext cx="5616624" cy="584775"/>
+          </a:xfrm>
+          <a:prstGeom prst="rect">
+            <a:avLst/>
+          </a:prstGeom>
+          <a:noFill/>
+        </p:spPr>
+        <p:txBody>
+          <a:bodyPr wrap="square" rtlCol="0">
+            <a:spAutoFit/>
+          </a:bodyPr>
+          <a:lstStyle/>
+          <a:p>
+            <a:pPr algn="ctr"/>
+            <a:r>
+              <a:rPr lang="fr-FR" sz="1600" dirty="0">
+                <a:latin typeface="Arial" panose="020B0604020202020204" pitchFamily="34" charset="0"/>
+                <a:cs typeface="Arial" panose="020B0604020202020204" pitchFamily="34" charset="0"/>
+              </a:rPr>
+              <a:t>VPN entre systèmes</a:t>
+            </a:r>
+          </a:p>
+          <a:p>
+            <a:pPr algn="ctr"/>
+            <a:r>
+              <a:rPr lang="fr-FR" sz="1600" b="1" dirty="0">
+                <a:solidFill>
+                  <a:srgbClr val="943634"/>
+                </a:solidFill>
+                <a:latin typeface="Arial" panose="020B0604020202020204" pitchFamily="34" charset="0"/>
+                <a:cs typeface="Arial" panose="020B0604020202020204" pitchFamily="34" charset="0"/>
+              </a:rPr>
+              <a:t>TLS</a:t>
+            </a:r>
+            <a:r>
+              <a:rPr lang="fr-FR" sz="1600" dirty="0">
+                <a:solidFill>
+                  <a:srgbClr val="943634"/>
+                </a:solidFill>
+                <a:latin typeface="Arial" panose="020B0604020202020204" pitchFamily="34" charset="0"/>
+                <a:cs typeface="Arial" panose="020B0604020202020204" pitchFamily="34" charset="0"/>
+              </a:rPr>
+              <a:t> </a:t>
+            </a:r>
+            <a:r>
+              <a:rPr lang="fr-FR" sz="1600" dirty="0">
+                <a:latin typeface="Arial" panose="020B0604020202020204" pitchFamily="34" charset="0"/>
+                <a:cs typeface="Arial" panose="020B0604020202020204" pitchFamily="34" charset="0"/>
+              </a:rPr>
+              <a:t>– au niveau de la couche Transport</a:t>
+            </a:r>
+          </a:p>
+        </p:txBody>
+      </p:sp>
+      <p:sp>
+        <p:nvSpPr>
+          <p:cNvPr id="13" name="ZoneTexte 12">
+            <a:extLst>
+              <a:ext uri="{FF2B5EF4-FFF2-40B4-BE49-F238E27FC236}">
+                <a16:creationId xmlns:a16="http://schemas.microsoft.com/office/drawing/2014/main" id="{2C0A51CF-854E-2B70-38D6-2E15AB880D5E}"/>
+              </a:ext>
+            </a:extLst>
+          </p:cNvPr>
+          <p:cNvSpPr txBox="1"/>
+          <p:nvPr/>
+        </p:nvSpPr>
+        <p:spPr>
+          <a:xfrm>
+            <a:off x="127682" y="6581001"/>
+            <a:ext cx="10318646" cy="276999"/>
+          </a:xfrm>
+          <a:prstGeom prst="rect">
+            <a:avLst/>
+          </a:prstGeom>
+          <a:noFill/>
+        </p:spPr>
+        <p:txBody>
+          <a:bodyPr wrap="square" rtlCol="0">
+            <a:spAutoFit/>
+          </a:bodyPr>
+          <a:lstStyle/>
+          <a:p>
+            <a:pPr algn="ctr"/>
+            <a:r>
+              <a:rPr lang="fr-FR" sz="1200" dirty="0">
+                <a:latin typeface="Arial" panose="020B0604020202020204" pitchFamily="34" charset="0"/>
+                <a:cs typeface="Arial" panose="020B0604020202020204" pitchFamily="34" charset="0"/>
+              </a:rPr>
+              <a:t>Slide de l’</a:t>
+            </a:r>
+            <a:r>
+              <a:rPr lang="fr-FR" sz="1200" dirty="0" err="1">
+                <a:latin typeface="Arial" panose="020B0604020202020204" pitchFamily="34" charset="0"/>
+                <a:cs typeface="Arial" panose="020B0604020202020204" pitchFamily="34" charset="0"/>
+              </a:rPr>
+              <a:t>ANSSI</a:t>
+            </a:r>
+            <a:r>
+              <a:rPr lang="fr-FR" sz="1200" dirty="0">
+                <a:latin typeface="Arial" panose="020B0604020202020204" pitchFamily="34" charset="0"/>
+                <a:cs typeface="Arial" panose="020B0604020202020204" pitchFamily="34" charset="0"/>
+              </a:rPr>
+              <a:t> : https://www.ssi.gouv.fr/administration/formations/cyberedu/contenu-pedagogique-cyberedu/</a:t>
+            </a:r>
+          </a:p>
+        </p:txBody>
+      </p:sp>
+    </p:spTree>
+    <p:extLst>
+      <p:ext uri="{BB962C8B-B14F-4D97-AF65-F5344CB8AC3E}">
+        <p14:creationId xmlns:p14="http://schemas.microsoft.com/office/powerpoint/2010/main" val="4067131276"/>
+      </p:ext>
+    </p:extLst>
+  </p:cSld>
+  <p:clrMapOvr>
+    <a:masterClrMapping/>
+  </p:clrMapOvr>
+</p:sld>
+</file>
+
+<file path=ppt/slides/slide35.xml><?xml version="1.0" encoding="utf-8"?>
+<p:sld xmlns:a="http://schemas.openxmlformats.org/drawingml/2006/main" xmlns:r="http://schemas.openxmlformats.org/officeDocument/2006/relationships" xmlns:p="http://schemas.openxmlformats.org/presentationml/2006/main">
+  <p:cSld>
+    <p:spTree>
+      <p:nvGrpSpPr>
+        <p:cNvPr id="1" name=""/>
+        <p:cNvGrpSpPr/>
+        <p:nvPr/>
+      </p:nvGrpSpPr>
+      <p:grpSpPr>
+        <a:xfrm>
+          <a:off x="0" y="0"/>
+          <a:ext cx="0" cy="0"/>
+          <a:chOff x="0" y="0"/>
+          <a:chExt cx="0" cy="0"/>
+        </a:xfrm>
+      </p:grpSpPr>
+      <p:sp>
+        <p:nvSpPr>
+          <p:cNvPr id="2" name="Titre 1">
+            <a:extLst>
+              <a:ext uri="{FF2B5EF4-FFF2-40B4-BE49-F238E27FC236}">
+                <a16:creationId xmlns:a16="http://schemas.microsoft.com/office/drawing/2014/main" id="{84879000-F87B-E4F1-EDA7-E630DAE221AF}"/>
+              </a:ext>
+            </a:extLst>
+          </p:cNvPr>
+          <p:cNvSpPr>
+            <a:spLocks noGrp="1"/>
+          </p:cNvSpPr>
+          <p:nvPr>
+            <p:ph type="title"/>
+          </p:nvPr>
+        </p:nvSpPr>
+        <p:spPr/>
+        <p:txBody>
+          <a:bodyPr/>
+          <a:lstStyle/>
+          <a:p>
+            <a:r>
+              <a:rPr lang="fr-FR" dirty="0"/>
               <a:t>VPN – </a:t>
             </a:r>
             <a:r>
@@ -13568,7 +14092,7 @@
 </p:sld>
 </file>
 
-<file path=ppt/slides/slide35.xml><?xml version="1.0" encoding="utf-8"?>
+<file path=ppt/slides/slide36.xml><?xml version="1.0" encoding="utf-8"?>
 <p:sld xmlns:a="http://schemas.openxmlformats.org/drawingml/2006/main" xmlns:r="http://schemas.openxmlformats.org/officeDocument/2006/relationships" xmlns:p="http://schemas.openxmlformats.org/presentationml/2006/main">
   <p:cSld>
     <p:spTree>
@@ -13726,6 +14250,331 @@
     <p:extLst>
       <p:ext uri="{BB962C8B-B14F-4D97-AF65-F5344CB8AC3E}">
         <p14:creationId xmlns:p14="http://schemas.microsoft.com/office/powerpoint/2010/main" val="2995857668"/>
+      </p:ext>
+    </p:extLst>
+  </p:cSld>
+  <p:clrMapOvr>
+    <a:masterClrMapping/>
+  </p:clrMapOvr>
+</p:sld>
+</file>
+
+<file path=ppt/slides/slide37.xml><?xml version="1.0" encoding="utf-8"?>
+<p:sld xmlns:a="http://schemas.openxmlformats.org/drawingml/2006/main" xmlns:r="http://schemas.openxmlformats.org/officeDocument/2006/relationships" xmlns:p="http://schemas.openxmlformats.org/presentationml/2006/main">
+  <p:cSld>
+    <p:spTree>
+      <p:nvGrpSpPr>
+        <p:cNvPr id="1" name=""/>
+        <p:cNvGrpSpPr/>
+        <p:nvPr/>
+      </p:nvGrpSpPr>
+      <p:grpSpPr>
+        <a:xfrm>
+          <a:off x="0" y="0"/>
+          <a:ext cx="0" cy="0"/>
+          <a:chOff x="0" y="0"/>
+          <a:chExt cx="0" cy="0"/>
+        </a:xfrm>
+      </p:grpSpPr>
+      <p:sp>
+        <p:nvSpPr>
+          <p:cNvPr id="2" name="Titre 1">
+            <a:extLst>
+              <a:ext uri="{FF2B5EF4-FFF2-40B4-BE49-F238E27FC236}">
+                <a16:creationId xmlns:a16="http://schemas.microsoft.com/office/drawing/2014/main" id="{48CB7FAE-F3F3-4C9C-48BD-39EBB588B21F}"/>
+              </a:ext>
+            </a:extLst>
+          </p:cNvPr>
+          <p:cNvSpPr>
+            <a:spLocks noGrp="1"/>
+          </p:cNvSpPr>
+          <p:nvPr>
+            <p:ph type="title"/>
+          </p:nvPr>
+        </p:nvSpPr>
+        <p:spPr/>
+        <p:txBody>
+          <a:bodyPr/>
+          <a:lstStyle/>
+          <a:p>
+            <a:r>
+              <a:rPr lang="fr-FR" dirty="0"/>
+              <a:t>TP </a:t>
+            </a:r>
+            <a:r>
+              <a:rPr lang="fr-FR" dirty="0" err="1"/>
+              <a:t>Cablage</a:t>
+            </a:r>
+            <a:endParaRPr lang="fr-FR" dirty="0"/>
+          </a:p>
+        </p:txBody>
+      </p:sp>
+      <p:sp>
+        <p:nvSpPr>
+          <p:cNvPr id="3" name="Espace réservé du texte 2">
+            <a:extLst>
+              <a:ext uri="{FF2B5EF4-FFF2-40B4-BE49-F238E27FC236}">
+                <a16:creationId xmlns:a16="http://schemas.microsoft.com/office/drawing/2014/main" id="{4AA4DD04-0ED9-0EB9-9ED2-71E2AE4A42EF}"/>
+              </a:ext>
+            </a:extLst>
+          </p:cNvPr>
+          <p:cNvSpPr>
+            <a:spLocks noGrp="1"/>
+          </p:cNvSpPr>
+          <p:nvPr>
+            <p:ph type="body" idx="1"/>
+          </p:nvPr>
+        </p:nvSpPr>
+        <p:spPr/>
+        <p:txBody>
+          <a:bodyPr/>
+          <a:lstStyle/>
+          <a:p>
+            <a:endParaRPr lang="fr-FR"/>
+          </a:p>
+        </p:txBody>
+      </p:sp>
+    </p:spTree>
+    <p:extLst>
+      <p:ext uri="{BB962C8B-B14F-4D97-AF65-F5344CB8AC3E}">
+        <p14:creationId xmlns:p14="http://schemas.microsoft.com/office/powerpoint/2010/main" val="731027436"/>
+      </p:ext>
+    </p:extLst>
+  </p:cSld>
+  <p:clrMapOvr>
+    <a:masterClrMapping/>
+  </p:clrMapOvr>
+</p:sld>
+</file>
+
+<file path=ppt/slides/slide38.xml><?xml version="1.0" encoding="utf-8"?>
+<p:sld xmlns:a="http://schemas.openxmlformats.org/drawingml/2006/main" xmlns:r="http://schemas.openxmlformats.org/officeDocument/2006/relationships" xmlns:p="http://schemas.openxmlformats.org/presentationml/2006/main">
+  <p:cSld>
+    <p:spTree>
+      <p:nvGrpSpPr>
+        <p:cNvPr id="1" name=""/>
+        <p:cNvGrpSpPr/>
+        <p:nvPr/>
+      </p:nvGrpSpPr>
+      <p:grpSpPr>
+        <a:xfrm>
+          <a:off x="0" y="0"/>
+          <a:ext cx="0" cy="0"/>
+          <a:chOff x="0" y="0"/>
+          <a:chExt cx="0" cy="0"/>
+        </a:xfrm>
+      </p:grpSpPr>
+      <p:pic>
+        <p:nvPicPr>
+          <p:cNvPr id="5" name="Espace réservé du contenu 4">
+            <a:extLst>
+              <a:ext uri="{FF2B5EF4-FFF2-40B4-BE49-F238E27FC236}">
+                <a16:creationId xmlns:a16="http://schemas.microsoft.com/office/drawing/2014/main" id="{CB87B236-3324-1A25-9A2B-BB70C5554396}"/>
+              </a:ext>
+            </a:extLst>
+          </p:cNvPr>
+          <p:cNvPicPr>
+            <a:picLocks noGrp="1" noChangeAspect="1"/>
+          </p:cNvPicPr>
+          <p:nvPr>
+            <p:ph idx="1"/>
+          </p:nvPr>
+        </p:nvPicPr>
+        <p:blipFill rotWithShape="1">
+          <a:blip r:embed="rId2">
+            <a:extLst>
+              <a:ext uri="{28A0092B-C50C-407E-A947-70E740481C1C}">
+                <a14:useLocalDpi xmlns:a14="http://schemas.microsoft.com/office/drawing/2010/main" val="0"/>
+              </a:ext>
+            </a:extLst>
+          </a:blip>
+          <a:srcRect b="5976"/>
+          <a:stretch/>
+        </p:blipFill>
+        <p:spPr>
+          <a:xfrm>
+            <a:off x="525798" y="264680"/>
+            <a:ext cx="3907657" cy="2755611"/>
+          </a:xfrm>
+        </p:spPr>
+      </p:pic>
+      <p:pic>
+        <p:nvPicPr>
+          <p:cNvPr id="7" name="Image 6">
+            <a:extLst>
+              <a:ext uri="{FF2B5EF4-FFF2-40B4-BE49-F238E27FC236}">
+                <a16:creationId xmlns:a16="http://schemas.microsoft.com/office/drawing/2014/main" id="{36BBC683-F25B-2EE4-0546-EF2D45FF50F6}"/>
+              </a:ext>
+            </a:extLst>
+          </p:cNvPr>
+          <p:cNvPicPr>
+            <a:picLocks noChangeAspect="1"/>
+          </p:cNvPicPr>
+          <p:nvPr/>
+        </p:nvPicPr>
+        <p:blipFill rotWithShape="1">
+          <a:blip r:embed="rId3">
+            <a:extLst>
+              <a:ext uri="{28A0092B-C50C-407E-A947-70E740481C1C}">
+                <a14:useLocalDpi xmlns:a14="http://schemas.microsoft.com/office/drawing/2010/main" val="0"/>
+              </a:ext>
+            </a:extLst>
+          </a:blip>
+          <a:srcRect t="11734" r="50000"/>
+          <a:stretch/>
+        </p:blipFill>
+        <p:spPr>
+          <a:xfrm>
+            <a:off x="6944303" y="264680"/>
+            <a:ext cx="3372716" cy="2976952"/>
+          </a:xfrm>
+          <a:prstGeom prst="rect">
+            <a:avLst/>
+          </a:prstGeom>
+        </p:spPr>
+      </p:pic>
+      <p:pic>
+        <p:nvPicPr>
+          <p:cNvPr id="9" name="Image 8" descr="Une image contenant texte&#10;&#10;Description générée automatiquement">
+            <a:extLst>
+              <a:ext uri="{FF2B5EF4-FFF2-40B4-BE49-F238E27FC236}">
+                <a16:creationId xmlns:a16="http://schemas.microsoft.com/office/drawing/2014/main" id="{B379B7ED-737C-C3FD-31E0-875E7B120B57}"/>
+              </a:ext>
+            </a:extLst>
+          </p:cNvPr>
+          <p:cNvPicPr>
+            <a:picLocks noChangeAspect="1"/>
+          </p:cNvPicPr>
+          <p:nvPr/>
+        </p:nvPicPr>
+        <p:blipFill rotWithShape="1">
+          <a:blip r:embed="rId4">
+            <a:extLst>
+              <a:ext uri="{28A0092B-C50C-407E-A947-70E740481C1C}">
+                <a14:useLocalDpi xmlns:a14="http://schemas.microsoft.com/office/drawing/2010/main" val="0"/>
+              </a:ext>
+            </a:extLst>
+          </a:blip>
+          <a:srcRect b="8684"/>
+          <a:stretch/>
+        </p:blipFill>
+        <p:spPr>
+          <a:xfrm>
+            <a:off x="525798" y="3355110"/>
+            <a:ext cx="3907657" cy="2676235"/>
+          </a:xfrm>
+          <a:prstGeom prst="rect">
+            <a:avLst/>
+          </a:prstGeom>
+        </p:spPr>
+      </p:pic>
+      <p:pic>
+        <p:nvPicPr>
+          <p:cNvPr id="11" name="Image 10" descr="Une image contenant LEGO, jouet&#10;&#10;Description générée automatiquement">
+            <a:extLst>
+              <a:ext uri="{FF2B5EF4-FFF2-40B4-BE49-F238E27FC236}">
+                <a16:creationId xmlns:a16="http://schemas.microsoft.com/office/drawing/2014/main" id="{57EDB892-7BAC-2432-F265-630714943934}"/>
+              </a:ext>
+            </a:extLst>
+          </p:cNvPr>
+          <p:cNvPicPr>
+            <a:picLocks noChangeAspect="1"/>
+          </p:cNvPicPr>
+          <p:nvPr/>
+        </p:nvPicPr>
+        <p:blipFill rotWithShape="1">
+          <a:blip r:embed="rId5">
+            <a:extLst>
+              <a:ext uri="{28A0092B-C50C-407E-A947-70E740481C1C}">
+                <a14:useLocalDpi xmlns:a14="http://schemas.microsoft.com/office/drawing/2010/main" val="0"/>
+              </a:ext>
+            </a:extLst>
+          </a:blip>
+          <a:srcRect b="7358"/>
+          <a:stretch/>
+        </p:blipFill>
+        <p:spPr>
+          <a:xfrm>
+            <a:off x="6695644" y="3355110"/>
+            <a:ext cx="3907658" cy="2715089"/>
+          </a:xfrm>
+          <a:prstGeom prst="rect">
+            <a:avLst/>
+          </a:prstGeom>
+        </p:spPr>
+      </p:pic>
+      <p:sp>
+        <p:nvSpPr>
+          <p:cNvPr id="12" name="ZoneTexte 11">
+            <a:extLst>
+              <a:ext uri="{FF2B5EF4-FFF2-40B4-BE49-F238E27FC236}">
+                <a16:creationId xmlns:a16="http://schemas.microsoft.com/office/drawing/2014/main" id="{C5DF3B11-7728-1681-C4AA-A90CD7262845}"/>
+              </a:ext>
+            </a:extLst>
+          </p:cNvPr>
+          <p:cNvSpPr txBox="1"/>
+          <p:nvPr/>
+        </p:nvSpPr>
+        <p:spPr>
+          <a:xfrm>
+            <a:off x="1014373" y="6581001"/>
+            <a:ext cx="10318646" cy="261610"/>
+          </a:xfrm>
+          <a:prstGeom prst="rect">
+            <a:avLst/>
+          </a:prstGeom>
+          <a:noFill/>
+        </p:spPr>
+        <p:txBody>
+          <a:bodyPr wrap="square" rtlCol="0">
+            <a:spAutoFit/>
+          </a:bodyPr>
+          <a:lstStyle/>
+          <a:p>
+            <a:pPr algn="ctr"/>
+            <a:r>
+              <a:rPr lang="fr-FR" sz="1100" dirty="0">
+                <a:latin typeface="Arial" panose="020B0604020202020204" pitchFamily="34" charset="0"/>
+                <a:cs typeface="Arial" panose="020B0604020202020204" pitchFamily="34" charset="0"/>
+              </a:rPr>
+              <a:t>Images de </a:t>
+            </a:r>
+            <a:r>
+              <a:rPr lang="fr-FR" sz="1100" dirty="0" err="1">
+                <a:latin typeface="Arial" panose="020B0604020202020204" pitchFamily="34" charset="0"/>
+                <a:cs typeface="Arial" panose="020B0604020202020204" pitchFamily="34" charset="0"/>
+              </a:rPr>
+              <a:t>WikiHow</a:t>
+            </a:r>
+            <a:r>
+              <a:rPr lang="fr-FR" sz="1100" dirty="0">
+                <a:latin typeface="Arial" panose="020B0604020202020204" pitchFamily="34" charset="0"/>
+                <a:cs typeface="Arial" panose="020B0604020202020204" pitchFamily="34" charset="0"/>
+              </a:rPr>
+              <a:t> : </a:t>
+            </a:r>
+            <a:r>
+              <a:rPr lang="fr-FR" sz="1100" dirty="0">
+                <a:latin typeface="Arial" panose="020B0604020202020204" pitchFamily="34" charset="0"/>
+                <a:cs typeface="Arial" panose="020B0604020202020204" pitchFamily="34" charset="0"/>
+                <a:hlinkClick r:id="rId6"/>
+              </a:rPr>
+              <a:t>https://fr.wikihow.com/sertir-un-connecteur-RJ-45</a:t>
+            </a:r>
+            <a:r>
+              <a:rPr lang="fr-FR" sz="1100" dirty="0">
+                <a:latin typeface="Arial" panose="020B0604020202020204" pitchFamily="34" charset="0"/>
+                <a:cs typeface="Arial" panose="020B0604020202020204" pitchFamily="34" charset="0"/>
+              </a:rPr>
+              <a:t> &amp; https://clicmeric.com/sertir-un-cable-droit-et-un-cable-croise-comment-et-quelle-difference/</a:t>
+            </a:r>
+          </a:p>
+        </p:txBody>
+      </p:sp>
+    </p:spTree>
+    <p:extLst>
+      <p:ext uri="{BB962C8B-B14F-4D97-AF65-F5344CB8AC3E}">
+        <p14:creationId xmlns:p14="http://schemas.microsoft.com/office/powerpoint/2010/main" val="1346439098"/>
       </p:ext>
     </p:extLst>
   </p:cSld>

--- a/01_CM/CM3 Réseaux Informatiques.pptx
+++ b/01_CM/CM3 Réseaux Informatiques.pptx
@@ -234,7 +234,7 @@
           <a:p>
             <a:fld id="{601F3737-FD25-4DA3-9DDE-A31E7FA8A5F0}" type="datetimeFigureOut">
               <a:rPr lang="fr-FR" smtClean="0"/>
-              <a:t>22/02/2023</a:t>
+              <a:t>23/02/2023</a:t>
             </a:fld>
             <a:endParaRPr lang="fr-FR"/>
           </a:p>
@@ -2573,7 +2573,7 @@
           <a:p>
             <a:fld id="{449235ED-62CB-4048-8D5F-74D492A1C6D7}" type="datetimeFigureOut">
               <a:rPr lang="fr-FR" smtClean="0"/>
-              <a:t>22/02/2023</a:t>
+              <a:t>23/02/2023</a:t>
             </a:fld>
             <a:endParaRPr lang="fr-FR"/>
           </a:p>
@@ -2771,7 +2771,7 @@
           <a:p>
             <a:fld id="{449235ED-62CB-4048-8D5F-74D492A1C6D7}" type="datetimeFigureOut">
               <a:rPr lang="fr-FR" smtClean="0"/>
-              <a:t>22/02/2023</a:t>
+              <a:t>23/02/2023</a:t>
             </a:fld>
             <a:endParaRPr lang="fr-FR"/>
           </a:p>
@@ -2979,7 +2979,7 @@
           <a:p>
             <a:fld id="{449235ED-62CB-4048-8D5F-74D492A1C6D7}" type="datetimeFigureOut">
               <a:rPr lang="fr-FR" smtClean="0"/>
-              <a:t>22/02/2023</a:t>
+              <a:t>23/02/2023</a:t>
             </a:fld>
             <a:endParaRPr lang="fr-FR"/>
           </a:p>
@@ -3177,7 +3177,7 @@
           <a:p>
             <a:fld id="{449235ED-62CB-4048-8D5F-74D492A1C6D7}" type="datetimeFigureOut">
               <a:rPr lang="fr-FR" smtClean="0"/>
-              <a:t>22/02/2023</a:t>
+              <a:t>23/02/2023</a:t>
             </a:fld>
             <a:endParaRPr lang="fr-FR"/>
           </a:p>
@@ -3452,7 +3452,7 @@
           <a:p>
             <a:fld id="{449235ED-62CB-4048-8D5F-74D492A1C6D7}" type="datetimeFigureOut">
               <a:rPr lang="fr-FR" smtClean="0"/>
-              <a:t>22/02/2023</a:t>
+              <a:t>23/02/2023</a:t>
             </a:fld>
             <a:endParaRPr lang="fr-FR"/>
           </a:p>
@@ -3717,7 +3717,7 @@
           <a:p>
             <a:fld id="{449235ED-62CB-4048-8D5F-74D492A1C6D7}" type="datetimeFigureOut">
               <a:rPr lang="fr-FR" smtClean="0"/>
-              <a:t>22/02/2023</a:t>
+              <a:t>23/02/2023</a:t>
             </a:fld>
             <a:endParaRPr lang="fr-FR"/>
           </a:p>
@@ -4129,7 +4129,7 @@
           <a:p>
             <a:fld id="{449235ED-62CB-4048-8D5F-74D492A1C6D7}" type="datetimeFigureOut">
               <a:rPr lang="fr-FR" smtClean="0"/>
-              <a:t>22/02/2023</a:t>
+              <a:t>23/02/2023</a:t>
             </a:fld>
             <a:endParaRPr lang="fr-FR"/>
           </a:p>
@@ -4270,7 +4270,7 @@
           <a:p>
             <a:fld id="{449235ED-62CB-4048-8D5F-74D492A1C6D7}" type="datetimeFigureOut">
               <a:rPr lang="fr-FR" smtClean="0"/>
-              <a:t>22/02/2023</a:t>
+              <a:t>23/02/2023</a:t>
             </a:fld>
             <a:endParaRPr lang="fr-FR"/>
           </a:p>
@@ -4383,7 +4383,7 @@
           <a:p>
             <a:fld id="{449235ED-62CB-4048-8D5F-74D492A1C6D7}" type="datetimeFigureOut">
               <a:rPr lang="fr-FR" smtClean="0"/>
-              <a:t>22/02/2023</a:t>
+              <a:t>23/02/2023</a:t>
             </a:fld>
             <a:endParaRPr lang="fr-FR"/>
           </a:p>
@@ -4694,7 +4694,7 @@
           <a:p>
             <a:fld id="{449235ED-62CB-4048-8D5F-74D492A1C6D7}" type="datetimeFigureOut">
               <a:rPr lang="fr-FR" smtClean="0"/>
-              <a:t>22/02/2023</a:t>
+              <a:t>23/02/2023</a:t>
             </a:fld>
             <a:endParaRPr lang="fr-FR"/>
           </a:p>
@@ -4982,7 +4982,7 @@
           <a:p>
             <a:fld id="{449235ED-62CB-4048-8D5F-74D492A1C6D7}" type="datetimeFigureOut">
               <a:rPr lang="fr-FR" smtClean="0"/>
-              <a:t>22/02/2023</a:t>
+              <a:t>23/02/2023</a:t>
             </a:fld>
             <a:endParaRPr lang="fr-FR"/>
           </a:p>
@@ -5223,7 +5223,7 @@
           <a:p>
             <a:fld id="{449235ED-62CB-4048-8D5F-74D492A1C6D7}" type="datetimeFigureOut">
               <a:rPr lang="fr-FR" smtClean="0"/>
-              <a:t>22/02/2023</a:t>
+              <a:t>23/02/2023</a:t>
             </a:fld>
             <a:endParaRPr lang="fr-FR"/>
           </a:p>
@@ -10781,6 +10781,12 @@
           <a:p>
             <a:r>
               <a:rPr lang="fr-FR" dirty="0"/>
+              <a:t>File Transfer Protocol</a:t>
+            </a:r>
+          </a:p>
+          <a:p>
+            <a:r>
+              <a:rPr lang="fr-FR" dirty="0"/>
               <a:t>Objectif :</a:t>
             </a:r>
           </a:p>
@@ -11409,11 +11415,27 @@
           <a:p>
             <a:r>
               <a:rPr lang="fr-FR" dirty="0"/>
-              <a:t>Protocole - </a:t>
+              <a:t>Protocole – </a:t>
             </a:r>
             <a:r>
               <a:rPr lang="fr-FR" dirty="0" err="1"/>
               <a:t>SSH</a:t>
+            </a:r>
+            <a:r>
+              <a:rPr lang="fr-FR" dirty="0"/>
+              <a:t> – </a:t>
+            </a:r>
+            <a:r>
+              <a:rPr lang="fr-FR" dirty="0" err="1"/>
+              <a:t>Secur</a:t>
+            </a:r>
+            <a:r>
+              <a:rPr lang="fr-FR" dirty="0"/>
+              <a:t> </a:t>
+            </a:r>
+            <a:r>
+              <a:rPr lang="fr-FR" dirty="0" err="1"/>
+              <a:t>SHell</a:t>
             </a:r>
             <a:endParaRPr lang="fr-FR" dirty="0"/>
           </a:p>
@@ -11791,8 +11813,17 @@
           <a:p>
             <a:r>
               <a:rPr lang="fr-FR" dirty="0"/>
-              <a:t>Protocole - HTTP</a:t>
-            </a:r>
+              <a:t>Protocole – HTTP – </a:t>
+            </a:r>
+            <a:r>
+              <a:rPr lang="fr-FR" sz="4000" dirty="0" err="1"/>
+              <a:t>Hypertext</a:t>
+            </a:r>
+            <a:r>
+              <a:rPr lang="fr-FR" sz="4000" dirty="0"/>
+              <a:t> Transfer Protocol</a:t>
+            </a:r>
+            <a:endParaRPr lang="fr-FR" dirty="0"/>
           </a:p>
         </p:txBody>
       </p:sp>
@@ -12992,7 +13023,18 @@
           <a:bodyPr/>
           <a:lstStyle/>
           <a:p>
-            <a:endParaRPr lang="fr-FR" dirty="0"/>
+            <a:r>
+              <a:rPr lang="fr-FR" dirty="0"/>
+              <a:t>Virtual </a:t>
+            </a:r>
+            <a:r>
+              <a:rPr lang="fr-FR" dirty="0" err="1"/>
+              <a:t>Private</a:t>
+            </a:r>
+            <a:r>
+              <a:rPr lang="fr-FR" dirty="0"/>
+              <a:t> Network</a:t>
+            </a:r>
           </a:p>
         </p:txBody>
       </p:sp>
@@ -14079,6 +14121,45 @@
           </a:prstGeom>
         </p:spPr>
       </p:pic>
+      <p:sp>
+        <p:nvSpPr>
+          <p:cNvPr id="5" name="ZoneTexte 4">
+            <a:extLst>
+              <a:ext uri="{FF2B5EF4-FFF2-40B4-BE49-F238E27FC236}">
+                <a16:creationId xmlns:a16="http://schemas.microsoft.com/office/drawing/2014/main" id="{49D45E85-7FAF-8590-8032-7C8E0B7E38AA}"/>
+              </a:ext>
+            </a:extLst>
+          </p:cNvPr>
+          <p:cNvSpPr txBox="1"/>
+          <p:nvPr/>
+        </p:nvSpPr>
+        <p:spPr>
+          <a:xfrm>
+            <a:off x="2355273" y="3094181"/>
+            <a:ext cx="4225837" cy="1107996"/>
+          </a:xfrm>
+          <a:prstGeom prst="rect">
+            <a:avLst/>
+          </a:prstGeom>
+          <a:noFill/>
+        </p:spPr>
+        <p:txBody>
+          <a:bodyPr wrap="none" rtlCol="0">
+            <a:spAutoFit/>
+          </a:bodyPr>
+          <a:lstStyle/>
+          <a:p>
+            <a:r>
+              <a:rPr lang="fr-FR" sz="6600" dirty="0">
+                <a:solidFill>
+                  <a:srgbClr val="FF0000"/>
+                </a:solidFill>
+              </a:rPr>
+              <a:t>Doublon!!!!</a:t>
+            </a:r>
+          </a:p>
+        </p:txBody>
+      </p:sp>
     </p:spTree>
     <p:extLst>
       <p:ext uri="{BB962C8B-B14F-4D97-AF65-F5344CB8AC3E}">
@@ -14246,6 +14327,45 @@
           </a:prstGeom>
         </p:spPr>
       </p:pic>
+      <p:sp>
+        <p:nvSpPr>
+          <p:cNvPr id="6" name="ZoneTexte 5">
+            <a:extLst>
+              <a:ext uri="{FF2B5EF4-FFF2-40B4-BE49-F238E27FC236}">
+                <a16:creationId xmlns:a16="http://schemas.microsoft.com/office/drawing/2014/main" id="{3DF6C1D6-7828-C6F1-9422-A27FE89D8037}"/>
+              </a:ext>
+            </a:extLst>
+          </p:cNvPr>
+          <p:cNvSpPr txBox="1"/>
+          <p:nvPr/>
+        </p:nvSpPr>
+        <p:spPr>
+          <a:xfrm>
+            <a:off x="2355273" y="3094181"/>
+            <a:ext cx="4225837" cy="1107996"/>
+          </a:xfrm>
+          <a:prstGeom prst="rect">
+            <a:avLst/>
+          </a:prstGeom>
+          <a:noFill/>
+        </p:spPr>
+        <p:txBody>
+          <a:bodyPr wrap="none" rtlCol="0">
+            <a:spAutoFit/>
+          </a:bodyPr>
+          <a:lstStyle/>
+          <a:p>
+            <a:r>
+              <a:rPr lang="fr-FR" sz="6600" dirty="0">
+                <a:solidFill>
+                  <a:srgbClr val="FF0000"/>
+                </a:solidFill>
+              </a:rPr>
+              <a:t>Doublon!!!!</a:t>
+            </a:r>
+          </a:p>
+        </p:txBody>
+      </p:sp>
     </p:spTree>
     <p:extLst>
       <p:ext uri="{BB962C8B-B14F-4D97-AF65-F5344CB8AC3E}">
@@ -14567,6 +14687,41 @@
                 <a:cs typeface="Arial" panose="020B0604020202020204" pitchFamily="34" charset="0"/>
               </a:rPr>
               <a:t> &amp; https://clicmeric.com/sertir-un-cable-droit-et-un-cable-croise-comment-et-quelle-difference/</a:t>
+            </a:r>
+          </a:p>
+        </p:txBody>
+      </p:sp>
+      <p:sp>
+        <p:nvSpPr>
+          <p:cNvPr id="2" name="ZoneTexte 1">
+            <a:extLst>
+              <a:ext uri="{FF2B5EF4-FFF2-40B4-BE49-F238E27FC236}">
+                <a16:creationId xmlns:a16="http://schemas.microsoft.com/office/drawing/2014/main" id="{193A106A-DE8B-F589-D15F-99AE577B4F6B}"/>
+              </a:ext>
+            </a:extLst>
+          </p:cNvPr>
+          <p:cNvSpPr txBox="1"/>
+          <p:nvPr/>
+        </p:nvSpPr>
+        <p:spPr>
+          <a:xfrm>
+            <a:off x="9303437" y="2650959"/>
+            <a:ext cx="1364476" cy="369332"/>
+          </a:xfrm>
+          <a:prstGeom prst="rect">
+            <a:avLst/>
+          </a:prstGeom>
+          <a:noFill/>
+        </p:spPr>
+        <p:txBody>
+          <a:bodyPr wrap="none" rtlCol="0">
+            <a:spAutoFit/>
+          </a:bodyPr>
+          <a:lstStyle/>
+          <a:p>
+            <a:r>
+              <a:rPr lang="fr-FR" dirty="0"/>
+              <a:t>Norme 568B</a:t>
             </a:r>
           </a:p>
         </p:txBody>

--- a/01_CM/CM3 Réseaux Informatiques.pptx
+++ b/01_CM/CM3 Réseaux Informatiques.pptx
@@ -5,7 +5,7 @@
     <p:sldMasterId id="2147483648" r:id="rId1"/>
   </p:sldMasterIdLst>
   <p:notesMasterIdLst>
-    <p:notesMasterId r:id="rId40"/>
+    <p:notesMasterId r:id="rId47"/>
   </p:notesMasterIdLst>
   <p:sldIdLst>
     <p:sldId id="256" r:id="rId2"/>
@@ -20,32 +20,39 @@
     <p:sldId id="321" r:id="rId11"/>
     <p:sldId id="330" r:id="rId12"/>
     <p:sldId id="331" r:id="rId13"/>
-    <p:sldId id="332" r:id="rId14"/>
-    <p:sldId id="333" r:id="rId15"/>
-    <p:sldId id="334" r:id="rId16"/>
-    <p:sldId id="268" r:id="rId17"/>
-    <p:sldId id="278" r:id="rId18"/>
-    <p:sldId id="322" r:id="rId19"/>
-    <p:sldId id="275" r:id="rId20"/>
-    <p:sldId id="297" r:id="rId21"/>
-    <p:sldId id="327" r:id="rId22"/>
-    <p:sldId id="280" r:id="rId23"/>
-    <p:sldId id="279" r:id="rId24"/>
-    <p:sldId id="328" r:id="rId25"/>
-    <p:sldId id="298" r:id="rId26"/>
-    <p:sldId id="329" r:id="rId27"/>
-    <p:sldId id="323" r:id="rId28"/>
-    <p:sldId id="324" r:id="rId29"/>
-    <p:sldId id="269" r:id="rId30"/>
-    <p:sldId id="271" r:id="rId31"/>
-    <p:sldId id="325" r:id="rId32"/>
-    <p:sldId id="272" r:id="rId33"/>
-    <p:sldId id="326" r:id="rId34"/>
-    <p:sldId id="337" r:id="rId35"/>
-    <p:sldId id="273" r:id="rId36"/>
-    <p:sldId id="274" r:id="rId37"/>
-    <p:sldId id="339" r:id="rId38"/>
-    <p:sldId id="338" r:id="rId39"/>
+    <p:sldId id="340" r:id="rId14"/>
+    <p:sldId id="332" r:id="rId15"/>
+    <p:sldId id="341" r:id="rId16"/>
+    <p:sldId id="342" r:id="rId17"/>
+    <p:sldId id="333" r:id="rId18"/>
+    <p:sldId id="343" r:id="rId19"/>
+    <p:sldId id="344" r:id="rId20"/>
+    <p:sldId id="334" r:id="rId21"/>
+    <p:sldId id="345" r:id="rId22"/>
+    <p:sldId id="268" r:id="rId23"/>
+    <p:sldId id="278" r:id="rId24"/>
+    <p:sldId id="322" r:id="rId25"/>
+    <p:sldId id="346" r:id="rId26"/>
+    <p:sldId id="347" r:id="rId27"/>
+    <p:sldId id="275" r:id="rId28"/>
+    <p:sldId id="297" r:id="rId29"/>
+    <p:sldId id="327" r:id="rId30"/>
+    <p:sldId id="280" r:id="rId31"/>
+    <p:sldId id="279" r:id="rId32"/>
+    <p:sldId id="328" r:id="rId33"/>
+    <p:sldId id="298" r:id="rId34"/>
+    <p:sldId id="329" r:id="rId35"/>
+    <p:sldId id="323" r:id="rId36"/>
+    <p:sldId id="324" r:id="rId37"/>
+    <p:sldId id="269" r:id="rId38"/>
+    <p:sldId id="271" r:id="rId39"/>
+    <p:sldId id="325" r:id="rId40"/>
+    <p:sldId id="272" r:id="rId41"/>
+    <p:sldId id="326" r:id="rId42"/>
+    <p:sldId id="273" r:id="rId43"/>
+    <p:sldId id="274" r:id="rId44"/>
+    <p:sldId id="339" r:id="rId45"/>
+    <p:sldId id="338" r:id="rId46"/>
   </p:sldIdLst>
   <p:sldSz cx="12192000" cy="6858000"/>
   <p:notesSz cx="6858000" cy="9144000"/>
@@ -234,7 +241,7 @@
           <a:p>
             <a:fld id="{601F3737-FD25-4DA3-9DDE-A31E7FA8A5F0}" type="datetimeFigureOut">
               <a:rPr lang="fr-FR" smtClean="0"/>
-              <a:t>23/02/2023</a:t>
+              <a:t>08/01/2024</a:t>
             </a:fld>
             <a:endParaRPr lang="fr-FR"/>
           </a:p>
@@ -650,7 +657,7 @@
           <a:p>
             <a:fld id="{95BC48CA-3C1F-45E9-AF42-30C003A38B71}" type="slidenum">
               <a:rPr lang="fr-FR" smtClean="0"/>
-              <a:t>17</a:t>
+              <a:t>16</a:t>
             </a:fld>
             <a:endParaRPr lang="fr-FR"/>
           </a:p>
@@ -659,7 +666,7 @@
     </p:spTree>
     <p:extLst>
       <p:ext uri="{BB962C8B-B14F-4D97-AF65-F5344CB8AC3E}">
-        <p14:creationId xmlns:p14="http://schemas.microsoft.com/office/powerpoint/2010/main" val="1570122862"/>
+        <p14:creationId xmlns:p14="http://schemas.microsoft.com/office/powerpoint/2010/main" val="1437696549"/>
       </p:ext>
     </p:extLst>
   </p:cSld>
@@ -715,13 +722,25 @@
           <a:p>
             <a:r>
               <a:rPr lang="fr-FR" dirty="0"/>
-              <a:t>Plus de PAT/NAT : Problème de sécurité</a:t>
-            </a:r>
-          </a:p>
-          <a:p>
-            <a:r>
-              <a:rPr lang="fr-FR" dirty="0"/>
-              <a:t>Description d’une architecture avec la box, filtrage par la box, filtrage a faire par l’ordinateur / capteur</a:t>
+              <a:t>Tous les équipements n’ont pas besoin d’avoir accès à internet en même temps.</a:t>
+            </a:r>
+          </a:p>
+          <a:p>
+            <a:r>
+              <a:rPr lang="fr-FR" dirty="0"/>
+              <a:t>Seuls les équipements actifs utilisent une adresse IP publique</a:t>
+            </a:r>
+          </a:p>
+          <a:p>
+            <a:r>
+              <a:rPr lang="fr-FR" dirty="0"/>
+              <a:t>Le routeur réalise l’allocation de façon dynamique</a:t>
+            </a:r>
+          </a:p>
+          <a:p>
+            <a:r>
+              <a:rPr lang="fr-FR" dirty="0"/>
+              <a:t>Il remplace dans les trames IP l’adresse source par une adresse publique</a:t>
             </a:r>
           </a:p>
         </p:txBody>
@@ -743,7 +762,7 @@
           <a:p>
             <a:fld id="{95BC48CA-3C1F-45E9-AF42-30C003A38B71}" type="slidenum">
               <a:rPr lang="fr-FR" smtClean="0"/>
-              <a:t>18</a:t>
+              <a:t>17</a:t>
             </a:fld>
             <a:endParaRPr lang="fr-FR"/>
           </a:p>
@@ -752,7 +771,7 @@
     </p:spTree>
     <p:extLst>
       <p:ext uri="{BB962C8B-B14F-4D97-AF65-F5344CB8AC3E}">
-        <p14:creationId xmlns:p14="http://schemas.microsoft.com/office/powerpoint/2010/main" val="2705267897"/>
+        <p14:creationId xmlns:p14="http://schemas.microsoft.com/office/powerpoint/2010/main" val="3644133298"/>
       </p:ext>
     </p:extLst>
   </p:cSld>
@@ -808,15 +827,25 @@
           <a:p>
             <a:r>
               <a:rPr lang="fr-FR" dirty="0"/>
-              <a:t>Quels sont </a:t>
-            </a:r>
-            <a:r>
-              <a:rPr lang="fr-FR"/>
-              <a:t>les protocoles </a:t>
-            </a:r>
-            <a:r>
-              <a:rPr lang="fr-FR" dirty="0"/>
-              <a:t>que vous connaissez ?</a:t>
+              <a:t>Tous les équipements n’ont pas besoin d’avoir accès à internet en même temps.</a:t>
+            </a:r>
+          </a:p>
+          <a:p>
+            <a:r>
+              <a:rPr lang="fr-FR" dirty="0"/>
+              <a:t>Seuls les équipements actifs utilisent une adresse IP publique</a:t>
+            </a:r>
+          </a:p>
+          <a:p>
+            <a:r>
+              <a:rPr lang="fr-FR" dirty="0"/>
+              <a:t>Le routeur réalise l’allocation de façon dynamique</a:t>
+            </a:r>
+          </a:p>
+          <a:p>
+            <a:r>
+              <a:rPr lang="fr-FR" dirty="0"/>
+              <a:t>Il remplace dans les trames IP l’adresse source par une adresse publique</a:t>
             </a:r>
           </a:p>
         </p:txBody>
@@ -838,7 +867,7 @@
           <a:p>
             <a:fld id="{95BC48CA-3C1F-45E9-AF42-30C003A38B71}" type="slidenum">
               <a:rPr lang="fr-FR" smtClean="0"/>
-              <a:t>19</a:t>
+              <a:t>18</a:t>
             </a:fld>
             <a:endParaRPr lang="fr-FR"/>
           </a:p>
@@ -847,7 +876,7 @@
     </p:spTree>
     <p:extLst>
       <p:ext uri="{BB962C8B-B14F-4D97-AF65-F5344CB8AC3E}">
-        <p14:creationId xmlns:p14="http://schemas.microsoft.com/office/powerpoint/2010/main" val="4286678656"/>
+        <p14:creationId xmlns:p14="http://schemas.microsoft.com/office/powerpoint/2010/main" val="147771331"/>
       </p:ext>
     </p:extLst>
   </p:cSld>
@@ -901,7 +930,16 @@
           <a:bodyPr/>
           <a:lstStyle/>
           <a:p>
-            <a:endParaRPr lang="fr-FR" dirty="0"/>
+            <a:r>
+              <a:rPr lang="fr-FR" dirty="0"/>
+              <a:t>Cas classique des box Internet</a:t>
+            </a:r>
+          </a:p>
+          <a:p>
+            <a:r>
+              <a:rPr lang="fr-FR" dirty="0"/>
+              <a:t>Avantage en terme de sécurité</a:t>
+            </a:r>
           </a:p>
         </p:txBody>
       </p:sp>
@@ -931,7 +969,7 @@
     </p:spTree>
     <p:extLst>
       <p:ext uri="{BB962C8B-B14F-4D97-AF65-F5344CB8AC3E}">
-        <p14:creationId xmlns:p14="http://schemas.microsoft.com/office/powerpoint/2010/main" val="2481491489"/>
+        <p14:creationId xmlns:p14="http://schemas.microsoft.com/office/powerpoint/2010/main" val="85297561"/>
       </p:ext>
     </p:extLst>
   </p:cSld>
@@ -987,66 +1025,13 @@
           <a:p>
             <a:r>
               <a:rPr lang="fr-FR" dirty="0"/>
-              <a:t>https://sitelec.org/cours/caleca/ftp/les_bases.htm</a:t>
-            </a:r>
-          </a:p>
-          <a:p>
-            <a:r>
-              <a:rPr lang="fr-FR" dirty="0"/>
-              <a:t>Quelque commandes :</a:t>
-            </a:r>
-          </a:p>
-          <a:p>
-            <a:r>
-              <a:rPr lang="fr-FR" dirty="0"/>
-              <a:t>USER  </a:t>
-            </a:r>
-            <a:r>
-              <a:rPr lang="fr-FR" dirty="0" err="1"/>
-              <a:t>user</a:t>
-            </a:r>
-            <a:endParaRPr lang="fr-FR" dirty="0"/>
-          </a:p>
-          <a:p>
-            <a:r>
-              <a:rPr lang="fr-FR" dirty="0" err="1"/>
-              <a:t>PASS</a:t>
-            </a:r>
-            <a:r>
-              <a:rPr lang="fr-FR" dirty="0"/>
-              <a:t> mot de passe</a:t>
-            </a:r>
-          </a:p>
-          <a:p>
-            <a:r>
-              <a:rPr lang="fr-FR" dirty="0" err="1"/>
-              <a:t>PWD</a:t>
-            </a:r>
-            <a:r>
-              <a:rPr lang="fr-FR" dirty="0"/>
-              <a:t> : </a:t>
-            </a:r>
-            <a:r>
-              <a:rPr lang="fr-FR" dirty="0" err="1"/>
-              <a:t>Print</a:t>
-            </a:r>
-            <a:r>
-              <a:rPr lang="fr-FR" dirty="0"/>
-              <a:t> </a:t>
-            </a:r>
-            <a:r>
-              <a:rPr lang="fr-FR" dirty="0" err="1"/>
-              <a:t>Working</a:t>
-            </a:r>
-            <a:r>
-              <a:rPr lang="fr-FR" dirty="0"/>
-              <a:t> Directory (donne / quand on est la racine)</a:t>
-            </a:r>
-          </a:p>
-          <a:p>
-            <a:r>
-              <a:rPr lang="fr-FR" dirty="0"/>
-              <a:t>LIST : LS</a:t>
+              <a:t>Cas classique des box Internet</a:t>
+            </a:r>
+          </a:p>
+          <a:p>
+            <a:r>
+              <a:rPr lang="fr-FR" dirty="0"/>
+              <a:t>Avantage en terme de sécurité</a:t>
             </a:r>
           </a:p>
         </p:txBody>
@@ -1077,7 +1062,7 @@
     </p:spTree>
     <p:extLst>
       <p:ext uri="{BB962C8B-B14F-4D97-AF65-F5344CB8AC3E}">
-        <p14:creationId xmlns:p14="http://schemas.microsoft.com/office/powerpoint/2010/main" val="3330790896"/>
+        <p14:creationId xmlns:p14="http://schemas.microsoft.com/office/powerpoint/2010/main" val="3360489318"/>
       </p:ext>
     </p:extLst>
   </p:cSld>
@@ -1131,18 +1116,7 @@
           <a:bodyPr/>
           <a:lstStyle/>
           <a:p>
-            <a:r>
-              <a:rPr lang="fr-FR" dirty="0"/>
-              <a:t>Reverse </a:t>
-            </a:r>
-            <a:r>
-              <a:rPr lang="fr-FR" dirty="0" err="1"/>
-              <a:t>SSH</a:t>
-            </a:r>
-            <a:r>
-              <a:rPr lang="fr-FR" dirty="0"/>
-              <a:t> : schéma au tableau</a:t>
-            </a:r>
+            <a:endParaRPr lang="fr-FR" dirty="0"/>
           </a:p>
         </p:txBody>
       </p:sp>
@@ -1163,7 +1137,7 @@
           <a:p>
             <a:fld id="{95BC48CA-3C1F-45E9-AF42-30C003A38B71}" type="slidenum">
               <a:rPr lang="fr-FR" smtClean="0"/>
-              <a:t>24</a:t>
+              <a:t>23</a:t>
             </a:fld>
             <a:endParaRPr lang="fr-FR"/>
           </a:p>
@@ -1172,7 +1146,7 @@
     </p:spTree>
     <p:extLst>
       <p:ext uri="{BB962C8B-B14F-4D97-AF65-F5344CB8AC3E}">
-        <p14:creationId xmlns:p14="http://schemas.microsoft.com/office/powerpoint/2010/main" val="3686479247"/>
+        <p14:creationId xmlns:p14="http://schemas.microsoft.com/office/powerpoint/2010/main" val="1570122862"/>
       </p:ext>
     </p:extLst>
   </p:cSld>
@@ -1228,7 +1202,13 @@
           <a:p>
             <a:r>
               <a:rPr lang="fr-FR" dirty="0"/>
-              <a:t>https://azurplus.fr/a-quoi-sert-exactement-une-adresse-mac/</a:t>
+              <a:t>Plus de PAT/NAT : Problème de sécurité</a:t>
+            </a:r>
+          </a:p>
+          <a:p>
+            <a:r>
+              <a:rPr lang="fr-FR" dirty="0"/>
+              <a:t>Description d’une architecture avec la box, filtrage par la box, filtrage a faire par l’ordinateur / capteur</a:t>
             </a:r>
           </a:p>
         </p:txBody>
@@ -1250,7 +1230,7 @@
           <a:p>
             <a:fld id="{95BC48CA-3C1F-45E9-AF42-30C003A38B71}" type="slidenum">
               <a:rPr lang="fr-FR" smtClean="0"/>
-              <a:t>25</a:t>
+              <a:t>24</a:t>
             </a:fld>
             <a:endParaRPr lang="fr-FR"/>
           </a:p>
@@ -1259,7 +1239,7 @@
     </p:spTree>
     <p:extLst>
       <p:ext uri="{BB962C8B-B14F-4D97-AF65-F5344CB8AC3E}">
-        <p14:creationId xmlns:p14="http://schemas.microsoft.com/office/powerpoint/2010/main" val="2662081274"/>
+        <p14:creationId xmlns:p14="http://schemas.microsoft.com/office/powerpoint/2010/main" val="2705267897"/>
       </p:ext>
     </p:extLst>
   </p:cSld>
@@ -1315,7 +1295,15 @@
           <a:p>
             <a:r>
               <a:rPr lang="fr-FR" dirty="0"/>
-              <a:t>https://azurplus.fr/a-quoi-sert-exactement-une-adresse-mac/</a:t>
+              <a:t>Quels sont </a:t>
+            </a:r>
+            <a:r>
+              <a:rPr lang="fr-FR"/>
+              <a:t>les protocoles </a:t>
+            </a:r>
+            <a:r>
+              <a:rPr lang="fr-FR" dirty="0"/>
+              <a:t>que vous connaissez ?</a:t>
             </a:r>
           </a:p>
         </p:txBody>
@@ -1337,7 +1325,7 @@
           <a:p>
             <a:fld id="{95BC48CA-3C1F-45E9-AF42-30C003A38B71}" type="slidenum">
               <a:rPr lang="fr-FR" smtClean="0"/>
-              <a:t>26</a:t>
+              <a:t>27</a:t>
             </a:fld>
             <a:endParaRPr lang="fr-FR"/>
           </a:p>
@@ -1346,7 +1334,7 @@
     </p:spTree>
     <p:extLst>
       <p:ext uri="{BB962C8B-B14F-4D97-AF65-F5344CB8AC3E}">
-        <p14:creationId xmlns:p14="http://schemas.microsoft.com/office/powerpoint/2010/main" val="3329939500"/>
+        <p14:creationId xmlns:p14="http://schemas.microsoft.com/office/powerpoint/2010/main" val="4286678656"/>
       </p:ext>
     </p:extLst>
   </p:cSld>
@@ -1400,37 +1388,6 @@
           <a:bodyPr/>
           <a:lstStyle/>
           <a:p>
-            <a:pPr marL="0" marR="0" lvl="0" indent="0" algn="l" defTabSz="914400" rtl="0" eaLnBrk="1" fontAlgn="auto" latinLnBrk="0" hangingPunct="1">
-              <a:lnSpc>
-                <a:spcPct val="100000"/>
-              </a:lnSpc>
-              <a:spcBef>
-                <a:spcPts val="0"/>
-              </a:spcBef>
-              <a:spcAft>
-                <a:spcPts val="0"/>
-              </a:spcAft>
-              <a:buClrTx/>
-              <a:buSzTx/>
-              <a:buFontTx/>
-              <a:buNone/>
-              <a:tabLst/>
-              <a:defRPr/>
-            </a:pPr>
-            <a:r>
-              <a:rPr lang="fr-FR" dirty="0"/>
-              <a:t>Est-ce que ça vous aurait intéressé de sertir des </a:t>
-            </a:r>
-            <a:r>
-              <a:rPr lang="fr-FR" dirty="0" err="1"/>
-              <a:t>câbmes</a:t>
-            </a:r>
-            <a:r>
-              <a:rPr lang="fr-FR" dirty="0"/>
-              <a:t> ?</a:t>
-            </a:r>
-          </a:p>
-          <a:p>
             <a:endParaRPr lang="fr-FR" dirty="0"/>
           </a:p>
         </p:txBody>
@@ -1461,7 +1418,7 @@
     </p:spTree>
     <p:extLst>
       <p:ext uri="{BB962C8B-B14F-4D97-AF65-F5344CB8AC3E}">
-        <p14:creationId xmlns:p14="http://schemas.microsoft.com/office/powerpoint/2010/main" val="620435831"/>
+        <p14:creationId xmlns:p14="http://schemas.microsoft.com/office/powerpoint/2010/main" val="2481491489"/>
       </p:ext>
     </p:extLst>
   </p:cSld>
@@ -1515,30 +1472,69 @@
           <a:bodyPr/>
           <a:lstStyle/>
           <a:p>
-            <a:pPr marL="0" marR="0" lvl="0" indent="0" algn="l" defTabSz="914400" rtl="0" eaLnBrk="1" fontAlgn="auto" latinLnBrk="0" hangingPunct="1">
-              <a:lnSpc>
-                <a:spcPct val="100000"/>
-              </a:lnSpc>
-              <a:spcBef>
-                <a:spcPts val="0"/>
-              </a:spcBef>
-              <a:spcAft>
-                <a:spcPts val="0"/>
-              </a:spcAft>
-              <a:buClrTx/>
-              <a:buSzTx/>
-              <a:buFontTx/>
-              <a:buNone/>
-              <a:tabLst/>
-              <a:defRPr/>
-            </a:pPr>
-            <a:r>
-              <a:rPr lang="fr-FR" dirty="0"/>
-              <a:t>Utilisation d’une boite de chicoré : 200m</a:t>
-            </a:r>
-          </a:p>
-          <a:p>
+            <a:r>
+              <a:rPr lang="fr-FR" dirty="0"/>
+              <a:t>https://sitelec.org/cours/caleca/ftp/les_bases.htm</a:t>
+            </a:r>
+          </a:p>
+          <a:p>
+            <a:r>
+              <a:rPr lang="fr-FR" dirty="0"/>
+              <a:t>Quelque commandes :</a:t>
+            </a:r>
+          </a:p>
+          <a:p>
+            <a:r>
+              <a:rPr lang="fr-FR" dirty="0"/>
+              <a:t>USER  </a:t>
+            </a:r>
+            <a:r>
+              <a:rPr lang="fr-FR" dirty="0" err="1"/>
+              <a:t>user</a:t>
+            </a:r>
             <a:endParaRPr lang="fr-FR" dirty="0"/>
+          </a:p>
+          <a:p>
+            <a:r>
+              <a:rPr lang="fr-FR" dirty="0" err="1"/>
+              <a:t>PASS</a:t>
+            </a:r>
+            <a:r>
+              <a:rPr lang="fr-FR" dirty="0"/>
+              <a:t> mot de passe</a:t>
+            </a:r>
+          </a:p>
+          <a:p>
+            <a:r>
+              <a:rPr lang="fr-FR" dirty="0" err="1"/>
+              <a:t>PWD</a:t>
+            </a:r>
+            <a:r>
+              <a:rPr lang="fr-FR" dirty="0"/>
+              <a:t> : </a:t>
+            </a:r>
+            <a:r>
+              <a:rPr lang="fr-FR" dirty="0" err="1"/>
+              <a:t>Print</a:t>
+            </a:r>
+            <a:r>
+              <a:rPr lang="fr-FR" dirty="0"/>
+              <a:t> </a:t>
+            </a:r>
+            <a:r>
+              <a:rPr lang="fr-FR" dirty="0" err="1"/>
+              <a:t>Working</a:t>
+            </a:r>
+            <a:r>
+              <a:rPr lang="fr-FR" dirty="0"/>
+              <a:t> Directory (donne / quand on est la racine)</a:t>
+            </a:r>
+          </a:p>
+          <a:p>
+            <a:r>
+              <a:rPr lang="fr-FR" dirty="0"/>
+              <a:t>LIST : LS</a:t>
+            </a:r>
           </a:p>
         </p:txBody>
       </p:sp>
@@ -1568,7 +1564,7 @@
     </p:spTree>
     <p:extLst>
       <p:ext uri="{BB962C8B-B14F-4D97-AF65-F5344CB8AC3E}">
-        <p14:creationId xmlns:p14="http://schemas.microsoft.com/office/powerpoint/2010/main" val="1129090529"/>
+        <p14:creationId xmlns:p14="http://schemas.microsoft.com/office/powerpoint/2010/main" val="3330790896"/>
       </p:ext>
     </p:extLst>
   </p:cSld>
@@ -1630,7 +1626,25 @@
           <a:p>
             <a:r>
               <a:rPr lang="fr-FR" dirty="0"/>
-              <a:t>48 Bits -&gt; 281 000 milliards d’équipements -&gt; 543 000 interface / km² sur la terre entière</a:t>
+              <a:t>6 Octets -&gt; 48 bits -&gt; 2^48 possibilités</a:t>
+            </a:r>
+          </a:p>
+          <a:p>
+            <a:r>
+              <a:rPr lang="fr-FR" dirty="0"/>
+              <a:t>48 Bits -&gt; 281 000 milliards d’équipements</a:t>
+            </a:r>
+          </a:p>
+          <a:p>
+            <a:r>
+              <a:rPr lang="fr-FR" dirty="0"/>
+              <a:t>    -&gt; 543 000 interfaces / km² sur la terre entière</a:t>
+            </a:r>
+          </a:p>
+          <a:p>
+            <a:r>
+              <a:rPr lang="fr-FR" dirty="0"/>
+              <a:t>    -&gt; Surface émergé (128 millions km²) : 2 interfaces / m² de surface émergée</a:t>
             </a:r>
           </a:p>
           <a:p>
@@ -1720,6 +1734,497 @@
           <a:p>
             <a:r>
               <a:rPr lang="fr-FR" dirty="0"/>
+              <a:t>Reverse </a:t>
+            </a:r>
+            <a:r>
+              <a:rPr lang="fr-FR" dirty="0" err="1"/>
+              <a:t>SSH</a:t>
+            </a:r>
+            <a:r>
+              <a:rPr lang="fr-FR" dirty="0"/>
+              <a:t> : schéma au tableau</a:t>
+            </a:r>
+          </a:p>
+        </p:txBody>
+      </p:sp>
+      <p:sp>
+        <p:nvSpPr>
+          <p:cNvPr id="4" name="Espace réservé du numéro de diapositive 3"/>
+          <p:cNvSpPr>
+            <a:spLocks noGrp="1"/>
+          </p:cNvSpPr>
+          <p:nvPr>
+            <p:ph type="sldNum" sz="quarter" idx="5"/>
+          </p:nvPr>
+        </p:nvSpPr>
+        <p:spPr/>
+        <p:txBody>
+          <a:bodyPr/>
+          <a:lstStyle/>
+          <a:p>
+            <a:fld id="{95BC48CA-3C1F-45E9-AF42-30C003A38B71}" type="slidenum">
+              <a:rPr lang="fr-FR" smtClean="0"/>
+              <a:t>32</a:t>
+            </a:fld>
+            <a:endParaRPr lang="fr-FR"/>
+          </a:p>
+        </p:txBody>
+      </p:sp>
+    </p:spTree>
+    <p:extLst>
+      <p:ext uri="{BB962C8B-B14F-4D97-AF65-F5344CB8AC3E}">
+        <p14:creationId xmlns:p14="http://schemas.microsoft.com/office/powerpoint/2010/main" val="3686479247"/>
+      </p:ext>
+    </p:extLst>
+  </p:cSld>
+  <p:clrMapOvr>
+    <a:masterClrMapping/>
+  </p:clrMapOvr>
+</p:notes>
+</file>
+
+<file path=ppt/notesSlides/notesSlide21.xml><?xml version="1.0" encoding="utf-8"?>
+<p:notes xmlns:a="http://schemas.openxmlformats.org/drawingml/2006/main" xmlns:r="http://schemas.openxmlformats.org/officeDocument/2006/relationships" xmlns:p="http://schemas.openxmlformats.org/presentationml/2006/main">
+  <p:cSld>
+    <p:spTree>
+      <p:nvGrpSpPr>
+        <p:cNvPr id="1" name=""/>
+        <p:cNvGrpSpPr/>
+        <p:nvPr/>
+      </p:nvGrpSpPr>
+      <p:grpSpPr>
+        <a:xfrm>
+          <a:off x="0" y="0"/>
+          <a:ext cx="0" cy="0"/>
+          <a:chOff x="0" y="0"/>
+          <a:chExt cx="0" cy="0"/>
+        </a:xfrm>
+      </p:grpSpPr>
+      <p:sp>
+        <p:nvSpPr>
+          <p:cNvPr id="2" name="Espace réservé de l'image des diapositives 1"/>
+          <p:cNvSpPr>
+            <a:spLocks noGrp="1" noRot="1" noChangeAspect="1"/>
+          </p:cNvSpPr>
+          <p:nvPr>
+            <p:ph type="sldImg"/>
+          </p:nvPr>
+        </p:nvSpPr>
+        <p:spPr/>
+      </p:sp>
+      <p:sp>
+        <p:nvSpPr>
+          <p:cNvPr id="3" name="Espace réservé des notes 2"/>
+          <p:cNvSpPr>
+            <a:spLocks noGrp="1"/>
+          </p:cNvSpPr>
+          <p:nvPr>
+            <p:ph type="body" idx="1"/>
+          </p:nvPr>
+        </p:nvSpPr>
+        <p:spPr/>
+        <p:txBody>
+          <a:bodyPr/>
+          <a:lstStyle/>
+          <a:p>
+            <a:r>
+              <a:rPr lang="fr-FR" dirty="0"/>
+              <a:t>https://azurplus.fr/a-quoi-sert-exactement-une-adresse-mac/</a:t>
+            </a:r>
+          </a:p>
+        </p:txBody>
+      </p:sp>
+      <p:sp>
+        <p:nvSpPr>
+          <p:cNvPr id="4" name="Espace réservé du numéro de diapositive 3"/>
+          <p:cNvSpPr>
+            <a:spLocks noGrp="1"/>
+          </p:cNvSpPr>
+          <p:nvPr>
+            <p:ph type="sldNum" sz="quarter" idx="5"/>
+          </p:nvPr>
+        </p:nvSpPr>
+        <p:spPr/>
+        <p:txBody>
+          <a:bodyPr/>
+          <a:lstStyle/>
+          <a:p>
+            <a:fld id="{95BC48CA-3C1F-45E9-AF42-30C003A38B71}" type="slidenum">
+              <a:rPr lang="fr-FR" smtClean="0"/>
+              <a:t>33</a:t>
+            </a:fld>
+            <a:endParaRPr lang="fr-FR"/>
+          </a:p>
+        </p:txBody>
+      </p:sp>
+    </p:spTree>
+    <p:extLst>
+      <p:ext uri="{BB962C8B-B14F-4D97-AF65-F5344CB8AC3E}">
+        <p14:creationId xmlns:p14="http://schemas.microsoft.com/office/powerpoint/2010/main" val="2662081274"/>
+      </p:ext>
+    </p:extLst>
+  </p:cSld>
+  <p:clrMapOvr>
+    <a:masterClrMapping/>
+  </p:clrMapOvr>
+</p:notes>
+</file>
+
+<file path=ppt/notesSlides/notesSlide22.xml><?xml version="1.0" encoding="utf-8"?>
+<p:notes xmlns:a="http://schemas.openxmlformats.org/drawingml/2006/main" xmlns:r="http://schemas.openxmlformats.org/officeDocument/2006/relationships" xmlns:p="http://schemas.openxmlformats.org/presentationml/2006/main">
+  <p:cSld>
+    <p:spTree>
+      <p:nvGrpSpPr>
+        <p:cNvPr id="1" name=""/>
+        <p:cNvGrpSpPr/>
+        <p:nvPr/>
+      </p:nvGrpSpPr>
+      <p:grpSpPr>
+        <a:xfrm>
+          <a:off x="0" y="0"/>
+          <a:ext cx="0" cy="0"/>
+          <a:chOff x="0" y="0"/>
+          <a:chExt cx="0" cy="0"/>
+        </a:xfrm>
+      </p:grpSpPr>
+      <p:sp>
+        <p:nvSpPr>
+          <p:cNvPr id="2" name="Espace réservé de l'image des diapositives 1"/>
+          <p:cNvSpPr>
+            <a:spLocks noGrp="1" noRot="1" noChangeAspect="1"/>
+          </p:cNvSpPr>
+          <p:nvPr>
+            <p:ph type="sldImg"/>
+          </p:nvPr>
+        </p:nvSpPr>
+        <p:spPr/>
+      </p:sp>
+      <p:sp>
+        <p:nvSpPr>
+          <p:cNvPr id="3" name="Espace réservé des notes 2"/>
+          <p:cNvSpPr>
+            <a:spLocks noGrp="1"/>
+          </p:cNvSpPr>
+          <p:nvPr>
+            <p:ph type="body" idx="1"/>
+          </p:nvPr>
+        </p:nvSpPr>
+        <p:spPr/>
+        <p:txBody>
+          <a:bodyPr/>
+          <a:lstStyle/>
+          <a:p>
+            <a:r>
+              <a:rPr lang="fr-FR" dirty="0"/>
+              <a:t>https://azurplus.fr/a-quoi-sert-exactement-une-adresse-mac/</a:t>
+            </a:r>
+          </a:p>
+        </p:txBody>
+      </p:sp>
+      <p:sp>
+        <p:nvSpPr>
+          <p:cNvPr id="4" name="Espace réservé du numéro de diapositive 3"/>
+          <p:cNvSpPr>
+            <a:spLocks noGrp="1"/>
+          </p:cNvSpPr>
+          <p:nvPr>
+            <p:ph type="sldNum" sz="quarter" idx="5"/>
+          </p:nvPr>
+        </p:nvSpPr>
+        <p:spPr/>
+        <p:txBody>
+          <a:bodyPr/>
+          <a:lstStyle/>
+          <a:p>
+            <a:fld id="{95BC48CA-3C1F-45E9-AF42-30C003A38B71}" type="slidenum">
+              <a:rPr lang="fr-FR" smtClean="0"/>
+              <a:t>34</a:t>
+            </a:fld>
+            <a:endParaRPr lang="fr-FR"/>
+          </a:p>
+        </p:txBody>
+      </p:sp>
+    </p:spTree>
+    <p:extLst>
+      <p:ext uri="{BB962C8B-B14F-4D97-AF65-F5344CB8AC3E}">
+        <p14:creationId xmlns:p14="http://schemas.microsoft.com/office/powerpoint/2010/main" val="3329939500"/>
+      </p:ext>
+    </p:extLst>
+  </p:cSld>
+  <p:clrMapOvr>
+    <a:masterClrMapping/>
+  </p:clrMapOvr>
+</p:notes>
+</file>
+
+<file path=ppt/notesSlides/notesSlide23.xml><?xml version="1.0" encoding="utf-8"?>
+<p:notes xmlns:a="http://schemas.openxmlformats.org/drawingml/2006/main" xmlns:r="http://schemas.openxmlformats.org/officeDocument/2006/relationships" xmlns:p="http://schemas.openxmlformats.org/presentationml/2006/main">
+  <p:cSld>
+    <p:spTree>
+      <p:nvGrpSpPr>
+        <p:cNvPr id="1" name=""/>
+        <p:cNvGrpSpPr/>
+        <p:nvPr/>
+      </p:nvGrpSpPr>
+      <p:grpSpPr>
+        <a:xfrm>
+          <a:off x="0" y="0"/>
+          <a:ext cx="0" cy="0"/>
+          <a:chOff x="0" y="0"/>
+          <a:chExt cx="0" cy="0"/>
+        </a:xfrm>
+      </p:grpSpPr>
+      <p:sp>
+        <p:nvSpPr>
+          <p:cNvPr id="2" name="Espace réservé de l'image des diapositives 1"/>
+          <p:cNvSpPr>
+            <a:spLocks noGrp="1" noRot="1" noChangeAspect="1"/>
+          </p:cNvSpPr>
+          <p:nvPr>
+            <p:ph type="sldImg"/>
+          </p:nvPr>
+        </p:nvSpPr>
+        <p:spPr/>
+      </p:sp>
+      <p:sp>
+        <p:nvSpPr>
+          <p:cNvPr id="3" name="Espace réservé des notes 2"/>
+          <p:cNvSpPr>
+            <a:spLocks noGrp="1"/>
+          </p:cNvSpPr>
+          <p:nvPr>
+            <p:ph type="body" idx="1"/>
+          </p:nvPr>
+        </p:nvSpPr>
+        <p:spPr/>
+        <p:txBody>
+          <a:bodyPr/>
+          <a:lstStyle/>
+          <a:p>
+            <a:pPr marL="0" marR="0" lvl="0" indent="0" algn="l" defTabSz="914400" rtl="0" eaLnBrk="1" fontAlgn="auto" latinLnBrk="0" hangingPunct="1">
+              <a:lnSpc>
+                <a:spcPct val="100000"/>
+              </a:lnSpc>
+              <a:spcBef>
+                <a:spcPts val="0"/>
+              </a:spcBef>
+              <a:spcAft>
+                <a:spcPts val="0"/>
+              </a:spcAft>
+              <a:buClrTx/>
+              <a:buSzTx/>
+              <a:buFontTx/>
+              <a:buNone/>
+              <a:tabLst/>
+              <a:defRPr/>
+            </a:pPr>
+            <a:r>
+              <a:rPr lang="fr-FR" dirty="0"/>
+              <a:t>Est-ce que ça vous aurait intéressé de sertir des </a:t>
+            </a:r>
+            <a:r>
+              <a:rPr lang="fr-FR" dirty="0" err="1"/>
+              <a:t>câbmes</a:t>
+            </a:r>
+            <a:r>
+              <a:rPr lang="fr-FR" dirty="0"/>
+              <a:t> ?</a:t>
+            </a:r>
+          </a:p>
+          <a:p>
+            <a:endParaRPr lang="fr-FR" dirty="0"/>
+          </a:p>
+        </p:txBody>
+      </p:sp>
+      <p:sp>
+        <p:nvSpPr>
+          <p:cNvPr id="4" name="Espace réservé du numéro de diapositive 3"/>
+          <p:cNvSpPr>
+            <a:spLocks noGrp="1"/>
+          </p:cNvSpPr>
+          <p:nvPr>
+            <p:ph type="sldNum" sz="quarter" idx="5"/>
+          </p:nvPr>
+        </p:nvSpPr>
+        <p:spPr/>
+        <p:txBody>
+          <a:bodyPr/>
+          <a:lstStyle/>
+          <a:p>
+            <a:fld id="{95BC48CA-3C1F-45E9-AF42-30C003A38B71}" type="slidenum">
+              <a:rPr lang="fr-FR" smtClean="0"/>
+              <a:t>36</a:t>
+            </a:fld>
+            <a:endParaRPr lang="fr-FR"/>
+          </a:p>
+        </p:txBody>
+      </p:sp>
+    </p:spTree>
+    <p:extLst>
+      <p:ext uri="{BB962C8B-B14F-4D97-AF65-F5344CB8AC3E}">
+        <p14:creationId xmlns:p14="http://schemas.microsoft.com/office/powerpoint/2010/main" val="620435831"/>
+      </p:ext>
+    </p:extLst>
+  </p:cSld>
+  <p:clrMapOvr>
+    <a:masterClrMapping/>
+  </p:clrMapOvr>
+</p:notes>
+</file>
+
+<file path=ppt/notesSlides/notesSlide24.xml><?xml version="1.0" encoding="utf-8"?>
+<p:notes xmlns:a="http://schemas.openxmlformats.org/drawingml/2006/main" xmlns:r="http://schemas.openxmlformats.org/officeDocument/2006/relationships" xmlns:p="http://schemas.openxmlformats.org/presentationml/2006/main">
+  <p:cSld>
+    <p:spTree>
+      <p:nvGrpSpPr>
+        <p:cNvPr id="1" name=""/>
+        <p:cNvGrpSpPr/>
+        <p:nvPr/>
+      </p:nvGrpSpPr>
+      <p:grpSpPr>
+        <a:xfrm>
+          <a:off x="0" y="0"/>
+          <a:ext cx="0" cy="0"/>
+          <a:chOff x="0" y="0"/>
+          <a:chExt cx="0" cy="0"/>
+        </a:xfrm>
+      </p:grpSpPr>
+      <p:sp>
+        <p:nvSpPr>
+          <p:cNvPr id="2" name="Espace réservé de l'image des diapositives 1"/>
+          <p:cNvSpPr>
+            <a:spLocks noGrp="1" noRot="1" noChangeAspect="1"/>
+          </p:cNvSpPr>
+          <p:nvPr>
+            <p:ph type="sldImg"/>
+          </p:nvPr>
+        </p:nvSpPr>
+        <p:spPr/>
+      </p:sp>
+      <p:sp>
+        <p:nvSpPr>
+          <p:cNvPr id="3" name="Espace réservé des notes 2"/>
+          <p:cNvSpPr>
+            <a:spLocks noGrp="1"/>
+          </p:cNvSpPr>
+          <p:nvPr>
+            <p:ph type="body" idx="1"/>
+          </p:nvPr>
+        </p:nvSpPr>
+        <p:spPr/>
+        <p:txBody>
+          <a:bodyPr/>
+          <a:lstStyle/>
+          <a:p>
+            <a:pPr marL="0" marR="0" lvl="0" indent="0" algn="l" defTabSz="914400" rtl="0" eaLnBrk="1" fontAlgn="auto" latinLnBrk="0" hangingPunct="1">
+              <a:lnSpc>
+                <a:spcPct val="100000"/>
+              </a:lnSpc>
+              <a:spcBef>
+                <a:spcPts val="0"/>
+              </a:spcBef>
+              <a:spcAft>
+                <a:spcPts val="0"/>
+              </a:spcAft>
+              <a:buClrTx/>
+              <a:buSzTx/>
+              <a:buFontTx/>
+              <a:buNone/>
+              <a:tabLst/>
+              <a:defRPr/>
+            </a:pPr>
+            <a:r>
+              <a:rPr lang="fr-FR" dirty="0"/>
+              <a:t>Utilisation d’une boite de chicoré : 200m</a:t>
+            </a:r>
+          </a:p>
+          <a:p>
+            <a:endParaRPr lang="fr-FR" dirty="0"/>
+          </a:p>
+        </p:txBody>
+      </p:sp>
+      <p:sp>
+        <p:nvSpPr>
+          <p:cNvPr id="4" name="Espace réservé du numéro de diapositive 3"/>
+          <p:cNvSpPr>
+            <a:spLocks noGrp="1"/>
+          </p:cNvSpPr>
+          <p:nvPr>
+            <p:ph type="sldNum" sz="quarter" idx="5"/>
+          </p:nvPr>
+        </p:nvSpPr>
+        <p:spPr/>
+        <p:txBody>
+          <a:bodyPr/>
+          <a:lstStyle/>
+          <a:p>
+            <a:fld id="{95BC48CA-3C1F-45E9-AF42-30C003A38B71}" type="slidenum">
+              <a:rPr lang="fr-FR" smtClean="0"/>
+              <a:t>37</a:t>
+            </a:fld>
+            <a:endParaRPr lang="fr-FR"/>
+          </a:p>
+        </p:txBody>
+      </p:sp>
+    </p:spTree>
+    <p:extLst>
+      <p:ext uri="{BB962C8B-B14F-4D97-AF65-F5344CB8AC3E}">
+        <p14:creationId xmlns:p14="http://schemas.microsoft.com/office/powerpoint/2010/main" val="1129090529"/>
+      </p:ext>
+    </p:extLst>
+  </p:cSld>
+  <p:clrMapOvr>
+    <a:masterClrMapping/>
+  </p:clrMapOvr>
+</p:notes>
+</file>
+
+<file path=ppt/notesSlides/notesSlide25.xml><?xml version="1.0" encoding="utf-8"?>
+<p:notes xmlns:a="http://schemas.openxmlformats.org/drawingml/2006/main" xmlns:r="http://schemas.openxmlformats.org/officeDocument/2006/relationships" xmlns:p="http://schemas.openxmlformats.org/presentationml/2006/main">
+  <p:cSld>
+    <p:spTree>
+      <p:nvGrpSpPr>
+        <p:cNvPr id="1" name=""/>
+        <p:cNvGrpSpPr/>
+        <p:nvPr/>
+      </p:nvGrpSpPr>
+      <p:grpSpPr>
+        <a:xfrm>
+          <a:off x="0" y="0"/>
+          <a:ext cx="0" cy="0"/>
+          <a:chOff x="0" y="0"/>
+          <a:chExt cx="0" cy="0"/>
+        </a:xfrm>
+      </p:grpSpPr>
+      <p:sp>
+        <p:nvSpPr>
+          <p:cNvPr id="2" name="Espace réservé de l'image des diapositives 1"/>
+          <p:cNvSpPr>
+            <a:spLocks noGrp="1" noRot="1" noChangeAspect="1"/>
+          </p:cNvSpPr>
+          <p:nvPr>
+            <p:ph type="sldImg"/>
+          </p:nvPr>
+        </p:nvSpPr>
+        <p:spPr/>
+      </p:sp>
+      <p:sp>
+        <p:nvSpPr>
+          <p:cNvPr id="3" name="Espace réservé des notes 2"/>
+          <p:cNvSpPr>
+            <a:spLocks noGrp="1"/>
+          </p:cNvSpPr>
+          <p:nvPr>
+            <p:ph type="body" idx="1"/>
+          </p:nvPr>
+        </p:nvSpPr>
+        <p:spPr/>
+        <p:txBody>
+          <a:bodyPr/>
+          <a:lstStyle/>
+          <a:p>
+            <a:r>
+              <a:rPr lang="fr-FR" dirty="0"/>
               <a:t>Très utilisé ! Notamment pour relier des antennes 4G qui sont trop loin du réseau</a:t>
             </a:r>
             <a:r>
@@ -1753,7 +2258,7 @@
           <a:p>
             <a:fld id="{95BC48CA-3C1F-45E9-AF42-30C003A38B71}" type="slidenum">
               <a:rPr lang="fr-FR" smtClean="0"/>
-              <a:t>35</a:t>
+              <a:t>42</a:t>
             </a:fld>
             <a:endParaRPr lang="fr-FR"/>
           </a:p>
@@ -1836,7 +2341,7 @@
           <a:p>
             <a:r>
               <a:rPr lang="fr-FR" dirty="0"/>
-              <a:t>Nombre d’équipement = 16 777 216 – 1</a:t>
+              <a:t>Nombre d’équipement = 2 ^24 – 1 = 16 777 216 – 1</a:t>
             </a:r>
           </a:p>
           <a:p>
@@ -1933,10 +2438,7 @@
           <a:bodyPr/>
           <a:lstStyle/>
           <a:p>
-            <a:r>
-              <a:rPr lang="fr-FR" dirty="0"/>
-              <a:t>10.103.45.8/10 : 10. 0110 0111 : Réseau 10.64.0.0 Masque : 255.192.0.0 Adresse machine : </a:t>
-            </a:r>
+            <a:endParaRPr lang="fr-FR" dirty="0"/>
           </a:p>
         </p:txBody>
       </p:sp>
@@ -2104,7 +2606,10 @@
           <a:bodyPr/>
           <a:lstStyle/>
           <a:p>
-            <a:endParaRPr lang="fr-FR" dirty="0"/>
+            <a:r>
+              <a:rPr lang="fr-FR" dirty="0"/>
+              <a:t>On voit dans quelque slides pourquoi il faut économiser les adresses IP publiques</a:t>
+            </a:r>
           </a:p>
         </p:txBody>
       </p:sp>
@@ -2218,7 +2723,7 @@
     </p:spTree>
     <p:extLst>
       <p:ext uri="{BB962C8B-B14F-4D97-AF65-F5344CB8AC3E}">
-        <p14:creationId xmlns:p14="http://schemas.microsoft.com/office/powerpoint/2010/main" val="2172525238"/>
+        <p14:creationId xmlns:p14="http://schemas.microsoft.com/office/powerpoint/2010/main" val="3215670389"/>
       </p:ext>
     </p:extLst>
   </p:cSld>
@@ -2272,28 +2777,7 @@
           <a:bodyPr/>
           <a:lstStyle/>
           <a:p>
-            <a:r>
-              <a:rPr lang="fr-FR" dirty="0"/>
-              <a:t>Toutes les équipements n’ont pas besoin d’avoir accès à internet en même temps.</a:t>
-            </a:r>
-          </a:p>
-          <a:p>
-            <a:r>
-              <a:rPr lang="fr-FR" dirty="0"/>
-              <a:t>Seuls les équipements actifs utilisent une adresse IP publique</a:t>
-            </a:r>
-          </a:p>
-          <a:p>
-            <a:r>
-              <a:rPr lang="fr-FR" dirty="0"/>
-              <a:t>Le routeur réalise l’allocation de façon dynamique</a:t>
-            </a:r>
-          </a:p>
-          <a:p>
-            <a:r>
-              <a:rPr lang="fr-FR" dirty="0"/>
-              <a:t>Il remplace dans les trames IP l’adresse source par une adresse publique</a:t>
-            </a:r>
+            <a:endParaRPr lang="fr-FR" dirty="0"/>
           </a:p>
         </p:txBody>
       </p:sp>
@@ -2323,7 +2807,7 @@
     </p:spTree>
     <p:extLst>
       <p:ext uri="{BB962C8B-B14F-4D97-AF65-F5344CB8AC3E}">
-        <p14:creationId xmlns:p14="http://schemas.microsoft.com/office/powerpoint/2010/main" val="3644133298"/>
+        <p14:creationId xmlns:p14="http://schemas.microsoft.com/office/powerpoint/2010/main" val="2172525238"/>
       </p:ext>
     </p:extLst>
   </p:cSld>
@@ -2377,16 +2861,7 @@
           <a:bodyPr/>
           <a:lstStyle/>
           <a:p>
-            <a:r>
-              <a:rPr lang="fr-FR" dirty="0"/>
-              <a:t>Cas classique des box Internet</a:t>
-            </a:r>
-          </a:p>
-          <a:p>
-            <a:r>
-              <a:rPr lang="fr-FR" dirty="0"/>
-              <a:t>Avantage en terme de sécurité</a:t>
-            </a:r>
+            <a:endParaRPr lang="fr-FR" dirty="0"/>
           </a:p>
         </p:txBody>
       </p:sp>
@@ -2416,7 +2891,7 @@
     </p:spTree>
     <p:extLst>
       <p:ext uri="{BB962C8B-B14F-4D97-AF65-F5344CB8AC3E}">
-        <p14:creationId xmlns:p14="http://schemas.microsoft.com/office/powerpoint/2010/main" val="85297561"/>
+        <p14:creationId xmlns:p14="http://schemas.microsoft.com/office/powerpoint/2010/main" val="325265489"/>
       </p:ext>
     </p:extLst>
   </p:cSld>
@@ -2573,7 +3048,7 @@
           <a:p>
             <a:fld id="{449235ED-62CB-4048-8D5F-74D492A1C6D7}" type="datetimeFigureOut">
               <a:rPr lang="fr-FR" smtClean="0"/>
-              <a:t>23/02/2023</a:t>
+              <a:t>08/01/2024</a:t>
             </a:fld>
             <a:endParaRPr lang="fr-FR"/>
           </a:p>
@@ -2771,7 +3246,7 @@
           <a:p>
             <a:fld id="{449235ED-62CB-4048-8D5F-74D492A1C6D7}" type="datetimeFigureOut">
               <a:rPr lang="fr-FR" smtClean="0"/>
-              <a:t>23/02/2023</a:t>
+              <a:t>08/01/2024</a:t>
             </a:fld>
             <a:endParaRPr lang="fr-FR"/>
           </a:p>
@@ -2979,7 +3454,7 @@
           <a:p>
             <a:fld id="{449235ED-62CB-4048-8D5F-74D492A1C6D7}" type="datetimeFigureOut">
               <a:rPr lang="fr-FR" smtClean="0"/>
-              <a:t>23/02/2023</a:t>
+              <a:t>08/01/2024</a:t>
             </a:fld>
             <a:endParaRPr lang="fr-FR"/>
           </a:p>
@@ -3177,7 +3652,7 @@
           <a:p>
             <a:fld id="{449235ED-62CB-4048-8D5F-74D492A1C6D7}" type="datetimeFigureOut">
               <a:rPr lang="fr-FR" smtClean="0"/>
-              <a:t>23/02/2023</a:t>
+              <a:t>08/01/2024</a:t>
             </a:fld>
             <a:endParaRPr lang="fr-FR"/>
           </a:p>
@@ -3452,7 +3927,7 @@
           <a:p>
             <a:fld id="{449235ED-62CB-4048-8D5F-74D492A1C6D7}" type="datetimeFigureOut">
               <a:rPr lang="fr-FR" smtClean="0"/>
-              <a:t>23/02/2023</a:t>
+              <a:t>08/01/2024</a:t>
             </a:fld>
             <a:endParaRPr lang="fr-FR"/>
           </a:p>
@@ -3717,7 +4192,7 @@
           <a:p>
             <a:fld id="{449235ED-62CB-4048-8D5F-74D492A1C6D7}" type="datetimeFigureOut">
               <a:rPr lang="fr-FR" smtClean="0"/>
-              <a:t>23/02/2023</a:t>
+              <a:t>08/01/2024</a:t>
             </a:fld>
             <a:endParaRPr lang="fr-FR"/>
           </a:p>
@@ -4129,7 +4604,7 @@
           <a:p>
             <a:fld id="{449235ED-62CB-4048-8D5F-74D492A1C6D7}" type="datetimeFigureOut">
               <a:rPr lang="fr-FR" smtClean="0"/>
-              <a:t>23/02/2023</a:t>
+              <a:t>08/01/2024</a:t>
             </a:fld>
             <a:endParaRPr lang="fr-FR"/>
           </a:p>
@@ -4270,7 +4745,7 @@
           <a:p>
             <a:fld id="{449235ED-62CB-4048-8D5F-74D492A1C6D7}" type="datetimeFigureOut">
               <a:rPr lang="fr-FR" smtClean="0"/>
-              <a:t>23/02/2023</a:t>
+              <a:t>08/01/2024</a:t>
             </a:fld>
             <a:endParaRPr lang="fr-FR"/>
           </a:p>
@@ -4383,7 +4858,7 @@
           <a:p>
             <a:fld id="{449235ED-62CB-4048-8D5F-74D492A1C6D7}" type="datetimeFigureOut">
               <a:rPr lang="fr-FR" smtClean="0"/>
-              <a:t>23/02/2023</a:t>
+              <a:t>08/01/2024</a:t>
             </a:fld>
             <a:endParaRPr lang="fr-FR"/>
           </a:p>
@@ -4694,7 +5169,7 @@
           <a:p>
             <a:fld id="{449235ED-62CB-4048-8D5F-74D492A1C6D7}" type="datetimeFigureOut">
               <a:rPr lang="fr-FR" smtClean="0"/>
-              <a:t>23/02/2023</a:t>
+              <a:t>08/01/2024</a:t>
             </a:fld>
             <a:endParaRPr lang="fr-FR"/>
           </a:p>
@@ -4982,7 +5457,7 @@
           <a:p>
             <a:fld id="{449235ED-62CB-4048-8D5F-74D492A1C6D7}" type="datetimeFigureOut">
               <a:rPr lang="fr-FR" smtClean="0"/>
-              <a:t>23/02/2023</a:t>
+              <a:t>08/01/2024</a:t>
             </a:fld>
             <a:endParaRPr lang="fr-FR"/>
           </a:p>
@@ -5223,7 +5698,7 @@
           <a:p>
             <a:fld id="{449235ED-62CB-4048-8D5F-74D492A1C6D7}" type="datetimeFigureOut">
               <a:rPr lang="fr-FR" smtClean="0"/>
-              <a:t>23/02/2023</a:t>
+              <a:t>08/01/2024</a:t>
             </a:fld>
             <a:endParaRPr lang="fr-FR"/>
           </a:p>
@@ -8756,6 +9231,252 @@
             </a:pPr>
             <a:r>
               <a:rPr lang="fr-FR" dirty="0"/>
+              <a:t>-&gt; Combien d’équipements ?</a:t>
+            </a:r>
+          </a:p>
+          <a:p>
+            <a:pPr marL="0" indent="0">
+              <a:buNone/>
+            </a:pPr>
+            <a:r>
+              <a:rPr lang="fr-FR" dirty="0"/>
+              <a:t>-&gt; Combien d’adresse IP publiques ?</a:t>
+            </a:r>
+          </a:p>
+          <a:p>
+            <a:pPr marL="0" indent="0">
+              <a:buNone/>
+            </a:pPr>
+            <a:endParaRPr lang="fr-FR" dirty="0"/>
+          </a:p>
+        </p:txBody>
+      </p:sp>
+      <p:pic>
+        <p:nvPicPr>
+          <p:cNvPr id="4" name="Image 3">
+            <a:extLst>
+              <a:ext uri="{FF2B5EF4-FFF2-40B4-BE49-F238E27FC236}">
+                <a16:creationId xmlns:a16="http://schemas.microsoft.com/office/drawing/2014/main" id="{C736F3A7-1CC9-4DE4-7E3D-52AEAC04D557}"/>
+              </a:ext>
+            </a:extLst>
+          </p:cNvPr>
+          <p:cNvPicPr>
+            <a:picLocks noChangeAspect="1"/>
+          </p:cNvPicPr>
+          <p:nvPr/>
+        </p:nvPicPr>
+        <p:blipFill>
+          <a:blip r:embed="rId3">
+            <a:extLst>
+              <a:ext uri="{28A0092B-C50C-407E-A947-70E740481C1C}">
+                <a14:useLocalDpi xmlns:a14="http://schemas.microsoft.com/office/drawing/2010/main" val="0"/>
+              </a:ext>
+            </a:extLst>
+          </a:blip>
+          <a:stretch>
+            <a:fillRect/>
+          </a:stretch>
+        </p:blipFill>
+        <p:spPr>
+          <a:xfrm>
+            <a:off x="259474" y="6154384"/>
+            <a:ext cx="1675204" cy="519313"/>
+          </a:xfrm>
+          <a:prstGeom prst="rect">
+            <a:avLst/>
+          </a:prstGeom>
+        </p:spPr>
+      </p:pic>
+      <p:pic>
+        <p:nvPicPr>
+          <p:cNvPr id="6" name="Image 5">
+            <a:extLst>
+              <a:ext uri="{FF2B5EF4-FFF2-40B4-BE49-F238E27FC236}">
+                <a16:creationId xmlns:a16="http://schemas.microsoft.com/office/drawing/2014/main" id="{B208D33C-DF03-4D57-4C11-C3CEE4D2B865}"/>
+              </a:ext>
+            </a:extLst>
+          </p:cNvPr>
+          <p:cNvPicPr>
+            <a:picLocks noChangeAspect="1"/>
+          </p:cNvPicPr>
+          <p:nvPr/>
+        </p:nvPicPr>
+        <p:blipFill>
+          <a:blip r:embed="rId4">
+            <a:extLst>
+              <a:ext uri="{28A0092B-C50C-407E-A947-70E740481C1C}">
+                <a14:useLocalDpi xmlns:a14="http://schemas.microsoft.com/office/drawing/2010/main" val="0"/>
+              </a:ext>
+            </a:extLst>
+          </a:blip>
+          <a:stretch>
+            <a:fillRect/>
+          </a:stretch>
+        </p:blipFill>
+        <p:spPr>
+          <a:xfrm>
+            <a:off x="4455679" y="1513168"/>
+            <a:ext cx="6898121" cy="4641216"/>
+          </a:xfrm>
+          <a:prstGeom prst="rect">
+            <a:avLst/>
+          </a:prstGeom>
+        </p:spPr>
+      </p:pic>
+      <p:sp>
+        <p:nvSpPr>
+          <p:cNvPr id="5" name="Rectangle 4">
+            <a:extLst>
+              <a:ext uri="{FF2B5EF4-FFF2-40B4-BE49-F238E27FC236}">
+                <a16:creationId xmlns:a16="http://schemas.microsoft.com/office/drawing/2014/main" id="{9930CCB0-EB4C-FA93-12B5-972C6B03DA66}"/>
+              </a:ext>
+            </a:extLst>
+          </p:cNvPr>
+          <p:cNvSpPr/>
+          <p:nvPr/>
+        </p:nvSpPr>
+        <p:spPr>
+          <a:xfrm>
+            <a:off x="4358149" y="3878369"/>
+            <a:ext cx="1201993" cy="361336"/>
+          </a:xfrm>
+          <a:prstGeom prst="rect">
+            <a:avLst/>
+          </a:prstGeom>
+          <a:solidFill>
+            <a:schemeClr val="bg1"/>
+          </a:solidFill>
+          <a:ln>
+            <a:noFill/>
+          </a:ln>
+        </p:spPr>
+        <p:style>
+          <a:lnRef idx="2">
+            <a:schemeClr val="accent1">
+              <a:shade val="15000"/>
+            </a:schemeClr>
+          </a:lnRef>
+          <a:fillRef idx="1">
+            <a:schemeClr val="accent1"/>
+          </a:fillRef>
+          <a:effectRef idx="0">
+            <a:schemeClr val="accent1"/>
+          </a:effectRef>
+          <a:fontRef idx="minor">
+            <a:schemeClr val="lt1"/>
+          </a:fontRef>
+        </p:style>
+        <p:txBody>
+          <a:bodyPr rtlCol="0" anchor="ctr"/>
+          <a:lstStyle/>
+          <a:p>
+            <a:pPr algn="ctr"/>
+            <a:r>
+              <a:rPr lang="fr-FR" dirty="0">
+                <a:solidFill>
+                  <a:schemeClr val="tx1"/>
+                </a:solidFill>
+              </a:rPr>
+              <a:t>IP</a:t>
+            </a:r>
+          </a:p>
+        </p:txBody>
+      </p:sp>
+    </p:spTree>
+    <p:extLst>
+      <p:ext uri="{BB962C8B-B14F-4D97-AF65-F5344CB8AC3E}">
+        <p14:creationId xmlns:p14="http://schemas.microsoft.com/office/powerpoint/2010/main" val="1585903185"/>
+      </p:ext>
+    </p:extLst>
+  </p:cSld>
+  <p:clrMapOvr>
+    <a:masterClrMapping/>
+  </p:clrMapOvr>
+</p:sld>
+</file>
+
+<file path=ppt/slides/slide14.xml><?xml version="1.0" encoding="utf-8"?>
+<p:sld xmlns:a="http://schemas.openxmlformats.org/drawingml/2006/main" xmlns:r="http://schemas.openxmlformats.org/officeDocument/2006/relationships" xmlns:p="http://schemas.openxmlformats.org/presentationml/2006/main">
+  <p:cSld>
+    <p:spTree>
+      <p:nvGrpSpPr>
+        <p:cNvPr id="1" name=""/>
+        <p:cNvGrpSpPr/>
+        <p:nvPr/>
+      </p:nvGrpSpPr>
+      <p:grpSpPr>
+        <a:xfrm>
+          <a:off x="0" y="0"/>
+          <a:ext cx="0" cy="0"/>
+          <a:chOff x="0" y="0"/>
+          <a:chExt cx="0" cy="0"/>
+        </a:xfrm>
+      </p:grpSpPr>
+      <p:sp>
+        <p:nvSpPr>
+          <p:cNvPr id="2" name="Titre 1">
+            <a:extLst>
+              <a:ext uri="{FF2B5EF4-FFF2-40B4-BE49-F238E27FC236}">
+                <a16:creationId xmlns:a16="http://schemas.microsoft.com/office/drawing/2014/main" id="{84879000-F87B-E4F1-EDA7-E630DAE221AF}"/>
+              </a:ext>
+            </a:extLst>
+          </p:cNvPr>
+          <p:cNvSpPr>
+            <a:spLocks noGrp="1"/>
+          </p:cNvSpPr>
+          <p:nvPr>
+            <p:ph type="title"/>
+          </p:nvPr>
+        </p:nvSpPr>
+        <p:spPr/>
+        <p:txBody>
+          <a:bodyPr/>
+          <a:lstStyle/>
+          <a:p>
+            <a:r>
+              <a:rPr lang="fr-FR" dirty="0"/>
+              <a:t>Transport – NAT</a:t>
+            </a:r>
+          </a:p>
+        </p:txBody>
+      </p:sp>
+      <p:sp>
+        <p:nvSpPr>
+          <p:cNvPr id="3" name="Espace réservé du contenu 2">
+            <a:extLst>
+              <a:ext uri="{FF2B5EF4-FFF2-40B4-BE49-F238E27FC236}">
+                <a16:creationId xmlns:a16="http://schemas.microsoft.com/office/drawing/2014/main" id="{B23F1D09-D3FA-EDEE-E62D-4B0BA5CAE0B7}"/>
+              </a:ext>
+            </a:extLst>
+          </p:cNvPr>
+          <p:cNvSpPr>
+            <a:spLocks noGrp="1"/>
+          </p:cNvSpPr>
+          <p:nvPr>
+            <p:ph idx="1"/>
+          </p:nvPr>
+        </p:nvSpPr>
+        <p:spPr/>
+        <p:txBody>
+          <a:bodyPr>
+            <a:normAutofit/>
+          </a:bodyPr>
+          <a:lstStyle/>
+          <a:p>
+            <a:pPr marL="0" indent="0">
+              <a:buNone/>
+            </a:pPr>
+            <a:r>
+              <a:rPr lang="fr-FR" dirty="0"/>
+              <a:t>4 sous réseaux en /24</a:t>
+            </a:r>
+          </a:p>
+          <a:p>
+            <a:pPr marL="0" indent="0">
+              <a:buNone/>
+            </a:pPr>
+            <a:r>
+              <a:rPr lang="fr-FR" dirty="0"/>
               <a:t>-&gt; 1000 Équipements</a:t>
             </a:r>
           </a:p>
@@ -8861,7 +9582,7 @@
 </p:sld>
 </file>
 
-<file path=ppt/slides/slide14.xml><?xml version="1.0" encoding="utf-8"?>
+<file path=ppt/slides/slide15.xml><?xml version="1.0" encoding="utf-8"?>
 <p:sld xmlns:a="http://schemas.openxmlformats.org/drawingml/2006/main" xmlns:r="http://schemas.openxmlformats.org/officeDocument/2006/relationships" xmlns:p="http://schemas.openxmlformats.org/presentationml/2006/main">
   <p:cSld>
     <p:spTree>
@@ -8934,7 +9655,7 @@
             </a:pPr>
             <a:r>
               <a:rPr lang="fr-FR" dirty="0"/>
-              <a:t>4 sous réseaux en /16</a:t>
+              <a:t>L’idée :</a:t>
             </a:r>
           </a:p>
           <a:p>
@@ -8943,7 +9664,603 @@
             </a:pPr>
             <a:r>
               <a:rPr lang="fr-FR" dirty="0"/>
-              <a:t>-&gt; 25000 Équipements</a:t>
+              <a:t>Les équipements n’ont pas besoin d’une </a:t>
+            </a:r>
+          </a:p>
+          <a:p>
+            <a:pPr marL="0" indent="0">
+              <a:buNone/>
+            </a:pPr>
+            <a:r>
+              <a:rPr lang="fr-FR" dirty="0"/>
+              <a:t>adresse IP publique en permanence</a:t>
+            </a:r>
+          </a:p>
+          <a:p>
+            <a:pPr marL="0" indent="0">
+              <a:buNone/>
+            </a:pPr>
+            <a:endParaRPr lang="fr-FR" dirty="0"/>
+          </a:p>
+          <a:p>
+            <a:pPr marL="0" indent="0">
+              <a:buNone/>
+            </a:pPr>
+            <a:r>
+              <a:rPr lang="fr-FR" dirty="0"/>
+              <a:t>Ils vont se partager </a:t>
+            </a:r>
+          </a:p>
+          <a:p>
+            <a:pPr marL="0" indent="0">
+              <a:buNone/>
+            </a:pPr>
+            <a:r>
+              <a:rPr lang="fr-FR" dirty="0"/>
+              <a:t>un « pool » d’adresse IP</a:t>
+            </a:r>
+          </a:p>
+          <a:p>
+            <a:pPr marL="0" indent="0">
+              <a:buNone/>
+            </a:pPr>
+            <a:endParaRPr lang="fr-FR" dirty="0"/>
+          </a:p>
+        </p:txBody>
+      </p:sp>
+      <p:pic>
+        <p:nvPicPr>
+          <p:cNvPr id="4" name="Image 3">
+            <a:extLst>
+              <a:ext uri="{FF2B5EF4-FFF2-40B4-BE49-F238E27FC236}">
+                <a16:creationId xmlns:a16="http://schemas.microsoft.com/office/drawing/2014/main" id="{C736F3A7-1CC9-4DE4-7E3D-52AEAC04D557}"/>
+              </a:ext>
+            </a:extLst>
+          </p:cNvPr>
+          <p:cNvPicPr>
+            <a:picLocks noChangeAspect="1"/>
+          </p:cNvPicPr>
+          <p:nvPr/>
+        </p:nvPicPr>
+        <p:blipFill>
+          <a:blip r:embed="rId3">
+            <a:extLst>
+              <a:ext uri="{28A0092B-C50C-407E-A947-70E740481C1C}">
+                <a14:useLocalDpi xmlns:a14="http://schemas.microsoft.com/office/drawing/2010/main" val="0"/>
+              </a:ext>
+            </a:extLst>
+          </a:blip>
+          <a:stretch>
+            <a:fillRect/>
+          </a:stretch>
+        </p:blipFill>
+        <p:spPr>
+          <a:xfrm>
+            <a:off x="259474" y="6154384"/>
+            <a:ext cx="1675204" cy="519313"/>
+          </a:xfrm>
+          <a:prstGeom prst="rect">
+            <a:avLst/>
+          </a:prstGeom>
+        </p:spPr>
+      </p:pic>
+      <p:pic>
+        <p:nvPicPr>
+          <p:cNvPr id="6" name="Image 5">
+            <a:extLst>
+              <a:ext uri="{FF2B5EF4-FFF2-40B4-BE49-F238E27FC236}">
+                <a16:creationId xmlns:a16="http://schemas.microsoft.com/office/drawing/2014/main" id="{B208D33C-DF03-4D57-4C11-C3CEE4D2B865}"/>
+              </a:ext>
+            </a:extLst>
+          </p:cNvPr>
+          <p:cNvPicPr>
+            <a:picLocks noChangeAspect="1"/>
+          </p:cNvPicPr>
+          <p:nvPr/>
+        </p:nvPicPr>
+        <p:blipFill>
+          <a:blip r:embed="rId4">
+            <a:extLst>
+              <a:ext uri="{28A0092B-C50C-407E-A947-70E740481C1C}">
+                <a14:useLocalDpi xmlns:a14="http://schemas.microsoft.com/office/drawing/2010/main" val="0"/>
+              </a:ext>
+            </a:extLst>
+          </a:blip>
+          <a:stretch>
+            <a:fillRect/>
+          </a:stretch>
+        </p:blipFill>
+        <p:spPr>
+          <a:xfrm>
+            <a:off x="4455679" y="1513168"/>
+            <a:ext cx="6898121" cy="4641216"/>
+          </a:xfrm>
+          <a:prstGeom prst="rect">
+            <a:avLst/>
+          </a:prstGeom>
+        </p:spPr>
+      </p:pic>
+    </p:spTree>
+    <p:extLst>
+      <p:ext uri="{BB962C8B-B14F-4D97-AF65-F5344CB8AC3E}">
+        <p14:creationId xmlns:p14="http://schemas.microsoft.com/office/powerpoint/2010/main" val="3665951442"/>
+      </p:ext>
+    </p:extLst>
+  </p:cSld>
+  <p:clrMapOvr>
+    <a:masterClrMapping/>
+  </p:clrMapOvr>
+</p:sld>
+</file>
+
+<file path=ppt/slides/slide16.xml><?xml version="1.0" encoding="utf-8"?>
+<p:sld xmlns:a="http://schemas.openxmlformats.org/drawingml/2006/main" xmlns:r="http://schemas.openxmlformats.org/officeDocument/2006/relationships" xmlns:p="http://schemas.openxmlformats.org/presentationml/2006/main">
+  <p:cSld>
+    <p:spTree>
+      <p:nvGrpSpPr>
+        <p:cNvPr id="1" name=""/>
+        <p:cNvGrpSpPr/>
+        <p:nvPr/>
+      </p:nvGrpSpPr>
+      <p:grpSpPr>
+        <a:xfrm>
+          <a:off x="0" y="0"/>
+          <a:ext cx="0" cy="0"/>
+          <a:chOff x="0" y="0"/>
+          <a:chExt cx="0" cy="0"/>
+        </a:xfrm>
+      </p:grpSpPr>
+      <p:sp>
+        <p:nvSpPr>
+          <p:cNvPr id="2" name="Titre 1">
+            <a:extLst>
+              <a:ext uri="{FF2B5EF4-FFF2-40B4-BE49-F238E27FC236}">
+                <a16:creationId xmlns:a16="http://schemas.microsoft.com/office/drawing/2014/main" id="{84879000-F87B-E4F1-EDA7-E630DAE221AF}"/>
+              </a:ext>
+            </a:extLst>
+          </p:cNvPr>
+          <p:cNvSpPr>
+            <a:spLocks noGrp="1"/>
+          </p:cNvSpPr>
+          <p:nvPr>
+            <p:ph type="title"/>
+          </p:nvPr>
+        </p:nvSpPr>
+        <p:spPr/>
+        <p:txBody>
+          <a:bodyPr/>
+          <a:lstStyle/>
+          <a:p>
+            <a:r>
+              <a:rPr lang="fr-FR" dirty="0"/>
+              <a:t>Transport – NAT</a:t>
+            </a:r>
+          </a:p>
+        </p:txBody>
+      </p:sp>
+      <p:sp>
+        <p:nvSpPr>
+          <p:cNvPr id="3" name="Espace réservé du contenu 2">
+            <a:extLst>
+              <a:ext uri="{FF2B5EF4-FFF2-40B4-BE49-F238E27FC236}">
+                <a16:creationId xmlns:a16="http://schemas.microsoft.com/office/drawing/2014/main" id="{B23F1D09-D3FA-EDEE-E62D-4B0BA5CAE0B7}"/>
+              </a:ext>
+            </a:extLst>
+          </p:cNvPr>
+          <p:cNvSpPr>
+            <a:spLocks noGrp="1"/>
+          </p:cNvSpPr>
+          <p:nvPr>
+            <p:ph idx="1"/>
+          </p:nvPr>
+        </p:nvSpPr>
+        <p:spPr>
+          <a:xfrm>
+            <a:off x="838200" y="1803046"/>
+            <a:ext cx="10515600" cy="4351338"/>
+          </a:xfrm>
+        </p:spPr>
+        <p:txBody>
+          <a:bodyPr>
+            <a:normAutofit/>
+          </a:bodyPr>
+          <a:lstStyle/>
+          <a:p>
+            <a:pPr marL="0" indent="0">
+              <a:buNone/>
+            </a:pPr>
+            <a:r>
+              <a:rPr lang="fr-FR" dirty="0"/>
+              <a:t>4 sous réseaux en /24</a:t>
+            </a:r>
+          </a:p>
+          <a:p>
+            <a:pPr marL="0" indent="0">
+              <a:buNone/>
+            </a:pPr>
+            <a:r>
+              <a:rPr lang="fr-FR" dirty="0"/>
+              <a:t>-&gt; 1000 Équipements</a:t>
+            </a:r>
+          </a:p>
+          <a:p>
+            <a:pPr marL="0" indent="0">
+              <a:buNone/>
+            </a:pPr>
+            <a:r>
+              <a:rPr lang="fr-FR" dirty="0"/>
+              <a:t>-&gt; 255 Adresses IP publiques</a:t>
+            </a:r>
+          </a:p>
+          <a:p>
+            <a:pPr marL="0" indent="0">
+              <a:buNone/>
+            </a:pPr>
+            <a:endParaRPr lang="fr-FR" dirty="0"/>
+          </a:p>
+        </p:txBody>
+      </p:sp>
+      <p:pic>
+        <p:nvPicPr>
+          <p:cNvPr id="4" name="Image 3">
+            <a:extLst>
+              <a:ext uri="{FF2B5EF4-FFF2-40B4-BE49-F238E27FC236}">
+                <a16:creationId xmlns:a16="http://schemas.microsoft.com/office/drawing/2014/main" id="{C736F3A7-1CC9-4DE4-7E3D-52AEAC04D557}"/>
+              </a:ext>
+            </a:extLst>
+          </p:cNvPr>
+          <p:cNvPicPr>
+            <a:picLocks noChangeAspect="1"/>
+          </p:cNvPicPr>
+          <p:nvPr/>
+        </p:nvPicPr>
+        <p:blipFill>
+          <a:blip r:embed="rId3">
+            <a:extLst>
+              <a:ext uri="{28A0092B-C50C-407E-A947-70E740481C1C}">
+                <a14:useLocalDpi xmlns:a14="http://schemas.microsoft.com/office/drawing/2010/main" val="0"/>
+              </a:ext>
+            </a:extLst>
+          </a:blip>
+          <a:stretch>
+            <a:fillRect/>
+          </a:stretch>
+        </p:blipFill>
+        <p:spPr>
+          <a:xfrm>
+            <a:off x="259474" y="6154384"/>
+            <a:ext cx="1675204" cy="519313"/>
+          </a:xfrm>
+          <a:prstGeom prst="rect">
+            <a:avLst/>
+          </a:prstGeom>
+        </p:spPr>
+      </p:pic>
+      <p:pic>
+        <p:nvPicPr>
+          <p:cNvPr id="6" name="Image 5">
+            <a:extLst>
+              <a:ext uri="{FF2B5EF4-FFF2-40B4-BE49-F238E27FC236}">
+                <a16:creationId xmlns:a16="http://schemas.microsoft.com/office/drawing/2014/main" id="{B208D33C-DF03-4D57-4C11-C3CEE4D2B865}"/>
+              </a:ext>
+            </a:extLst>
+          </p:cNvPr>
+          <p:cNvPicPr>
+            <a:picLocks noChangeAspect="1"/>
+          </p:cNvPicPr>
+          <p:nvPr/>
+        </p:nvPicPr>
+        <p:blipFill>
+          <a:blip r:embed="rId4">
+            <a:extLst>
+              <a:ext uri="{28A0092B-C50C-407E-A947-70E740481C1C}">
+                <a14:useLocalDpi xmlns:a14="http://schemas.microsoft.com/office/drawing/2010/main" val="0"/>
+              </a:ext>
+            </a:extLst>
+          </a:blip>
+          <a:stretch>
+            <a:fillRect/>
+          </a:stretch>
+        </p:blipFill>
+        <p:spPr>
+          <a:xfrm>
+            <a:off x="4455679" y="1513168"/>
+            <a:ext cx="6898121" cy="4641216"/>
+          </a:xfrm>
+          <a:prstGeom prst="rect">
+            <a:avLst/>
+          </a:prstGeom>
+        </p:spPr>
+      </p:pic>
+      <p:sp>
+        <p:nvSpPr>
+          <p:cNvPr id="5" name="Rectangle 4">
+            <a:extLst>
+              <a:ext uri="{FF2B5EF4-FFF2-40B4-BE49-F238E27FC236}">
+                <a16:creationId xmlns:a16="http://schemas.microsoft.com/office/drawing/2014/main" id="{C50E4454-990C-EC76-634E-BAD1B4DA11C4}"/>
+              </a:ext>
+            </a:extLst>
+          </p:cNvPr>
+          <p:cNvSpPr/>
+          <p:nvPr/>
+        </p:nvSpPr>
+        <p:spPr>
+          <a:xfrm>
+            <a:off x="4358149" y="3878369"/>
+            <a:ext cx="1201993" cy="361336"/>
+          </a:xfrm>
+          <a:prstGeom prst="rect">
+            <a:avLst/>
+          </a:prstGeom>
+          <a:solidFill>
+            <a:schemeClr val="bg1"/>
+          </a:solidFill>
+          <a:ln>
+            <a:noFill/>
+          </a:ln>
+        </p:spPr>
+        <p:style>
+          <a:lnRef idx="2">
+            <a:schemeClr val="accent1">
+              <a:shade val="15000"/>
+            </a:schemeClr>
+          </a:lnRef>
+          <a:fillRef idx="1">
+            <a:schemeClr val="accent1"/>
+          </a:fillRef>
+          <a:effectRef idx="0">
+            <a:schemeClr val="accent1"/>
+          </a:effectRef>
+          <a:fontRef idx="minor">
+            <a:schemeClr val="lt1"/>
+          </a:fontRef>
+        </p:style>
+        <p:txBody>
+          <a:bodyPr rtlCol="0" anchor="ctr"/>
+          <a:lstStyle/>
+          <a:p>
+            <a:pPr algn="ctr"/>
+            <a:r>
+              <a:rPr lang="fr-FR" dirty="0">
+                <a:solidFill>
+                  <a:schemeClr val="tx1"/>
+                </a:solidFill>
+              </a:rPr>
+              <a:t>255</a:t>
+            </a:r>
+          </a:p>
+        </p:txBody>
+      </p:sp>
+      <p:sp>
+        <p:nvSpPr>
+          <p:cNvPr id="7" name="Rectangle 6">
+            <a:extLst>
+              <a:ext uri="{FF2B5EF4-FFF2-40B4-BE49-F238E27FC236}">
+                <a16:creationId xmlns:a16="http://schemas.microsoft.com/office/drawing/2014/main" id="{F2990B7D-D89C-C03D-1467-6AA63963BEC7}"/>
+              </a:ext>
+            </a:extLst>
+          </p:cNvPr>
+          <p:cNvSpPr/>
+          <p:nvPr/>
+        </p:nvSpPr>
+        <p:spPr>
+          <a:xfrm>
+            <a:off x="3856704" y="5774980"/>
+            <a:ext cx="4117260" cy="491761"/>
+          </a:xfrm>
+          <a:prstGeom prst="rect">
+            <a:avLst/>
+          </a:prstGeom>
+          <a:solidFill>
+            <a:schemeClr val="bg1"/>
+          </a:solidFill>
+          <a:ln>
+            <a:noFill/>
+          </a:ln>
+        </p:spPr>
+        <p:style>
+          <a:lnRef idx="2">
+            <a:schemeClr val="accent1">
+              <a:shade val="15000"/>
+            </a:schemeClr>
+          </a:lnRef>
+          <a:fillRef idx="1">
+            <a:schemeClr val="accent1"/>
+          </a:fillRef>
+          <a:effectRef idx="0">
+            <a:schemeClr val="accent1"/>
+          </a:effectRef>
+          <a:fontRef idx="minor">
+            <a:schemeClr val="lt1"/>
+          </a:fontRef>
+        </p:style>
+        <p:txBody>
+          <a:bodyPr rtlCol="0" anchor="ctr"/>
+          <a:lstStyle/>
+          <a:p>
+            <a:pPr algn="ctr"/>
+            <a:r>
+              <a:rPr lang="fr-FR" dirty="0">
+                <a:solidFill>
+                  <a:schemeClr val="tx1"/>
+                </a:solidFill>
+              </a:rPr>
+              <a:t>NAT de 12.168/16</a:t>
+            </a:r>
+          </a:p>
+          <a:p>
+            <a:pPr algn="ctr"/>
+            <a:r>
+              <a:rPr lang="fr-FR" dirty="0">
+                <a:solidFill>
+                  <a:schemeClr val="tx1"/>
+                </a:solidFill>
+              </a:rPr>
+              <a:t>Vers 193.48.100/24 </a:t>
+            </a:r>
+          </a:p>
+        </p:txBody>
+      </p:sp>
+      <p:sp>
+        <p:nvSpPr>
+          <p:cNvPr id="8" name="Rectangle 7">
+            <a:extLst>
+              <a:ext uri="{FF2B5EF4-FFF2-40B4-BE49-F238E27FC236}">
+                <a16:creationId xmlns:a16="http://schemas.microsoft.com/office/drawing/2014/main" id="{17946B59-BD1C-95D7-A717-8A5A9AA23EDB}"/>
+              </a:ext>
+            </a:extLst>
+          </p:cNvPr>
+          <p:cNvSpPr/>
+          <p:nvPr/>
+        </p:nvSpPr>
+        <p:spPr>
+          <a:xfrm>
+            <a:off x="3899270" y="4709197"/>
+            <a:ext cx="1660872" cy="491761"/>
+          </a:xfrm>
+          <a:prstGeom prst="rect">
+            <a:avLst/>
+          </a:prstGeom>
+          <a:solidFill>
+            <a:schemeClr val="bg1"/>
+          </a:solidFill>
+          <a:ln>
+            <a:noFill/>
+          </a:ln>
+        </p:spPr>
+        <p:style>
+          <a:lnRef idx="2">
+            <a:schemeClr val="accent1">
+              <a:shade val="15000"/>
+            </a:schemeClr>
+          </a:lnRef>
+          <a:fillRef idx="1">
+            <a:schemeClr val="accent1"/>
+          </a:fillRef>
+          <a:effectRef idx="0">
+            <a:schemeClr val="accent1"/>
+          </a:effectRef>
+          <a:fontRef idx="minor">
+            <a:schemeClr val="lt1"/>
+          </a:fontRef>
+        </p:style>
+        <p:txBody>
+          <a:bodyPr rtlCol="0" anchor="ctr"/>
+          <a:lstStyle/>
+          <a:p>
+            <a:pPr algn="ctr"/>
+            <a:r>
+              <a:rPr lang="fr-FR" dirty="0">
+                <a:solidFill>
+                  <a:schemeClr val="tx1"/>
+                </a:solidFill>
+              </a:rPr>
+              <a:t>193.148.100/24 </a:t>
+            </a:r>
+          </a:p>
+        </p:txBody>
+      </p:sp>
+    </p:spTree>
+    <p:extLst>
+      <p:ext uri="{BB962C8B-B14F-4D97-AF65-F5344CB8AC3E}">
+        <p14:creationId xmlns:p14="http://schemas.microsoft.com/office/powerpoint/2010/main" val="600087496"/>
+      </p:ext>
+    </p:extLst>
+  </p:cSld>
+  <p:clrMapOvr>
+    <a:masterClrMapping/>
+  </p:clrMapOvr>
+</p:sld>
+</file>
+
+<file path=ppt/slides/slide17.xml><?xml version="1.0" encoding="utf-8"?>
+<p:sld xmlns:a="http://schemas.openxmlformats.org/drawingml/2006/main" xmlns:r="http://schemas.openxmlformats.org/officeDocument/2006/relationships" xmlns:p="http://schemas.openxmlformats.org/presentationml/2006/main">
+  <p:cSld>
+    <p:spTree>
+      <p:nvGrpSpPr>
+        <p:cNvPr id="1" name=""/>
+        <p:cNvGrpSpPr/>
+        <p:nvPr/>
+      </p:nvGrpSpPr>
+      <p:grpSpPr>
+        <a:xfrm>
+          <a:off x="0" y="0"/>
+          <a:ext cx="0" cy="0"/>
+          <a:chOff x="0" y="0"/>
+          <a:chExt cx="0" cy="0"/>
+        </a:xfrm>
+      </p:grpSpPr>
+      <p:sp>
+        <p:nvSpPr>
+          <p:cNvPr id="2" name="Titre 1">
+            <a:extLst>
+              <a:ext uri="{FF2B5EF4-FFF2-40B4-BE49-F238E27FC236}">
+                <a16:creationId xmlns:a16="http://schemas.microsoft.com/office/drawing/2014/main" id="{84879000-F87B-E4F1-EDA7-E630DAE221AF}"/>
+              </a:ext>
+            </a:extLst>
+          </p:cNvPr>
+          <p:cNvSpPr>
+            <a:spLocks noGrp="1"/>
+          </p:cNvSpPr>
+          <p:nvPr>
+            <p:ph type="title"/>
+          </p:nvPr>
+        </p:nvSpPr>
+        <p:spPr/>
+        <p:txBody>
+          <a:bodyPr/>
+          <a:lstStyle/>
+          <a:p>
+            <a:r>
+              <a:rPr lang="fr-FR" dirty="0"/>
+              <a:t>Transport – NAT</a:t>
+            </a:r>
+          </a:p>
+        </p:txBody>
+      </p:sp>
+      <p:sp>
+        <p:nvSpPr>
+          <p:cNvPr id="3" name="Espace réservé du contenu 2">
+            <a:extLst>
+              <a:ext uri="{FF2B5EF4-FFF2-40B4-BE49-F238E27FC236}">
+                <a16:creationId xmlns:a16="http://schemas.microsoft.com/office/drawing/2014/main" id="{B23F1D09-D3FA-EDEE-E62D-4B0BA5CAE0B7}"/>
+              </a:ext>
+            </a:extLst>
+          </p:cNvPr>
+          <p:cNvSpPr>
+            <a:spLocks noGrp="1"/>
+          </p:cNvSpPr>
+          <p:nvPr>
+            <p:ph idx="1"/>
+          </p:nvPr>
+        </p:nvSpPr>
+        <p:spPr>
+          <a:xfrm>
+            <a:off x="838200" y="1825625"/>
+            <a:ext cx="4450237" cy="4351338"/>
+          </a:xfrm>
+        </p:spPr>
+        <p:txBody>
+          <a:bodyPr>
+            <a:normAutofit/>
+          </a:bodyPr>
+          <a:lstStyle/>
+          <a:p>
+            <a:pPr marL="0" indent="0">
+              <a:buNone/>
+            </a:pPr>
+            <a:r>
+              <a:rPr lang="fr-FR" dirty="0"/>
+              <a:t>4 sous réseaux en /16</a:t>
+            </a:r>
+          </a:p>
+          <a:p>
+            <a:pPr marL="0" indent="0">
+              <a:buNone/>
+            </a:pPr>
+            <a:r>
+              <a:rPr lang="fr-FR" dirty="0"/>
+              <a:t>-&gt; ???? Équipements</a:t>
             </a:r>
           </a:p>
           <a:p>
@@ -9152,7 +10469,7 @@
 </p:sld>
 </file>
 
-<file path=ppt/slides/slide15.xml><?xml version="1.0" encoding="utf-8"?>
+<file path=ppt/slides/slide18.xml><?xml version="1.0" encoding="utf-8"?>
 <p:sld xmlns:a="http://schemas.openxmlformats.org/drawingml/2006/main" xmlns:r="http://schemas.openxmlformats.org/officeDocument/2006/relationships" xmlns:p="http://schemas.openxmlformats.org/presentationml/2006/main">
   <p:cSld>
     <p:spTree>
@@ -9192,7 +10509,7 @@
           <a:p>
             <a:r>
               <a:rPr lang="fr-FR" dirty="0"/>
-              <a:t>Transport – PAT</a:t>
+              <a:t>Transport – NAT</a:t>
             </a:r>
           </a:p>
         </p:txBody>
@@ -9216,7 +10533,7 @@
         <p:spPr>
           <a:xfrm>
             <a:off x="838200" y="1825625"/>
-            <a:ext cx="4897582" cy="4351338"/>
+            <a:ext cx="4450237" cy="4351338"/>
           </a:xfrm>
         </p:spPr>
         <p:txBody>
@@ -9239,7 +10556,7 @@
             </a:pPr>
             <a:r>
               <a:rPr lang="fr-FR" dirty="0"/>
-              <a:t>-&gt; 25000 Équipements</a:t>
+              <a:t>-&gt; 250000 Équipements</a:t>
             </a:r>
           </a:p>
           <a:p>
@@ -9248,22 +10565,7 @@
             </a:pPr>
             <a:r>
               <a:rPr lang="fr-FR" dirty="0"/>
-              <a:t>-&gt; 1 Adresse IP publique</a:t>
-            </a:r>
-          </a:p>
-          <a:p>
-            <a:pPr marL="0" indent="0">
-              <a:buNone/>
-            </a:pPr>
-            <a:endParaRPr lang="fr-FR" dirty="0"/>
-          </a:p>
-          <a:p>
-            <a:pPr marL="0" indent="0">
-              <a:buNone/>
-            </a:pPr>
-            <a:r>
-              <a:rPr lang="fr-FR" dirty="0"/>
-              <a:t>Le routeur attribue un numéro de port pour chaque équipement/flux</a:t>
+              <a:t>-&gt; 255 Adresses IP publiques</a:t>
             </a:r>
           </a:p>
           <a:p>
@@ -9304,6 +10606,42 @@
           <a:xfrm>
             <a:off x="259474" y="6154384"/>
             <a:ext cx="1675204" cy="519313"/>
+          </a:xfrm>
+          <a:prstGeom prst="rect">
+            <a:avLst/>
+          </a:prstGeom>
+        </p:spPr>
+      </p:pic>
+      <p:pic>
+        <p:nvPicPr>
+          <p:cNvPr id="7" name="Image 6">
+            <a:extLst>
+              <a:ext uri="{FF2B5EF4-FFF2-40B4-BE49-F238E27FC236}">
+                <a16:creationId xmlns:a16="http://schemas.microsoft.com/office/drawing/2014/main" id="{9BE41B79-EA4C-75FC-2CEB-B09FE9D8AD1F}"/>
+              </a:ext>
+            </a:extLst>
+          </p:cNvPr>
+          <p:cNvPicPr>
+            <a:picLocks noChangeAspect="1"/>
+          </p:cNvPicPr>
+          <p:nvPr/>
+        </p:nvPicPr>
+        <p:blipFill>
+          <a:blip r:embed="rId4">
+            <a:extLst>
+              <a:ext uri="{28A0092B-C50C-407E-A947-70E740481C1C}">
+                <a14:useLocalDpi xmlns:a14="http://schemas.microsoft.com/office/drawing/2010/main" val="0"/>
+              </a:ext>
+            </a:extLst>
+          </a:blip>
+          <a:stretch>
+            <a:fillRect/>
+          </a:stretch>
+        </p:blipFill>
+        <p:spPr>
+          <a:xfrm>
+            <a:off x="4879484" y="1239645"/>
+            <a:ext cx="6474316" cy="5174395"/>
           </a:xfrm>
           <a:prstGeom prst="rect">
             <a:avLst/>
@@ -9414,729 +10752,10 @@
           </a:p>
         </p:txBody>
       </p:sp>
-      <p:pic>
-        <p:nvPicPr>
-          <p:cNvPr id="6" name="Image 5">
-            <a:extLst>
-              <a:ext uri="{FF2B5EF4-FFF2-40B4-BE49-F238E27FC236}">
-                <a16:creationId xmlns:a16="http://schemas.microsoft.com/office/drawing/2014/main" id="{7A0DF4ED-F284-CDDC-6B61-3939682FB135}"/>
-              </a:ext>
-            </a:extLst>
-          </p:cNvPr>
-          <p:cNvPicPr>
-            <a:picLocks noChangeAspect="1"/>
-          </p:cNvPicPr>
-          <p:nvPr/>
-        </p:nvPicPr>
-        <p:blipFill>
-          <a:blip r:embed="rId4">
-            <a:extLst>
-              <a:ext uri="{28A0092B-C50C-407E-A947-70E740481C1C}">
-                <a14:useLocalDpi xmlns:a14="http://schemas.microsoft.com/office/drawing/2010/main" val="0"/>
-              </a:ext>
-            </a:extLst>
-          </a:blip>
-          <a:stretch>
-            <a:fillRect/>
-          </a:stretch>
-        </p:blipFill>
-        <p:spPr>
-          <a:xfrm>
-            <a:off x="5644210" y="1076421"/>
-            <a:ext cx="6288316" cy="4976612"/>
-          </a:xfrm>
-          <a:prstGeom prst="rect">
-            <a:avLst/>
-          </a:prstGeom>
-        </p:spPr>
-      </p:pic>
     </p:spTree>
     <p:extLst>
       <p:ext uri="{BB962C8B-B14F-4D97-AF65-F5344CB8AC3E}">
-        <p14:creationId xmlns:p14="http://schemas.microsoft.com/office/powerpoint/2010/main" val="480004727"/>
-      </p:ext>
-    </p:extLst>
-  </p:cSld>
-  <p:clrMapOvr>
-    <a:masterClrMapping/>
-  </p:clrMapOvr>
-</p:sld>
-</file>
-
-<file path=ppt/slides/slide16.xml><?xml version="1.0" encoding="utf-8"?>
-<p:sld xmlns:a="http://schemas.openxmlformats.org/drawingml/2006/main" xmlns:r="http://schemas.openxmlformats.org/officeDocument/2006/relationships" xmlns:p="http://schemas.openxmlformats.org/presentationml/2006/main">
-  <p:cSld>
-    <p:spTree>
-      <p:nvGrpSpPr>
-        <p:cNvPr id="1" name=""/>
-        <p:cNvGrpSpPr/>
-        <p:nvPr/>
-      </p:nvGrpSpPr>
-      <p:grpSpPr>
-        <a:xfrm>
-          <a:off x="0" y="0"/>
-          <a:ext cx="0" cy="0"/>
-          <a:chOff x="0" y="0"/>
-          <a:chExt cx="0" cy="0"/>
-        </a:xfrm>
-      </p:grpSpPr>
-      <p:sp>
-        <p:nvSpPr>
-          <p:cNvPr id="2" name="Titre 1">
-            <a:extLst>
-              <a:ext uri="{FF2B5EF4-FFF2-40B4-BE49-F238E27FC236}">
-                <a16:creationId xmlns:a16="http://schemas.microsoft.com/office/drawing/2014/main" id="{C5043ED2-81F2-6A57-E62B-245ECA8237B3}"/>
-              </a:ext>
-            </a:extLst>
-          </p:cNvPr>
-          <p:cNvSpPr>
-            <a:spLocks noGrp="1"/>
-          </p:cNvSpPr>
-          <p:nvPr>
-            <p:ph type="title"/>
-          </p:nvPr>
-        </p:nvSpPr>
-        <p:spPr/>
-        <p:txBody>
-          <a:bodyPr/>
-          <a:lstStyle/>
-          <a:p>
-            <a:r>
-              <a:rPr lang="fr-FR" dirty="0"/>
-              <a:t>Couche Réseau</a:t>
-            </a:r>
-          </a:p>
-        </p:txBody>
-      </p:sp>
-      <p:sp>
-        <p:nvSpPr>
-          <p:cNvPr id="3" name="Espace réservé du texte 2">
-            <a:extLst>
-              <a:ext uri="{FF2B5EF4-FFF2-40B4-BE49-F238E27FC236}">
-                <a16:creationId xmlns:a16="http://schemas.microsoft.com/office/drawing/2014/main" id="{52351BCF-26D8-991A-A104-19A66B599DD5}"/>
-              </a:ext>
-            </a:extLst>
-          </p:cNvPr>
-          <p:cNvSpPr>
-            <a:spLocks noGrp="1"/>
-          </p:cNvSpPr>
-          <p:nvPr>
-            <p:ph type="body" idx="1"/>
-          </p:nvPr>
-        </p:nvSpPr>
-        <p:spPr/>
-        <p:txBody>
-          <a:bodyPr/>
-          <a:lstStyle/>
-          <a:p>
-            <a:r>
-              <a:rPr lang="fr-FR" dirty="0"/>
-              <a:t>IPV6</a:t>
-            </a:r>
-          </a:p>
-        </p:txBody>
-      </p:sp>
-      <p:pic>
-        <p:nvPicPr>
-          <p:cNvPr id="4" name="Image 3">
-            <a:extLst>
-              <a:ext uri="{FF2B5EF4-FFF2-40B4-BE49-F238E27FC236}">
-                <a16:creationId xmlns:a16="http://schemas.microsoft.com/office/drawing/2014/main" id="{7D5CAAE2-A607-881E-6517-72A27C9BFC58}"/>
-              </a:ext>
-            </a:extLst>
-          </p:cNvPr>
-          <p:cNvPicPr>
-            <a:picLocks noChangeAspect="1"/>
-          </p:cNvPicPr>
-          <p:nvPr/>
-        </p:nvPicPr>
-        <p:blipFill>
-          <a:blip r:embed="rId2">
-            <a:extLst>
-              <a:ext uri="{28A0092B-C50C-407E-A947-70E740481C1C}">
-                <a14:useLocalDpi xmlns:a14="http://schemas.microsoft.com/office/drawing/2010/main" val="0"/>
-              </a:ext>
-            </a:extLst>
-          </a:blip>
-          <a:stretch>
-            <a:fillRect/>
-          </a:stretch>
-        </p:blipFill>
-        <p:spPr>
-          <a:xfrm>
-            <a:off x="259474" y="6154384"/>
-            <a:ext cx="1675204" cy="519313"/>
-          </a:xfrm>
-          <a:prstGeom prst="rect">
-            <a:avLst/>
-          </a:prstGeom>
-        </p:spPr>
-      </p:pic>
-      <p:pic>
-        <p:nvPicPr>
-          <p:cNvPr id="5" name="Image 4">
-            <a:extLst>
-              <a:ext uri="{FF2B5EF4-FFF2-40B4-BE49-F238E27FC236}">
-                <a16:creationId xmlns:a16="http://schemas.microsoft.com/office/drawing/2014/main" id="{43C0F8CC-0304-2975-6CC6-5D369C364821}"/>
-              </a:ext>
-            </a:extLst>
-          </p:cNvPr>
-          <p:cNvPicPr>
-            <a:picLocks noChangeAspect="1"/>
-          </p:cNvPicPr>
-          <p:nvPr/>
-        </p:nvPicPr>
-        <p:blipFill>
-          <a:blip r:embed="rId3">
-            <a:extLst>
-              <a:ext uri="{28A0092B-C50C-407E-A947-70E740481C1C}">
-                <a14:useLocalDpi xmlns:a14="http://schemas.microsoft.com/office/drawing/2010/main" val="0"/>
-              </a:ext>
-            </a:extLst>
-          </a:blip>
-          <a:stretch>
-            <a:fillRect/>
-          </a:stretch>
-        </p:blipFill>
-        <p:spPr>
-          <a:xfrm>
-            <a:off x="7358135" y="922338"/>
-            <a:ext cx="4391143" cy="5167312"/>
-          </a:xfrm>
-          <a:prstGeom prst="rect">
-            <a:avLst/>
-          </a:prstGeom>
-        </p:spPr>
-      </p:pic>
-      <p:sp>
-        <p:nvSpPr>
-          <p:cNvPr id="6" name="Rectangle 5">
-            <a:extLst>
-              <a:ext uri="{FF2B5EF4-FFF2-40B4-BE49-F238E27FC236}">
-                <a16:creationId xmlns:a16="http://schemas.microsoft.com/office/drawing/2014/main" id="{D2A38D7A-4EE8-C7E9-0BA0-52DE89264C42}"/>
-              </a:ext>
-            </a:extLst>
-          </p:cNvPr>
-          <p:cNvSpPr/>
-          <p:nvPr/>
-        </p:nvSpPr>
-        <p:spPr>
-          <a:xfrm>
-            <a:off x="8117007" y="3846038"/>
-            <a:ext cx="3431357" cy="716437"/>
-          </a:xfrm>
-          <a:prstGeom prst="rect">
-            <a:avLst/>
-          </a:prstGeom>
-          <a:noFill/>
-          <a:ln w="57150">
-            <a:solidFill>
-              <a:srgbClr val="FF0000"/>
-            </a:solidFill>
-          </a:ln>
-        </p:spPr>
-        <p:style>
-          <a:lnRef idx="2">
-            <a:schemeClr val="accent1">
-              <a:shade val="50000"/>
-            </a:schemeClr>
-          </a:lnRef>
-          <a:fillRef idx="1">
-            <a:schemeClr val="accent1"/>
-          </a:fillRef>
-          <a:effectRef idx="0">
-            <a:schemeClr val="accent1"/>
-          </a:effectRef>
-          <a:fontRef idx="minor">
-            <a:schemeClr val="lt1"/>
-          </a:fontRef>
-        </p:style>
-        <p:txBody>
-          <a:bodyPr rtlCol="0" anchor="ctr"/>
-          <a:lstStyle/>
-          <a:p>
-            <a:pPr algn="ctr"/>
-            <a:endParaRPr lang="fr-FR"/>
-          </a:p>
-        </p:txBody>
-      </p:sp>
-    </p:spTree>
-    <p:extLst>
-      <p:ext uri="{BB962C8B-B14F-4D97-AF65-F5344CB8AC3E}">
-        <p14:creationId xmlns:p14="http://schemas.microsoft.com/office/powerpoint/2010/main" val="2810393567"/>
-      </p:ext>
-    </p:extLst>
-  </p:cSld>
-  <p:clrMapOvr>
-    <a:masterClrMapping/>
-  </p:clrMapOvr>
-</p:sld>
-</file>
-
-<file path=ppt/slides/slide17.xml><?xml version="1.0" encoding="utf-8"?>
-<p:sld xmlns:a="http://schemas.openxmlformats.org/drawingml/2006/main" xmlns:r="http://schemas.openxmlformats.org/officeDocument/2006/relationships" xmlns:p="http://schemas.openxmlformats.org/presentationml/2006/main">
-  <p:cSld>
-    <p:spTree>
-      <p:nvGrpSpPr>
-        <p:cNvPr id="1" name=""/>
-        <p:cNvGrpSpPr/>
-        <p:nvPr/>
-      </p:nvGrpSpPr>
-      <p:grpSpPr>
-        <a:xfrm>
-          <a:off x="0" y="0"/>
-          <a:ext cx="0" cy="0"/>
-          <a:chOff x="0" y="0"/>
-          <a:chExt cx="0" cy="0"/>
-        </a:xfrm>
-      </p:grpSpPr>
-      <p:sp>
-        <p:nvSpPr>
-          <p:cNvPr id="2" name="Titre 1">
-            <a:extLst>
-              <a:ext uri="{FF2B5EF4-FFF2-40B4-BE49-F238E27FC236}">
-                <a16:creationId xmlns:a16="http://schemas.microsoft.com/office/drawing/2014/main" id="{84879000-F87B-E4F1-EDA7-E630DAE221AF}"/>
-              </a:ext>
-            </a:extLst>
-          </p:cNvPr>
-          <p:cNvSpPr>
-            <a:spLocks noGrp="1"/>
-          </p:cNvSpPr>
-          <p:nvPr>
-            <p:ph type="title"/>
-          </p:nvPr>
-        </p:nvSpPr>
-        <p:spPr/>
-        <p:txBody>
-          <a:bodyPr/>
-          <a:lstStyle/>
-          <a:p>
-            <a:r>
-              <a:rPr lang="fr-FR" dirty="0"/>
-              <a:t>Couche – Réseau – IPV6</a:t>
-            </a:r>
-          </a:p>
-        </p:txBody>
-      </p:sp>
-      <p:sp>
-        <p:nvSpPr>
-          <p:cNvPr id="3" name="Espace réservé du contenu 2">
-            <a:extLst>
-              <a:ext uri="{FF2B5EF4-FFF2-40B4-BE49-F238E27FC236}">
-                <a16:creationId xmlns:a16="http://schemas.microsoft.com/office/drawing/2014/main" id="{B23F1D09-D3FA-EDEE-E62D-4B0BA5CAE0B7}"/>
-              </a:ext>
-            </a:extLst>
-          </p:cNvPr>
-          <p:cNvSpPr>
-            <a:spLocks noGrp="1"/>
-          </p:cNvSpPr>
-          <p:nvPr>
-            <p:ph idx="1"/>
-          </p:nvPr>
-        </p:nvSpPr>
-        <p:spPr/>
-        <p:txBody>
-          <a:bodyPr/>
-          <a:lstStyle/>
-          <a:p>
-            <a:r>
-              <a:rPr lang="fr-FR" dirty="0"/>
-              <a:t>Le constat : pénurie d’adresse IPV4 (Malgré sous réseau et PAT…)</a:t>
-            </a:r>
-          </a:p>
-          <a:p>
-            <a:pPr lvl="1"/>
-            <a:r>
-              <a:rPr lang="fr-FR" dirty="0"/>
-              <a:t>32bits -&gt; 4 milliards d’adresses disponibles</a:t>
-            </a:r>
-          </a:p>
-          <a:p>
-            <a:pPr lvl="1"/>
-            <a:r>
-              <a:rPr lang="fr-FR" dirty="0"/>
-              <a:t>2011 : Tous les blocs d’adresse IP distribués aux </a:t>
-            </a:r>
-            <a:r>
-              <a:rPr lang="fr-FR" dirty="0" err="1"/>
-              <a:t>RIR</a:t>
-            </a:r>
-            <a:endParaRPr lang="fr-FR" dirty="0"/>
-          </a:p>
-          <a:p>
-            <a:pPr lvl="1"/>
-            <a:endParaRPr lang="fr-FR" dirty="0"/>
-          </a:p>
-          <a:p>
-            <a:pPr marL="457200" lvl="1" indent="0">
-              <a:buNone/>
-            </a:pPr>
-            <a:endParaRPr lang="fr-FR" dirty="0"/>
-          </a:p>
-          <a:p>
-            <a:r>
-              <a:rPr lang="fr-FR" dirty="0"/>
-              <a:t>IPV6</a:t>
-            </a:r>
-          </a:p>
-          <a:p>
-            <a:pPr lvl="1"/>
-            <a:r>
-              <a:rPr lang="fr-FR" dirty="0"/>
-              <a:t>340.10</a:t>
-            </a:r>
-            <a:r>
-              <a:rPr lang="fr-FR" baseline="30000" dirty="0"/>
-              <a:t>36 </a:t>
-            </a:r>
-            <a:r>
-              <a:rPr lang="fr-FR" dirty="0"/>
-              <a:t>adresses disponibles</a:t>
-            </a:r>
-          </a:p>
-          <a:p>
-            <a:pPr lvl="1"/>
-            <a:r>
-              <a:rPr lang="fr-FR" dirty="0"/>
-              <a:t>Réserve illimité : correspond 10</a:t>
-            </a:r>
-            <a:r>
-              <a:rPr lang="fr-FR" baseline="30000" dirty="0"/>
-              <a:t>18</a:t>
-            </a:r>
-            <a:r>
-              <a:rPr lang="fr-FR" dirty="0"/>
-              <a:t> par mm² de la terre</a:t>
-            </a:r>
-          </a:p>
-          <a:p>
-            <a:pPr marL="0" indent="0">
-              <a:buNone/>
-            </a:pPr>
-            <a:endParaRPr lang="fr-FR" dirty="0"/>
-          </a:p>
-          <a:p>
-            <a:pPr marL="0" indent="0">
-              <a:buNone/>
-            </a:pPr>
-            <a:endParaRPr lang="fr-FR" dirty="0"/>
-          </a:p>
-        </p:txBody>
-      </p:sp>
-      <p:pic>
-        <p:nvPicPr>
-          <p:cNvPr id="4" name="Image 3">
-            <a:extLst>
-              <a:ext uri="{FF2B5EF4-FFF2-40B4-BE49-F238E27FC236}">
-                <a16:creationId xmlns:a16="http://schemas.microsoft.com/office/drawing/2014/main" id="{C736F3A7-1CC9-4DE4-7E3D-52AEAC04D557}"/>
-              </a:ext>
-            </a:extLst>
-          </p:cNvPr>
-          <p:cNvPicPr>
-            <a:picLocks noChangeAspect="1"/>
-          </p:cNvPicPr>
-          <p:nvPr/>
-        </p:nvPicPr>
-        <p:blipFill>
-          <a:blip r:embed="rId3">
-            <a:extLst>
-              <a:ext uri="{28A0092B-C50C-407E-A947-70E740481C1C}">
-                <a14:useLocalDpi xmlns:a14="http://schemas.microsoft.com/office/drawing/2010/main" val="0"/>
-              </a:ext>
-            </a:extLst>
-          </a:blip>
-          <a:stretch>
-            <a:fillRect/>
-          </a:stretch>
-        </p:blipFill>
-        <p:spPr>
-          <a:xfrm>
-            <a:off x="259474" y="6154384"/>
-            <a:ext cx="1675204" cy="519313"/>
-          </a:xfrm>
-          <a:prstGeom prst="rect">
-            <a:avLst/>
-          </a:prstGeom>
-        </p:spPr>
-      </p:pic>
-      <p:pic>
-        <p:nvPicPr>
-          <p:cNvPr id="6" name="Image 5">
-            <a:extLst>
-              <a:ext uri="{FF2B5EF4-FFF2-40B4-BE49-F238E27FC236}">
-                <a16:creationId xmlns:a16="http://schemas.microsoft.com/office/drawing/2014/main" id="{D197E323-B287-9810-05C9-0E94DC3B2E0F}"/>
-              </a:ext>
-            </a:extLst>
-          </p:cNvPr>
-          <p:cNvPicPr>
-            <a:picLocks noChangeAspect="1"/>
-          </p:cNvPicPr>
-          <p:nvPr/>
-        </p:nvPicPr>
-        <p:blipFill>
-          <a:blip r:embed="rId4">
-            <a:extLst>
-              <a:ext uri="{28A0092B-C50C-407E-A947-70E740481C1C}">
-                <a14:useLocalDpi xmlns:a14="http://schemas.microsoft.com/office/drawing/2010/main" val="0"/>
-              </a:ext>
-            </a:extLst>
-          </a:blip>
-          <a:stretch>
-            <a:fillRect/>
-          </a:stretch>
-        </p:blipFill>
-        <p:spPr>
-          <a:xfrm>
-            <a:off x="7856049" y="2425989"/>
-            <a:ext cx="4335951" cy="3468760"/>
-          </a:xfrm>
-          <a:prstGeom prst="rect">
-            <a:avLst/>
-          </a:prstGeom>
-        </p:spPr>
-      </p:pic>
-    </p:spTree>
-    <p:extLst>
-      <p:ext uri="{BB962C8B-B14F-4D97-AF65-F5344CB8AC3E}">
-        <p14:creationId xmlns:p14="http://schemas.microsoft.com/office/powerpoint/2010/main" val="3620924059"/>
-      </p:ext>
-    </p:extLst>
-  </p:cSld>
-  <p:clrMapOvr>
-    <a:masterClrMapping/>
-  </p:clrMapOvr>
-</p:sld>
-</file>
-
-<file path=ppt/slides/slide18.xml><?xml version="1.0" encoding="utf-8"?>
-<p:sld xmlns:a="http://schemas.openxmlformats.org/drawingml/2006/main" xmlns:r="http://schemas.openxmlformats.org/officeDocument/2006/relationships" xmlns:p="http://schemas.openxmlformats.org/presentationml/2006/main">
-  <p:cSld>
-    <p:spTree>
-      <p:nvGrpSpPr>
-        <p:cNvPr id="1" name=""/>
-        <p:cNvGrpSpPr/>
-        <p:nvPr/>
-      </p:nvGrpSpPr>
-      <p:grpSpPr>
-        <a:xfrm>
-          <a:off x="0" y="0"/>
-          <a:ext cx="0" cy="0"/>
-          <a:chOff x="0" y="0"/>
-          <a:chExt cx="0" cy="0"/>
-        </a:xfrm>
-      </p:grpSpPr>
-      <p:sp>
-        <p:nvSpPr>
-          <p:cNvPr id="2" name="Titre 1">
-            <a:extLst>
-              <a:ext uri="{FF2B5EF4-FFF2-40B4-BE49-F238E27FC236}">
-                <a16:creationId xmlns:a16="http://schemas.microsoft.com/office/drawing/2014/main" id="{84879000-F87B-E4F1-EDA7-E630DAE221AF}"/>
-              </a:ext>
-            </a:extLst>
-          </p:cNvPr>
-          <p:cNvSpPr>
-            <a:spLocks noGrp="1"/>
-          </p:cNvSpPr>
-          <p:nvPr>
-            <p:ph type="title"/>
-          </p:nvPr>
-        </p:nvSpPr>
-        <p:spPr/>
-        <p:txBody>
-          <a:bodyPr/>
-          <a:lstStyle/>
-          <a:p>
-            <a:r>
-              <a:rPr lang="fr-FR" dirty="0"/>
-              <a:t>Couche – Réseau – IPV6</a:t>
-            </a:r>
-          </a:p>
-        </p:txBody>
-      </p:sp>
-      <p:sp>
-        <p:nvSpPr>
-          <p:cNvPr id="3" name="Espace réservé du contenu 2">
-            <a:extLst>
-              <a:ext uri="{FF2B5EF4-FFF2-40B4-BE49-F238E27FC236}">
-                <a16:creationId xmlns:a16="http://schemas.microsoft.com/office/drawing/2014/main" id="{B23F1D09-D3FA-EDEE-E62D-4B0BA5CAE0B7}"/>
-              </a:ext>
-            </a:extLst>
-          </p:cNvPr>
-          <p:cNvSpPr>
-            <a:spLocks noGrp="1"/>
-          </p:cNvSpPr>
-          <p:nvPr>
-            <p:ph idx="1"/>
-          </p:nvPr>
-        </p:nvSpPr>
-        <p:spPr/>
-        <p:txBody>
-          <a:bodyPr>
-            <a:normAutofit fontScale="92500" lnSpcReduction="20000"/>
-          </a:bodyPr>
-          <a:lstStyle/>
-          <a:p>
-            <a:r>
-              <a:rPr lang="fr-FR" dirty="0"/>
-              <a:t>Format :</a:t>
-            </a:r>
-          </a:p>
-          <a:p>
-            <a:pPr marL="0" indent="0">
-              <a:buNone/>
-            </a:pPr>
-            <a:endParaRPr lang="fr-FR" dirty="0"/>
-          </a:p>
-          <a:p>
-            <a:r>
-              <a:rPr lang="fr-FR" dirty="0"/>
-              <a:t>Notation : 8 Groupes de 2 Octets : </a:t>
-            </a:r>
-          </a:p>
-          <a:p>
-            <a:pPr lvl="1"/>
-            <a:r>
-              <a:rPr lang="fr-FR" dirty="0"/>
-              <a:t>2001:0db8:0000:85a3:0000:0000:ac1f:8001</a:t>
-            </a:r>
-          </a:p>
-          <a:p>
-            <a:pPr lvl="1"/>
-            <a:r>
-              <a:rPr lang="fr-FR" dirty="0"/>
-              <a:t>2001:db8:0:85a3:0:0:ac1f:8001 (On peut retirer les 0 non significatifs)</a:t>
-            </a:r>
-          </a:p>
-          <a:p>
-            <a:pPr lvl="1"/>
-            <a:r>
-              <a:rPr lang="fr-FR" dirty="0"/>
-              <a:t>2001:db8:0:85a3::ac1f:8001 (Une suite de plusieurs groupe 0 peuvent être retirés)</a:t>
-            </a:r>
-          </a:p>
-          <a:p>
-            <a:pPr lvl="1"/>
-            <a:r>
-              <a:rPr lang="fr-FR" dirty="0"/>
-              <a:t>Masque de sous réseau : idem IPV4</a:t>
-            </a:r>
-          </a:p>
-          <a:p>
-            <a:r>
-              <a:rPr lang="fr-FR" dirty="0"/>
-              <a:t>Propriété :</a:t>
-            </a:r>
-          </a:p>
-          <a:p>
-            <a:pPr lvl="1"/>
-            <a:r>
-              <a:rPr lang="fr-FR" dirty="0"/>
-              <a:t>Unique ! Plus besoin de PAT/NAT</a:t>
-            </a:r>
-          </a:p>
-          <a:p>
-            <a:pPr marL="457200" lvl="1" indent="0">
-              <a:buNone/>
-            </a:pPr>
-            <a:endParaRPr lang="fr-FR" dirty="0"/>
-          </a:p>
-          <a:p>
-            <a:r>
-              <a:rPr lang="fr-FR" dirty="0"/>
-              <a:t>Adresses spécifiques</a:t>
-            </a:r>
-          </a:p>
-          <a:p>
-            <a:pPr lvl="1"/>
-            <a:r>
-              <a:rPr lang="fr-FR" dirty="0"/>
-              <a:t>127.0.0.1 -&gt; ::1/128</a:t>
-            </a:r>
-          </a:p>
-          <a:p>
-            <a:pPr marL="0" indent="0">
-              <a:buNone/>
-            </a:pPr>
-            <a:endParaRPr lang="fr-FR" dirty="0"/>
-          </a:p>
-          <a:p>
-            <a:pPr marL="0" indent="0">
-              <a:buNone/>
-            </a:pPr>
-            <a:endParaRPr lang="fr-FR" dirty="0"/>
-          </a:p>
-        </p:txBody>
-      </p:sp>
-      <p:pic>
-        <p:nvPicPr>
-          <p:cNvPr id="4" name="Image 3">
-            <a:extLst>
-              <a:ext uri="{FF2B5EF4-FFF2-40B4-BE49-F238E27FC236}">
-                <a16:creationId xmlns:a16="http://schemas.microsoft.com/office/drawing/2014/main" id="{C736F3A7-1CC9-4DE4-7E3D-52AEAC04D557}"/>
-              </a:ext>
-            </a:extLst>
-          </p:cNvPr>
-          <p:cNvPicPr>
-            <a:picLocks noChangeAspect="1"/>
-          </p:cNvPicPr>
-          <p:nvPr/>
-        </p:nvPicPr>
-        <p:blipFill>
-          <a:blip r:embed="rId3">
-            <a:extLst>
-              <a:ext uri="{28A0092B-C50C-407E-A947-70E740481C1C}">
-                <a14:useLocalDpi xmlns:a14="http://schemas.microsoft.com/office/drawing/2010/main" val="0"/>
-              </a:ext>
-            </a:extLst>
-          </a:blip>
-          <a:stretch>
-            <a:fillRect/>
-          </a:stretch>
-        </p:blipFill>
-        <p:spPr>
-          <a:xfrm>
-            <a:off x="259474" y="6154384"/>
-            <a:ext cx="1675204" cy="519313"/>
-          </a:xfrm>
-          <a:prstGeom prst="rect">
-            <a:avLst/>
-          </a:prstGeom>
-        </p:spPr>
-      </p:pic>
-      <p:pic>
-        <p:nvPicPr>
-          <p:cNvPr id="7" name="Image 6">
-            <a:extLst>
-              <a:ext uri="{FF2B5EF4-FFF2-40B4-BE49-F238E27FC236}">
-                <a16:creationId xmlns:a16="http://schemas.microsoft.com/office/drawing/2014/main" id="{82986EA7-90BF-BC35-E323-1B65166FD48F}"/>
-              </a:ext>
-            </a:extLst>
-          </p:cNvPr>
-          <p:cNvPicPr>
-            <a:picLocks noChangeAspect="1"/>
-          </p:cNvPicPr>
-          <p:nvPr/>
-        </p:nvPicPr>
-        <p:blipFill>
-          <a:blip r:embed="rId4"/>
-          <a:stretch>
-            <a:fillRect/>
-          </a:stretch>
-        </p:blipFill>
-        <p:spPr>
-          <a:xfrm>
-            <a:off x="2772785" y="1400893"/>
-            <a:ext cx="8105775" cy="1076325"/>
-          </a:xfrm>
-          <a:prstGeom prst="rect">
-            <a:avLst/>
-          </a:prstGeom>
-        </p:spPr>
-      </p:pic>
-    </p:spTree>
-    <p:extLst>
-      <p:ext uri="{BB962C8B-B14F-4D97-AF65-F5344CB8AC3E}">
-        <p14:creationId xmlns:p14="http://schemas.microsoft.com/office/powerpoint/2010/main" val="3386685285"/>
+        <p14:creationId xmlns:p14="http://schemas.microsoft.com/office/powerpoint/2010/main" val="1326677909"/>
       </p:ext>
     </p:extLst>
   </p:cSld>
@@ -10168,7 +10787,7 @@
           <p:cNvPr id="2" name="Titre 1">
             <a:extLst>
               <a:ext uri="{FF2B5EF4-FFF2-40B4-BE49-F238E27FC236}">
-                <a16:creationId xmlns:a16="http://schemas.microsoft.com/office/drawing/2014/main" id="{C5043ED2-81F2-6A57-E62B-245ECA8237B3}"/>
+                <a16:creationId xmlns:a16="http://schemas.microsoft.com/office/drawing/2014/main" id="{D1192D98-54BC-F7B0-41F5-F8670976E9F5}"/>
               </a:ext>
             </a:extLst>
           </p:cNvPr>
@@ -10186,25 +10805,25 @@
           <a:p>
             <a:r>
               <a:rPr lang="fr-FR" dirty="0"/>
-              <a:t>Quelques protocoles</a:t>
-            </a:r>
-          </a:p>
-        </p:txBody>
-      </p:sp>
-      <p:sp>
-        <p:nvSpPr>
-          <p:cNvPr id="3" name="Espace réservé du texte 2">
-            <a:extLst>
-              <a:ext uri="{FF2B5EF4-FFF2-40B4-BE49-F238E27FC236}">
-                <a16:creationId xmlns:a16="http://schemas.microsoft.com/office/drawing/2014/main" id="{52351BCF-26D8-991A-A104-19A66B599DD5}"/>
-              </a:ext>
-            </a:extLst>
-          </p:cNvPr>
-          <p:cNvSpPr>
-            <a:spLocks noGrp="1"/>
-          </p:cNvSpPr>
-          <p:nvPr>
-            <p:ph type="body" idx="1"/>
+              <a:t>Transport – NAT</a:t>
+            </a:r>
+          </a:p>
+        </p:txBody>
+      </p:sp>
+      <p:sp>
+        <p:nvSpPr>
+          <p:cNvPr id="3" name="Espace réservé du contenu 2">
+            <a:extLst>
+              <a:ext uri="{FF2B5EF4-FFF2-40B4-BE49-F238E27FC236}">
+                <a16:creationId xmlns:a16="http://schemas.microsoft.com/office/drawing/2014/main" id="{28439E06-77A7-F51A-BDF0-370D087A11D3}"/>
+              </a:ext>
+            </a:extLst>
+          </p:cNvPr>
+          <p:cNvSpPr>
+            <a:spLocks noGrp="1"/>
+          </p:cNvSpPr>
+          <p:nvPr>
+            <p:ph idx="1"/>
           </p:nvPr>
         </p:nvSpPr>
         <p:spPr/>
@@ -10212,50 +10831,43 @@
           <a:bodyPr/>
           <a:lstStyle/>
           <a:p>
-            <a:endParaRPr lang="fr-FR"/>
-          </a:p>
-        </p:txBody>
-      </p:sp>
-      <p:pic>
-        <p:nvPicPr>
-          <p:cNvPr id="4" name="Image 3">
-            <a:extLst>
-              <a:ext uri="{FF2B5EF4-FFF2-40B4-BE49-F238E27FC236}">
-                <a16:creationId xmlns:a16="http://schemas.microsoft.com/office/drawing/2014/main" id="{7D5CAAE2-A607-881E-6517-72A27C9BFC58}"/>
-              </a:ext>
-            </a:extLst>
-          </p:cNvPr>
-          <p:cNvPicPr>
-            <a:picLocks noChangeAspect="1"/>
-          </p:cNvPicPr>
-          <p:nvPr/>
-        </p:nvPicPr>
-        <p:blipFill>
-          <a:blip r:embed="rId3">
-            <a:extLst>
-              <a:ext uri="{28A0092B-C50C-407E-A947-70E740481C1C}">
-                <a14:useLocalDpi xmlns:a14="http://schemas.microsoft.com/office/drawing/2010/main" val="0"/>
-              </a:ext>
-            </a:extLst>
-          </a:blip>
-          <a:stretch>
-            <a:fillRect/>
-          </a:stretch>
-        </p:blipFill>
-        <p:spPr>
-          <a:xfrm>
-            <a:off x="259474" y="6154384"/>
-            <a:ext cx="1675204" cy="519313"/>
-          </a:xfrm>
-          <a:prstGeom prst="rect">
-            <a:avLst/>
-          </a:prstGeom>
-        </p:spPr>
-      </p:pic>
+            <a:r>
+              <a:rPr lang="fr-FR" dirty="0"/>
+              <a:t>Certains équipements (serveurs ..) doivent toujours être adressables</a:t>
+            </a:r>
+          </a:p>
+          <a:p>
+            <a:pPr lvl="1"/>
+            <a:r>
+              <a:rPr lang="fr-FR" dirty="0"/>
+              <a:t>Définition dans le routeur que l’adresse IP ne peut pas être réutilisée</a:t>
+            </a:r>
+          </a:p>
+          <a:p>
+            <a:pPr lvl="1"/>
+            <a:endParaRPr lang="fr-FR" dirty="0"/>
+          </a:p>
+          <a:p>
+            <a:r>
+              <a:rPr lang="fr-FR" dirty="0"/>
+              <a:t>Durée avant réutilisation ? 20min, 1 h ?</a:t>
+            </a:r>
+          </a:p>
+          <a:p>
+            <a:endParaRPr lang="fr-FR" dirty="0"/>
+          </a:p>
+          <a:p>
+            <a:r>
+              <a:rPr lang="fr-FR" dirty="0"/>
+              <a:t>Problématique de fragmentation</a:t>
+            </a:r>
+          </a:p>
+        </p:txBody>
+      </p:sp>
     </p:spTree>
     <p:extLst>
       <p:ext uri="{BB962C8B-B14F-4D97-AF65-F5344CB8AC3E}">
-        <p14:creationId xmlns:p14="http://schemas.microsoft.com/office/powerpoint/2010/main" val="2392711151"/>
+        <p14:creationId xmlns:p14="http://schemas.microsoft.com/office/powerpoint/2010/main" val="610572076"/>
       </p:ext>
     </p:extLst>
   </p:cSld>
@@ -10367,12 +10979,9 @@
             </a:r>
             <a:r>
               <a:rPr lang="fr-FR" dirty="0" err="1"/>
-              <a:t>Blobby</a:t>
-            </a:r>
-            <a:r>
-              <a:rPr lang="fr-FR" dirty="0"/>
-              <a:t> Volley</a:t>
-            </a:r>
+              <a:t>Doom</a:t>
+            </a:r>
+            <a:endParaRPr lang="fr-FR" dirty="0"/>
           </a:p>
           <a:p>
             <a:r>
@@ -10753,6 +11362,1859 @@
           <a:p>
             <a:r>
               <a:rPr lang="fr-FR" dirty="0"/>
+              <a:t>Transport – PAT</a:t>
+            </a:r>
+          </a:p>
+        </p:txBody>
+      </p:sp>
+      <p:sp>
+        <p:nvSpPr>
+          <p:cNvPr id="3" name="Espace réservé du contenu 2">
+            <a:extLst>
+              <a:ext uri="{FF2B5EF4-FFF2-40B4-BE49-F238E27FC236}">
+                <a16:creationId xmlns:a16="http://schemas.microsoft.com/office/drawing/2014/main" id="{B23F1D09-D3FA-EDEE-E62D-4B0BA5CAE0B7}"/>
+              </a:ext>
+            </a:extLst>
+          </p:cNvPr>
+          <p:cNvSpPr>
+            <a:spLocks noGrp="1"/>
+          </p:cNvSpPr>
+          <p:nvPr>
+            <p:ph idx="1"/>
+          </p:nvPr>
+        </p:nvSpPr>
+        <p:spPr>
+          <a:xfrm>
+            <a:off x="838200" y="1825625"/>
+            <a:ext cx="4897582" cy="4351338"/>
+          </a:xfrm>
+        </p:spPr>
+        <p:txBody>
+          <a:bodyPr>
+            <a:normAutofit/>
+          </a:bodyPr>
+          <a:lstStyle/>
+          <a:p>
+            <a:pPr marL="0" indent="0">
+              <a:buNone/>
+            </a:pPr>
+            <a:r>
+              <a:rPr lang="fr-FR" dirty="0"/>
+              <a:t>4 sous réseaux en /16</a:t>
+            </a:r>
+          </a:p>
+          <a:p>
+            <a:pPr marL="0" indent="0">
+              <a:buNone/>
+            </a:pPr>
+            <a:r>
+              <a:rPr lang="fr-FR" dirty="0"/>
+              <a:t>-&gt; 250000 Équipements</a:t>
+            </a:r>
+          </a:p>
+          <a:p>
+            <a:pPr marL="0" indent="0">
+              <a:buNone/>
+            </a:pPr>
+            <a:r>
+              <a:rPr lang="fr-FR" dirty="0"/>
+              <a:t>-&gt; 1 Adresse IP publique</a:t>
+            </a:r>
+          </a:p>
+          <a:p>
+            <a:pPr marL="0" indent="0">
+              <a:buNone/>
+            </a:pPr>
+            <a:endParaRPr lang="fr-FR" dirty="0"/>
+          </a:p>
+          <a:p>
+            <a:pPr marL="0" indent="0">
+              <a:buNone/>
+            </a:pPr>
+            <a:r>
+              <a:rPr lang="fr-FR" dirty="0"/>
+              <a:t>Le routeur attribue un numéro de port pour chaque équipement/flux</a:t>
+            </a:r>
+          </a:p>
+          <a:p>
+            <a:pPr marL="0" indent="0">
+              <a:buNone/>
+            </a:pPr>
+            <a:endParaRPr lang="fr-FR" dirty="0"/>
+          </a:p>
+        </p:txBody>
+      </p:sp>
+      <p:pic>
+        <p:nvPicPr>
+          <p:cNvPr id="4" name="Image 3">
+            <a:extLst>
+              <a:ext uri="{FF2B5EF4-FFF2-40B4-BE49-F238E27FC236}">
+                <a16:creationId xmlns:a16="http://schemas.microsoft.com/office/drawing/2014/main" id="{C736F3A7-1CC9-4DE4-7E3D-52AEAC04D557}"/>
+              </a:ext>
+            </a:extLst>
+          </p:cNvPr>
+          <p:cNvPicPr>
+            <a:picLocks noChangeAspect="1"/>
+          </p:cNvPicPr>
+          <p:nvPr/>
+        </p:nvPicPr>
+        <p:blipFill>
+          <a:blip r:embed="rId3">
+            <a:extLst>
+              <a:ext uri="{28A0092B-C50C-407E-A947-70E740481C1C}">
+                <a14:useLocalDpi xmlns:a14="http://schemas.microsoft.com/office/drawing/2010/main" val="0"/>
+              </a:ext>
+            </a:extLst>
+          </a:blip>
+          <a:stretch>
+            <a:fillRect/>
+          </a:stretch>
+        </p:blipFill>
+        <p:spPr>
+          <a:xfrm>
+            <a:off x="259474" y="6154384"/>
+            <a:ext cx="1675204" cy="519313"/>
+          </a:xfrm>
+          <a:prstGeom prst="rect">
+            <a:avLst/>
+          </a:prstGeom>
+        </p:spPr>
+      </p:pic>
+      <p:sp>
+        <p:nvSpPr>
+          <p:cNvPr id="8" name="Rectangle 7">
+            <a:extLst>
+              <a:ext uri="{FF2B5EF4-FFF2-40B4-BE49-F238E27FC236}">
+                <a16:creationId xmlns:a16="http://schemas.microsoft.com/office/drawing/2014/main" id="{1CDF7502-80BF-80C6-B965-490114E6264B}"/>
+              </a:ext>
+            </a:extLst>
+          </p:cNvPr>
+          <p:cNvSpPr/>
+          <p:nvPr/>
+        </p:nvSpPr>
+        <p:spPr>
+          <a:xfrm>
+            <a:off x="5288437" y="6176963"/>
+            <a:ext cx="2092751" cy="496734"/>
+          </a:xfrm>
+          <a:prstGeom prst="rect">
+            <a:avLst/>
+          </a:prstGeom>
+          <a:solidFill>
+            <a:schemeClr val="bg1"/>
+          </a:solidFill>
+          <a:ln>
+            <a:noFill/>
+          </a:ln>
+        </p:spPr>
+        <p:style>
+          <a:lnRef idx="2">
+            <a:schemeClr val="accent1">
+              <a:shade val="50000"/>
+            </a:schemeClr>
+          </a:lnRef>
+          <a:fillRef idx="1">
+            <a:schemeClr val="accent1"/>
+          </a:fillRef>
+          <a:effectRef idx="0">
+            <a:schemeClr val="accent1"/>
+          </a:effectRef>
+          <a:fontRef idx="minor">
+            <a:schemeClr val="lt1"/>
+          </a:fontRef>
+        </p:style>
+        <p:txBody>
+          <a:bodyPr rtlCol="0" anchor="ctr"/>
+          <a:lstStyle/>
+          <a:p>
+            <a:pPr algn="ctr"/>
+            <a:endParaRPr lang="fr-FR"/>
+          </a:p>
+        </p:txBody>
+      </p:sp>
+      <p:sp>
+        <p:nvSpPr>
+          <p:cNvPr id="9" name="Rectangle 8">
+            <a:extLst>
+              <a:ext uri="{FF2B5EF4-FFF2-40B4-BE49-F238E27FC236}">
+                <a16:creationId xmlns:a16="http://schemas.microsoft.com/office/drawing/2014/main" id="{6B362D99-8C29-4798-4660-9B593EB335E3}"/>
+              </a:ext>
+            </a:extLst>
+          </p:cNvPr>
+          <p:cNvSpPr/>
+          <p:nvPr/>
+        </p:nvSpPr>
+        <p:spPr>
+          <a:xfrm>
+            <a:off x="6983310" y="5917306"/>
+            <a:ext cx="806831" cy="496734"/>
+          </a:xfrm>
+          <a:prstGeom prst="rect">
+            <a:avLst/>
+          </a:prstGeom>
+          <a:solidFill>
+            <a:schemeClr val="bg1"/>
+          </a:solidFill>
+          <a:ln>
+            <a:noFill/>
+          </a:ln>
+        </p:spPr>
+        <p:style>
+          <a:lnRef idx="2">
+            <a:schemeClr val="accent1">
+              <a:shade val="50000"/>
+            </a:schemeClr>
+          </a:lnRef>
+          <a:fillRef idx="1">
+            <a:schemeClr val="accent1"/>
+          </a:fillRef>
+          <a:effectRef idx="0">
+            <a:schemeClr val="accent1"/>
+          </a:effectRef>
+          <a:fontRef idx="minor">
+            <a:schemeClr val="lt1"/>
+          </a:fontRef>
+        </p:style>
+        <p:txBody>
+          <a:bodyPr rtlCol="0" anchor="ctr"/>
+          <a:lstStyle/>
+          <a:p>
+            <a:pPr algn="ctr"/>
+            <a:endParaRPr lang="fr-FR"/>
+          </a:p>
+        </p:txBody>
+      </p:sp>
+      <p:pic>
+        <p:nvPicPr>
+          <p:cNvPr id="6" name="Image 5">
+            <a:extLst>
+              <a:ext uri="{FF2B5EF4-FFF2-40B4-BE49-F238E27FC236}">
+                <a16:creationId xmlns:a16="http://schemas.microsoft.com/office/drawing/2014/main" id="{7A0DF4ED-F284-CDDC-6B61-3939682FB135}"/>
+              </a:ext>
+            </a:extLst>
+          </p:cNvPr>
+          <p:cNvPicPr>
+            <a:picLocks noChangeAspect="1"/>
+          </p:cNvPicPr>
+          <p:nvPr/>
+        </p:nvPicPr>
+        <p:blipFill>
+          <a:blip r:embed="rId4">
+            <a:extLst>
+              <a:ext uri="{28A0092B-C50C-407E-A947-70E740481C1C}">
+                <a14:useLocalDpi xmlns:a14="http://schemas.microsoft.com/office/drawing/2010/main" val="0"/>
+              </a:ext>
+            </a:extLst>
+          </a:blip>
+          <a:stretch>
+            <a:fillRect/>
+          </a:stretch>
+        </p:blipFill>
+        <p:spPr>
+          <a:xfrm>
+            <a:off x="5644210" y="1076421"/>
+            <a:ext cx="6288316" cy="4976612"/>
+          </a:xfrm>
+          <a:prstGeom prst="rect">
+            <a:avLst/>
+          </a:prstGeom>
+        </p:spPr>
+      </p:pic>
+    </p:spTree>
+    <p:extLst>
+      <p:ext uri="{BB962C8B-B14F-4D97-AF65-F5344CB8AC3E}">
+        <p14:creationId xmlns:p14="http://schemas.microsoft.com/office/powerpoint/2010/main" val="480004727"/>
+      </p:ext>
+    </p:extLst>
+  </p:cSld>
+  <p:clrMapOvr>
+    <a:masterClrMapping/>
+  </p:clrMapOvr>
+</p:sld>
+</file>
+
+<file path=ppt/slides/slide21.xml><?xml version="1.0" encoding="utf-8"?>
+<p:sld xmlns:a="http://schemas.openxmlformats.org/drawingml/2006/main" xmlns:r="http://schemas.openxmlformats.org/officeDocument/2006/relationships" xmlns:p="http://schemas.openxmlformats.org/presentationml/2006/main">
+  <p:cSld>
+    <p:spTree>
+      <p:nvGrpSpPr>
+        <p:cNvPr id="1" name=""/>
+        <p:cNvGrpSpPr/>
+        <p:nvPr/>
+      </p:nvGrpSpPr>
+      <p:grpSpPr>
+        <a:xfrm>
+          <a:off x="0" y="0"/>
+          <a:ext cx="0" cy="0"/>
+          <a:chOff x="0" y="0"/>
+          <a:chExt cx="0" cy="0"/>
+        </a:xfrm>
+      </p:grpSpPr>
+      <p:sp>
+        <p:nvSpPr>
+          <p:cNvPr id="2" name="Titre 1">
+            <a:extLst>
+              <a:ext uri="{FF2B5EF4-FFF2-40B4-BE49-F238E27FC236}">
+                <a16:creationId xmlns:a16="http://schemas.microsoft.com/office/drawing/2014/main" id="{84879000-F87B-E4F1-EDA7-E630DAE221AF}"/>
+              </a:ext>
+            </a:extLst>
+          </p:cNvPr>
+          <p:cNvSpPr>
+            <a:spLocks noGrp="1"/>
+          </p:cNvSpPr>
+          <p:nvPr>
+            <p:ph type="title"/>
+          </p:nvPr>
+        </p:nvSpPr>
+        <p:spPr/>
+        <p:txBody>
+          <a:bodyPr/>
+          <a:lstStyle/>
+          <a:p>
+            <a:r>
+              <a:rPr lang="fr-FR" dirty="0"/>
+              <a:t>Transport – PAT</a:t>
+            </a:r>
+          </a:p>
+        </p:txBody>
+      </p:sp>
+      <p:sp>
+        <p:nvSpPr>
+          <p:cNvPr id="3" name="Espace réservé du contenu 2">
+            <a:extLst>
+              <a:ext uri="{FF2B5EF4-FFF2-40B4-BE49-F238E27FC236}">
+                <a16:creationId xmlns:a16="http://schemas.microsoft.com/office/drawing/2014/main" id="{B23F1D09-D3FA-EDEE-E62D-4B0BA5CAE0B7}"/>
+              </a:ext>
+            </a:extLst>
+          </p:cNvPr>
+          <p:cNvSpPr>
+            <a:spLocks noGrp="1"/>
+          </p:cNvSpPr>
+          <p:nvPr>
+            <p:ph idx="1"/>
+          </p:nvPr>
+        </p:nvSpPr>
+        <p:spPr>
+          <a:xfrm>
+            <a:off x="838199" y="1825625"/>
+            <a:ext cx="8195188" cy="4351338"/>
+          </a:xfrm>
+        </p:spPr>
+        <p:txBody>
+          <a:bodyPr>
+            <a:normAutofit/>
+          </a:bodyPr>
+          <a:lstStyle/>
+          <a:p>
+            <a:pPr marL="0" indent="0">
+              <a:buNone/>
+            </a:pPr>
+            <a:r>
+              <a:rPr lang="fr-FR" dirty="0"/>
+              <a:t>10.101.0.25:14573 connexion vers 142.250.200.227:80</a:t>
+            </a:r>
+          </a:p>
+          <a:p>
+            <a:pPr marL="0" indent="0">
+              <a:buNone/>
+            </a:pPr>
+            <a:r>
+              <a:rPr lang="fr-FR" dirty="0"/>
+              <a:t>Routeur change le port source et l’IP :</a:t>
+            </a:r>
+          </a:p>
+          <a:p>
+            <a:pPr marL="0" indent="0">
+              <a:buNone/>
+            </a:pPr>
+            <a:r>
+              <a:rPr lang="fr-FR" dirty="0"/>
+              <a:t>193.48.100.62.1001</a:t>
+            </a:r>
+          </a:p>
+          <a:p>
+            <a:pPr marL="0" indent="0">
+              <a:buNone/>
+            </a:pPr>
+            <a:endParaRPr lang="fr-FR" dirty="0"/>
+          </a:p>
+          <a:p>
+            <a:pPr marL="0" indent="0">
+              <a:buNone/>
+            </a:pPr>
+            <a:r>
+              <a:rPr lang="fr-FR" dirty="0"/>
+              <a:t>Au retour, si la trame possède le numéro de port</a:t>
+            </a:r>
+          </a:p>
+          <a:p>
+            <a:pPr marL="0" indent="0">
+              <a:buNone/>
+            </a:pPr>
+            <a:r>
+              <a:rPr lang="fr-FR" dirty="0"/>
+              <a:t>1001, le routeur effectue la modification inverse</a:t>
+            </a:r>
+          </a:p>
+          <a:p>
+            <a:pPr marL="0" indent="0">
+              <a:buNone/>
+            </a:pPr>
+            <a:r>
+              <a:rPr lang="fr-FR" dirty="0"/>
+              <a:t>,il envoi la trame à 10.101.0.25:14573</a:t>
+            </a:r>
+          </a:p>
+          <a:p>
+            <a:pPr marL="0" indent="0">
+              <a:buNone/>
+            </a:pPr>
+            <a:endParaRPr lang="fr-FR" dirty="0"/>
+          </a:p>
+        </p:txBody>
+      </p:sp>
+      <p:pic>
+        <p:nvPicPr>
+          <p:cNvPr id="4" name="Image 3">
+            <a:extLst>
+              <a:ext uri="{FF2B5EF4-FFF2-40B4-BE49-F238E27FC236}">
+                <a16:creationId xmlns:a16="http://schemas.microsoft.com/office/drawing/2014/main" id="{C736F3A7-1CC9-4DE4-7E3D-52AEAC04D557}"/>
+              </a:ext>
+            </a:extLst>
+          </p:cNvPr>
+          <p:cNvPicPr>
+            <a:picLocks noChangeAspect="1"/>
+          </p:cNvPicPr>
+          <p:nvPr/>
+        </p:nvPicPr>
+        <p:blipFill>
+          <a:blip r:embed="rId3">
+            <a:extLst>
+              <a:ext uri="{28A0092B-C50C-407E-A947-70E740481C1C}">
+                <a14:useLocalDpi xmlns:a14="http://schemas.microsoft.com/office/drawing/2010/main" val="0"/>
+              </a:ext>
+            </a:extLst>
+          </a:blip>
+          <a:stretch>
+            <a:fillRect/>
+          </a:stretch>
+        </p:blipFill>
+        <p:spPr>
+          <a:xfrm>
+            <a:off x="259474" y="6154384"/>
+            <a:ext cx="1675204" cy="519313"/>
+          </a:xfrm>
+          <a:prstGeom prst="rect">
+            <a:avLst/>
+          </a:prstGeom>
+        </p:spPr>
+      </p:pic>
+      <p:sp>
+        <p:nvSpPr>
+          <p:cNvPr id="8" name="Rectangle 7">
+            <a:extLst>
+              <a:ext uri="{FF2B5EF4-FFF2-40B4-BE49-F238E27FC236}">
+                <a16:creationId xmlns:a16="http://schemas.microsoft.com/office/drawing/2014/main" id="{1CDF7502-80BF-80C6-B965-490114E6264B}"/>
+              </a:ext>
+            </a:extLst>
+          </p:cNvPr>
+          <p:cNvSpPr/>
+          <p:nvPr/>
+        </p:nvSpPr>
+        <p:spPr>
+          <a:xfrm>
+            <a:off x="5288437" y="6176963"/>
+            <a:ext cx="2092751" cy="496734"/>
+          </a:xfrm>
+          <a:prstGeom prst="rect">
+            <a:avLst/>
+          </a:prstGeom>
+          <a:solidFill>
+            <a:schemeClr val="bg1"/>
+          </a:solidFill>
+          <a:ln>
+            <a:noFill/>
+          </a:ln>
+        </p:spPr>
+        <p:style>
+          <a:lnRef idx="2">
+            <a:schemeClr val="accent1">
+              <a:shade val="50000"/>
+            </a:schemeClr>
+          </a:lnRef>
+          <a:fillRef idx="1">
+            <a:schemeClr val="accent1"/>
+          </a:fillRef>
+          <a:effectRef idx="0">
+            <a:schemeClr val="accent1"/>
+          </a:effectRef>
+          <a:fontRef idx="minor">
+            <a:schemeClr val="lt1"/>
+          </a:fontRef>
+        </p:style>
+        <p:txBody>
+          <a:bodyPr rtlCol="0" anchor="ctr"/>
+          <a:lstStyle/>
+          <a:p>
+            <a:pPr algn="ctr"/>
+            <a:endParaRPr lang="fr-FR"/>
+          </a:p>
+        </p:txBody>
+      </p:sp>
+      <p:sp>
+        <p:nvSpPr>
+          <p:cNvPr id="9" name="Rectangle 8">
+            <a:extLst>
+              <a:ext uri="{FF2B5EF4-FFF2-40B4-BE49-F238E27FC236}">
+                <a16:creationId xmlns:a16="http://schemas.microsoft.com/office/drawing/2014/main" id="{6B362D99-8C29-4798-4660-9B593EB335E3}"/>
+              </a:ext>
+            </a:extLst>
+          </p:cNvPr>
+          <p:cNvSpPr/>
+          <p:nvPr/>
+        </p:nvSpPr>
+        <p:spPr>
+          <a:xfrm>
+            <a:off x="6983310" y="5917306"/>
+            <a:ext cx="806831" cy="496734"/>
+          </a:xfrm>
+          <a:prstGeom prst="rect">
+            <a:avLst/>
+          </a:prstGeom>
+          <a:solidFill>
+            <a:schemeClr val="bg1"/>
+          </a:solidFill>
+          <a:ln>
+            <a:noFill/>
+          </a:ln>
+        </p:spPr>
+        <p:style>
+          <a:lnRef idx="2">
+            <a:schemeClr val="accent1">
+              <a:shade val="50000"/>
+            </a:schemeClr>
+          </a:lnRef>
+          <a:fillRef idx="1">
+            <a:schemeClr val="accent1"/>
+          </a:fillRef>
+          <a:effectRef idx="0">
+            <a:schemeClr val="accent1"/>
+          </a:effectRef>
+          <a:fontRef idx="minor">
+            <a:schemeClr val="lt1"/>
+          </a:fontRef>
+        </p:style>
+        <p:txBody>
+          <a:bodyPr rtlCol="0" anchor="ctr"/>
+          <a:lstStyle/>
+          <a:p>
+            <a:pPr algn="ctr"/>
+            <a:endParaRPr lang="fr-FR"/>
+          </a:p>
+        </p:txBody>
+      </p:sp>
+      <p:pic>
+        <p:nvPicPr>
+          <p:cNvPr id="6" name="Image 5">
+            <a:extLst>
+              <a:ext uri="{FF2B5EF4-FFF2-40B4-BE49-F238E27FC236}">
+                <a16:creationId xmlns:a16="http://schemas.microsoft.com/office/drawing/2014/main" id="{7A0DF4ED-F284-CDDC-6B61-3939682FB135}"/>
+              </a:ext>
+            </a:extLst>
+          </p:cNvPr>
+          <p:cNvPicPr>
+            <a:picLocks noChangeAspect="1"/>
+          </p:cNvPicPr>
+          <p:nvPr/>
+        </p:nvPicPr>
+        <p:blipFill>
+          <a:blip r:embed="rId4">
+            <a:extLst>
+              <a:ext uri="{28A0092B-C50C-407E-A947-70E740481C1C}">
+                <a14:useLocalDpi xmlns:a14="http://schemas.microsoft.com/office/drawing/2010/main" val="0"/>
+              </a:ext>
+            </a:extLst>
+          </a:blip>
+          <a:stretch>
+            <a:fillRect/>
+          </a:stretch>
+        </p:blipFill>
+        <p:spPr>
+          <a:xfrm>
+            <a:off x="7309186" y="1328891"/>
+            <a:ext cx="4882814" cy="3864289"/>
+          </a:xfrm>
+          <a:prstGeom prst="rect">
+            <a:avLst/>
+          </a:prstGeom>
+        </p:spPr>
+      </p:pic>
+      <p:sp>
+        <p:nvSpPr>
+          <p:cNvPr id="5" name="Rectangle 4">
+            <a:extLst>
+              <a:ext uri="{FF2B5EF4-FFF2-40B4-BE49-F238E27FC236}">
+                <a16:creationId xmlns:a16="http://schemas.microsoft.com/office/drawing/2014/main" id="{3139BF64-7F9A-F01C-D0E4-D16201FD943D}"/>
+              </a:ext>
+            </a:extLst>
+          </p:cNvPr>
+          <p:cNvSpPr/>
+          <p:nvPr/>
+        </p:nvSpPr>
+        <p:spPr>
+          <a:xfrm>
+            <a:off x="7441259" y="5193180"/>
+            <a:ext cx="2170853" cy="356954"/>
+          </a:xfrm>
+          <a:prstGeom prst="rect">
+            <a:avLst/>
+          </a:prstGeom>
+          <a:solidFill>
+            <a:schemeClr val="bg1"/>
+          </a:solidFill>
+          <a:ln>
+            <a:noFill/>
+          </a:ln>
+        </p:spPr>
+        <p:style>
+          <a:lnRef idx="2">
+            <a:schemeClr val="accent1">
+              <a:shade val="15000"/>
+            </a:schemeClr>
+          </a:lnRef>
+          <a:fillRef idx="1">
+            <a:schemeClr val="accent1"/>
+          </a:fillRef>
+          <a:effectRef idx="0">
+            <a:schemeClr val="accent1"/>
+          </a:effectRef>
+          <a:fontRef idx="minor">
+            <a:schemeClr val="lt1"/>
+          </a:fontRef>
+        </p:style>
+        <p:txBody>
+          <a:bodyPr rtlCol="0" anchor="ctr"/>
+          <a:lstStyle/>
+          <a:p>
+            <a:pPr algn="ctr"/>
+            <a:r>
+              <a:rPr lang="fr-FR" dirty="0">
+                <a:solidFill>
+                  <a:schemeClr val="tx1"/>
+                </a:solidFill>
+              </a:rPr>
+              <a:t>193.48.100.62 </a:t>
+            </a:r>
+          </a:p>
+        </p:txBody>
+      </p:sp>
+    </p:spTree>
+    <p:extLst>
+      <p:ext uri="{BB962C8B-B14F-4D97-AF65-F5344CB8AC3E}">
+        <p14:creationId xmlns:p14="http://schemas.microsoft.com/office/powerpoint/2010/main" val="4020921027"/>
+      </p:ext>
+    </p:extLst>
+  </p:cSld>
+  <p:clrMapOvr>
+    <a:masterClrMapping/>
+  </p:clrMapOvr>
+</p:sld>
+</file>
+
+<file path=ppt/slides/slide22.xml><?xml version="1.0" encoding="utf-8"?>
+<p:sld xmlns:a="http://schemas.openxmlformats.org/drawingml/2006/main" xmlns:r="http://schemas.openxmlformats.org/officeDocument/2006/relationships" xmlns:p="http://schemas.openxmlformats.org/presentationml/2006/main">
+  <p:cSld>
+    <p:spTree>
+      <p:nvGrpSpPr>
+        <p:cNvPr id="1" name=""/>
+        <p:cNvGrpSpPr/>
+        <p:nvPr/>
+      </p:nvGrpSpPr>
+      <p:grpSpPr>
+        <a:xfrm>
+          <a:off x="0" y="0"/>
+          <a:ext cx="0" cy="0"/>
+          <a:chOff x="0" y="0"/>
+          <a:chExt cx="0" cy="0"/>
+        </a:xfrm>
+      </p:grpSpPr>
+      <p:sp>
+        <p:nvSpPr>
+          <p:cNvPr id="2" name="Titre 1">
+            <a:extLst>
+              <a:ext uri="{FF2B5EF4-FFF2-40B4-BE49-F238E27FC236}">
+                <a16:creationId xmlns:a16="http://schemas.microsoft.com/office/drawing/2014/main" id="{C5043ED2-81F2-6A57-E62B-245ECA8237B3}"/>
+              </a:ext>
+            </a:extLst>
+          </p:cNvPr>
+          <p:cNvSpPr>
+            <a:spLocks noGrp="1"/>
+          </p:cNvSpPr>
+          <p:nvPr>
+            <p:ph type="title"/>
+          </p:nvPr>
+        </p:nvSpPr>
+        <p:spPr/>
+        <p:txBody>
+          <a:bodyPr/>
+          <a:lstStyle/>
+          <a:p>
+            <a:r>
+              <a:rPr lang="fr-FR" dirty="0"/>
+              <a:t>Couche Réseau</a:t>
+            </a:r>
+          </a:p>
+        </p:txBody>
+      </p:sp>
+      <p:sp>
+        <p:nvSpPr>
+          <p:cNvPr id="3" name="Espace réservé du texte 2">
+            <a:extLst>
+              <a:ext uri="{FF2B5EF4-FFF2-40B4-BE49-F238E27FC236}">
+                <a16:creationId xmlns:a16="http://schemas.microsoft.com/office/drawing/2014/main" id="{52351BCF-26D8-991A-A104-19A66B599DD5}"/>
+              </a:ext>
+            </a:extLst>
+          </p:cNvPr>
+          <p:cNvSpPr>
+            <a:spLocks noGrp="1"/>
+          </p:cNvSpPr>
+          <p:nvPr>
+            <p:ph type="body" idx="1"/>
+          </p:nvPr>
+        </p:nvSpPr>
+        <p:spPr/>
+        <p:txBody>
+          <a:bodyPr/>
+          <a:lstStyle/>
+          <a:p>
+            <a:r>
+              <a:rPr lang="fr-FR" dirty="0"/>
+              <a:t>IPV6</a:t>
+            </a:r>
+          </a:p>
+        </p:txBody>
+      </p:sp>
+      <p:pic>
+        <p:nvPicPr>
+          <p:cNvPr id="4" name="Image 3">
+            <a:extLst>
+              <a:ext uri="{FF2B5EF4-FFF2-40B4-BE49-F238E27FC236}">
+                <a16:creationId xmlns:a16="http://schemas.microsoft.com/office/drawing/2014/main" id="{7D5CAAE2-A607-881E-6517-72A27C9BFC58}"/>
+              </a:ext>
+            </a:extLst>
+          </p:cNvPr>
+          <p:cNvPicPr>
+            <a:picLocks noChangeAspect="1"/>
+          </p:cNvPicPr>
+          <p:nvPr/>
+        </p:nvPicPr>
+        <p:blipFill>
+          <a:blip r:embed="rId2">
+            <a:extLst>
+              <a:ext uri="{28A0092B-C50C-407E-A947-70E740481C1C}">
+                <a14:useLocalDpi xmlns:a14="http://schemas.microsoft.com/office/drawing/2010/main" val="0"/>
+              </a:ext>
+            </a:extLst>
+          </a:blip>
+          <a:stretch>
+            <a:fillRect/>
+          </a:stretch>
+        </p:blipFill>
+        <p:spPr>
+          <a:xfrm>
+            <a:off x="259474" y="6154384"/>
+            <a:ext cx="1675204" cy="519313"/>
+          </a:xfrm>
+          <a:prstGeom prst="rect">
+            <a:avLst/>
+          </a:prstGeom>
+        </p:spPr>
+      </p:pic>
+      <p:pic>
+        <p:nvPicPr>
+          <p:cNvPr id="5" name="Image 4">
+            <a:extLst>
+              <a:ext uri="{FF2B5EF4-FFF2-40B4-BE49-F238E27FC236}">
+                <a16:creationId xmlns:a16="http://schemas.microsoft.com/office/drawing/2014/main" id="{43C0F8CC-0304-2975-6CC6-5D369C364821}"/>
+              </a:ext>
+            </a:extLst>
+          </p:cNvPr>
+          <p:cNvPicPr>
+            <a:picLocks noChangeAspect="1"/>
+          </p:cNvPicPr>
+          <p:nvPr/>
+        </p:nvPicPr>
+        <p:blipFill>
+          <a:blip r:embed="rId3">
+            <a:extLst>
+              <a:ext uri="{28A0092B-C50C-407E-A947-70E740481C1C}">
+                <a14:useLocalDpi xmlns:a14="http://schemas.microsoft.com/office/drawing/2010/main" val="0"/>
+              </a:ext>
+            </a:extLst>
+          </a:blip>
+          <a:stretch>
+            <a:fillRect/>
+          </a:stretch>
+        </p:blipFill>
+        <p:spPr>
+          <a:xfrm>
+            <a:off x="7358135" y="922338"/>
+            <a:ext cx="4391143" cy="5167312"/>
+          </a:xfrm>
+          <a:prstGeom prst="rect">
+            <a:avLst/>
+          </a:prstGeom>
+        </p:spPr>
+      </p:pic>
+      <p:sp>
+        <p:nvSpPr>
+          <p:cNvPr id="6" name="Rectangle 5">
+            <a:extLst>
+              <a:ext uri="{FF2B5EF4-FFF2-40B4-BE49-F238E27FC236}">
+                <a16:creationId xmlns:a16="http://schemas.microsoft.com/office/drawing/2014/main" id="{D2A38D7A-4EE8-C7E9-0BA0-52DE89264C42}"/>
+              </a:ext>
+            </a:extLst>
+          </p:cNvPr>
+          <p:cNvSpPr/>
+          <p:nvPr/>
+        </p:nvSpPr>
+        <p:spPr>
+          <a:xfrm>
+            <a:off x="8117007" y="3846038"/>
+            <a:ext cx="3431357" cy="716437"/>
+          </a:xfrm>
+          <a:prstGeom prst="rect">
+            <a:avLst/>
+          </a:prstGeom>
+          <a:noFill/>
+          <a:ln w="57150">
+            <a:solidFill>
+              <a:srgbClr val="FF0000"/>
+            </a:solidFill>
+          </a:ln>
+        </p:spPr>
+        <p:style>
+          <a:lnRef idx="2">
+            <a:schemeClr val="accent1">
+              <a:shade val="50000"/>
+            </a:schemeClr>
+          </a:lnRef>
+          <a:fillRef idx="1">
+            <a:schemeClr val="accent1"/>
+          </a:fillRef>
+          <a:effectRef idx="0">
+            <a:schemeClr val="accent1"/>
+          </a:effectRef>
+          <a:fontRef idx="minor">
+            <a:schemeClr val="lt1"/>
+          </a:fontRef>
+        </p:style>
+        <p:txBody>
+          <a:bodyPr rtlCol="0" anchor="ctr"/>
+          <a:lstStyle/>
+          <a:p>
+            <a:pPr algn="ctr"/>
+            <a:endParaRPr lang="fr-FR"/>
+          </a:p>
+        </p:txBody>
+      </p:sp>
+    </p:spTree>
+    <p:extLst>
+      <p:ext uri="{BB962C8B-B14F-4D97-AF65-F5344CB8AC3E}">
+        <p14:creationId xmlns:p14="http://schemas.microsoft.com/office/powerpoint/2010/main" val="2810393567"/>
+      </p:ext>
+    </p:extLst>
+  </p:cSld>
+  <p:clrMapOvr>
+    <a:masterClrMapping/>
+  </p:clrMapOvr>
+</p:sld>
+</file>
+
+<file path=ppt/slides/slide23.xml><?xml version="1.0" encoding="utf-8"?>
+<p:sld xmlns:a="http://schemas.openxmlformats.org/drawingml/2006/main" xmlns:r="http://schemas.openxmlformats.org/officeDocument/2006/relationships" xmlns:p="http://schemas.openxmlformats.org/presentationml/2006/main">
+  <p:cSld>
+    <p:spTree>
+      <p:nvGrpSpPr>
+        <p:cNvPr id="1" name=""/>
+        <p:cNvGrpSpPr/>
+        <p:nvPr/>
+      </p:nvGrpSpPr>
+      <p:grpSpPr>
+        <a:xfrm>
+          <a:off x="0" y="0"/>
+          <a:ext cx="0" cy="0"/>
+          <a:chOff x="0" y="0"/>
+          <a:chExt cx="0" cy="0"/>
+        </a:xfrm>
+      </p:grpSpPr>
+      <p:sp>
+        <p:nvSpPr>
+          <p:cNvPr id="2" name="Titre 1">
+            <a:extLst>
+              <a:ext uri="{FF2B5EF4-FFF2-40B4-BE49-F238E27FC236}">
+                <a16:creationId xmlns:a16="http://schemas.microsoft.com/office/drawing/2014/main" id="{84879000-F87B-E4F1-EDA7-E630DAE221AF}"/>
+              </a:ext>
+            </a:extLst>
+          </p:cNvPr>
+          <p:cNvSpPr>
+            <a:spLocks noGrp="1"/>
+          </p:cNvSpPr>
+          <p:nvPr>
+            <p:ph type="title"/>
+          </p:nvPr>
+        </p:nvSpPr>
+        <p:spPr/>
+        <p:txBody>
+          <a:bodyPr/>
+          <a:lstStyle/>
+          <a:p>
+            <a:r>
+              <a:rPr lang="fr-FR" dirty="0"/>
+              <a:t>Couche – Réseau – IPV6</a:t>
+            </a:r>
+          </a:p>
+        </p:txBody>
+      </p:sp>
+      <p:sp>
+        <p:nvSpPr>
+          <p:cNvPr id="3" name="Espace réservé du contenu 2">
+            <a:extLst>
+              <a:ext uri="{FF2B5EF4-FFF2-40B4-BE49-F238E27FC236}">
+                <a16:creationId xmlns:a16="http://schemas.microsoft.com/office/drawing/2014/main" id="{B23F1D09-D3FA-EDEE-E62D-4B0BA5CAE0B7}"/>
+              </a:ext>
+            </a:extLst>
+          </p:cNvPr>
+          <p:cNvSpPr>
+            <a:spLocks noGrp="1"/>
+          </p:cNvSpPr>
+          <p:nvPr>
+            <p:ph idx="1"/>
+          </p:nvPr>
+        </p:nvSpPr>
+        <p:spPr/>
+        <p:txBody>
+          <a:bodyPr/>
+          <a:lstStyle/>
+          <a:p>
+            <a:r>
+              <a:rPr lang="fr-FR" dirty="0"/>
+              <a:t>Le constat : pénurie d’adresse IPV4 (Malgré sous-réseaux et PAT…)</a:t>
+            </a:r>
+          </a:p>
+          <a:p>
+            <a:pPr lvl="1"/>
+            <a:r>
+              <a:rPr lang="fr-FR" dirty="0"/>
+              <a:t>32bits -&gt; 4 milliards d’adresses disponibles</a:t>
+            </a:r>
+          </a:p>
+          <a:p>
+            <a:pPr lvl="1"/>
+            <a:r>
+              <a:rPr lang="fr-FR" dirty="0"/>
+              <a:t>2011 : Tous les blocs d’adresse IP distribués aux </a:t>
+            </a:r>
+            <a:r>
+              <a:rPr lang="fr-FR" dirty="0" err="1"/>
+              <a:t>RIR</a:t>
+            </a:r>
+            <a:endParaRPr lang="fr-FR" dirty="0"/>
+          </a:p>
+          <a:p>
+            <a:pPr lvl="1"/>
+            <a:endParaRPr lang="fr-FR" dirty="0"/>
+          </a:p>
+          <a:p>
+            <a:pPr marL="457200" lvl="1" indent="0">
+              <a:buNone/>
+            </a:pPr>
+            <a:endParaRPr lang="fr-FR" dirty="0"/>
+          </a:p>
+          <a:p>
+            <a:r>
+              <a:rPr lang="fr-FR" dirty="0"/>
+              <a:t>IPV6</a:t>
+            </a:r>
+          </a:p>
+          <a:p>
+            <a:pPr lvl="1"/>
+            <a:r>
+              <a:rPr lang="fr-FR" dirty="0"/>
+              <a:t>2^128 : 340.10</a:t>
+            </a:r>
+            <a:r>
+              <a:rPr lang="fr-FR" baseline="30000" dirty="0"/>
+              <a:t>36 </a:t>
+            </a:r>
+            <a:r>
+              <a:rPr lang="fr-FR" dirty="0"/>
+              <a:t>adresses disponibles</a:t>
+            </a:r>
+          </a:p>
+          <a:p>
+            <a:pPr lvl="1"/>
+            <a:r>
+              <a:rPr lang="fr-FR" dirty="0"/>
+              <a:t>Réserve illimitée : correspond 10</a:t>
+            </a:r>
+            <a:r>
+              <a:rPr lang="fr-FR" baseline="30000" dirty="0"/>
+              <a:t>18</a:t>
+            </a:r>
+            <a:r>
+              <a:rPr lang="fr-FR" dirty="0"/>
+              <a:t> par mm² de la terre</a:t>
+            </a:r>
+          </a:p>
+          <a:p>
+            <a:pPr marL="0" indent="0">
+              <a:buNone/>
+            </a:pPr>
+            <a:endParaRPr lang="fr-FR" dirty="0"/>
+          </a:p>
+          <a:p>
+            <a:pPr marL="0" indent="0">
+              <a:buNone/>
+            </a:pPr>
+            <a:endParaRPr lang="fr-FR" dirty="0"/>
+          </a:p>
+        </p:txBody>
+      </p:sp>
+      <p:pic>
+        <p:nvPicPr>
+          <p:cNvPr id="4" name="Image 3">
+            <a:extLst>
+              <a:ext uri="{FF2B5EF4-FFF2-40B4-BE49-F238E27FC236}">
+                <a16:creationId xmlns:a16="http://schemas.microsoft.com/office/drawing/2014/main" id="{C736F3A7-1CC9-4DE4-7E3D-52AEAC04D557}"/>
+              </a:ext>
+            </a:extLst>
+          </p:cNvPr>
+          <p:cNvPicPr>
+            <a:picLocks noChangeAspect="1"/>
+          </p:cNvPicPr>
+          <p:nvPr/>
+        </p:nvPicPr>
+        <p:blipFill>
+          <a:blip r:embed="rId3">
+            <a:extLst>
+              <a:ext uri="{28A0092B-C50C-407E-A947-70E740481C1C}">
+                <a14:useLocalDpi xmlns:a14="http://schemas.microsoft.com/office/drawing/2010/main" val="0"/>
+              </a:ext>
+            </a:extLst>
+          </a:blip>
+          <a:stretch>
+            <a:fillRect/>
+          </a:stretch>
+        </p:blipFill>
+        <p:spPr>
+          <a:xfrm>
+            <a:off x="259474" y="6154384"/>
+            <a:ext cx="1675204" cy="519313"/>
+          </a:xfrm>
+          <a:prstGeom prst="rect">
+            <a:avLst/>
+          </a:prstGeom>
+        </p:spPr>
+      </p:pic>
+      <p:pic>
+        <p:nvPicPr>
+          <p:cNvPr id="6" name="Image 5">
+            <a:extLst>
+              <a:ext uri="{FF2B5EF4-FFF2-40B4-BE49-F238E27FC236}">
+                <a16:creationId xmlns:a16="http://schemas.microsoft.com/office/drawing/2014/main" id="{D197E323-B287-9810-05C9-0E94DC3B2E0F}"/>
+              </a:ext>
+            </a:extLst>
+          </p:cNvPr>
+          <p:cNvPicPr>
+            <a:picLocks noChangeAspect="1"/>
+          </p:cNvPicPr>
+          <p:nvPr/>
+        </p:nvPicPr>
+        <p:blipFill>
+          <a:blip r:embed="rId4">
+            <a:extLst>
+              <a:ext uri="{28A0092B-C50C-407E-A947-70E740481C1C}">
+                <a14:useLocalDpi xmlns:a14="http://schemas.microsoft.com/office/drawing/2010/main" val="0"/>
+              </a:ext>
+            </a:extLst>
+          </a:blip>
+          <a:stretch>
+            <a:fillRect/>
+          </a:stretch>
+        </p:blipFill>
+        <p:spPr>
+          <a:xfrm>
+            <a:off x="7959287" y="2057279"/>
+            <a:ext cx="4335951" cy="3468760"/>
+          </a:xfrm>
+          <a:prstGeom prst="rect">
+            <a:avLst/>
+          </a:prstGeom>
+        </p:spPr>
+      </p:pic>
+    </p:spTree>
+    <p:extLst>
+      <p:ext uri="{BB962C8B-B14F-4D97-AF65-F5344CB8AC3E}">
+        <p14:creationId xmlns:p14="http://schemas.microsoft.com/office/powerpoint/2010/main" val="3620924059"/>
+      </p:ext>
+    </p:extLst>
+  </p:cSld>
+  <p:clrMapOvr>
+    <a:masterClrMapping/>
+  </p:clrMapOvr>
+</p:sld>
+</file>
+
+<file path=ppt/slides/slide24.xml><?xml version="1.0" encoding="utf-8"?>
+<p:sld xmlns:a="http://schemas.openxmlformats.org/drawingml/2006/main" xmlns:r="http://schemas.openxmlformats.org/officeDocument/2006/relationships" xmlns:p="http://schemas.openxmlformats.org/presentationml/2006/main">
+  <p:cSld>
+    <p:spTree>
+      <p:nvGrpSpPr>
+        <p:cNvPr id="1" name=""/>
+        <p:cNvGrpSpPr/>
+        <p:nvPr/>
+      </p:nvGrpSpPr>
+      <p:grpSpPr>
+        <a:xfrm>
+          <a:off x="0" y="0"/>
+          <a:ext cx="0" cy="0"/>
+          <a:chOff x="0" y="0"/>
+          <a:chExt cx="0" cy="0"/>
+        </a:xfrm>
+      </p:grpSpPr>
+      <p:sp>
+        <p:nvSpPr>
+          <p:cNvPr id="2" name="Titre 1">
+            <a:extLst>
+              <a:ext uri="{FF2B5EF4-FFF2-40B4-BE49-F238E27FC236}">
+                <a16:creationId xmlns:a16="http://schemas.microsoft.com/office/drawing/2014/main" id="{84879000-F87B-E4F1-EDA7-E630DAE221AF}"/>
+              </a:ext>
+            </a:extLst>
+          </p:cNvPr>
+          <p:cNvSpPr>
+            <a:spLocks noGrp="1"/>
+          </p:cNvSpPr>
+          <p:nvPr>
+            <p:ph type="title"/>
+          </p:nvPr>
+        </p:nvSpPr>
+        <p:spPr/>
+        <p:txBody>
+          <a:bodyPr/>
+          <a:lstStyle/>
+          <a:p>
+            <a:r>
+              <a:rPr lang="fr-FR" dirty="0"/>
+              <a:t>Couche – Réseau – IPV6</a:t>
+            </a:r>
+          </a:p>
+        </p:txBody>
+      </p:sp>
+      <p:sp>
+        <p:nvSpPr>
+          <p:cNvPr id="3" name="Espace réservé du contenu 2">
+            <a:extLst>
+              <a:ext uri="{FF2B5EF4-FFF2-40B4-BE49-F238E27FC236}">
+                <a16:creationId xmlns:a16="http://schemas.microsoft.com/office/drawing/2014/main" id="{B23F1D09-D3FA-EDEE-E62D-4B0BA5CAE0B7}"/>
+              </a:ext>
+            </a:extLst>
+          </p:cNvPr>
+          <p:cNvSpPr>
+            <a:spLocks noGrp="1"/>
+          </p:cNvSpPr>
+          <p:nvPr>
+            <p:ph idx="1"/>
+          </p:nvPr>
+        </p:nvSpPr>
+        <p:spPr/>
+        <p:txBody>
+          <a:bodyPr>
+            <a:normAutofit fontScale="92500" lnSpcReduction="20000"/>
+          </a:bodyPr>
+          <a:lstStyle/>
+          <a:p>
+            <a:r>
+              <a:rPr lang="fr-FR" dirty="0"/>
+              <a:t>Format :</a:t>
+            </a:r>
+          </a:p>
+          <a:p>
+            <a:pPr marL="0" indent="0">
+              <a:buNone/>
+            </a:pPr>
+            <a:endParaRPr lang="fr-FR" dirty="0"/>
+          </a:p>
+          <a:p>
+            <a:r>
+              <a:rPr lang="fr-FR" dirty="0"/>
+              <a:t>Notation : 8 Groupes de 2 Octets : </a:t>
+            </a:r>
+          </a:p>
+          <a:p>
+            <a:pPr lvl="1"/>
+            <a:r>
+              <a:rPr lang="fr-FR" dirty="0"/>
+              <a:t>2001:0db8:0000:85a3:0000:0000:ac1f:8001</a:t>
+            </a:r>
+          </a:p>
+          <a:p>
+            <a:pPr lvl="1"/>
+            <a:r>
+              <a:rPr lang="fr-FR" dirty="0"/>
+              <a:t>2001:db8:0:85a3:0:0:ac1f:8001 (On peut retirer les 0 non significatifs)</a:t>
+            </a:r>
+          </a:p>
+          <a:p>
+            <a:pPr lvl="1"/>
+            <a:r>
+              <a:rPr lang="fr-FR" dirty="0"/>
+              <a:t>2001:db8:0:85a3::ac1f:8001 (Une suite de plusieurs groupe 0 peuvent être retirés)</a:t>
+            </a:r>
+          </a:p>
+          <a:p>
+            <a:pPr lvl="1"/>
+            <a:r>
+              <a:rPr lang="fr-FR" dirty="0"/>
+              <a:t>Masque de sous réseau : idem IPV4</a:t>
+            </a:r>
+          </a:p>
+          <a:p>
+            <a:r>
+              <a:rPr lang="fr-FR" dirty="0"/>
+              <a:t>Propriété :</a:t>
+            </a:r>
+          </a:p>
+          <a:p>
+            <a:pPr lvl="1"/>
+            <a:r>
+              <a:rPr lang="fr-FR" dirty="0"/>
+              <a:t>Unique ! Plus besoin de PAT/NAT</a:t>
+            </a:r>
+          </a:p>
+          <a:p>
+            <a:pPr marL="457200" lvl="1" indent="0">
+              <a:buNone/>
+            </a:pPr>
+            <a:endParaRPr lang="fr-FR" dirty="0"/>
+          </a:p>
+          <a:p>
+            <a:r>
+              <a:rPr lang="fr-FR" dirty="0"/>
+              <a:t>Adresses spécifiques</a:t>
+            </a:r>
+          </a:p>
+          <a:p>
+            <a:pPr lvl="1"/>
+            <a:r>
+              <a:rPr lang="fr-FR" dirty="0"/>
+              <a:t>127.0.0.1 -&gt; ::1/128</a:t>
+            </a:r>
+          </a:p>
+          <a:p>
+            <a:pPr marL="0" indent="0">
+              <a:buNone/>
+            </a:pPr>
+            <a:endParaRPr lang="fr-FR" dirty="0"/>
+          </a:p>
+          <a:p>
+            <a:pPr marL="0" indent="0">
+              <a:buNone/>
+            </a:pPr>
+            <a:endParaRPr lang="fr-FR" dirty="0"/>
+          </a:p>
+        </p:txBody>
+      </p:sp>
+      <p:pic>
+        <p:nvPicPr>
+          <p:cNvPr id="4" name="Image 3">
+            <a:extLst>
+              <a:ext uri="{FF2B5EF4-FFF2-40B4-BE49-F238E27FC236}">
+                <a16:creationId xmlns:a16="http://schemas.microsoft.com/office/drawing/2014/main" id="{C736F3A7-1CC9-4DE4-7E3D-52AEAC04D557}"/>
+              </a:ext>
+            </a:extLst>
+          </p:cNvPr>
+          <p:cNvPicPr>
+            <a:picLocks noChangeAspect="1"/>
+          </p:cNvPicPr>
+          <p:nvPr/>
+        </p:nvPicPr>
+        <p:blipFill>
+          <a:blip r:embed="rId3">
+            <a:extLst>
+              <a:ext uri="{28A0092B-C50C-407E-A947-70E740481C1C}">
+                <a14:useLocalDpi xmlns:a14="http://schemas.microsoft.com/office/drawing/2010/main" val="0"/>
+              </a:ext>
+            </a:extLst>
+          </a:blip>
+          <a:stretch>
+            <a:fillRect/>
+          </a:stretch>
+        </p:blipFill>
+        <p:spPr>
+          <a:xfrm>
+            <a:off x="259474" y="6154384"/>
+            <a:ext cx="1675204" cy="519313"/>
+          </a:xfrm>
+          <a:prstGeom prst="rect">
+            <a:avLst/>
+          </a:prstGeom>
+        </p:spPr>
+      </p:pic>
+      <p:pic>
+        <p:nvPicPr>
+          <p:cNvPr id="7" name="Image 6">
+            <a:extLst>
+              <a:ext uri="{FF2B5EF4-FFF2-40B4-BE49-F238E27FC236}">
+                <a16:creationId xmlns:a16="http://schemas.microsoft.com/office/drawing/2014/main" id="{82986EA7-90BF-BC35-E323-1B65166FD48F}"/>
+              </a:ext>
+            </a:extLst>
+          </p:cNvPr>
+          <p:cNvPicPr>
+            <a:picLocks noChangeAspect="1"/>
+          </p:cNvPicPr>
+          <p:nvPr/>
+        </p:nvPicPr>
+        <p:blipFill>
+          <a:blip r:embed="rId4"/>
+          <a:stretch>
+            <a:fillRect/>
+          </a:stretch>
+        </p:blipFill>
+        <p:spPr>
+          <a:xfrm>
+            <a:off x="2772785" y="1400893"/>
+            <a:ext cx="8105775" cy="1076325"/>
+          </a:xfrm>
+          <a:prstGeom prst="rect">
+            <a:avLst/>
+          </a:prstGeom>
+        </p:spPr>
+      </p:pic>
+    </p:spTree>
+    <p:extLst>
+      <p:ext uri="{BB962C8B-B14F-4D97-AF65-F5344CB8AC3E}">
+        <p14:creationId xmlns:p14="http://schemas.microsoft.com/office/powerpoint/2010/main" val="3386685285"/>
+      </p:ext>
+    </p:extLst>
+  </p:cSld>
+  <p:clrMapOvr>
+    <a:masterClrMapping/>
+  </p:clrMapOvr>
+</p:sld>
+</file>
+
+<file path=ppt/slides/slide25.xml><?xml version="1.0" encoding="utf-8"?>
+<p:sld xmlns:a="http://schemas.openxmlformats.org/drawingml/2006/main" xmlns:r="http://schemas.openxmlformats.org/officeDocument/2006/relationships" xmlns:p="http://schemas.openxmlformats.org/presentationml/2006/main">
+  <p:cSld>
+    <p:spTree>
+      <p:nvGrpSpPr>
+        <p:cNvPr id="1" name=""/>
+        <p:cNvGrpSpPr/>
+        <p:nvPr/>
+      </p:nvGrpSpPr>
+      <p:grpSpPr>
+        <a:xfrm>
+          <a:off x="0" y="0"/>
+          <a:ext cx="0" cy="0"/>
+          <a:chOff x="0" y="0"/>
+          <a:chExt cx="0" cy="0"/>
+        </a:xfrm>
+      </p:grpSpPr>
+      <p:sp>
+        <p:nvSpPr>
+          <p:cNvPr id="2" name="Titre 1">
+            <a:extLst>
+              <a:ext uri="{FF2B5EF4-FFF2-40B4-BE49-F238E27FC236}">
+                <a16:creationId xmlns:a16="http://schemas.microsoft.com/office/drawing/2014/main" id="{3B7EFEBA-CE38-ECF1-275F-BD2ECE9D0304}"/>
+              </a:ext>
+            </a:extLst>
+          </p:cNvPr>
+          <p:cNvSpPr>
+            <a:spLocks noGrp="1"/>
+          </p:cNvSpPr>
+          <p:nvPr>
+            <p:ph type="title"/>
+          </p:nvPr>
+        </p:nvSpPr>
+        <p:spPr/>
+        <p:txBody>
+          <a:bodyPr/>
+          <a:lstStyle/>
+          <a:p>
+            <a:r>
+              <a:rPr lang="fr-FR" dirty="0"/>
+              <a:t>Couche – Réseau – IPV6</a:t>
+            </a:r>
+          </a:p>
+        </p:txBody>
+      </p:sp>
+      <p:sp>
+        <p:nvSpPr>
+          <p:cNvPr id="3" name="Espace réservé du contenu 2">
+            <a:extLst>
+              <a:ext uri="{FF2B5EF4-FFF2-40B4-BE49-F238E27FC236}">
+                <a16:creationId xmlns:a16="http://schemas.microsoft.com/office/drawing/2014/main" id="{7F92DB95-3398-CEB7-492D-C784FD9194D4}"/>
+              </a:ext>
+            </a:extLst>
+          </p:cNvPr>
+          <p:cNvSpPr>
+            <a:spLocks noGrp="1"/>
+          </p:cNvSpPr>
+          <p:nvPr>
+            <p:ph idx="1"/>
+          </p:nvPr>
+        </p:nvSpPr>
+        <p:spPr/>
+        <p:txBody>
+          <a:bodyPr/>
+          <a:lstStyle/>
+          <a:p>
+            <a:r>
+              <a:rPr lang="fr-FR" dirty="0"/>
+              <a:t>Allocation des adresses IP V6 :</a:t>
+            </a:r>
+          </a:p>
+          <a:p>
+            <a:endParaRPr lang="fr-FR" dirty="0"/>
+          </a:p>
+          <a:p>
+            <a:endParaRPr lang="fr-FR" dirty="0"/>
+          </a:p>
+          <a:p>
+            <a:endParaRPr lang="fr-FR" dirty="0"/>
+          </a:p>
+          <a:p>
+            <a:r>
+              <a:rPr lang="fr-FR" dirty="0"/>
+              <a:t>IANA distribue au 5 </a:t>
+            </a:r>
+            <a:r>
+              <a:rPr lang="fr-FR" dirty="0" err="1"/>
+              <a:t>RIR</a:t>
+            </a:r>
+            <a:r>
+              <a:rPr lang="fr-FR" dirty="0"/>
+              <a:t> : 3 bits : </a:t>
+            </a:r>
+          </a:p>
+          <a:p>
+            <a:r>
+              <a:rPr lang="fr-FR" dirty="0"/>
+              <a:t>Les </a:t>
+            </a:r>
+            <a:r>
+              <a:rPr lang="fr-FR" dirty="0" err="1"/>
+              <a:t>RIR</a:t>
+            </a:r>
+            <a:r>
+              <a:rPr lang="fr-FR" dirty="0"/>
+              <a:t> distribue des blocs aux </a:t>
+            </a:r>
+            <a:r>
+              <a:rPr lang="fr-FR" dirty="0" err="1"/>
+              <a:t>LIR</a:t>
+            </a:r>
+            <a:r>
+              <a:rPr lang="fr-FR" dirty="0"/>
+              <a:t> (FAI et grosses sociétés) : 20 bits</a:t>
+            </a:r>
+          </a:p>
+          <a:p>
+            <a:r>
+              <a:rPr lang="fr-FR" dirty="0"/>
+              <a:t>Chaque </a:t>
+            </a:r>
+            <a:r>
+              <a:rPr lang="fr-FR" dirty="0" err="1"/>
+              <a:t>LIR</a:t>
+            </a:r>
+            <a:r>
+              <a:rPr lang="fr-FR" dirty="0"/>
+              <a:t> « </a:t>
+            </a:r>
+            <a:r>
+              <a:rPr lang="fr-FR" dirty="0" err="1"/>
+              <a:t>prete</a:t>
+            </a:r>
+            <a:r>
+              <a:rPr lang="fr-FR" dirty="0"/>
+              <a:t> » d’une adresse /64 à ses clients</a:t>
+            </a:r>
+          </a:p>
+        </p:txBody>
+      </p:sp>
+      <p:pic>
+        <p:nvPicPr>
+          <p:cNvPr id="7" name="Image 6">
+            <a:extLst>
+              <a:ext uri="{FF2B5EF4-FFF2-40B4-BE49-F238E27FC236}">
+                <a16:creationId xmlns:a16="http://schemas.microsoft.com/office/drawing/2014/main" id="{79956665-A0A4-6880-8A64-A498CA75F5CE}"/>
+              </a:ext>
+            </a:extLst>
+          </p:cNvPr>
+          <p:cNvPicPr>
+            <a:picLocks noChangeAspect="1"/>
+          </p:cNvPicPr>
+          <p:nvPr/>
+        </p:nvPicPr>
+        <p:blipFill>
+          <a:blip r:embed="rId2"/>
+          <a:stretch>
+            <a:fillRect/>
+          </a:stretch>
+        </p:blipFill>
+        <p:spPr>
+          <a:xfrm>
+            <a:off x="1903561" y="2371577"/>
+            <a:ext cx="7411484" cy="1057423"/>
+          </a:xfrm>
+          <a:prstGeom prst="rect">
+            <a:avLst/>
+          </a:prstGeom>
+        </p:spPr>
+      </p:pic>
+      <p:sp>
+        <p:nvSpPr>
+          <p:cNvPr id="8" name="ZoneTexte 7">
+            <a:extLst>
+              <a:ext uri="{FF2B5EF4-FFF2-40B4-BE49-F238E27FC236}">
+                <a16:creationId xmlns:a16="http://schemas.microsoft.com/office/drawing/2014/main" id="{EF28C54F-3587-E521-CD03-242B80D46C44}"/>
+              </a:ext>
+            </a:extLst>
+          </p:cNvPr>
+          <p:cNvSpPr txBox="1"/>
+          <p:nvPr/>
+        </p:nvSpPr>
+        <p:spPr>
+          <a:xfrm>
+            <a:off x="7942007" y="2002245"/>
+            <a:ext cx="3894784" cy="369332"/>
+          </a:xfrm>
+          <a:prstGeom prst="rect">
+            <a:avLst/>
+          </a:prstGeom>
+          <a:noFill/>
+        </p:spPr>
+        <p:txBody>
+          <a:bodyPr wrap="none" rtlCol="0">
+            <a:spAutoFit/>
+          </a:bodyPr>
+          <a:lstStyle/>
+          <a:p>
+            <a:r>
+              <a:rPr lang="fr-FR" dirty="0"/>
+              <a:t>Identifiant machine dans le sous réseau</a:t>
+            </a:r>
+          </a:p>
+        </p:txBody>
+      </p:sp>
+      <p:cxnSp>
+        <p:nvCxnSpPr>
+          <p:cNvPr id="10" name="Connecteur droit avec flèche 9">
+            <a:extLst>
+              <a:ext uri="{FF2B5EF4-FFF2-40B4-BE49-F238E27FC236}">
+                <a16:creationId xmlns:a16="http://schemas.microsoft.com/office/drawing/2014/main" id="{6C35938B-5C53-E110-D90A-E2975892C3F0}"/>
+              </a:ext>
+            </a:extLst>
+          </p:cNvPr>
+          <p:cNvCxnSpPr/>
+          <p:nvPr/>
+        </p:nvCxnSpPr>
+        <p:spPr>
+          <a:xfrm flipH="1">
+            <a:off x="7809271" y="2371577"/>
+            <a:ext cx="1002890" cy="467488"/>
+          </a:xfrm>
+          <a:prstGeom prst="straightConnector1">
+            <a:avLst/>
+          </a:prstGeom>
+          <a:ln w="38100">
+            <a:tailEnd type="triangle"/>
+          </a:ln>
+        </p:spPr>
+        <p:style>
+          <a:lnRef idx="1">
+            <a:schemeClr val="accent1"/>
+          </a:lnRef>
+          <a:fillRef idx="0">
+            <a:schemeClr val="accent1"/>
+          </a:fillRef>
+          <a:effectRef idx="0">
+            <a:schemeClr val="accent1"/>
+          </a:effectRef>
+          <a:fontRef idx="minor">
+            <a:schemeClr val="tx1"/>
+          </a:fontRef>
+        </p:style>
+      </p:cxnSp>
+    </p:spTree>
+    <p:extLst>
+      <p:ext uri="{BB962C8B-B14F-4D97-AF65-F5344CB8AC3E}">
+        <p14:creationId xmlns:p14="http://schemas.microsoft.com/office/powerpoint/2010/main" val="2837406975"/>
+      </p:ext>
+    </p:extLst>
+  </p:cSld>
+  <p:clrMapOvr>
+    <a:masterClrMapping/>
+  </p:clrMapOvr>
+</p:sld>
+</file>
+
+<file path=ppt/slides/slide26.xml><?xml version="1.0" encoding="utf-8"?>
+<p:sld xmlns:a="http://schemas.openxmlformats.org/drawingml/2006/main" xmlns:r="http://schemas.openxmlformats.org/officeDocument/2006/relationships" xmlns:p="http://schemas.openxmlformats.org/presentationml/2006/main">
+  <p:cSld>
+    <p:spTree>
+      <p:nvGrpSpPr>
+        <p:cNvPr id="1" name=""/>
+        <p:cNvGrpSpPr/>
+        <p:nvPr/>
+      </p:nvGrpSpPr>
+      <p:grpSpPr>
+        <a:xfrm>
+          <a:off x="0" y="0"/>
+          <a:ext cx="0" cy="0"/>
+          <a:chOff x="0" y="0"/>
+          <a:chExt cx="0" cy="0"/>
+        </a:xfrm>
+      </p:grpSpPr>
+      <p:sp>
+        <p:nvSpPr>
+          <p:cNvPr id="2" name="Titre 1">
+            <a:extLst>
+              <a:ext uri="{FF2B5EF4-FFF2-40B4-BE49-F238E27FC236}">
+                <a16:creationId xmlns:a16="http://schemas.microsoft.com/office/drawing/2014/main" id="{3ABFC023-BBEC-DDB9-1A5F-CD1B92208F76}"/>
+              </a:ext>
+            </a:extLst>
+          </p:cNvPr>
+          <p:cNvSpPr>
+            <a:spLocks noGrp="1"/>
+          </p:cNvSpPr>
+          <p:nvPr>
+            <p:ph type="title"/>
+          </p:nvPr>
+        </p:nvSpPr>
+        <p:spPr/>
+        <p:txBody>
+          <a:bodyPr/>
+          <a:lstStyle/>
+          <a:p>
+            <a:r>
+              <a:rPr lang="fr-FR" dirty="0"/>
+              <a:t>Couche – Réseau – IPV6</a:t>
+            </a:r>
+          </a:p>
+        </p:txBody>
+      </p:sp>
+      <p:sp>
+        <p:nvSpPr>
+          <p:cNvPr id="3" name="Espace réservé du contenu 2">
+            <a:extLst>
+              <a:ext uri="{FF2B5EF4-FFF2-40B4-BE49-F238E27FC236}">
+                <a16:creationId xmlns:a16="http://schemas.microsoft.com/office/drawing/2014/main" id="{B278FBA0-8E2C-2A9C-4631-9965FC40EEDE}"/>
+              </a:ext>
+            </a:extLst>
+          </p:cNvPr>
+          <p:cNvSpPr>
+            <a:spLocks noGrp="1"/>
+          </p:cNvSpPr>
+          <p:nvPr>
+            <p:ph idx="1"/>
+          </p:nvPr>
+        </p:nvSpPr>
+        <p:spPr/>
+        <p:txBody>
+          <a:bodyPr/>
+          <a:lstStyle/>
+          <a:p>
+            <a:r>
+              <a:rPr lang="fr-FR" dirty="0"/>
+              <a:t>Plus besoin de faire de NAT ou PAT</a:t>
+            </a:r>
+          </a:p>
+          <a:p>
+            <a:endParaRPr lang="fr-FR" dirty="0"/>
+          </a:p>
+          <a:p>
+            <a:r>
+              <a:rPr lang="fr-FR" dirty="0"/>
+              <a:t>Contrepartie : les équipements sont directement accessibles depuis le web (On active le firewall de la box !)</a:t>
+            </a:r>
+          </a:p>
+        </p:txBody>
+      </p:sp>
+    </p:spTree>
+    <p:extLst>
+      <p:ext uri="{BB962C8B-B14F-4D97-AF65-F5344CB8AC3E}">
+        <p14:creationId xmlns:p14="http://schemas.microsoft.com/office/powerpoint/2010/main" val="1902745472"/>
+      </p:ext>
+    </p:extLst>
+  </p:cSld>
+  <p:clrMapOvr>
+    <a:masterClrMapping/>
+  </p:clrMapOvr>
+</p:sld>
+</file>
+
+<file path=ppt/slides/slide27.xml><?xml version="1.0" encoding="utf-8"?>
+<p:sld xmlns:a="http://schemas.openxmlformats.org/drawingml/2006/main" xmlns:r="http://schemas.openxmlformats.org/officeDocument/2006/relationships" xmlns:p="http://schemas.openxmlformats.org/presentationml/2006/main">
+  <p:cSld>
+    <p:spTree>
+      <p:nvGrpSpPr>
+        <p:cNvPr id="1" name=""/>
+        <p:cNvGrpSpPr/>
+        <p:nvPr/>
+      </p:nvGrpSpPr>
+      <p:grpSpPr>
+        <a:xfrm>
+          <a:off x="0" y="0"/>
+          <a:ext cx="0" cy="0"/>
+          <a:chOff x="0" y="0"/>
+          <a:chExt cx="0" cy="0"/>
+        </a:xfrm>
+      </p:grpSpPr>
+      <p:sp>
+        <p:nvSpPr>
+          <p:cNvPr id="2" name="Titre 1">
+            <a:extLst>
+              <a:ext uri="{FF2B5EF4-FFF2-40B4-BE49-F238E27FC236}">
+                <a16:creationId xmlns:a16="http://schemas.microsoft.com/office/drawing/2014/main" id="{C5043ED2-81F2-6A57-E62B-245ECA8237B3}"/>
+              </a:ext>
+            </a:extLst>
+          </p:cNvPr>
+          <p:cNvSpPr>
+            <a:spLocks noGrp="1"/>
+          </p:cNvSpPr>
+          <p:nvPr>
+            <p:ph type="title"/>
+          </p:nvPr>
+        </p:nvSpPr>
+        <p:spPr/>
+        <p:txBody>
+          <a:bodyPr/>
+          <a:lstStyle/>
+          <a:p>
+            <a:r>
+              <a:rPr lang="fr-FR" dirty="0"/>
+              <a:t>Quelques protocoles</a:t>
+            </a:r>
+          </a:p>
+        </p:txBody>
+      </p:sp>
+      <p:sp>
+        <p:nvSpPr>
+          <p:cNvPr id="3" name="Espace réservé du texte 2">
+            <a:extLst>
+              <a:ext uri="{FF2B5EF4-FFF2-40B4-BE49-F238E27FC236}">
+                <a16:creationId xmlns:a16="http://schemas.microsoft.com/office/drawing/2014/main" id="{52351BCF-26D8-991A-A104-19A66B599DD5}"/>
+              </a:ext>
+            </a:extLst>
+          </p:cNvPr>
+          <p:cNvSpPr>
+            <a:spLocks noGrp="1"/>
+          </p:cNvSpPr>
+          <p:nvPr>
+            <p:ph type="body" idx="1"/>
+          </p:nvPr>
+        </p:nvSpPr>
+        <p:spPr/>
+        <p:txBody>
+          <a:bodyPr/>
+          <a:lstStyle/>
+          <a:p>
+            <a:endParaRPr lang="fr-FR"/>
+          </a:p>
+        </p:txBody>
+      </p:sp>
+      <p:pic>
+        <p:nvPicPr>
+          <p:cNvPr id="4" name="Image 3">
+            <a:extLst>
+              <a:ext uri="{FF2B5EF4-FFF2-40B4-BE49-F238E27FC236}">
+                <a16:creationId xmlns:a16="http://schemas.microsoft.com/office/drawing/2014/main" id="{7D5CAAE2-A607-881E-6517-72A27C9BFC58}"/>
+              </a:ext>
+            </a:extLst>
+          </p:cNvPr>
+          <p:cNvPicPr>
+            <a:picLocks noChangeAspect="1"/>
+          </p:cNvPicPr>
+          <p:nvPr/>
+        </p:nvPicPr>
+        <p:blipFill>
+          <a:blip r:embed="rId3">
+            <a:extLst>
+              <a:ext uri="{28A0092B-C50C-407E-A947-70E740481C1C}">
+                <a14:useLocalDpi xmlns:a14="http://schemas.microsoft.com/office/drawing/2010/main" val="0"/>
+              </a:ext>
+            </a:extLst>
+          </a:blip>
+          <a:stretch>
+            <a:fillRect/>
+          </a:stretch>
+        </p:blipFill>
+        <p:spPr>
+          <a:xfrm>
+            <a:off x="259474" y="6154384"/>
+            <a:ext cx="1675204" cy="519313"/>
+          </a:xfrm>
+          <a:prstGeom prst="rect">
+            <a:avLst/>
+          </a:prstGeom>
+        </p:spPr>
+      </p:pic>
+    </p:spTree>
+    <p:extLst>
+      <p:ext uri="{BB962C8B-B14F-4D97-AF65-F5344CB8AC3E}">
+        <p14:creationId xmlns:p14="http://schemas.microsoft.com/office/powerpoint/2010/main" val="2392711151"/>
+      </p:ext>
+    </p:extLst>
+  </p:cSld>
+  <p:clrMapOvr>
+    <a:masterClrMapping/>
+  </p:clrMapOvr>
+</p:sld>
+</file>
+
+<file path=ppt/slides/slide28.xml><?xml version="1.0" encoding="utf-8"?>
+<p:sld xmlns:a="http://schemas.openxmlformats.org/drawingml/2006/main" xmlns:r="http://schemas.openxmlformats.org/officeDocument/2006/relationships" xmlns:p="http://schemas.openxmlformats.org/presentationml/2006/main">
+  <p:cSld>
+    <p:spTree>
+      <p:nvGrpSpPr>
+        <p:cNvPr id="1" name=""/>
+        <p:cNvGrpSpPr/>
+        <p:nvPr/>
+      </p:nvGrpSpPr>
+      <p:grpSpPr>
+        <a:xfrm>
+          <a:off x="0" y="0"/>
+          <a:ext cx="0" cy="0"/>
+          <a:chOff x="0" y="0"/>
+          <a:chExt cx="0" cy="0"/>
+        </a:xfrm>
+      </p:grpSpPr>
+      <p:sp>
+        <p:nvSpPr>
+          <p:cNvPr id="2" name="Titre 1">
+            <a:extLst>
+              <a:ext uri="{FF2B5EF4-FFF2-40B4-BE49-F238E27FC236}">
+                <a16:creationId xmlns:a16="http://schemas.microsoft.com/office/drawing/2014/main" id="{84879000-F87B-E4F1-EDA7-E630DAE221AF}"/>
+              </a:ext>
+            </a:extLst>
+          </p:cNvPr>
+          <p:cNvSpPr>
+            <a:spLocks noGrp="1"/>
+          </p:cNvSpPr>
+          <p:nvPr>
+            <p:ph type="title"/>
+          </p:nvPr>
+        </p:nvSpPr>
+        <p:spPr/>
+        <p:txBody>
+          <a:bodyPr/>
+          <a:lstStyle/>
+          <a:p>
+            <a:r>
+              <a:rPr lang="fr-FR" dirty="0"/>
               <a:t>Protocole FTP - Présentation</a:t>
             </a:r>
           </a:p>
@@ -10914,7 +13376,7 @@
 </p:sld>
 </file>
 
-<file path=ppt/slides/slide21.xml><?xml version="1.0" encoding="utf-8"?>
+<file path=ppt/slides/slide29.xml><?xml version="1.0" encoding="utf-8"?>
 <p:sld xmlns:a="http://schemas.openxmlformats.org/drawingml/2006/main" xmlns:r="http://schemas.openxmlformats.org/officeDocument/2006/relationships" xmlns:p="http://schemas.openxmlformats.org/presentationml/2006/main">
   <p:cSld>
     <p:spTree>
@@ -10986,6 +13448,39 @@
             <a:r>
               <a:rPr lang="fr-FR" dirty="0"/>
               <a:t>Attention : tout en clair !</a:t>
+            </a:r>
+          </a:p>
+          <a:p>
+            <a:endParaRPr lang="fr-FR" dirty="0"/>
+          </a:p>
+          <a:p>
+            <a:r>
+              <a:rPr lang="fr-FR" dirty="0"/>
+              <a:t>Mode actif : uniquement LAN (sauf si</a:t>
+            </a:r>
+          </a:p>
+          <a:p>
+            <a:pPr marL="0" indent="0">
+              <a:buNone/>
+            </a:pPr>
+            <a:r>
+              <a:rPr lang="fr-FR" dirty="0"/>
+              <a:t>Ajout des règles dans le routeur)</a:t>
+            </a:r>
+          </a:p>
+          <a:p>
+            <a:pPr marL="0" indent="0">
+              <a:buNone/>
+            </a:pPr>
+            <a:endParaRPr lang="fr-FR" dirty="0"/>
+          </a:p>
+          <a:p>
+            <a:pPr marL="0" indent="0">
+              <a:buNone/>
+            </a:pPr>
+            <a:r>
+              <a:rPr lang="fr-FR" dirty="0"/>
+              <a:t>Outil : Filezilla</a:t>
             </a:r>
           </a:p>
           <a:p>
@@ -11187,7 +13682,90 @@
 </p:sld>
 </file>
 
-<file path=ppt/slides/slide22.xml><?xml version="1.0" encoding="utf-8"?>
+<file path=ppt/slides/slide3.xml><?xml version="1.0" encoding="utf-8"?>
+<p:sld xmlns:a="http://schemas.openxmlformats.org/drawingml/2006/main" xmlns:r="http://schemas.openxmlformats.org/officeDocument/2006/relationships" xmlns:p="http://schemas.openxmlformats.org/presentationml/2006/main">
+  <p:cSld>
+    <p:spTree>
+      <p:nvGrpSpPr>
+        <p:cNvPr id="1" name=""/>
+        <p:cNvGrpSpPr/>
+        <p:nvPr/>
+      </p:nvGrpSpPr>
+      <p:grpSpPr>
+        <a:xfrm>
+          <a:off x="0" y="0"/>
+          <a:ext cx="0" cy="0"/>
+          <a:chOff x="0" y="0"/>
+          <a:chExt cx="0" cy="0"/>
+        </a:xfrm>
+      </p:grpSpPr>
+      <p:sp>
+        <p:nvSpPr>
+          <p:cNvPr id="2" name="Titre 1">
+            <a:extLst>
+              <a:ext uri="{FF2B5EF4-FFF2-40B4-BE49-F238E27FC236}">
+                <a16:creationId xmlns:a16="http://schemas.microsoft.com/office/drawing/2014/main" id="{99B0F8FE-A827-0885-328C-57D5BE44EB72}"/>
+              </a:ext>
+            </a:extLst>
+          </p:cNvPr>
+          <p:cNvSpPr>
+            <a:spLocks noGrp="1"/>
+          </p:cNvSpPr>
+          <p:nvPr>
+            <p:ph type="title"/>
+          </p:nvPr>
+        </p:nvSpPr>
+        <p:spPr/>
+        <p:txBody>
+          <a:bodyPr/>
+          <a:lstStyle/>
+          <a:p>
+            <a:r>
+              <a:rPr lang="fr-FR" dirty="0"/>
+              <a:t>Exercice – Cartographie réseau</a:t>
+            </a:r>
+          </a:p>
+        </p:txBody>
+      </p:sp>
+      <p:sp>
+        <p:nvSpPr>
+          <p:cNvPr id="3" name="Espace réservé du contenu 2">
+            <a:extLst>
+              <a:ext uri="{FF2B5EF4-FFF2-40B4-BE49-F238E27FC236}">
+                <a16:creationId xmlns:a16="http://schemas.microsoft.com/office/drawing/2014/main" id="{85E4C45F-37A2-5449-904C-AE12992DBE03}"/>
+              </a:ext>
+            </a:extLst>
+          </p:cNvPr>
+          <p:cNvSpPr>
+            <a:spLocks noGrp="1"/>
+          </p:cNvSpPr>
+          <p:nvPr>
+            <p:ph idx="1"/>
+          </p:nvPr>
+        </p:nvSpPr>
+        <p:spPr/>
+        <p:txBody>
+          <a:bodyPr/>
+          <a:lstStyle/>
+          <a:p>
+            <a:endParaRPr lang="fr-FR" dirty="0"/>
+          </a:p>
+        </p:txBody>
+      </p:sp>
+    </p:spTree>
+    <p:extLst>
+      <p:ext uri="{BB962C8B-B14F-4D97-AF65-F5344CB8AC3E}">
+        <p14:creationId xmlns:p14="http://schemas.microsoft.com/office/powerpoint/2010/main" val="2141566544"/>
+      </p:ext>
+    </p:extLst>
+  </p:cSld>
+  <p:clrMapOvr>
+    <a:masterClrMapping/>
+  </p:clrMapOvr>
+</p:sld>
+</file>
+
+<file path=ppt/slides/slide30.xml><?xml version="1.0" encoding="utf-8"?>
 <p:sld xmlns:a="http://schemas.openxmlformats.org/drawingml/2006/main" xmlns:r="http://schemas.openxmlformats.org/officeDocument/2006/relationships" xmlns:p="http://schemas.openxmlformats.org/presentationml/2006/main">
   <p:cSld>
     <p:spTree>
@@ -11375,7 +13953,7 @@
 </p:sld>
 </file>
 
-<file path=ppt/slides/slide23.xml><?xml version="1.0" encoding="utf-8"?>
+<file path=ppt/slides/slide31.xml><?xml version="1.0" encoding="utf-8"?>
 <p:sld xmlns:a="http://schemas.openxmlformats.org/drawingml/2006/main" xmlns:r="http://schemas.openxmlformats.org/officeDocument/2006/relationships" xmlns:p="http://schemas.openxmlformats.org/presentationml/2006/main">
   <p:cSld>
     <p:spTree>
@@ -11605,7 +14183,7 @@
 </p:sld>
 </file>
 
-<file path=ppt/slides/slide24.xml><?xml version="1.0" encoding="utf-8"?>
+<file path=ppt/slides/slide32.xml><?xml version="1.0" encoding="utf-8"?>
 <p:sld xmlns:a="http://schemas.openxmlformats.org/drawingml/2006/main" xmlns:r="http://schemas.openxmlformats.org/officeDocument/2006/relationships" xmlns:p="http://schemas.openxmlformats.org/presentationml/2006/main">
   <p:cSld>
     <p:spTree>
@@ -11773,7 +14351,7 @@
 </p:sld>
 </file>
 
-<file path=ppt/slides/slide25.xml><?xml version="1.0" encoding="utf-8"?>
+<file path=ppt/slides/slide33.xml><?xml version="1.0" encoding="utf-8"?>
 <p:sld xmlns:a="http://schemas.openxmlformats.org/drawingml/2006/main" xmlns:r="http://schemas.openxmlformats.org/officeDocument/2006/relationships" xmlns:p="http://schemas.openxmlformats.org/presentationml/2006/main">
   <p:cSld>
     <p:spTree>
@@ -11952,7 +14530,7 @@
 </p:sld>
 </file>
 
-<file path=ppt/slides/slide26.xml><?xml version="1.0" encoding="utf-8"?>
+<file path=ppt/slides/slide34.xml><?xml version="1.0" encoding="utf-8"?>
 <p:sld xmlns:a="http://schemas.openxmlformats.org/drawingml/2006/main" xmlns:r="http://schemas.openxmlformats.org/officeDocument/2006/relationships" xmlns:p="http://schemas.openxmlformats.org/presentationml/2006/main">
   <p:cSld>
     <p:spTree>
@@ -12128,7 +14706,7 @@
 </p:sld>
 </file>
 
-<file path=ppt/slides/slide27.xml><?xml version="1.0" encoding="utf-8"?>
+<file path=ppt/slides/slide35.xml><?xml version="1.0" encoding="utf-8"?>
 <p:sld xmlns:a="http://schemas.openxmlformats.org/drawingml/2006/main" xmlns:r="http://schemas.openxmlformats.org/officeDocument/2006/relationships" xmlns:p="http://schemas.openxmlformats.org/presentationml/2006/main">
   <p:cSld>
     <p:spTree>
@@ -12247,7 +14825,7 @@
 </p:sld>
 </file>
 
-<file path=ppt/slides/slide28.xml><?xml version="1.0" encoding="utf-8"?>
+<file path=ppt/slides/slide36.xml><?xml version="1.0" encoding="utf-8"?>
 <p:sld xmlns:a="http://schemas.openxmlformats.org/drawingml/2006/main" xmlns:r="http://schemas.openxmlformats.org/officeDocument/2006/relationships" xmlns:p="http://schemas.openxmlformats.org/presentationml/2006/main">
   <p:cSld>
     <p:spTree>
@@ -12454,7 +15032,7 @@
 </p:sld>
 </file>
 
-<file path=ppt/slides/slide29.xml><?xml version="1.0" encoding="utf-8"?>
+<file path=ppt/slides/slide37.xml><?xml version="1.0" encoding="utf-8"?>
 <p:sld xmlns:a="http://schemas.openxmlformats.org/drawingml/2006/main" xmlns:r="http://schemas.openxmlformats.org/officeDocument/2006/relationships" xmlns:p="http://schemas.openxmlformats.org/presentationml/2006/main">
   <p:cSld>
     <p:spTree>
@@ -12638,7 +15216,7 @@
 </p:sld>
 </file>
 
-<file path=ppt/slides/slide3.xml><?xml version="1.0" encoding="utf-8"?>
+<file path=ppt/slides/slide38.xml><?xml version="1.0" encoding="utf-8"?>
 <p:sld xmlns:a="http://schemas.openxmlformats.org/drawingml/2006/main" xmlns:r="http://schemas.openxmlformats.org/officeDocument/2006/relationships" xmlns:p="http://schemas.openxmlformats.org/presentationml/2006/main">
   <p:cSld>
     <p:spTree>
@@ -12660,89 +15238,6 @@
           <p:cNvPr id="2" name="Titre 1">
             <a:extLst>
               <a:ext uri="{FF2B5EF4-FFF2-40B4-BE49-F238E27FC236}">
-                <a16:creationId xmlns:a16="http://schemas.microsoft.com/office/drawing/2014/main" id="{99B0F8FE-A827-0885-328C-57D5BE44EB72}"/>
-              </a:ext>
-            </a:extLst>
-          </p:cNvPr>
-          <p:cNvSpPr>
-            <a:spLocks noGrp="1"/>
-          </p:cNvSpPr>
-          <p:nvPr>
-            <p:ph type="title"/>
-          </p:nvPr>
-        </p:nvSpPr>
-        <p:spPr/>
-        <p:txBody>
-          <a:bodyPr/>
-          <a:lstStyle/>
-          <a:p>
-            <a:r>
-              <a:rPr lang="fr-FR" dirty="0"/>
-              <a:t>Exercice – Cartographie réseau</a:t>
-            </a:r>
-          </a:p>
-        </p:txBody>
-      </p:sp>
-      <p:sp>
-        <p:nvSpPr>
-          <p:cNvPr id="3" name="Espace réservé du contenu 2">
-            <a:extLst>
-              <a:ext uri="{FF2B5EF4-FFF2-40B4-BE49-F238E27FC236}">
-                <a16:creationId xmlns:a16="http://schemas.microsoft.com/office/drawing/2014/main" id="{85E4C45F-37A2-5449-904C-AE12992DBE03}"/>
-              </a:ext>
-            </a:extLst>
-          </p:cNvPr>
-          <p:cNvSpPr>
-            <a:spLocks noGrp="1"/>
-          </p:cNvSpPr>
-          <p:nvPr>
-            <p:ph idx="1"/>
-          </p:nvPr>
-        </p:nvSpPr>
-        <p:spPr/>
-        <p:txBody>
-          <a:bodyPr/>
-          <a:lstStyle/>
-          <a:p>
-            <a:endParaRPr lang="fr-FR" dirty="0"/>
-          </a:p>
-        </p:txBody>
-      </p:sp>
-    </p:spTree>
-    <p:extLst>
-      <p:ext uri="{BB962C8B-B14F-4D97-AF65-F5344CB8AC3E}">
-        <p14:creationId xmlns:p14="http://schemas.microsoft.com/office/powerpoint/2010/main" val="2141566544"/>
-      </p:ext>
-    </p:extLst>
-  </p:cSld>
-  <p:clrMapOvr>
-    <a:masterClrMapping/>
-  </p:clrMapOvr>
-</p:sld>
-</file>
-
-<file path=ppt/slides/slide30.xml><?xml version="1.0" encoding="utf-8"?>
-<p:sld xmlns:a="http://schemas.openxmlformats.org/drawingml/2006/main" xmlns:r="http://schemas.openxmlformats.org/officeDocument/2006/relationships" xmlns:p="http://schemas.openxmlformats.org/presentationml/2006/main">
-  <p:cSld>
-    <p:spTree>
-      <p:nvGrpSpPr>
-        <p:cNvPr id="1" name=""/>
-        <p:cNvGrpSpPr/>
-        <p:nvPr/>
-      </p:nvGrpSpPr>
-      <p:grpSpPr>
-        <a:xfrm>
-          <a:off x="0" y="0"/>
-          <a:ext cx="0" cy="0"/>
-          <a:chOff x="0" y="0"/>
-          <a:chExt cx="0" cy="0"/>
-        </a:xfrm>
-      </p:grpSpPr>
-      <p:sp>
-        <p:nvSpPr>
-          <p:cNvPr id="2" name="Titre 1">
-            <a:extLst>
-              <a:ext uri="{FF2B5EF4-FFF2-40B4-BE49-F238E27FC236}">
                 <a16:creationId xmlns:a16="http://schemas.microsoft.com/office/drawing/2014/main" id="{84879000-F87B-E4F1-EDA7-E630DAE221AF}"/>
               </a:ext>
             </a:extLst>
@@ -12887,7 +15382,7 @@
             </a:pPr>
             <a:r>
               <a:rPr lang="fr-FR" dirty="0"/>
-              <a:t>https://www.ssi.gouv.fr/uploads/IMG/pdf/NP_WIFI_NoteTech.pdf</a:t>
+              <a:t>https://cyber.gouv.fr/uploads/IMG/pdf/NP_WIFI_NoteTech.pdf</a:t>
             </a:r>
           </a:p>
           <a:p>
@@ -12957,7 +15452,7 @@
 </p:sld>
 </file>
 
-<file path=ppt/slides/slide31.xml><?xml version="1.0" encoding="utf-8"?>
+<file path=ppt/slides/slide39.xml><?xml version="1.0" encoding="utf-8"?>
 <p:sld xmlns:a="http://schemas.openxmlformats.org/drawingml/2006/main" xmlns:r="http://schemas.openxmlformats.org/officeDocument/2006/relationships" xmlns:p="http://schemas.openxmlformats.org/presentationml/2006/main">
   <p:cSld>
     <p:spTree>
@@ -13042,1694 +15537,6 @@
     <p:extLst>
       <p:ext uri="{BB962C8B-B14F-4D97-AF65-F5344CB8AC3E}">
         <p14:creationId xmlns:p14="http://schemas.microsoft.com/office/powerpoint/2010/main" val="2461010764"/>
-      </p:ext>
-    </p:extLst>
-  </p:cSld>
-  <p:clrMapOvr>
-    <a:masterClrMapping/>
-  </p:clrMapOvr>
-</p:sld>
-</file>
-
-<file path=ppt/slides/slide32.xml><?xml version="1.0" encoding="utf-8"?>
-<p:sld xmlns:a="http://schemas.openxmlformats.org/drawingml/2006/main" xmlns:r="http://schemas.openxmlformats.org/officeDocument/2006/relationships" xmlns:p="http://schemas.openxmlformats.org/presentationml/2006/main">
-  <p:cSld>
-    <p:spTree>
-      <p:nvGrpSpPr>
-        <p:cNvPr id="1" name=""/>
-        <p:cNvGrpSpPr/>
-        <p:nvPr/>
-      </p:nvGrpSpPr>
-      <p:grpSpPr>
-        <a:xfrm>
-          <a:off x="0" y="0"/>
-          <a:ext cx="0" cy="0"/>
-          <a:chOff x="0" y="0"/>
-          <a:chExt cx="0" cy="0"/>
-        </a:xfrm>
-      </p:grpSpPr>
-      <p:sp>
-        <p:nvSpPr>
-          <p:cNvPr id="2" name="Titre 1">
-            <a:extLst>
-              <a:ext uri="{FF2B5EF4-FFF2-40B4-BE49-F238E27FC236}">
-                <a16:creationId xmlns:a16="http://schemas.microsoft.com/office/drawing/2014/main" id="{84879000-F87B-E4F1-EDA7-E630DAE221AF}"/>
-              </a:ext>
-            </a:extLst>
-          </p:cNvPr>
-          <p:cNvSpPr>
-            <a:spLocks noGrp="1"/>
-          </p:cNvSpPr>
-          <p:nvPr>
-            <p:ph type="title"/>
-          </p:nvPr>
-        </p:nvSpPr>
-        <p:spPr/>
-        <p:txBody>
-          <a:bodyPr/>
-          <a:lstStyle/>
-          <a:p>
-            <a:r>
-              <a:rPr lang="fr-FR" dirty="0"/>
-              <a:t>VPN - Principe</a:t>
-            </a:r>
-          </a:p>
-        </p:txBody>
-      </p:sp>
-      <p:sp>
-        <p:nvSpPr>
-          <p:cNvPr id="3" name="Espace réservé du contenu 2">
-            <a:extLst>
-              <a:ext uri="{FF2B5EF4-FFF2-40B4-BE49-F238E27FC236}">
-                <a16:creationId xmlns:a16="http://schemas.microsoft.com/office/drawing/2014/main" id="{B23F1D09-D3FA-EDEE-E62D-4B0BA5CAE0B7}"/>
-              </a:ext>
-            </a:extLst>
-          </p:cNvPr>
-          <p:cNvSpPr>
-            <a:spLocks noGrp="1"/>
-          </p:cNvSpPr>
-          <p:nvPr>
-            <p:ph idx="1"/>
-          </p:nvPr>
-        </p:nvSpPr>
-        <p:spPr/>
-        <p:txBody>
-          <a:bodyPr/>
-          <a:lstStyle/>
-          <a:p>
-            <a:r>
-              <a:rPr lang="fr-FR" dirty="0"/>
-              <a:t>Créer un réseau virtuel privé (Virtual </a:t>
-            </a:r>
-            <a:r>
-              <a:rPr lang="fr-FR" dirty="0" err="1"/>
-              <a:t>Private</a:t>
-            </a:r>
-            <a:r>
-              <a:rPr lang="fr-FR" dirty="0"/>
-              <a:t> Network) permettant l’interconnexion de réseau</a:t>
-            </a:r>
-          </a:p>
-          <a:p>
-            <a:r>
-              <a:rPr lang="fr-FR" dirty="0"/>
-              <a:t>Exemple :</a:t>
-            </a:r>
-          </a:p>
-          <a:p>
-            <a:pPr marL="0" indent="0">
-              <a:buNone/>
-            </a:pPr>
-            <a:endParaRPr lang="fr-FR" dirty="0"/>
-          </a:p>
-        </p:txBody>
-      </p:sp>
-      <p:pic>
-        <p:nvPicPr>
-          <p:cNvPr id="4" name="Image 3">
-            <a:extLst>
-              <a:ext uri="{FF2B5EF4-FFF2-40B4-BE49-F238E27FC236}">
-                <a16:creationId xmlns:a16="http://schemas.microsoft.com/office/drawing/2014/main" id="{C736F3A7-1CC9-4DE4-7E3D-52AEAC04D557}"/>
-              </a:ext>
-            </a:extLst>
-          </p:cNvPr>
-          <p:cNvPicPr>
-            <a:picLocks noChangeAspect="1"/>
-          </p:cNvPicPr>
-          <p:nvPr/>
-        </p:nvPicPr>
-        <p:blipFill>
-          <a:blip r:embed="rId2">
-            <a:extLst>
-              <a:ext uri="{28A0092B-C50C-407E-A947-70E740481C1C}">
-                <a14:useLocalDpi xmlns:a14="http://schemas.microsoft.com/office/drawing/2010/main" val="0"/>
-              </a:ext>
-            </a:extLst>
-          </a:blip>
-          <a:stretch>
-            <a:fillRect/>
-          </a:stretch>
-        </p:blipFill>
-        <p:spPr>
-          <a:xfrm>
-            <a:off x="259474" y="6154384"/>
-            <a:ext cx="1675204" cy="519313"/>
-          </a:xfrm>
-          <a:prstGeom prst="rect">
-            <a:avLst/>
-          </a:prstGeom>
-        </p:spPr>
-      </p:pic>
-      <p:pic>
-        <p:nvPicPr>
-          <p:cNvPr id="6" name="Image 5">
-            <a:extLst>
-              <a:ext uri="{FF2B5EF4-FFF2-40B4-BE49-F238E27FC236}">
-                <a16:creationId xmlns:a16="http://schemas.microsoft.com/office/drawing/2014/main" id="{21B1AF75-0CCE-2EBE-3F9D-27269B0CA407}"/>
-              </a:ext>
-            </a:extLst>
-          </p:cNvPr>
-          <p:cNvPicPr>
-            <a:picLocks noChangeAspect="1"/>
-          </p:cNvPicPr>
-          <p:nvPr/>
-        </p:nvPicPr>
-        <p:blipFill>
-          <a:blip r:embed="rId3">
-            <a:extLst>
-              <a:ext uri="{28A0092B-C50C-407E-A947-70E740481C1C}">
-                <a14:useLocalDpi xmlns:a14="http://schemas.microsoft.com/office/drawing/2010/main" val="0"/>
-              </a:ext>
-            </a:extLst>
-          </a:blip>
-          <a:stretch>
-            <a:fillRect/>
-          </a:stretch>
-        </p:blipFill>
-        <p:spPr>
-          <a:xfrm>
-            <a:off x="1097076" y="3846136"/>
-            <a:ext cx="9649496" cy="1449108"/>
-          </a:xfrm>
-          <a:prstGeom prst="rect">
-            <a:avLst/>
-          </a:prstGeom>
-        </p:spPr>
-      </p:pic>
-    </p:spTree>
-    <p:extLst>
-      <p:ext uri="{BB962C8B-B14F-4D97-AF65-F5344CB8AC3E}">
-        <p14:creationId xmlns:p14="http://schemas.microsoft.com/office/powerpoint/2010/main" val="2258079471"/>
-      </p:ext>
-    </p:extLst>
-  </p:cSld>
-  <p:clrMapOvr>
-    <a:masterClrMapping/>
-  </p:clrMapOvr>
-</p:sld>
-</file>
-
-<file path=ppt/slides/slide33.xml><?xml version="1.0" encoding="utf-8"?>
-<p:sld xmlns:a="http://schemas.openxmlformats.org/drawingml/2006/main" xmlns:r="http://schemas.openxmlformats.org/officeDocument/2006/relationships" xmlns:p="http://schemas.openxmlformats.org/presentationml/2006/main">
-  <p:cSld>
-    <p:spTree>
-      <p:nvGrpSpPr>
-        <p:cNvPr id="1" name=""/>
-        <p:cNvGrpSpPr/>
-        <p:nvPr/>
-      </p:nvGrpSpPr>
-      <p:grpSpPr>
-        <a:xfrm>
-          <a:off x="0" y="0"/>
-          <a:ext cx="0" cy="0"/>
-          <a:chOff x="0" y="0"/>
-          <a:chExt cx="0" cy="0"/>
-        </a:xfrm>
-      </p:grpSpPr>
-      <p:sp>
-        <p:nvSpPr>
-          <p:cNvPr id="2" name="Titre 1">
-            <a:extLst>
-              <a:ext uri="{FF2B5EF4-FFF2-40B4-BE49-F238E27FC236}">
-                <a16:creationId xmlns:a16="http://schemas.microsoft.com/office/drawing/2014/main" id="{84879000-F87B-E4F1-EDA7-E630DAE221AF}"/>
-              </a:ext>
-            </a:extLst>
-          </p:cNvPr>
-          <p:cNvSpPr>
-            <a:spLocks noGrp="1"/>
-          </p:cNvSpPr>
-          <p:nvPr>
-            <p:ph type="title"/>
-          </p:nvPr>
-        </p:nvSpPr>
-        <p:spPr/>
-        <p:txBody>
-          <a:bodyPr/>
-          <a:lstStyle/>
-          <a:p>
-            <a:r>
-              <a:rPr lang="fr-FR" dirty="0"/>
-              <a:t>VPN – Les possibilités</a:t>
-            </a:r>
-          </a:p>
-        </p:txBody>
-      </p:sp>
-      <p:sp>
-        <p:nvSpPr>
-          <p:cNvPr id="3" name="Espace réservé du contenu 2">
-            <a:extLst>
-              <a:ext uri="{FF2B5EF4-FFF2-40B4-BE49-F238E27FC236}">
-                <a16:creationId xmlns:a16="http://schemas.microsoft.com/office/drawing/2014/main" id="{B23F1D09-D3FA-EDEE-E62D-4B0BA5CAE0B7}"/>
-              </a:ext>
-            </a:extLst>
-          </p:cNvPr>
-          <p:cNvSpPr>
-            <a:spLocks noGrp="1"/>
-          </p:cNvSpPr>
-          <p:nvPr>
-            <p:ph idx="1"/>
-          </p:nvPr>
-        </p:nvSpPr>
-        <p:spPr/>
-        <p:txBody>
-          <a:bodyPr/>
-          <a:lstStyle/>
-          <a:p>
-            <a:r>
-              <a:rPr lang="fr-FR" dirty="0"/>
-              <a:t>VPN </a:t>
-            </a:r>
-            <a:r>
-              <a:rPr lang="fr-FR" dirty="0" err="1"/>
-              <a:t>SSL</a:t>
-            </a:r>
-            <a:r>
-              <a:rPr lang="fr-FR" dirty="0"/>
-              <a:t> (TLS) :</a:t>
-            </a:r>
-          </a:p>
-          <a:p>
-            <a:pPr lvl="1"/>
-            <a:r>
-              <a:rPr lang="fr-FR" dirty="0"/>
-              <a:t>Collaborateurs en mobilité</a:t>
-            </a:r>
-          </a:p>
-          <a:p>
-            <a:pPr lvl="1"/>
-            <a:r>
-              <a:rPr lang="fr-FR" dirty="0">
-                <a:hlinkClick r:id="rId2"/>
-              </a:rPr>
-              <a:t>https://www.ssi.gouv.fr/uploads/2018/10/guide_nomadisme_anssi_pa_054_v1.pdf</a:t>
-            </a:r>
-            <a:endParaRPr lang="fr-FR" dirty="0"/>
-          </a:p>
-          <a:p>
-            <a:pPr lvl="1"/>
-            <a:r>
-              <a:rPr lang="fr-FR" dirty="0"/>
-              <a:t>Masquage d’IP</a:t>
-            </a:r>
-          </a:p>
-          <a:p>
-            <a:pPr lvl="1"/>
-            <a:endParaRPr lang="fr-FR" dirty="0"/>
-          </a:p>
-          <a:p>
-            <a:r>
-              <a:rPr lang="fr-FR" dirty="0"/>
-              <a:t>Utilisation </a:t>
-            </a:r>
-            <a:r>
-              <a:rPr lang="fr-FR" dirty="0" err="1"/>
-              <a:t>IPSec</a:t>
-            </a:r>
-            <a:r>
-              <a:rPr lang="fr-FR" dirty="0"/>
-              <a:t> :</a:t>
-            </a:r>
-          </a:p>
-          <a:p>
-            <a:pPr lvl="1"/>
-            <a:r>
-              <a:rPr lang="fr-FR" dirty="0"/>
-              <a:t>Entre deux bureaux d’une entreprise</a:t>
-            </a:r>
-          </a:p>
-          <a:p>
-            <a:pPr lvl="1"/>
-            <a:r>
-              <a:rPr lang="fr-FR" dirty="0">
-                <a:hlinkClick r:id="rId3"/>
-              </a:rPr>
-              <a:t>https://www.ssi.gouv.fr/uploads/2012/09/NT_IPsec.pdf</a:t>
-            </a:r>
-            <a:endParaRPr lang="fr-FR" dirty="0"/>
-          </a:p>
-          <a:p>
-            <a:endParaRPr lang="fr-FR" dirty="0"/>
-          </a:p>
-          <a:p>
-            <a:pPr lvl="1"/>
-            <a:endParaRPr lang="fr-FR" dirty="0"/>
-          </a:p>
-          <a:p>
-            <a:pPr marL="0" indent="0">
-              <a:buNone/>
-            </a:pPr>
-            <a:endParaRPr lang="fr-FR" dirty="0"/>
-          </a:p>
-        </p:txBody>
-      </p:sp>
-      <p:pic>
-        <p:nvPicPr>
-          <p:cNvPr id="4" name="Image 3">
-            <a:extLst>
-              <a:ext uri="{FF2B5EF4-FFF2-40B4-BE49-F238E27FC236}">
-                <a16:creationId xmlns:a16="http://schemas.microsoft.com/office/drawing/2014/main" id="{C736F3A7-1CC9-4DE4-7E3D-52AEAC04D557}"/>
-              </a:ext>
-            </a:extLst>
-          </p:cNvPr>
-          <p:cNvPicPr>
-            <a:picLocks noChangeAspect="1"/>
-          </p:cNvPicPr>
-          <p:nvPr/>
-        </p:nvPicPr>
-        <p:blipFill>
-          <a:blip r:embed="rId4">
-            <a:extLst>
-              <a:ext uri="{28A0092B-C50C-407E-A947-70E740481C1C}">
-                <a14:useLocalDpi xmlns:a14="http://schemas.microsoft.com/office/drawing/2010/main" val="0"/>
-              </a:ext>
-            </a:extLst>
-          </a:blip>
-          <a:stretch>
-            <a:fillRect/>
-          </a:stretch>
-        </p:blipFill>
-        <p:spPr>
-          <a:xfrm>
-            <a:off x="259474" y="6154384"/>
-            <a:ext cx="1675204" cy="519313"/>
-          </a:xfrm>
-          <a:prstGeom prst="rect">
-            <a:avLst/>
-          </a:prstGeom>
-        </p:spPr>
-      </p:pic>
-    </p:spTree>
-    <p:extLst>
-      <p:ext uri="{BB962C8B-B14F-4D97-AF65-F5344CB8AC3E}">
-        <p14:creationId xmlns:p14="http://schemas.microsoft.com/office/powerpoint/2010/main" val="772955603"/>
-      </p:ext>
-    </p:extLst>
-  </p:cSld>
-  <p:clrMapOvr>
-    <a:masterClrMapping/>
-  </p:clrMapOvr>
-</p:sld>
-</file>
-
-<file path=ppt/slides/slide34.xml><?xml version="1.0" encoding="utf-8"?>
-<p:sld xmlns:a="http://schemas.openxmlformats.org/drawingml/2006/main" xmlns:r="http://schemas.openxmlformats.org/officeDocument/2006/relationships" xmlns:p="http://schemas.openxmlformats.org/presentationml/2006/main">
-  <p:cSld>
-    <p:spTree>
-      <p:nvGrpSpPr>
-        <p:cNvPr id="1" name=""/>
-        <p:cNvGrpSpPr/>
-        <p:nvPr/>
-      </p:nvGrpSpPr>
-      <p:grpSpPr>
-        <a:xfrm>
-          <a:off x="0" y="0"/>
-          <a:ext cx="0" cy="0"/>
-          <a:chOff x="0" y="0"/>
-          <a:chExt cx="0" cy="0"/>
-        </a:xfrm>
-      </p:grpSpPr>
-      <p:sp>
-        <p:nvSpPr>
-          <p:cNvPr id="2" name="Titre 1">
-            <a:extLst>
-              <a:ext uri="{FF2B5EF4-FFF2-40B4-BE49-F238E27FC236}">
-                <a16:creationId xmlns:a16="http://schemas.microsoft.com/office/drawing/2014/main" id="{84879000-F87B-E4F1-EDA7-E630DAE221AF}"/>
-              </a:ext>
-            </a:extLst>
-          </p:cNvPr>
-          <p:cNvSpPr>
-            <a:spLocks noGrp="1"/>
-          </p:cNvSpPr>
-          <p:nvPr>
-            <p:ph type="title"/>
-          </p:nvPr>
-        </p:nvSpPr>
-        <p:spPr/>
-        <p:txBody>
-          <a:bodyPr/>
-          <a:lstStyle/>
-          <a:p>
-            <a:r>
-              <a:rPr lang="fr-FR" dirty="0"/>
-              <a:t>VPN – Les possibilités</a:t>
-            </a:r>
-          </a:p>
-        </p:txBody>
-      </p:sp>
-      <p:pic>
-        <p:nvPicPr>
-          <p:cNvPr id="4" name="Image 3">
-            <a:extLst>
-              <a:ext uri="{FF2B5EF4-FFF2-40B4-BE49-F238E27FC236}">
-                <a16:creationId xmlns:a16="http://schemas.microsoft.com/office/drawing/2014/main" id="{C736F3A7-1CC9-4DE4-7E3D-52AEAC04D557}"/>
-              </a:ext>
-            </a:extLst>
-          </p:cNvPr>
-          <p:cNvPicPr>
-            <a:picLocks noChangeAspect="1"/>
-          </p:cNvPicPr>
-          <p:nvPr/>
-        </p:nvPicPr>
-        <p:blipFill>
-          <a:blip r:embed="rId2">
-            <a:extLst>
-              <a:ext uri="{28A0092B-C50C-407E-A947-70E740481C1C}">
-                <a14:useLocalDpi xmlns:a14="http://schemas.microsoft.com/office/drawing/2010/main" val="0"/>
-              </a:ext>
-            </a:extLst>
-          </a:blip>
-          <a:stretch>
-            <a:fillRect/>
-          </a:stretch>
-        </p:blipFill>
-        <p:spPr>
-          <a:xfrm>
-            <a:off x="259474" y="6154384"/>
-            <a:ext cx="1675204" cy="519313"/>
-          </a:xfrm>
-          <a:prstGeom prst="rect">
-            <a:avLst/>
-          </a:prstGeom>
-        </p:spPr>
-      </p:pic>
-      <p:pic>
-        <p:nvPicPr>
-          <p:cNvPr id="7" name="Picture 3">
-            <a:extLst>
-              <a:ext uri="{FF2B5EF4-FFF2-40B4-BE49-F238E27FC236}">
-                <a16:creationId xmlns:a16="http://schemas.microsoft.com/office/drawing/2014/main" id="{2615FC3A-112D-68B2-5BB0-F465B387C73A}"/>
-              </a:ext>
-            </a:extLst>
-          </p:cNvPr>
-          <p:cNvPicPr>
-            <a:picLocks noChangeAspect="1" noChangeArrowheads="1"/>
-          </p:cNvPicPr>
-          <p:nvPr/>
-        </p:nvPicPr>
-        <p:blipFill>
-          <a:blip r:embed="rId3">
-            <a:extLst>
-              <a:ext uri="{28A0092B-C50C-407E-A947-70E740481C1C}">
-                <a14:useLocalDpi xmlns:a14="http://schemas.microsoft.com/office/drawing/2010/main" val="0"/>
-              </a:ext>
-            </a:extLst>
-          </a:blip>
-          <a:srcRect/>
-          <a:stretch>
-            <a:fillRect/>
-          </a:stretch>
-        </p:blipFill>
-        <p:spPr bwMode="auto">
-          <a:xfrm>
-            <a:off x="3519632" y="4250702"/>
-            <a:ext cx="4838700" cy="1466850"/>
-          </a:xfrm>
-          <a:prstGeom prst="rect">
-            <a:avLst/>
-          </a:prstGeom>
-          <a:noFill/>
-          <a:ln>
-            <a:noFill/>
-          </a:ln>
-          <a:extLst>
-            <a:ext uri="{909E8E84-426E-40DD-AFC4-6F175D3DCCD1}">
-              <a14:hiddenFill xmlns:a14="http://schemas.microsoft.com/office/drawing/2010/main">
-                <a:solidFill>
-                  <a:schemeClr val="accent1"/>
-                </a:solidFill>
-              </a14:hiddenFill>
-            </a:ext>
-            <a:ext uri="{91240B29-F687-4F45-9708-019B960494DF}">
-              <a14:hiddenLine xmlns:a14="http://schemas.microsoft.com/office/drawing/2010/main" w="9525">
-                <a:solidFill>
-                  <a:schemeClr val="tx1"/>
-                </a:solidFill>
-                <a:miter lim="800000"/>
-                <a:headEnd/>
-                <a:tailEnd/>
-              </a14:hiddenLine>
-            </a:ext>
-          </a:extLst>
-        </p:spPr>
-      </p:pic>
-      <p:pic>
-        <p:nvPicPr>
-          <p:cNvPr id="8" name="Picture 2">
-            <a:extLst>
-              <a:ext uri="{FF2B5EF4-FFF2-40B4-BE49-F238E27FC236}">
-                <a16:creationId xmlns:a16="http://schemas.microsoft.com/office/drawing/2014/main" id="{A1CE2E1B-BA16-0EFE-EC31-405C354E53E7}"/>
-              </a:ext>
-            </a:extLst>
-          </p:cNvPr>
-          <p:cNvPicPr>
-            <a:picLocks noChangeAspect="1" noChangeArrowheads="1"/>
-          </p:cNvPicPr>
-          <p:nvPr/>
-        </p:nvPicPr>
-        <p:blipFill>
-          <a:blip r:embed="rId4">
-            <a:extLst>
-              <a:ext uri="{28A0092B-C50C-407E-A947-70E740481C1C}">
-                <a14:useLocalDpi xmlns:a14="http://schemas.microsoft.com/office/drawing/2010/main" val="0"/>
-              </a:ext>
-            </a:extLst>
-          </a:blip>
-          <a:srcRect/>
-          <a:stretch>
-            <a:fillRect/>
-          </a:stretch>
-        </p:blipFill>
-        <p:spPr bwMode="auto">
-          <a:xfrm>
-            <a:off x="1833707" y="1401214"/>
-            <a:ext cx="8210550" cy="2057400"/>
-          </a:xfrm>
-          <a:prstGeom prst="rect">
-            <a:avLst/>
-          </a:prstGeom>
-          <a:noFill/>
-          <a:ln>
-            <a:noFill/>
-          </a:ln>
-          <a:extLst>
-            <a:ext uri="{909E8E84-426E-40DD-AFC4-6F175D3DCCD1}">
-              <a14:hiddenFill xmlns:a14="http://schemas.microsoft.com/office/drawing/2010/main">
-                <a:solidFill>
-                  <a:schemeClr val="accent1"/>
-                </a:solidFill>
-              </a14:hiddenFill>
-            </a:ext>
-            <a:ext uri="{91240B29-F687-4F45-9708-019B960494DF}">
-              <a14:hiddenLine xmlns:a14="http://schemas.microsoft.com/office/drawing/2010/main" w="9525">
-                <a:solidFill>
-                  <a:schemeClr val="tx1"/>
-                </a:solidFill>
-                <a:miter lim="800000"/>
-                <a:headEnd/>
-                <a:tailEnd/>
-              </a14:hiddenLine>
-            </a:ext>
-          </a:extLst>
-        </p:spPr>
-      </p:pic>
-      <p:pic>
-        <p:nvPicPr>
-          <p:cNvPr id="9" name="Picture 2">
-            <a:extLst>
-              <a:ext uri="{FF2B5EF4-FFF2-40B4-BE49-F238E27FC236}">
-                <a16:creationId xmlns:a16="http://schemas.microsoft.com/office/drawing/2014/main" id="{052EA7A5-C47B-9872-8E9F-231255866F4A}"/>
-              </a:ext>
-            </a:extLst>
-          </p:cNvPr>
-          <p:cNvPicPr>
-            <a:picLocks noChangeAspect="1" noChangeArrowheads="1"/>
-          </p:cNvPicPr>
-          <p:nvPr/>
-        </p:nvPicPr>
-        <p:blipFill>
-          <a:blip r:embed="rId5">
-            <a:extLst>
-              <a:ext uri="{28A0092B-C50C-407E-A947-70E740481C1C}">
-                <a14:useLocalDpi xmlns:a14="http://schemas.microsoft.com/office/drawing/2010/main" val="0"/>
-              </a:ext>
-            </a:extLst>
-          </a:blip>
-          <a:srcRect/>
-          <a:stretch>
-            <a:fillRect/>
-          </a:stretch>
-        </p:blipFill>
-        <p:spPr bwMode="auto">
-          <a:xfrm>
-            <a:off x="4693310" y="2442352"/>
-            <a:ext cx="2415903" cy="366514"/>
-          </a:xfrm>
-          <a:prstGeom prst="rect">
-            <a:avLst/>
-          </a:prstGeom>
-          <a:noFill/>
-          <a:ln>
-            <a:noFill/>
-          </a:ln>
-          <a:extLst>
-            <a:ext uri="{909E8E84-426E-40DD-AFC4-6F175D3DCCD1}">
-              <a14:hiddenFill xmlns:a14="http://schemas.microsoft.com/office/drawing/2010/main">
-                <a:solidFill>
-                  <a:schemeClr val="accent1"/>
-                </a:solidFill>
-              </a14:hiddenFill>
-            </a:ext>
-            <a:ext uri="{91240B29-F687-4F45-9708-019B960494DF}">
-              <a14:hiddenLine xmlns:a14="http://schemas.microsoft.com/office/drawing/2010/main" w="9525">
-                <a:solidFill>
-                  <a:schemeClr val="tx1"/>
-                </a:solidFill>
-                <a:miter lim="800000"/>
-                <a:headEnd/>
-                <a:tailEnd/>
-              </a14:hiddenLine>
-            </a:ext>
-          </a:extLst>
-        </p:spPr>
-      </p:pic>
-      <p:sp>
-        <p:nvSpPr>
-          <p:cNvPr id="10" name="ZoneTexte 9">
-            <a:extLst>
-              <a:ext uri="{FF2B5EF4-FFF2-40B4-BE49-F238E27FC236}">
-                <a16:creationId xmlns:a16="http://schemas.microsoft.com/office/drawing/2014/main" id="{904803CD-DCAB-F223-5A5E-7593BB0D6C89}"/>
-              </a:ext>
-            </a:extLst>
-          </p:cNvPr>
-          <p:cNvSpPr txBox="1"/>
-          <p:nvPr/>
-        </p:nvSpPr>
-        <p:spPr>
-          <a:xfrm>
-            <a:off x="3202678" y="3277411"/>
-            <a:ext cx="5472608" cy="584775"/>
-          </a:xfrm>
-          <a:prstGeom prst="rect">
-            <a:avLst/>
-          </a:prstGeom>
-          <a:noFill/>
-        </p:spPr>
-        <p:txBody>
-          <a:bodyPr wrap="square" rtlCol="0">
-            <a:spAutoFit/>
-          </a:bodyPr>
-          <a:lstStyle/>
-          <a:p>
-            <a:pPr algn="ctr"/>
-            <a:r>
-              <a:rPr lang="fr-FR" sz="1600" dirty="0">
-                <a:latin typeface="Arial" panose="020B0604020202020204" pitchFamily="34" charset="0"/>
-                <a:cs typeface="Arial" panose="020B0604020202020204" pitchFamily="34" charset="0"/>
-              </a:rPr>
-              <a:t>VPN de site à site, dont le tunnel est géré par les routeurs </a:t>
-            </a:r>
-          </a:p>
-          <a:p>
-            <a:pPr algn="ctr"/>
-            <a:r>
-              <a:rPr lang="fr-FR" sz="1600" b="1" dirty="0" err="1">
-                <a:solidFill>
-                  <a:srgbClr val="943634"/>
-                </a:solidFill>
-                <a:latin typeface="Arial" panose="020B0604020202020204" pitchFamily="34" charset="0"/>
-                <a:cs typeface="Arial" panose="020B0604020202020204" pitchFamily="34" charset="0"/>
-              </a:rPr>
-              <a:t>IPsec</a:t>
-            </a:r>
-            <a:r>
-              <a:rPr lang="fr-FR" sz="1600" dirty="0">
-                <a:solidFill>
-                  <a:srgbClr val="943634"/>
-                </a:solidFill>
-                <a:latin typeface="Arial" panose="020B0604020202020204" pitchFamily="34" charset="0"/>
-                <a:cs typeface="Arial" panose="020B0604020202020204" pitchFamily="34" charset="0"/>
-              </a:rPr>
-              <a:t> </a:t>
-            </a:r>
-            <a:r>
-              <a:rPr lang="fr-FR" sz="1600" dirty="0">
-                <a:latin typeface="Arial" panose="020B0604020202020204" pitchFamily="34" charset="0"/>
-                <a:cs typeface="Arial" panose="020B0604020202020204" pitchFamily="34" charset="0"/>
-              </a:rPr>
-              <a:t>– au niveau de la couche Internet</a:t>
-            </a:r>
-          </a:p>
-        </p:txBody>
-      </p:sp>
-      <p:pic>
-        <p:nvPicPr>
-          <p:cNvPr id="11" name="Picture 2">
-            <a:extLst>
-              <a:ext uri="{FF2B5EF4-FFF2-40B4-BE49-F238E27FC236}">
-                <a16:creationId xmlns:a16="http://schemas.microsoft.com/office/drawing/2014/main" id="{C879CE6A-0207-C717-3DAB-C711A6F1E307}"/>
-              </a:ext>
-            </a:extLst>
-          </p:cNvPr>
-          <p:cNvPicPr>
-            <a:picLocks noChangeAspect="1" noChangeArrowheads="1"/>
-          </p:cNvPicPr>
-          <p:nvPr/>
-        </p:nvPicPr>
-        <p:blipFill>
-          <a:blip r:embed="rId6">
-            <a:extLst>
-              <a:ext uri="{28A0092B-C50C-407E-A947-70E740481C1C}">
-                <a14:useLocalDpi xmlns:a14="http://schemas.microsoft.com/office/drawing/2010/main" val="0"/>
-              </a:ext>
-            </a:extLst>
-          </a:blip>
-          <a:srcRect/>
-          <a:stretch>
-            <a:fillRect/>
-          </a:stretch>
-        </p:blipFill>
-        <p:spPr bwMode="auto">
-          <a:xfrm>
-            <a:off x="4570830" y="4872878"/>
-            <a:ext cx="2952328" cy="366514"/>
-          </a:xfrm>
-          <a:prstGeom prst="rect">
-            <a:avLst/>
-          </a:prstGeom>
-          <a:noFill/>
-          <a:ln>
-            <a:noFill/>
-          </a:ln>
-          <a:extLst>
-            <a:ext uri="{909E8E84-426E-40DD-AFC4-6F175D3DCCD1}">
-              <a14:hiddenFill xmlns:a14="http://schemas.microsoft.com/office/drawing/2010/main">
-                <a:solidFill>
-                  <a:schemeClr val="accent1"/>
-                </a:solidFill>
-              </a14:hiddenFill>
-            </a:ext>
-            <a:ext uri="{91240B29-F687-4F45-9708-019B960494DF}">
-              <a14:hiddenLine xmlns:a14="http://schemas.microsoft.com/office/drawing/2010/main" w="9525">
-                <a:solidFill>
-                  <a:schemeClr val="tx1"/>
-                </a:solidFill>
-                <a:miter lim="800000"/>
-                <a:headEnd/>
-                <a:tailEnd/>
-              </a14:hiddenLine>
-            </a:ext>
-          </a:extLst>
-        </p:spPr>
-      </p:pic>
-      <p:sp>
-        <p:nvSpPr>
-          <p:cNvPr id="12" name="ZoneTexte 11">
-            <a:extLst>
-              <a:ext uri="{FF2B5EF4-FFF2-40B4-BE49-F238E27FC236}">
-                <a16:creationId xmlns:a16="http://schemas.microsoft.com/office/drawing/2014/main" id="{B0B73FD7-6952-10B1-5BC5-E046A5189861}"/>
-              </a:ext>
-            </a:extLst>
-          </p:cNvPr>
-          <p:cNvSpPr txBox="1"/>
-          <p:nvPr/>
-        </p:nvSpPr>
-        <p:spPr>
-          <a:xfrm>
-            <a:off x="3058662" y="5734394"/>
-            <a:ext cx="5616624" cy="584775"/>
-          </a:xfrm>
-          <a:prstGeom prst="rect">
-            <a:avLst/>
-          </a:prstGeom>
-          <a:noFill/>
-        </p:spPr>
-        <p:txBody>
-          <a:bodyPr wrap="square" rtlCol="0">
-            <a:spAutoFit/>
-          </a:bodyPr>
-          <a:lstStyle/>
-          <a:p>
-            <a:pPr algn="ctr"/>
-            <a:r>
-              <a:rPr lang="fr-FR" sz="1600" dirty="0">
-                <a:latin typeface="Arial" panose="020B0604020202020204" pitchFamily="34" charset="0"/>
-                <a:cs typeface="Arial" panose="020B0604020202020204" pitchFamily="34" charset="0"/>
-              </a:rPr>
-              <a:t>VPN entre systèmes</a:t>
-            </a:r>
-          </a:p>
-          <a:p>
-            <a:pPr algn="ctr"/>
-            <a:r>
-              <a:rPr lang="fr-FR" sz="1600" b="1" dirty="0">
-                <a:solidFill>
-                  <a:srgbClr val="943634"/>
-                </a:solidFill>
-                <a:latin typeface="Arial" panose="020B0604020202020204" pitchFamily="34" charset="0"/>
-                <a:cs typeface="Arial" panose="020B0604020202020204" pitchFamily="34" charset="0"/>
-              </a:rPr>
-              <a:t>TLS</a:t>
-            </a:r>
-            <a:r>
-              <a:rPr lang="fr-FR" sz="1600" dirty="0">
-                <a:solidFill>
-                  <a:srgbClr val="943634"/>
-                </a:solidFill>
-                <a:latin typeface="Arial" panose="020B0604020202020204" pitchFamily="34" charset="0"/>
-                <a:cs typeface="Arial" panose="020B0604020202020204" pitchFamily="34" charset="0"/>
-              </a:rPr>
-              <a:t> </a:t>
-            </a:r>
-            <a:r>
-              <a:rPr lang="fr-FR" sz="1600" dirty="0">
-                <a:latin typeface="Arial" panose="020B0604020202020204" pitchFamily="34" charset="0"/>
-                <a:cs typeface="Arial" panose="020B0604020202020204" pitchFamily="34" charset="0"/>
-              </a:rPr>
-              <a:t>– au niveau de la couche Transport</a:t>
-            </a:r>
-          </a:p>
-        </p:txBody>
-      </p:sp>
-      <p:sp>
-        <p:nvSpPr>
-          <p:cNvPr id="13" name="ZoneTexte 12">
-            <a:extLst>
-              <a:ext uri="{FF2B5EF4-FFF2-40B4-BE49-F238E27FC236}">
-                <a16:creationId xmlns:a16="http://schemas.microsoft.com/office/drawing/2014/main" id="{2C0A51CF-854E-2B70-38D6-2E15AB880D5E}"/>
-              </a:ext>
-            </a:extLst>
-          </p:cNvPr>
-          <p:cNvSpPr txBox="1"/>
-          <p:nvPr/>
-        </p:nvSpPr>
-        <p:spPr>
-          <a:xfrm>
-            <a:off x="127682" y="6581001"/>
-            <a:ext cx="10318646" cy="276999"/>
-          </a:xfrm>
-          <a:prstGeom prst="rect">
-            <a:avLst/>
-          </a:prstGeom>
-          <a:noFill/>
-        </p:spPr>
-        <p:txBody>
-          <a:bodyPr wrap="square" rtlCol="0">
-            <a:spAutoFit/>
-          </a:bodyPr>
-          <a:lstStyle/>
-          <a:p>
-            <a:pPr algn="ctr"/>
-            <a:r>
-              <a:rPr lang="fr-FR" sz="1200" dirty="0">
-                <a:latin typeface="Arial" panose="020B0604020202020204" pitchFamily="34" charset="0"/>
-                <a:cs typeface="Arial" panose="020B0604020202020204" pitchFamily="34" charset="0"/>
-              </a:rPr>
-              <a:t>Slide de l’</a:t>
-            </a:r>
-            <a:r>
-              <a:rPr lang="fr-FR" sz="1200" dirty="0" err="1">
-                <a:latin typeface="Arial" panose="020B0604020202020204" pitchFamily="34" charset="0"/>
-                <a:cs typeface="Arial" panose="020B0604020202020204" pitchFamily="34" charset="0"/>
-              </a:rPr>
-              <a:t>ANSSI</a:t>
-            </a:r>
-            <a:r>
-              <a:rPr lang="fr-FR" sz="1200" dirty="0">
-                <a:latin typeface="Arial" panose="020B0604020202020204" pitchFamily="34" charset="0"/>
-                <a:cs typeface="Arial" panose="020B0604020202020204" pitchFamily="34" charset="0"/>
-              </a:rPr>
-              <a:t> : https://www.ssi.gouv.fr/administration/formations/cyberedu/contenu-pedagogique-cyberedu/</a:t>
-            </a:r>
-          </a:p>
-        </p:txBody>
-      </p:sp>
-    </p:spTree>
-    <p:extLst>
-      <p:ext uri="{BB962C8B-B14F-4D97-AF65-F5344CB8AC3E}">
-        <p14:creationId xmlns:p14="http://schemas.microsoft.com/office/powerpoint/2010/main" val="4067131276"/>
-      </p:ext>
-    </p:extLst>
-  </p:cSld>
-  <p:clrMapOvr>
-    <a:masterClrMapping/>
-  </p:clrMapOvr>
-</p:sld>
-</file>
-
-<file path=ppt/slides/slide35.xml><?xml version="1.0" encoding="utf-8"?>
-<p:sld xmlns:a="http://schemas.openxmlformats.org/drawingml/2006/main" xmlns:r="http://schemas.openxmlformats.org/officeDocument/2006/relationships" xmlns:p="http://schemas.openxmlformats.org/presentationml/2006/main">
-  <p:cSld>
-    <p:spTree>
-      <p:nvGrpSpPr>
-        <p:cNvPr id="1" name=""/>
-        <p:cNvGrpSpPr/>
-        <p:nvPr/>
-      </p:nvGrpSpPr>
-      <p:grpSpPr>
-        <a:xfrm>
-          <a:off x="0" y="0"/>
-          <a:ext cx="0" cy="0"/>
-          <a:chOff x="0" y="0"/>
-          <a:chExt cx="0" cy="0"/>
-        </a:xfrm>
-      </p:grpSpPr>
-      <p:sp>
-        <p:nvSpPr>
-          <p:cNvPr id="2" name="Titre 1">
-            <a:extLst>
-              <a:ext uri="{FF2B5EF4-FFF2-40B4-BE49-F238E27FC236}">
-                <a16:creationId xmlns:a16="http://schemas.microsoft.com/office/drawing/2014/main" id="{84879000-F87B-E4F1-EDA7-E630DAE221AF}"/>
-              </a:ext>
-            </a:extLst>
-          </p:cNvPr>
-          <p:cNvSpPr>
-            <a:spLocks noGrp="1"/>
-          </p:cNvSpPr>
-          <p:nvPr>
-            <p:ph type="title"/>
-          </p:nvPr>
-        </p:nvSpPr>
-        <p:spPr/>
-        <p:txBody>
-          <a:bodyPr/>
-          <a:lstStyle/>
-          <a:p>
-            <a:r>
-              <a:rPr lang="fr-FR" dirty="0"/>
-              <a:t>VPN – </a:t>
-            </a:r>
-            <a:r>
-              <a:rPr lang="fr-FR" dirty="0" err="1"/>
-              <a:t>SSL</a:t>
-            </a:r>
-            <a:r>
-              <a:rPr lang="fr-FR" dirty="0"/>
-              <a:t> (TLS)</a:t>
-            </a:r>
-          </a:p>
-        </p:txBody>
-      </p:sp>
-      <p:sp>
-        <p:nvSpPr>
-          <p:cNvPr id="3" name="Espace réservé du contenu 2">
-            <a:extLst>
-              <a:ext uri="{FF2B5EF4-FFF2-40B4-BE49-F238E27FC236}">
-                <a16:creationId xmlns:a16="http://schemas.microsoft.com/office/drawing/2014/main" id="{B23F1D09-D3FA-EDEE-E62D-4B0BA5CAE0B7}"/>
-              </a:ext>
-            </a:extLst>
-          </p:cNvPr>
-          <p:cNvSpPr>
-            <a:spLocks noGrp="1"/>
-          </p:cNvSpPr>
-          <p:nvPr>
-            <p:ph idx="1"/>
-          </p:nvPr>
-        </p:nvSpPr>
-        <p:spPr/>
-        <p:txBody>
-          <a:bodyPr/>
-          <a:lstStyle/>
-          <a:p>
-            <a:r>
-              <a:rPr lang="fr-FR" dirty="0"/>
-              <a:t>Création d’un tunnel au dessus du TLS </a:t>
-            </a:r>
-          </a:p>
-          <a:p>
-            <a:r>
-              <a:rPr lang="fr-FR" dirty="0"/>
-              <a:t>Avantage : Un client Web suffit (mais on peut utiliser des clients lourds)</a:t>
-            </a:r>
-          </a:p>
-          <a:p>
-            <a:pPr marL="0" indent="0">
-              <a:buNone/>
-            </a:pPr>
-            <a:endParaRPr lang="fr-FR" dirty="0"/>
-          </a:p>
-        </p:txBody>
-      </p:sp>
-      <p:pic>
-        <p:nvPicPr>
-          <p:cNvPr id="4" name="Image 3">
-            <a:extLst>
-              <a:ext uri="{FF2B5EF4-FFF2-40B4-BE49-F238E27FC236}">
-                <a16:creationId xmlns:a16="http://schemas.microsoft.com/office/drawing/2014/main" id="{C736F3A7-1CC9-4DE4-7E3D-52AEAC04D557}"/>
-              </a:ext>
-            </a:extLst>
-          </p:cNvPr>
-          <p:cNvPicPr>
-            <a:picLocks noChangeAspect="1"/>
-          </p:cNvPicPr>
-          <p:nvPr/>
-        </p:nvPicPr>
-        <p:blipFill>
-          <a:blip r:embed="rId3">
-            <a:extLst>
-              <a:ext uri="{28A0092B-C50C-407E-A947-70E740481C1C}">
-                <a14:useLocalDpi xmlns:a14="http://schemas.microsoft.com/office/drawing/2010/main" val="0"/>
-              </a:ext>
-            </a:extLst>
-          </a:blip>
-          <a:stretch>
-            <a:fillRect/>
-          </a:stretch>
-        </p:blipFill>
-        <p:spPr>
-          <a:xfrm>
-            <a:off x="259474" y="6154384"/>
-            <a:ext cx="1675204" cy="519313"/>
-          </a:xfrm>
-          <a:prstGeom prst="rect">
-            <a:avLst/>
-          </a:prstGeom>
-        </p:spPr>
-      </p:pic>
-      <p:pic>
-        <p:nvPicPr>
-          <p:cNvPr id="6" name="Image 5">
-            <a:extLst>
-              <a:ext uri="{FF2B5EF4-FFF2-40B4-BE49-F238E27FC236}">
-                <a16:creationId xmlns:a16="http://schemas.microsoft.com/office/drawing/2014/main" id="{AB082E7A-2CAF-47F6-084C-674B3A0D8647}"/>
-              </a:ext>
-            </a:extLst>
-          </p:cNvPr>
-          <p:cNvPicPr>
-            <a:picLocks noChangeAspect="1"/>
-          </p:cNvPicPr>
-          <p:nvPr/>
-        </p:nvPicPr>
-        <p:blipFill>
-          <a:blip r:embed="rId4">
-            <a:extLst>
-              <a:ext uri="{28A0092B-C50C-407E-A947-70E740481C1C}">
-                <a14:useLocalDpi xmlns:a14="http://schemas.microsoft.com/office/drawing/2010/main" val="0"/>
-              </a:ext>
-            </a:extLst>
-          </a:blip>
-          <a:stretch>
-            <a:fillRect/>
-          </a:stretch>
-        </p:blipFill>
-        <p:spPr>
-          <a:xfrm>
-            <a:off x="4336331" y="3429000"/>
-            <a:ext cx="6706150" cy="2543712"/>
-          </a:xfrm>
-          <a:prstGeom prst="rect">
-            <a:avLst/>
-          </a:prstGeom>
-        </p:spPr>
-      </p:pic>
-      <p:sp>
-        <p:nvSpPr>
-          <p:cNvPr id="5" name="ZoneTexte 4">
-            <a:extLst>
-              <a:ext uri="{FF2B5EF4-FFF2-40B4-BE49-F238E27FC236}">
-                <a16:creationId xmlns:a16="http://schemas.microsoft.com/office/drawing/2014/main" id="{49D45E85-7FAF-8590-8032-7C8E0B7E38AA}"/>
-              </a:ext>
-            </a:extLst>
-          </p:cNvPr>
-          <p:cNvSpPr txBox="1"/>
-          <p:nvPr/>
-        </p:nvSpPr>
-        <p:spPr>
-          <a:xfrm>
-            <a:off x="2355273" y="3094181"/>
-            <a:ext cx="4225837" cy="1107996"/>
-          </a:xfrm>
-          <a:prstGeom prst="rect">
-            <a:avLst/>
-          </a:prstGeom>
-          <a:noFill/>
-        </p:spPr>
-        <p:txBody>
-          <a:bodyPr wrap="none" rtlCol="0">
-            <a:spAutoFit/>
-          </a:bodyPr>
-          <a:lstStyle/>
-          <a:p>
-            <a:r>
-              <a:rPr lang="fr-FR" sz="6600" dirty="0">
-                <a:solidFill>
-                  <a:srgbClr val="FF0000"/>
-                </a:solidFill>
-              </a:rPr>
-              <a:t>Doublon!!!!</a:t>
-            </a:r>
-          </a:p>
-        </p:txBody>
-      </p:sp>
-    </p:spTree>
-    <p:extLst>
-      <p:ext uri="{BB962C8B-B14F-4D97-AF65-F5344CB8AC3E}">
-        <p14:creationId xmlns:p14="http://schemas.microsoft.com/office/powerpoint/2010/main" val="3510300401"/>
-      </p:ext>
-    </p:extLst>
-  </p:cSld>
-  <p:clrMapOvr>
-    <a:masterClrMapping/>
-  </p:clrMapOvr>
-</p:sld>
-</file>
-
-<file path=ppt/slides/slide36.xml><?xml version="1.0" encoding="utf-8"?>
-<p:sld xmlns:a="http://schemas.openxmlformats.org/drawingml/2006/main" xmlns:r="http://schemas.openxmlformats.org/officeDocument/2006/relationships" xmlns:p="http://schemas.openxmlformats.org/presentationml/2006/main">
-  <p:cSld>
-    <p:spTree>
-      <p:nvGrpSpPr>
-        <p:cNvPr id="1" name=""/>
-        <p:cNvGrpSpPr/>
-        <p:nvPr/>
-      </p:nvGrpSpPr>
-      <p:grpSpPr>
-        <a:xfrm>
-          <a:off x="0" y="0"/>
-          <a:ext cx="0" cy="0"/>
-          <a:chOff x="0" y="0"/>
-          <a:chExt cx="0" cy="0"/>
-        </a:xfrm>
-      </p:grpSpPr>
-      <p:sp>
-        <p:nvSpPr>
-          <p:cNvPr id="2" name="Titre 1">
-            <a:extLst>
-              <a:ext uri="{FF2B5EF4-FFF2-40B4-BE49-F238E27FC236}">
-                <a16:creationId xmlns:a16="http://schemas.microsoft.com/office/drawing/2014/main" id="{84879000-F87B-E4F1-EDA7-E630DAE221AF}"/>
-              </a:ext>
-            </a:extLst>
-          </p:cNvPr>
-          <p:cNvSpPr>
-            <a:spLocks noGrp="1"/>
-          </p:cNvSpPr>
-          <p:nvPr>
-            <p:ph type="title"/>
-          </p:nvPr>
-        </p:nvSpPr>
-        <p:spPr/>
-        <p:txBody>
-          <a:bodyPr/>
-          <a:lstStyle/>
-          <a:p>
-            <a:r>
-              <a:rPr lang="fr-FR" dirty="0" err="1"/>
-              <a:t>VP</a:t>
-            </a:r>
-            <a:r>
-              <a:rPr lang="fr-FR" dirty="0"/>
-              <a:t> - </a:t>
-            </a:r>
-            <a:r>
-              <a:rPr lang="fr-FR" dirty="0" err="1"/>
-              <a:t>IPsec</a:t>
-            </a:r>
-            <a:endParaRPr lang="fr-FR" dirty="0"/>
-          </a:p>
-        </p:txBody>
-      </p:sp>
-      <p:sp>
-        <p:nvSpPr>
-          <p:cNvPr id="3" name="Espace réservé du contenu 2">
-            <a:extLst>
-              <a:ext uri="{FF2B5EF4-FFF2-40B4-BE49-F238E27FC236}">
-                <a16:creationId xmlns:a16="http://schemas.microsoft.com/office/drawing/2014/main" id="{B23F1D09-D3FA-EDEE-E62D-4B0BA5CAE0B7}"/>
-              </a:ext>
-            </a:extLst>
-          </p:cNvPr>
-          <p:cNvSpPr>
-            <a:spLocks noGrp="1"/>
-          </p:cNvSpPr>
-          <p:nvPr>
-            <p:ph idx="1"/>
-          </p:nvPr>
-        </p:nvSpPr>
-        <p:spPr/>
-        <p:txBody>
-          <a:bodyPr/>
-          <a:lstStyle/>
-          <a:p>
-            <a:r>
-              <a:rPr lang="fr-FR" dirty="0"/>
-              <a:t>Inconvénient : Nécessite un client lourd sur le poste utilisateur</a:t>
-            </a:r>
-          </a:p>
-          <a:p>
-            <a:r>
-              <a:rPr lang="fr-FR" dirty="0"/>
-              <a:t>Utilisation : entre deux sites de la même entreprise</a:t>
-            </a:r>
-          </a:p>
-        </p:txBody>
-      </p:sp>
-      <p:pic>
-        <p:nvPicPr>
-          <p:cNvPr id="4" name="Image 3">
-            <a:extLst>
-              <a:ext uri="{FF2B5EF4-FFF2-40B4-BE49-F238E27FC236}">
-                <a16:creationId xmlns:a16="http://schemas.microsoft.com/office/drawing/2014/main" id="{C736F3A7-1CC9-4DE4-7E3D-52AEAC04D557}"/>
-              </a:ext>
-            </a:extLst>
-          </p:cNvPr>
-          <p:cNvPicPr>
-            <a:picLocks noChangeAspect="1"/>
-          </p:cNvPicPr>
-          <p:nvPr/>
-        </p:nvPicPr>
-        <p:blipFill>
-          <a:blip r:embed="rId2">
-            <a:extLst>
-              <a:ext uri="{28A0092B-C50C-407E-A947-70E740481C1C}">
-                <a14:useLocalDpi xmlns:a14="http://schemas.microsoft.com/office/drawing/2010/main" val="0"/>
-              </a:ext>
-            </a:extLst>
-          </a:blip>
-          <a:stretch>
-            <a:fillRect/>
-          </a:stretch>
-        </p:blipFill>
-        <p:spPr>
-          <a:xfrm>
-            <a:off x="259474" y="6154384"/>
-            <a:ext cx="1675204" cy="519313"/>
-          </a:xfrm>
-          <a:prstGeom prst="rect">
-            <a:avLst/>
-          </a:prstGeom>
-        </p:spPr>
-      </p:pic>
-      <p:pic>
-        <p:nvPicPr>
-          <p:cNvPr id="5" name="Image 4">
-            <a:extLst>
-              <a:ext uri="{FF2B5EF4-FFF2-40B4-BE49-F238E27FC236}">
-                <a16:creationId xmlns:a16="http://schemas.microsoft.com/office/drawing/2014/main" id="{B8055926-1A15-FD4E-9C42-B7BCCA57EFB0}"/>
-              </a:ext>
-            </a:extLst>
-          </p:cNvPr>
-          <p:cNvPicPr>
-            <a:picLocks noChangeAspect="1"/>
-          </p:cNvPicPr>
-          <p:nvPr/>
-        </p:nvPicPr>
-        <p:blipFill>
-          <a:blip r:embed="rId3"/>
-          <a:stretch>
-            <a:fillRect/>
-          </a:stretch>
-        </p:blipFill>
-        <p:spPr>
-          <a:xfrm>
-            <a:off x="2162175" y="3221759"/>
-            <a:ext cx="7867650" cy="2609850"/>
-          </a:xfrm>
-          <a:prstGeom prst="rect">
-            <a:avLst/>
-          </a:prstGeom>
-        </p:spPr>
-      </p:pic>
-      <p:sp>
-        <p:nvSpPr>
-          <p:cNvPr id="6" name="ZoneTexte 5">
-            <a:extLst>
-              <a:ext uri="{FF2B5EF4-FFF2-40B4-BE49-F238E27FC236}">
-                <a16:creationId xmlns:a16="http://schemas.microsoft.com/office/drawing/2014/main" id="{3DF6C1D6-7828-C6F1-9422-A27FE89D8037}"/>
-              </a:ext>
-            </a:extLst>
-          </p:cNvPr>
-          <p:cNvSpPr txBox="1"/>
-          <p:nvPr/>
-        </p:nvSpPr>
-        <p:spPr>
-          <a:xfrm>
-            <a:off x="2355273" y="3094181"/>
-            <a:ext cx="4225837" cy="1107996"/>
-          </a:xfrm>
-          <a:prstGeom prst="rect">
-            <a:avLst/>
-          </a:prstGeom>
-          <a:noFill/>
-        </p:spPr>
-        <p:txBody>
-          <a:bodyPr wrap="none" rtlCol="0">
-            <a:spAutoFit/>
-          </a:bodyPr>
-          <a:lstStyle/>
-          <a:p>
-            <a:r>
-              <a:rPr lang="fr-FR" sz="6600" dirty="0">
-                <a:solidFill>
-                  <a:srgbClr val="FF0000"/>
-                </a:solidFill>
-              </a:rPr>
-              <a:t>Doublon!!!!</a:t>
-            </a:r>
-          </a:p>
-        </p:txBody>
-      </p:sp>
-    </p:spTree>
-    <p:extLst>
-      <p:ext uri="{BB962C8B-B14F-4D97-AF65-F5344CB8AC3E}">
-        <p14:creationId xmlns:p14="http://schemas.microsoft.com/office/powerpoint/2010/main" val="2995857668"/>
-      </p:ext>
-    </p:extLst>
-  </p:cSld>
-  <p:clrMapOvr>
-    <a:masterClrMapping/>
-  </p:clrMapOvr>
-</p:sld>
-</file>
-
-<file path=ppt/slides/slide37.xml><?xml version="1.0" encoding="utf-8"?>
-<p:sld xmlns:a="http://schemas.openxmlformats.org/drawingml/2006/main" xmlns:r="http://schemas.openxmlformats.org/officeDocument/2006/relationships" xmlns:p="http://schemas.openxmlformats.org/presentationml/2006/main">
-  <p:cSld>
-    <p:spTree>
-      <p:nvGrpSpPr>
-        <p:cNvPr id="1" name=""/>
-        <p:cNvGrpSpPr/>
-        <p:nvPr/>
-      </p:nvGrpSpPr>
-      <p:grpSpPr>
-        <a:xfrm>
-          <a:off x="0" y="0"/>
-          <a:ext cx="0" cy="0"/>
-          <a:chOff x="0" y="0"/>
-          <a:chExt cx="0" cy="0"/>
-        </a:xfrm>
-      </p:grpSpPr>
-      <p:sp>
-        <p:nvSpPr>
-          <p:cNvPr id="2" name="Titre 1">
-            <a:extLst>
-              <a:ext uri="{FF2B5EF4-FFF2-40B4-BE49-F238E27FC236}">
-                <a16:creationId xmlns:a16="http://schemas.microsoft.com/office/drawing/2014/main" id="{48CB7FAE-F3F3-4C9C-48BD-39EBB588B21F}"/>
-              </a:ext>
-            </a:extLst>
-          </p:cNvPr>
-          <p:cNvSpPr>
-            <a:spLocks noGrp="1"/>
-          </p:cNvSpPr>
-          <p:nvPr>
-            <p:ph type="title"/>
-          </p:nvPr>
-        </p:nvSpPr>
-        <p:spPr/>
-        <p:txBody>
-          <a:bodyPr/>
-          <a:lstStyle/>
-          <a:p>
-            <a:r>
-              <a:rPr lang="fr-FR" dirty="0"/>
-              <a:t>TP </a:t>
-            </a:r>
-            <a:r>
-              <a:rPr lang="fr-FR" dirty="0" err="1"/>
-              <a:t>Cablage</a:t>
-            </a:r>
-            <a:endParaRPr lang="fr-FR" dirty="0"/>
-          </a:p>
-        </p:txBody>
-      </p:sp>
-      <p:sp>
-        <p:nvSpPr>
-          <p:cNvPr id="3" name="Espace réservé du texte 2">
-            <a:extLst>
-              <a:ext uri="{FF2B5EF4-FFF2-40B4-BE49-F238E27FC236}">
-                <a16:creationId xmlns:a16="http://schemas.microsoft.com/office/drawing/2014/main" id="{4AA4DD04-0ED9-0EB9-9ED2-71E2AE4A42EF}"/>
-              </a:ext>
-            </a:extLst>
-          </p:cNvPr>
-          <p:cNvSpPr>
-            <a:spLocks noGrp="1"/>
-          </p:cNvSpPr>
-          <p:nvPr>
-            <p:ph type="body" idx="1"/>
-          </p:nvPr>
-        </p:nvSpPr>
-        <p:spPr/>
-        <p:txBody>
-          <a:bodyPr/>
-          <a:lstStyle/>
-          <a:p>
-            <a:endParaRPr lang="fr-FR"/>
-          </a:p>
-        </p:txBody>
-      </p:sp>
-    </p:spTree>
-    <p:extLst>
-      <p:ext uri="{BB962C8B-B14F-4D97-AF65-F5344CB8AC3E}">
-        <p14:creationId xmlns:p14="http://schemas.microsoft.com/office/powerpoint/2010/main" val="731027436"/>
-      </p:ext>
-    </p:extLst>
-  </p:cSld>
-  <p:clrMapOvr>
-    <a:masterClrMapping/>
-  </p:clrMapOvr>
-</p:sld>
-</file>
-
-<file path=ppt/slides/slide38.xml><?xml version="1.0" encoding="utf-8"?>
-<p:sld xmlns:a="http://schemas.openxmlformats.org/drawingml/2006/main" xmlns:r="http://schemas.openxmlformats.org/officeDocument/2006/relationships" xmlns:p="http://schemas.openxmlformats.org/presentationml/2006/main">
-  <p:cSld>
-    <p:spTree>
-      <p:nvGrpSpPr>
-        <p:cNvPr id="1" name=""/>
-        <p:cNvGrpSpPr/>
-        <p:nvPr/>
-      </p:nvGrpSpPr>
-      <p:grpSpPr>
-        <a:xfrm>
-          <a:off x="0" y="0"/>
-          <a:ext cx="0" cy="0"/>
-          <a:chOff x="0" y="0"/>
-          <a:chExt cx="0" cy="0"/>
-        </a:xfrm>
-      </p:grpSpPr>
-      <p:pic>
-        <p:nvPicPr>
-          <p:cNvPr id="5" name="Espace réservé du contenu 4">
-            <a:extLst>
-              <a:ext uri="{FF2B5EF4-FFF2-40B4-BE49-F238E27FC236}">
-                <a16:creationId xmlns:a16="http://schemas.microsoft.com/office/drawing/2014/main" id="{CB87B236-3324-1A25-9A2B-BB70C5554396}"/>
-              </a:ext>
-            </a:extLst>
-          </p:cNvPr>
-          <p:cNvPicPr>
-            <a:picLocks noGrp="1" noChangeAspect="1"/>
-          </p:cNvPicPr>
-          <p:nvPr>
-            <p:ph idx="1"/>
-          </p:nvPr>
-        </p:nvPicPr>
-        <p:blipFill rotWithShape="1">
-          <a:blip r:embed="rId2">
-            <a:extLst>
-              <a:ext uri="{28A0092B-C50C-407E-A947-70E740481C1C}">
-                <a14:useLocalDpi xmlns:a14="http://schemas.microsoft.com/office/drawing/2010/main" val="0"/>
-              </a:ext>
-            </a:extLst>
-          </a:blip>
-          <a:srcRect b="5976"/>
-          <a:stretch/>
-        </p:blipFill>
-        <p:spPr>
-          <a:xfrm>
-            <a:off x="525798" y="264680"/>
-            <a:ext cx="3907657" cy="2755611"/>
-          </a:xfrm>
-        </p:spPr>
-      </p:pic>
-      <p:pic>
-        <p:nvPicPr>
-          <p:cNvPr id="7" name="Image 6">
-            <a:extLst>
-              <a:ext uri="{FF2B5EF4-FFF2-40B4-BE49-F238E27FC236}">
-                <a16:creationId xmlns:a16="http://schemas.microsoft.com/office/drawing/2014/main" id="{36BBC683-F25B-2EE4-0546-EF2D45FF50F6}"/>
-              </a:ext>
-            </a:extLst>
-          </p:cNvPr>
-          <p:cNvPicPr>
-            <a:picLocks noChangeAspect="1"/>
-          </p:cNvPicPr>
-          <p:nvPr/>
-        </p:nvPicPr>
-        <p:blipFill rotWithShape="1">
-          <a:blip r:embed="rId3">
-            <a:extLst>
-              <a:ext uri="{28A0092B-C50C-407E-A947-70E740481C1C}">
-                <a14:useLocalDpi xmlns:a14="http://schemas.microsoft.com/office/drawing/2010/main" val="0"/>
-              </a:ext>
-            </a:extLst>
-          </a:blip>
-          <a:srcRect t="11734" r="50000"/>
-          <a:stretch/>
-        </p:blipFill>
-        <p:spPr>
-          <a:xfrm>
-            <a:off x="6944303" y="264680"/>
-            <a:ext cx="3372716" cy="2976952"/>
-          </a:xfrm>
-          <a:prstGeom prst="rect">
-            <a:avLst/>
-          </a:prstGeom>
-        </p:spPr>
-      </p:pic>
-      <p:pic>
-        <p:nvPicPr>
-          <p:cNvPr id="9" name="Image 8" descr="Une image contenant texte&#10;&#10;Description générée automatiquement">
-            <a:extLst>
-              <a:ext uri="{FF2B5EF4-FFF2-40B4-BE49-F238E27FC236}">
-                <a16:creationId xmlns:a16="http://schemas.microsoft.com/office/drawing/2014/main" id="{B379B7ED-737C-C3FD-31E0-875E7B120B57}"/>
-              </a:ext>
-            </a:extLst>
-          </p:cNvPr>
-          <p:cNvPicPr>
-            <a:picLocks noChangeAspect="1"/>
-          </p:cNvPicPr>
-          <p:nvPr/>
-        </p:nvPicPr>
-        <p:blipFill rotWithShape="1">
-          <a:blip r:embed="rId4">
-            <a:extLst>
-              <a:ext uri="{28A0092B-C50C-407E-A947-70E740481C1C}">
-                <a14:useLocalDpi xmlns:a14="http://schemas.microsoft.com/office/drawing/2010/main" val="0"/>
-              </a:ext>
-            </a:extLst>
-          </a:blip>
-          <a:srcRect b="8684"/>
-          <a:stretch/>
-        </p:blipFill>
-        <p:spPr>
-          <a:xfrm>
-            <a:off x="525798" y="3355110"/>
-            <a:ext cx="3907657" cy="2676235"/>
-          </a:xfrm>
-          <a:prstGeom prst="rect">
-            <a:avLst/>
-          </a:prstGeom>
-        </p:spPr>
-      </p:pic>
-      <p:pic>
-        <p:nvPicPr>
-          <p:cNvPr id="11" name="Image 10" descr="Une image contenant LEGO, jouet&#10;&#10;Description générée automatiquement">
-            <a:extLst>
-              <a:ext uri="{FF2B5EF4-FFF2-40B4-BE49-F238E27FC236}">
-                <a16:creationId xmlns:a16="http://schemas.microsoft.com/office/drawing/2014/main" id="{57EDB892-7BAC-2432-F265-630714943934}"/>
-              </a:ext>
-            </a:extLst>
-          </p:cNvPr>
-          <p:cNvPicPr>
-            <a:picLocks noChangeAspect="1"/>
-          </p:cNvPicPr>
-          <p:nvPr/>
-        </p:nvPicPr>
-        <p:blipFill rotWithShape="1">
-          <a:blip r:embed="rId5">
-            <a:extLst>
-              <a:ext uri="{28A0092B-C50C-407E-A947-70E740481C1C}">
-                <a14:useLocalDpi xmlns:a14="http://schemas.microsoft.com/office/drawing/2010/main" val="0"/>
-              </a:ext>
-            </a:extLst>
-          </a:blip>
-          <a:srcRect b="7358"/>
-          <a:stretch/>
-        </p:blipFill>
-        <p:spPr>
-          <a:xfrm>
-            <a:off x="6695644" y="3355110"/>
-            <a:ext cx="3907658" cy="2715089"/>
-          </a:xfrm>
-          <a:prstGeom prst="rect">
-            <a:avLst/>
-          </a:prstGeom>
-        </p:spPr>
-      </p:pic>
-      <p:sp>
-        <p:nvSpPr>
-          <p:cNvPr id="12" name="ZoneTexte 11">
-            <a:extLst>
-              <a:ext uri="{FF2B5EF4-FFF2-40B4-BE49-F238E27FC236}">
-                <a16:creationId xmlns:a16="http://schemas.microsoft.com/office/drawing/2014/main" id="{C5DF3B11-7728-1681-C4AA-A90CD7262845}"/>
-              </a:ext>
-            </a:extLst>
-          </p:cNvPr>
-          <p:cNvSpPr txBox="1"/>
-          <p:nvPr/>
-        </p:nvSpPr>
-        <p:spPr>
-          <a:xfrm>
-            <a:off x="1014373" y="6581001"/>
-            <a:ext cx="10318646" cy="261610"/>
-          </a:xfrm>
-          <a:prstGeom prst="rect">
-            <a:avLst/>
-          </a:prstGeom>
-          <a:noFill/>
-        </p:spPr>
-        <p:txBody>
-          <a:bodyPr wrap="square" rtlCol="0">
-            <a:spAutoFit/>
-          </a:bodyPr>
-          <a:lstStyle/>
-          <a:p>
-            <a:pPr algn="ctr"/>
-            <a:r>
-              <a:rPr lang="fr-FR" sz="1100" dirty="0">
-                <a:latin typeface="Arial" panose="020B0604020202020204" pitchFamily="34" charset="0"/>
-                <a:cs typeface="Arial" panose="020B0604020202020204" pitchFamily="34" charset="0"/>
-              </a:rPr>
-              <a:t>Images de </a:t>
-            </a:r>
-            <a:r>
-              <a:rPr lang="fr-FR" sz="1100" dirty="0" err="1">
-                <a:latin typeface="Arial" panose="020B0604020202020204" pitchFamily="34" charset="0"/>
-                <a:cs typeface="Arial" panose="020B0604020202020204" pitchFamily="34" charset="0"/>
-              </a:rPr>
-              <a:t>WikiHow</a:t>
-            </a:r>
-            <a:r>
-              <a:rPr lang="fr-FR" sz="1100" dirty="0">
-                <a:latin typeface="Arial" panose="020B0604020202020204" pitchFamily="34" charset="0"/>
-                <a:cs typeface="Arial" panose="020B0604020202020204" pitchFamily="34" charset="0"/>
-              </a:rPr>
-              <a:t> : </a:t>
-            </a:r>
-            <a:r>
-              <a:rPr lang="fr-FR" sz="1100" dirty="0">
-                <a:latin typeface="Arial" panose="020B0604020202020204" pitchFamily="34" charset="0"/>
-                <a:cs typeface="Arial" panose="020B0604020202020204" pitchFamily="34" charset="0"/>
-                <a:hlinkClick r:id="rId6"/>
-              </a:rPr>
-              <a:t>https://fr.wikihow.com/sertir-un-connecteur-RJ-45</a:t>
-            </a:r>
-            <a:r>
-              <a:rPr lang="fr-FR" sz="1100" dirty="0">
-                <a:latin typeface="Arial" panose="020B0604020202020204" pitchFamily="34" charset="0"/>
-                <a:cs typeface="Arial" panose="020B0604020202020204" pitchFamily="34" charset="0"/>
-              </a:rPr>
-              <a:t> &amp; https://clicmeric.com/sertir-un-cable-droit-et-un-cable-croise-comment-et-quelle-difference/</a:t>
-            </a:r>
-          </a:p>
-        </p:txBody>
-      </p:sp>
-      <p:sp>
-        <p:nvSpPr>
-          <p:cNvPr id="2" name="ZoneTexte 1">
-            <a:extLst>
-              <a:ext uri="{FF2B5EF4-FFF2-40B4-BE49-F238E27FC236}">
-                <a16:creationId xmlns:a16="http://schemas.microsoft.com/office/drawing/2014/main" id="{193A106A-DE8B-F589-D15F-99AE577B4F6B}"/>
-              </a:ext>
-            </a:extLst>
-          </p:cNvPr>
-          <p:cNvSpPr txBox="1"/>
-          <p:nvPr/>
-        </p:nvSpPr>
-        <p:spPr>
-          <a:xfrm>
-            <a:off x="9303437" y="2650959"/>
-            <a:ext cx="1364476" cy="369332"/>
-          </a:xfrm>
-          <a:prstGeom prst="rect">
-            <a:avLst/>
-          </a:prstGeom>
-          <a:noFill/>
-        </p:spPr>
-        <p:txBody>
-          <a:bodyPr wrap="none" rtlCol="0">
-            <a:spAutoFit/>
-          </a:bodyPr>
-          <a:lstStyle/>
-          <a:p>
-            <a:r>
-              <a:rPr lang="fr-FR" dirty="0"/>
-              <a:t>Norme 568B</a:t>
-            </a:r>
-          </a:p>
-        </p:txBody>
-      </p:sp>
-    </p:spTree>
-    <p:extLst>
-      <p:ext uri="{BB962C8B-B14F-4D97-AF65-F5344CB8AC3E}">
-        <p14:creationId xmlns:p14="http://schemas.microsoft.com/office/powerpoint/2010/main" val="1346439098"/>
       </p:ext>
     </p:extLst>
   </p:cSld>
@@ -16063,6 +16870,1104 @@
     <p:extLst>
       <p:ext uri="{BB962C8B-B14F-4D97-AF65-F5344CB8AC3E}">
         <p14:creationId xmlns:p14="http://schemas.microsoft.com/office/powerpoint/2010/main" val="1043886899"/>
+      </p:ext>
+    </p:extLst>
+  </p:cSld>
+  <p:clrMapOvr>
+    <a:masterClrMapping/>
+  </p:clrMapOvr>
+</p:sld>
+</file>
+
+<file path=ppt/slides/slide40.xml><?xml version="1.0" encoding="utf-8"?>
+<p:sld xmlns:a="http://schemas.openxmlformats.org/drawingml/2006/main" xmlns:r="http://schemas.openxmlformats.org/officeDocument/2006/relationships" xmlns:p="http://schemas.openxmlformats.org/presentationml/2006/main">
+  <p:cSld>
+    <p:spTree>
+      <p:nvGrpSpPr>
+        <p:cNvPr id="1" name=""/>
+        <p:cNvGrpSpPr/>
+        <p:nvPr/>
+      </p:nvGrpSpPr>
+      <p:grpSpPr>
+        <a:xfrm>
+          <a:off x="0" y="0"/>
+          <a:ext cx="0" cy="0"/>
+          <a:chOff x="0" y="0"/>
+          <a:chExt cx="0" cy="0"/>
+        </a:xfrm>
+      </p:grpSpPr>
+      <p:sp>
+        <p:nvSpPr>
+          <p:cNvPr id="2" name="Titre 1">
+            <a:extLst>
+              <a:ext uri="{FF2B5EF4-FFF2-40B4-BE49-F238E27FC236}">
+                <a16:creationId xmlns:a16="http://schemas.microsoft.com/office/drawing/2014/main" id="{84879000-F87B-E4F1-EDA7-E630DAE221AF}"/>
+              </a:ext>
+            </a:extLst>
+          </p:cNvPr>
+          <p:cNvSpPr>
+            <a:spLocks noGrp="1"/>
+          </p:cNvSpPr>
+          <p:nvPr>
+            <p:ph type="title"/>
+          </p:nvPr>
+        </p:nvSpPr>
+        <p:spPr/>
+        <p:txBody>
+          <a:bodyPr/>
+          <a:lstStyle/>
+          <a:p>
+            <a:r>
+              <a:rPr lang="fr-FR" dirty="0"/>
+              <a:t>VPN - Principe</a:t>
+            </a:r>
+          </a:p>
+        </p:txBody>
+      </p:sp>
+      <p:sp>
+        <p:nvSpPr>
+          <p:cNvPr id="3" name="Espace réservé du contenu 2">
+            <a:extLst>
+              <a:ext uri="{FF2B5EF4-FFF2-40B4-BE49-F238E27FC236}">
+                <a16:creationId xmlns:a16="http://schemas.microsoft.com/office/drawing/2014/main" id="{B23F1D09-D3FA-EDEE-E62D-4B0BA5CAE0B7}"/>
+              </a:ext>
+            </a:extLst>
+          </p:cNvPr>
+          <p:cNvSpPr>
+            <a:spLocks noGrp="1"/>
+          </p:cNvSpPr>
+          <p:nvPr>
+            <p:ph idx="1"/>
+          </p:nvPr>
+        </p:nvSpPr>
+        <p:spPr/>
+        <p:txBody>
+          <a:bodyPr/>
+          <a:lstStyle/>
+          <a:p>
+            <a:r>
+              <a:rPr lang="fr-FR" dirty="0"/>
+              <a:t>Créer un réseau virtuel privé (Virtual </a:t>
+            </a:r>
+            <a:r>
+              <a:rPr lang="fr-FR" dirty="0" err="1"/>
+              <a:t>Private</a:t>
+            </a:r>
+            <a:r>
+              <a:rPr lang="fr-FR" dirty="0"/>
+              <a:t> Network) permettant l’interconnexion de réseau</a:t>
+            </a:r>
+          </a:p>
+          <a:p>
+            <a:r>
+              <a:rPr lang="fr-FR" dirty="0"/>
+              <a:t>Exemple :</a:t>
+            </a:r>
+          </a:p>
+          <a:p>
+            <a:pPr marL="0" indent="0">
+              <a:buNone/>
+            </a:pPr>
+            <a:endParaRPr lang="fr-FR" dirty="0"/>
+          </a:p>
+        </p:txBody>
+      </p:sp>
+      <p:pic>
+        <p:nvPicPr>
+          <p:cNvPr id="4" name="Image 3">
+            <a:extLst>
+              <a:ext uri="{FF2B5EF4-FFF2-40B4-BE49-F238E27FC236}">
+                <a16:creationId xmlns:a16="http://schemas.microsoft.com/office/drawing/2014/main" id="{C736F3A7-1CC9-4DE4-7E3D-52AEAC04D557}"/>
+              </a:ext>
+            </a:extLst>
+          </p:cNvPr>
+          <p:cNvPicPr>
+            <a:picLocks noChangeAspect="1"/>
+          </p:cNvPicPr>
+          <p:nvPr/>
+        </p:nvPicPr>
+        <p:blipFill>
+          <a:blip r:embed="rId2">
+            <a:extLst>
+              <a:ext uri="{28A0092B-C50C-407E-A947-70E740481C1C}">
+                <a14:useLocalDpi xmlns:a14="http://schemas.microsoft.com/office/drawing/2010/main" val="0"/>
+              </a:ext>
+            </a:extLst>
+          </a:blip>
+          <a:stretch>
+            <a:fillRect/>
+          </a:stretch>
+        </p:blipFill>
+        <p:spPr>
+          <a:xfrm>
+            <a:off x="259474" y="6154384"/>
+            <a:ext cx="1675204" cy="519313"/>
+          </a:xfrm>
+          <a:prstGeom prst="rect">
+            <a:avLst/>
+          </a:prstGeom>
+        </p:spPr>
+      </p:pic>
+      <p:pic>
+        <p:nvPicPr>
+          <p:cNvPr id="6" name="Image 5">
+            <a:extLst>
+              <a:ext uri="{FF2B5EF4-FFF2-40B4-BE49-F238E27FC236}">
+                <a16:creationId xmlns:a16="http://schemas.microsoft.com/office/drawing/2014/main" id="{21B1AF75-0CCE-2EBE-3F9D-27269B0CA407}"/>
+              </a:ext>
+            </a:extLst>
+          </p:cNvPr>
+          <p:cNvPicPr>
+            <a:picLocks noChangeAspect="1"/>
+          </p:cNvPicPr>
+          <p:nvPr/>
+        </p:nvPicPr>
+        <p:blipFill>
+          <a:blip r:embed="rId3">
+            <a:extLst>
+              <a:ext uri="{28A0092B-C50C-407E-A947-70E740481C1C}">
+                <a14:useLocalDpi xmlns:a14="http://schemas.microsoft.com/office/drawing/2010/main" val="0"/>
+              </a:ext>
+            </a:extLst>
+          </a:blip>
+          <a:stretch>
+            <a:fillRect/>
+          </a:stretch>
+        </p:blipFill>
+        <p:spPr>
+          <a:xfrm>
+            <a:off x="1097076" y="3846136"/>
+            <a:ext cx="9649496" cy="1449108"/>
+          </a:xfrm>
+          <a:prstGeom prst="rect">
+            <a:avLst/>
+          </a:prstGeom>
+        </p:spPr>
+      </p:pic>
+    </p:spTree>
+    <p:extLst>
+      <p:ext uri="{BB962C8B-B14F-4D97-AF65-F5344CB8AC3E}">
+        <p14:creationId xmlns:p14="http://schemas.microsoft.com/office/powerpoint/2010/main" val="2258079471"/>
+      </p:ext>
+    </p:extLst>
+  </p:cSld>
+  <p:clrMapOvr>
+    <a:masterClrMapping/>
+  </p:clrMapOvr>
+</p:sld>
+</file>
+
+<file path=ppt/slides/slide41.xml><?xml version="1.0" encoding="utf-8"?>
+<p:sld xmlns:a="http://schemas.openxmlformats.org/drawingml/2006/main" xmlns:r="http://schemas.openxmlformats.org/officeDocument/2006/relationships" xmlns:p="http://schemas.openxmlformats.org/presentationml/2006/main">
+  <p:cSld>
+    <p:spTree>
+      <p:nvGrpSpPr>
+        <p:cNvPr id="1" name=""/>
+        <p:cNvGrpSpPr/>
+        <p:nvPr/>
+      </p:nvGrpSpPr>
+      <p:grpSpPr>
+        <a:xfrm>
+          <a:off x="0" y="0"/>
+          <a:ext cx="0" cy="0"/>
+          <a:chOff x="0" y="0"/>
+          <a:chExt cx="0" cy="0"/>
+        </a:xfrm>
+      </p:grpSpPr>
+      <p:sp>
+        <p:nvSpPr>
+          <p:cNvPr id="2" name="Titre 1">
+            <a:extLst>
+              <a:ext uri="{FF2B5EF4-FFF2-40B4-BE49-F238E27FC236}">
+                <a16:creationId xmlns:a16="http://schemas.microsoft.com/office/drawing/2014/main" id="{84879000-F87B-E4F1-EDA7-E630DAE221AF}"/>
+              </a:ext>
+            </a:extLst>
+          </p:cNvPr>
+          <p:cNvSpPr>
+            <a:spLocks noGrp="1"/>
+          </p:cNvSpPr>
+          <p:nvPr>
+            <p:ph type="title"/>
+          </p:nvPr>
+        </p:nvSpPr>
+        <p:spPr/>
+        <p:txBody>
+          <a:bodyPr/>
+          <a:lstStyle/>
+          <a:p>
+            <a:r>
+              <a:rPr lang="fr-FR" dirty="0"/>
+              <a:t>VPN – Les possibilités</a:t>
+            </a:r>
+          </a:p>
+        </p:txBody>
+      </p:sp>
+      <p:sp>
+        <p:nvSpPr>
+          <p:cNvPr id="3" name="Espace réservé du contenu 2">
+            <a:extLst>
+              <a:ext uri="{FF2B5EF4-FFF2-40B4-BE49-F238E27FC236}">
+                <a16:creationId xmlns:a16="http://schemas.microsoft.com/office/drawing/2014/main" id="{B23F1D09-D3FA-EDEE-E62D-4B0BA5CAE0B7}"/>
+              </a:ext>
+            </a:extLst>
+          </p:cNvPr>
+          <p:cNvSpPr>
+            <a:spLocks noGrp="1"/>
+          </p:cNvSpPr>
+          <p:nvPr>
+            <p:ph idx="1"/>
+          </p:nvPr>
+        </p:nvSpPr>
+        <p:spPr/>
+        <p:txBody>
+          <a:bodyPr/>
+          <a:lstStyle/>
+          <a:p>
+            <a:r>
+              <a:rPr lang="fr-FR" dirty="0"/>
+              <a:t>VPN </a:t>
+            </a:r>
+            <a:r>
+              <a:rPr lang="fr-FR" dirty="0" err="1"/>
+              <a:t>SSL</a:t>
+            </a:r>
+            <a:r>
+              <a:rPr lang="fr-FR" dirty="0"/>
+              <a:t> (TLS) :</a:t>
+            </a:r>
+          </a:p>
+          <a:p>
+            <a:pPr lvl="1"/>
+            <a:r>
+              <a:rPr lang="fr-FR" dirty="0"/>
+              <a:t>Utilisation typique : Collaborateurs en mobilité</a:t>
+            </a:r>
+          </a:p>
+          <a:p>
+            <a:pPr lvl="1"/>
+            <a:r>
+              <a:rPr lang="fr-FR" dirty="0">
+                <a:hlinkClick r:id="rId2"/>
+              </a:rPr>
+              <a:t>https://cyber.gouv.fr/</a:t>
+            </a:r>
+            <a:r>
+              <a:rPr lang="fr-FR" dirty="0">
+                <a:hlinkClick r:id="rId2"/>
+              </a:rPr>
+              <a:t>uploads/2018/10/guide_nomadisme_anssi_pa_054_v1.pdf</a:t>
+            </a:r>
+            <a:endParaRPr lang="fr-FR" dirty="0"/>
+          </a:p>
+          <a:p>
+            <a:pPr lvl="1"/>
+            <a:r>
+              <a:rPr lang="fr-FR" dirty="0"/>
+              <a:t>Masquage d’IP</a:t>
+            </a:r>
+          </a:p>
+          <a:p>
+            <a:pPr lvl="1"/>
+            <a:endParaRPr lang="fr-FR" dirty="0"/>
+          </a:p>
+          <a:p>
+            <a:r>
+              <a:rPr lang="fr-FR" dirty="0"/>
+              <a:t>Utilisation </a:t>
+            </a:r>
+            <a:r>
+              <a:rPr lang="fr-FR" dirty="0" err="1"/>
+              <a:t>IPSec</a:t>
+            </a:r>
+            <a:r>
+              <a:rPr lang="fr-FR" dirty="0"/>
+              <a:t> :</a:t>
+            </a:r>
+          </a:p>
+          <a:p>
+            <a:pPr lvl="1"/>
+            <a:r>
+              <a:rPr lang="fr-FR" dirty="0"/>
+              <a:t>Utilisation typique : Entre deux bureaux d’une entreprise</a:t>
+            </a:r>
+          </a:p>
+          <a:p>
+            <a:pPr lvl="1"/>
+            <a:r>
+              <a:rPr lang="fr-FR" dirty="0">
+                <a:hlinkClick r:id="rId3"/>
+              </a:rPr>
+              <a:t>https://cyber.gouv.fr/uploads/2012/09/NT_IPsec.pdf</a:t>
+            </a:r>
+            <a:endParaRPr lang="fr-FR" dirty="0"/>
+          </a:p>
+          <a:p>
+            <a:endParaRPr lang="fr-FR" dirty="0"/>
+          </a:p>
+          <a:p>
+            <a:pPr lvl="1"/>
+            <a:endParaRPr lang="fr-FR" dirty="0"/>
+          </a:p>
+          <a:p>
+            <a:pPr marL="0" indent="0">
+              <a:buNone/>
+            </a:pPr>
+            <a:endParaRPr lang="fr-FR" dirty="0"/>
+          </a:p>
+        </p:txBody>
+      </p:sp>
+      <p:pic>
+        <p:nvPicPr>
+          <p:cNvPr id="4" name="Image 3">
+            <a:extLst>
+              <a:ext uri="{FF2B5EF4-FFF2-40B4-BE49-F238E27FC236}">
+                <a16:creationId xmlns:a16="http://schemas.microsoft.com/office/drawing/2014/main" id="{C736F3A7-1CC9-4DE4-7E3D-52AEAC04D557}"/>
+              </a:ext>
+            </a:extLst>
+          </p:cNvPr>
+          <p:cNvPicPr>
+            <a:picLocks noChangeAspect="1"/>
+          </p:cNvPicPr>
+          <p:nvPr/>
+        </p:nvPicPr>
+        <p:blipFill>
+          <a:blip r:embed="rId4">
+            <a:extLst>
+              <a:ext uri="{28A0092B-C50C-407E-A947-70E740481C1C}">
+                <a14:useLocalDpi xmlns:a14="http://schemas.microsoft.com/office/drawing/2010/main" val="0"/>
+              </a:ext>
+            </a:extLst>
+          </a:blip>
+          <a:stretch>
+            <a:fillRect/>
+          </a:stretch>
+        </p:blipFill>
+        <p:spPr>
+          <a:xfrm>
+            <a:off x="259474" y="6154384"/>
+            <a:ext cx="1675204" cy="519313"/>
+          </a:xfrm>
+          <a:prstGeom prst="rect">
+            <a:avLst/>
+          </a:prstGeom>
+        </p:spPr>
+      </p:pic>
+    </p:spTree>
+    <p:extLst>
+      <p:ext uri="{BB962C8B-B14F-4D97-AF65-F5344CB8AC3E}">
+        <p14:creationId xmlns:p14="http://schemas.microsoft.com/office/powerpoint/2010/main" val="772955603"/>
+      </p:ext>
+    </p:extLst>
+  </p:cSld>
+  <p:clrMapOvr>
+    <a:masterClrMapping/>
+  </p:clrMapOvr>
+</p:sld>
+</file>
+
+<file path=ppt/slides/slide42.xml><?xml version="1.0" encoding="utf-8"?>
+<p:sld xmlns:a="http://schemas.openxmlformats.org/drawingml/2006/main" xmlns:r="http://schemas.openxmlformats.org/officeDocument/2006/relationships" xmlns:p="http://schemas.openxmlformats.org/presentationml/2006/main">
+  <p:cSld>
+    <p:spTree>
+      <p:nvGrpSpPr>
+        <p:cNvPr id="1" name=""/>
+        <p:cNvGrpSpPr/>
+        <p:nvPr/>
+      </p:nvGrpSpPr>
+      <p:grpSpPr>
+        <a:xfrm>
+          <a:off x="0" y="0"/>
+          <a:ext cx="0" cy="0"/>
+          <a:chOff x="0" y="0"/>
+          <a:chExt cx="0" cy="0"/>
+        </a:xfrm>
+      </p:grpSpPr>
+      <p:sp>
+        <p:nvSpPr>
+          <p:cNvPr id="2" name="Titre 1">
+            <a:extLst>
+              <a:ext uri="{FF2B5EF4-FFF2-40B4-BE49-F238E27FC236}">
+                <a16:creationId xmlns:a16="http://schemas.microsoft.com/office/drawing/2014/main" id="{84879000-F87B-E4F1-EDA7-E630DAE221AF}"/>
+              </a:ext>
+            </a:extLst>
+          </p:cNvPr>
+          <p:cNvSpPr>
+            <a:spLocks noGrp="1"/>
+          </p:cNvSpPr>
+          <p:nvPr>
+            <p:ph type="title"/>
+          </p:nvPr>
+        </p:nvSpPr>
+        <p:spPr/>
+        <p:txBody>
+          <a:bodyPr/>
+          <a:lstStyle/>
+          <a:p>
+            <a:r>
+              <a:rPr lang="fr-FR" dirty="0"/>
+              <a:t>VPN – </a:t>
+            </a:r>
+            <a:r>
+              <a:rPr lang="fr-FR" dirty="0" err="1"/>
+              <a:t>SSL</a:t>
+            </a:r>
+            <a:r>
+              <a:rPr lang="fr-FR" dirty="0"/>
+              <a:t> (TLS)</a:t>
+            </a:r>
+          </a:p>
+        </p:txBody>
+      </p:sp>
+      <p:sp>
+        <p:nvSpPr>
+          <p:cNvPr id="3" name="Espace réservé du contenu 2">
+            <a:extLst>
+              <a:ext uri="{FF2B5EF4-FFF2-40B4-BE49-F238E27FC236}">
+                <a16:creationId xmlns:a16="http://schemas.microsoft.com/office/drawing/2014/main" id="{B23F1D09-D3FA-EDEE-E62D-4B0BA5CAE0B7}"/>
+              </a:ext>
+            </a:extLst>
+          </p:cNvPr>
+          <p:cNvSpPr>
+            <a:spLocks noGrp="1"/>
+          </p:cNvSpPr>
+          <p:nvPr>
+            <p:ph idx="1"/>
+          </p:nvPr>
+        </p:nvSpPr>
+        <p:spPr/>
+        <p:txBody>
+          <a:bodyPr/>
+          <a:lstStyle/>
+          <a:p>
+            <a:r>
+              <a:rPr lang="fr-FR" dirty="0"/>
+              <a:t>Création d’un tunnel au-dessus du TLS </a:t>
+            </a:r>
+          </a:p>
+          <a:p>
+            <a:r>
+              <a:rPr lang="fr-FR" dirty="0"/>
+              <a:t>Avantage : Un client Web suffit (mais on peut utiliser des clients lourds)</a:t>
+            </a:r>
+          </a:p>
+          <a:p>
+            <a:pPr marL="0" indent="0">
+              <a:buNone/>
+            </a:pPr>
+            <a:endParaRPr lang="fr-FR" dirty="0"/>
+          </a:p>
+        </p:txBody>
+      </p:sp>
+      <p:pic>
+        <p:nvPicPr>
+          <p:cNvPr id="4" name="Image 3">
+            <a:extLst>
+              <a:ext uri="{FF2B5EF4-FFF2-40B4-BE49-F238E27FC236}">
+                <a16:creationId xmlns:a16="http://schemas.microsoft.com/office/drawing/2014/main" id="{C736F3A7-1CC9-4DE4-7E3D-52AEAC04D557}"/>
+              </a:ext>
+            </a:extLst>
+          </p:cNvPr>
+          <p:cNvPicPr>
+            <a:picLocks noChangeAspect="1"/>
+          </p:cNvPicPr>
+          <p:nvPr/>
+        </p:nvPicPr>
+        <p:blipFill>
+          <a:blip r:embed="rId3">
+            <a:extLst>
+              <a:ext uri="{28A0092B-C50C-407E-A947-70E740481C1C}">
+                <a14:useLocalDpi xmlns:a14="http://schemas.microsoft.com/office/drawing/2010/main" val="0"/>
+              </a:ext>
+            </a:extLst>
+          </a:blip>
+          <a:stretch>
+            <a:fillRect/>
+          </a:stretch>
+        </p:blipFill>
+        <p:spPr>
+          <a:xfrm>
+            <a:off x="259474" y="6154384"/>
+            <a:ext cx="1675204" cy="519313"/>
+          </a:xfrm>
+          <a:prstGeom prst="rect">
+            <a:avLst/>
+          </a:prstGeom>
+        </p:spPr>
+      </p:pic>
+      <p:pic>
+        <p:nvPicPr>
+          <p:cNvPr id="6" name="Image 5">
+            <a:extLst>
+              <a:ext uri="{FF2B5EF4-FFF2-40B4-BE49-F238E27FC236}">
+                <a16:creationId xmlns:a16="http://schemas.microsoft.com/office/drawing/2014/main" id="{AB082E7A-2CAF-47F6-084C-674B3A0D8647}"/>
+              </a:ext>
+            </a:extLst>
+          </p:cNvPr>
+          <p:cNvPicPr>
+            <a:picLocks noChangeAspect="1"/>
+          </p:cNvPicPr>
+          <p:nvPr/>
+        </p:nvPicPr>
+        <p:blipFill>
+          <a:blip r:embed="rId4">
+            <a:extLst>
+              <a:ext uri="{28A0092B-C50C-407E-A947-70E740481C1C}">
+                <a14:useLocalDpi xmlns:a14="http://schemas.microsoft.com/office/drawing/2010/main" val="0"/>
+              </a:ext>
+            </a:extLst>
+          </a:blip>
+          <a:stretch>
+            <a:fillRect/>
+          </a:stretch>
+        </p:blipFill>
+        <p:spPr>
+          <a:xfrm>
+            <a:off x="2625518" y="3296264"/>
+            <a:ext cx="6706150" cy="2543712"/>
+          </a:xfrm>
+          <a:prstGeom prst="rect">
+            <a:avLst/>
+          </a:prstGeom>
+        </p:spPr>
+      </p:pic>
+    </p:spTree>
+    <p:extLst>
+      <p:ext uri="{BB962C8B-B14F-4D97-AF65-F5344CB8AC3E}">
+        <p14:creationId xmlns:p14="http://schemas.microsoft.com/office/powerpoint/2010/main" val="3510300401"/>
+      </p:ext>
+    </p:extLst>
+  </p:cSld>
+  <p:clrMapOvr>
+    <a:masterClrMapping/>
+  </p:clrMapOvr>
+</p:sld>
+</file>
+
+<file path=ppt/slides/slide43.xml><?xml version="1.0" encoding="utf-8"?>
+<p:sld xmlns:a="http://schemas.openxmlformats.org/drawingml/2006/main" xmlns:r="http://schemas.openxmlformats.org/officeDocument/2006/relationships" xmlns:p="http://schemas.openxmlformats.org/presentationml/2006/main">
+  <p:cSld>
+    <p:spTree>
+      <p:nvGrpSpPr>
+        <p:cNvPr id="1" name=""/>
+        <p:cNvGrpSpPr/>
+        <p:nvPr/>
+      </p:nvGrpSpPr>
+      <p:grpSpPr>
+        <a:xfrm>
+          <a:off x="0" y="0"/>
+          <a:ext cx="0" cy="0"/>
+          <a:chOff x="0" y="0"/>
+          <a:chExt cx="0" cy="0"/>
+        </a:xfrm>
+      </p:grpSpPr>
+      <p:sp>
+        <p:nvSpPr>
+          <p:cNvPr id="2" name="Titre 1">
+            <a:extLst>
+              <a:ext uri="{FF2B5EF4-FFF2-40B4-BE49-F238E27FC236}">
+                <a16:creationId xmlns:a16="http://schemas.microsoft.com/office/drawing/2014/main" id="{84879000-F87B-E4F1-EDA7-E630DAE221AF}"/>
+              </a:ext>
+            </a:extLst>
+          </p:cNvPr>
+          <p:cNvSpPr>
+            <a:spLocks noGrp="1"/>
+          </p:cNvSpPr>
+          <p:nvPr>
+            <p:ph type="title"/>
+          </p:nvPr>
+        </p:nvSpPr>
+        <p:spPr/>
+        <p:txBody>
+          <a:bodyPr/>
+          <a:lstStyle/>
+          <a:p>
+            <a:r>
+              <a:rPr lang="fr-FR" dirty="0" err="1"/>
+              <a:t>VP</a:t>
+            </a:r>
+            <a:r>
+              <a:rPr lang="fr-FR" dirty="0"/>
+              <a:t> - </a:t>
+            </a:r>
+            <a:r>
+              <a:rPr lang="fr-FR" dirty="0" err="1"/>
+              <a:t>IPsec</a:t>
+            </a:r>
+            <a:endParaRPr lang="fr-FR" dirty="0"/>
+          </a:p>
+        </p:txBody>
+      </p:sp>
+      <p:sp>
+        <p:nvSpPr>
+          <p:cNvPr id="3" name="Espace réservé du contenu 2">
+            <a:extLst>
+              <a:ext uri="{FF2B5EF4-FFF2-40B4-BE49-F238E27FC236}">
+                <a16:creationId xmlns:a16="http://schemas.microsoft.com/office/drawing/2014/main" id="{B23F1D09-D3FA-EDEE-E62D-4B0BA5CAE0B7}"/>
+              </a:ext>
+            </a:extLst>
+          </p:cNvPr>
+          <p:cNvSpPr>
+            <a:spLocks noGrp="1"/>
+          </p:cNvSpPr>
+          <p:nvPr>
+            <p:ph idx="1"/>
+          </p:nvPr>
+        </p:nvSpPr>
+        <p:spPr/>
+        <p:txBody>
+          <a:bodyPr/>
+          <a:lstStyle/>
+          <a:p>
+            <a:r>
+              <a:rPr lang="fr-FR" dirty="0"/>
+              <a:t>Inconvénient : </a:t>
+            </a:r>
+          </a:p>
+          <a:p>
+            <a:pPr lvl="1"/>
+            <a:r>
+              <a:rPr lang="fr-FR" dirty="0"/>
+              <a:t>Nécessite un client lourd sur le poste utilisateur ou un firewall dédié</a:t>
+            </a:r>
+          </a:p>
+          <a:p>
+            <a:r>
+              <a:rPr lang="fr-FR" dirty="0"/>
+              <a:t>Utilisation : entre deux sites de la même entreprise</a:t>
+            </a:r>
+          </a:p>
+        </p:txBody>
+      </p:sp>
+      <p:pic>
+        <p:nvPicPr>
+          <p:cNvPr id="4" name="Image 3">
+            <a:extLst>
+              <a:ext uri="{FF2B5EF4-FFF2-40B4-BE49-F238E27FC236}">
+                <a16:creationId xmlns:a16="http://schemas.microsoft.com/office/drawing/2014/main" id="{C736F3A7-1CC9-4DE4-7E3D-52AEAC04D557}"/>
+              </a:ext>
+            </a:extLst>
+          </p:cNvPr>
+          <p:cNvPicPr>
+            <a:picLocks noChangeAspect="1"/>
+          </p:cNvPicPr>
+          <p:nvPr/>
+        </p:nvPicPr>
+        <p:blipFill>
+          <a:blip r:embed="rId2">
+            <a:extLst>
+              <a:ext uri="{28A0092B-C50C-407E-A947-70E740481C1C}">
+                <a14:useLocalDpi xmlns:a14="http://schemas.microsoft.com/office/drawing/2010/main" val="0"/>
+              </a:ext>
+            </a:extLst>
+          </a:blip>
+          <a:stretch>
+            <a:fillRect/>
+          </a:stretch>
+        </p:blipFill>
+        <p:spPr>
+          <a:xfrm>
+            <a:off x="259474" y="6154384"/>
+            <a:ext cx="1675204" cy="519313"/>
+          </a:xfrm>
+          <a:prstGeom prst="rect">
+            <a:avLst/>
+          </a:prstGeom>
+        </p:spPr>
+      </p:pic>
+      <p:pic>
+        <p:nvPicPr>
+          <p:cNvPr id="5" name="Image 4">
+            <a:extLst>
+              <a:ext uri="{FF2B5EF4-FFF2-40B4-BE49-F238E27FC236}">
+                <a16:creationId xmlns:a16="http://schemas.microsoft.com/office/drawing/2014/main" id="{B8055926-1A15-FD4E-9C42-B7BCCA57EFB0}"/>
+              </a:ext>
+            </a:extLst>
+          </p:cNvPr>
+          <p:cNvPicPr>
+            <a:picLocks noChangeAspect="1"/>
+          </p:cNvPicPr>
+          <p:nvPr/>
+        </p:nvPicPr>
+        <p:blipFill>
+          <a:blip r:embed="rId3"/>
+          <a:stretch>
+            <a:fillRect/>
+          </a:stretch>
+        </p:blipFill>
+        <p:spPr>
+          <a:xfrm>
+            <a:off x="2162175" y="3221759"/>
+            <a:ext cx="7867650" cy="2609850"/>
+          </a:xfrm>
+          <a:prstGeom prst="rect">
+            <a:avLst/>
+          </a:prstGeom>
+        </p:spPr>
+      </p:pic>
+    </p:spTree>
+    <p:extLst>
+      <p:ext uri="{BB962C8B-B14F-4D97-AF65-F5344CB8AC3E}">
+        <p14:creationId xmlns:p14="http://schemas.microsoft.com/office/powerpoint/2010/main" val="2995857668"/>
+      </p:ext>
+    </p:extLst>
+  </p:cSld>
+  <p:clrMapOvr>
+    <a:masterClrMapping/>
+  </p:clrMapOvr>
+</p:sld>
+</file>
+
+<file path=ppt/slides/slide44.xml><?xml version="1.0" encoding="utf-8"?>
+<p:sld xmlns:a="http://schemas.openxmlformats.org/drawingml/2006/main" xmlns:r="http://schemas.openxmlformats.org/officeDocument/2006/relationships" xmlns:p="http://schemas.openxmlformats.org/presentationml/2006/main">
+  <p:cSld>
+    <p:spTree>
+      <p:nvGrpSpPr>
+        <p:cNvPr id="1" name=""/>
+        <p:cNvGrpSpPr/>
+        <p:nvPr/>
+      </p:nvGrpSpPr>
+      <p:grpSpPr>
+        <a:xfrm>
+          <a:off x="0" y="0"/>
+          <a:ext cx="0" cy="0"/>
+          <a:chOff x="0" y="0"/>
+          <a:chExt cx="0" cy="0"/>
+        </a:xfrm>
+      </p:grpSpPr>
+      <p:sp>
+        <p:nvSpPr>
+          <p:cNvPr id="2" name="Titre 1">
+            <a:extLst>
+              <a:ext uri="{FF2B5EF4-FFF2-40B4-BE49-F238E27FC236}">
+                <a16:creationId xmlns:a16="http://schemas.microsoft.com/office/drawing/2014/main" id="{48CB7FAE-F3F3-4C9C-48BD-39EBB588B21F}"/>
+              </a:ext>
+            </a:extLst>
+          </p:cNvPr>
+          <p:cNvSpPr>
+            <a:spLocks noGrp="1"/>
+          </p:cNvSpPr>
+          <p:nvPr>
+            <p:ph type="title"/>
+          </p:nvPr>
+        </p:nvSpPr>
+        <p:spPr/>
+        <p:txBody>
+          <a:bodyPr/>
+          <a:lstStyle/>
+          <a:p>
+            <a:r>
+              <a:rPr lang="fr-FR" dirty="0"/>
+              <a:t>TP </a:t>
+            </a:r>
+            <a:r>
+              <a:rPr lang="fr-FR" dirty="0" err="1"/>
+              <a:t>Cablage</a:t>
+            </a:r>
+            <a:endParaRPr lang="fr-FR" dirty="0"/>
+          </a:p>
+        </p:txBody>
+      </p:sp>
+      <p:sp>
+        <p:nvSpPr>
+          <p:cNvPr id="3" name="Espace réservé du texte 2">
+            <a:extLst>
+              <a:ext uri="{FF2B5EF4-FFF2-40B4-BE49-F238E27FC236}">
+                <a16:creationId xmlns:a16="http://schemas.microsoft.com/office/drawing/2014/main" id="{4AA4DD04-0ED9-0EB9-9ED2-71E2AE4A42EF}"/>
+              </a:ext>
+            </a:extLst>
+          </p:cNvPr>
+          <p:cNvSpPr>
+            <a:spLocks noGrp="1"/>
+          </p:cNvSpPr>
+          <p:nvPr>
+            <p:ph type="body" idx="1"/>
+          </p:nvPr>
+        </p:nvSpPr>
+        <p:spPr/>
+        <p:txBody>
+          <a:bodyPr/>
+          <a:lstStyle/>
+          <a:p>
+            <a:endParaRPr lang="fr-FR"/>
+          </a:p>
+        </p:txBody>
+      </p:sp>
+    </p:spTree>
+    <p:extLst>
+      <p:ext uri="{BB962C8B-B14F-4D97-AF65-F5344CB8AC3E}">
+        <p14:creationId xmlns:p14="http://schemas.microsoft.com/office/powerpoint/2010/main" val="731027436"/>
+      </p:ext>
+    </p:extLst>
+  </p:cSld>
+  <p:clrMapOvr>
+    <a:masterClrMapping/>
+  </p:clrMapOvr>
+</p:sld>
+</file>
+
+<file path=ppt/slides/slide45.xml><?xml version="1.0" encoding="utf-8"?>
+<p:sld xmlns:a="http://schemas.openxmlformats.org/drawingml/2006/main" xmlns:r="http://schemas.openxmlformats.org/officeDocument/2006/relationships" xmlns:p="http://schemas.openxmlformats.org/presentationml/2006/main">
+  <p:cSld>
+    <p:spTree>
+      <p:nvGrpSpPr>
+        <p:cNvPr id="1" name=""/>
+        <p:cNvGrpSpPr/>
+        <p:nvPr/>
+      </p:nvGrpSpPr>
+      <p:grpSpPr>
+        <a:xfrm>
+          <a:off x="0" y="0"/>
+          <a:ext cx="0" cy="0"/>
+          <a:chOff x="0" y="0"/>
+          <a:chExt cx="0" cy="0"/>
+        </a:xfrm>
+      </p:grpSpPr>
+      <p:pic>
+        <p:nvPicPr>
+          <p:cNvPr id="5" name="Espace réservé du contenu 4">
+            <a:extLst>
+              <a:ext uri="{FF2B5EF4-FFF2-40B4-BE49-F238E27FC236}">
+                <a16:creationId xmlns:a16="http://schemas.microsoft.com/office/drawing/2014/main" id="{CB87B236-3324-1A25-9A2B-BB70C5554396}"/>
+              </a:ext>
+            </a:extLst>
+          </p:cNvPr>
+          <p:cNvPicPr>
+            <a:picLocks noGrp="1" noChangeAspect="1"/>
+          </p:cNvPicPr>
+          <p:nvPr>
+            <p:ph idx="1"/>
+          </p:nvPr>
+        </p:nvPicPr>
+        <p:blipFill rotWithShape="1">
+          <a:blip r:embed="rId2">
+            <a:extLst>
+              <a:ext uri="{28A0092B-C50C-407E-A947-70E740481C1C}">
+                <a14:useLocalDpi xmlns:a14="http://schemas.microsoft.com/office/drawing/2010/main" val="0"/>
+              </a:ext>
+            </a:extLst>
+          </a:blip>
+          <a:srcRect b="5976"/>
+          <a:stretch/>
+        </p:blipFill>
+        <p:spPr>
+          <a:xfrm>
+            <a:off x="525798" y="264680"/>
+            <a:ext cx="3907657" cy="2755611"/>
+          </a:xfrm>
+        </p:spPr>
+      </p:pic>
+      <p:pic>
+        <p:nvPicPr>
+          <p:cNvPr id="7" name="Image 6">
+            <a:extLst>
+              <a:ext uri="{FF2B5EF4-FFF2-40B4-BE49-F238E27FC236}">
+                <a16:creationId xmlns:a16="http://schemas.microsoft.com/office/drawing/2014/main" id="{36BBC683-F25B-2EE4-0546-EF2D45FF50F6}"/>
+              </a:ext>
+            </a:extLst>
+          </p:cNvPr>
+          <p:cNvPicPr>
+            <a:picLocks noChangeAspect="1"/>
+          </p:cNvPicPr>
+          <p:nvPr/>
+        </p:nvPicPr>
+        <p:blipFill rotWithShape="1">
+          <a:blip r:embed="rId3">
+            <a:extLst>
+              <a:ext uri="{28A0092B-C50C-407E-A947-70E740481C1C}">
+                <a14:useLocalDpi xmlns:a14="http://schemas.microsoft.com/office/drawing/2010/main" val="0"/>
+              </a:ext>
+            </a:extLst>
+          </a:blip>
+          <a:srcRect t="11734" r="50000"/>
+          <a:stretch/>
+        </p:blipFill>
+        <p:spPr>
+          <a:xfrm>
+            <a:off x="6944303" y="264680"/>
+            <a:ext cx="3372716" cy="2976952"/>
+          </a:xfrm>
+          <a:prstGeom prst="rect">
+            <a:avLst/>
+          </a:prstGeom>
+        </p:spPr>
+      </p:pic>
+      <p:pic>
+        <p:nvPicPr>
+          <p:cNvPr id="9" name="Image 8" descr="Une image contenant texte&#10;&#10;Description générée automatiquement">
+            <a:extLst>
+              <a:ext uri="{FF2B5EF4-FFF2-40B4-BE49-F238E27FC236}">
+                <a16:creationId xmlns:a16="http://schemas.microsoft.com/office/drawing/2014/main" id="{B379B7ED-737C-C3FD-31E0-875E7B120B57}"/>
+              </a:ext>
+            </a:extLst>
+          </p:cNvPr>
+          <p:cNvPicPr>
+            <a:picLocks noChangeAspect="1"/>
+          </p:cNvPicPr>
+          <p:nvPr/>
+        </p:nvPicPr>
+        <p:blipFill rotWithShape="1">
+          <a:blip r:embed="rId4">
+            <a:extLst>
+              <a:ext uri="{28A0092B-C50C-407E-A947-70E740481C1C}">
+                <a14:useLocalDpi xmlns:a14="http://schemas.microsoft.com/office/drawing/2010/main" val="0"/>
+              </a:ext>
+            </a:extLst>
+          </a:blip>
+          <a:srcRect b="8684"/>
+          <a:stretch/>
+        </p:blipFill>
+        <p:spPr>
+          <a:xfrm>
+            <a:off x="525798" y="3355110"/>
+            <a:ext cx="3907657" cy="2676235"/>
+          </a:xfrm>
+          <a:prstGeom prst="rect">
+            <a:avLst/>
+          </a:prstGeom>
+        </p:spPr>
+      </p:pic>
+      <p:pic>
+        <p:nvPicPr>
+          <p:cNvPr id="11" name="Image 10" descr="Une image contenant LEGO, jouet&#10;&#10;Description générée automatiquement">
+            <a:extLst>
+              <a:ext uri="{FF2B5EF4-FFF2-40B4-BE49-F238E27FC236}">
+                <a16:creationId xmlns:a16="http://schemas.microsoft.com/office/drawing/2014/main" id="{57EDB892-7BAC-2432-F265-630714943934}"/>
+              </a:ext>
+            </a:extLst>
+          </p:cNvPr>
+          <p:cNvPicPr>
+            <a:picLocks noChangeAspect="1"/>
+          </p:cNvPicPr>
+          <p:nvPr/>
+        </p:nvPicPr>
+        <p:blipFill rotWithShape="1">
+          <a:blip r:embed="rId5">
+            <a:extLst>
+              <a:ext uri="{28A0092B-C50C-407E-A947-70E740481C1C}">
+                <a14:useLocalDpi xmlns:a14="http://schemas.microsoft.com/office/drawing/2010/main" val="0"/>
+              </a:ext>
+            </a:extLst>
+          </a:blip>
+          <a:srcRect b="7358"/>
+          <a:stretch/>
+        </p:blipFill>
+        <p:spPr>
+          <a:xfrm>
+            <a:off x="6695644" y="3355110"/>
+            <a:ext cx="3907658" cy="2715089"/>
+          </a:xfrm>
+          <a:prstGeom prst="rect">
+            <a:avLst/>
+          </a:prstGeom>
+        </p:spPr>
+      </p:pic>
+      <p:sp>
+        <p:nvSpPr>
+          <p:cNvPr id="12" name="ZoneTexte 11">
+            <a:extLst>
+              <a:ext uri="{FF2B5EF4-FFF2-40B4-BE49-F238E27FC236}">
+                <a16:creationId xmlns:a16="http://schemas.microsoft.com/office/drawing/2014/main" id="{C5DF3B11-7728-1681-C4AA-A90CD7262845}"/>
+              </a:ext>
+            </a:extLst>
+          </p:cNvPr>
+          <p:cNvSpPr txBox="1"/>
+          <p:nvPr/>
+        </p:nvSpPr>
+        <p:spPr>
+          <a:xfrm>
+            <a:off x="1014373" y="6581001"/>
+            <a:ext cx="10318646" cy="261610"/>
+          </a:xfrm>
+          <a:prstGeom prst="rect">
+            <a:avLst/>
+          </a:prstGeom>
+          <a:noFill/>
+        </p:spPr>
+        <p:txBody>
+          <a:bodyPr wrap="square" rtlCol="0">
+            <a:spAutoFit/>
+          </a:bodyPr>
+          <a:lstStyle/>
+          <a:p>
+            <a:pPr algn="ctr"/>
+            <a:r>
+              <a:rPr lang="fr-FR" sz="1100" dirty="0">
+                <a:latin typeface="Arial" panose="020B0604020202020204" pitchFamily="34" charset="0"/>
+                <a:cs typeface="Arial" panose="020B0604020202020204" pitchFamily="34" charset="0"/>
+              </a:rPr>
+              <a:t>Images de </a:t>
+            </a:r>
+            <a:r>
+              <a:rPr lang="fr-FR" sz="1100" dirty="0" err="1">
+                <a:latin typeface="Arial" panose="020B0604020202020204" pitchFamily="34" charset="0"/>
+                <a:cs typeface="Arial" panose="020B0604020202020204" pitchFamily="34" charset="0"/>
+              </a:rPr>
+              <a:t>WikiHow</a:t>
+            </a:r>
+            <a:r>
+              <a:rPr lang="fr-FR" sz="1100" dirty="0">
+                <a:latin typeface="Arial" panose="020B0604020202020204" pitchFamily="34" charset="0"/>
+                <a:cs typeface="Arial" panose="020B0604020202020204" pitchFamily="34" charset="0"/>
+              </a:rPr>
+              <a:t> : </a:t>
+            </a:r>
+            <a:r>
+              <a:rPr lang="fr-FR" sz="1100" dirty="0">
+                <a:latin typeface="Arial" panose="020B0604020202020204" pitchFamily="34" charset="0"/>
+                <a:cs typeface="Arial" panose="020B0604020202020204" pitchFamily="34" charset="0"/>
+                <a:hlinkClick r:id="rId6"/>
+              </a:rPr>
+              <a:t>https://fr.wikihow.com/sertir-un-connecteur-RJ-45</a:t>
+            </a:r>
+            <a:r>
+              <a:rPr lang="fr-FR" sz="1100" dirty="0">
+                <a:latin typeface="Arial" panose="020B0604020202020204" pitchFamily="34" charset="0"/>
+                <a:cs typeface="Arial" panose="020B0604020202020204" pitchFamily="34" charset="0"/>
+              </a:rPr>
+              <a:t> &amp; https://clicmeric.com/sertir-un-cable-droit-et-un-cable-croise-comment-et-quelle-difference/</a:t>
+            </a:r>
+          </a:p>
+        </p:txBody>
+      </p:sp>
+      <p:sp>
+        <p:nvSpPr>
+          <p:cNvPr id="2" name="ZoneTexte 1">
+            <a:extLst>
+              <a:ext uri="{FF2B5EF4-FFF2-40B4-BE49-F238E27FC236}">
+                <a16:creationId xmlns:a16="http://schemas.microsoft.com/office/drawing/2014/main" id="{193A106A-DE8B-F589-D15F-99AE577B4F6B}"/>
+              </a:ext>
+            </a:extLst>
+          </p:cNvPr>
+          <p:cNvSpPr txBox="1"/>
+          <p:nvPr/>
+        </p:nvSpPr>
+        <p:spPr>
+          <a:xfrm>
+            <a:off x="9303437" y="2650959"/>
+            <a:ext cx="1364476" cy="369332"/>
+          </a:xfrm>
+          <a:prstGeom prst="rect">
+            <a:avLst/>
+          </a:prstGeom>
+          <a:noFill/>
+        </p:spPr>
+        <p:txBody>
+          <a:bodyPr wrap="none" rtlCol="0">
+            <a:spAutoFit/>
+          </a:bodyPr>
+          <a:lstStyle/>
+          <a:p>
+            <a:r>
+              <a:rPr lang="fr-FR" dirty="0"/>
+              <a:t>Norme 568B</a:t>
+            </a:r>
+          </a:p>
+        </p:txBody>
+      </p:sp>
+    </p:spTree>
+    <p:extLst>
+      <p:ext uri="{BB962C8B-B14F-4D97-AF65-F5344CB8AC3E}">
+        <p14:creationId xmlns:p14="http://schemas.microsoft.com/office/powerpoint/2010/main" val="1346439098"/>
       </p:ext>
     </p:extLst>
   </p:cSld>
@@ -16971,6 +18876,48 @@
           </a:prstGeom>
         </p:spPr>
       </p:pic>
+      <p:sp>
+        <p:nvSpPr>
+          <p:cNvPr id="9" name="ZoneTexte 8">
+            <a:extLst>
+              <a:ext uri="{FF2B5EF4-FFF2-40B4-BE49-F238E27FC236}">
+                <a16:creationId xmlns:a16="http://schemas.microsoft.com/office/drawing/2014/main" id="{4712987C-A54C-04A9-711F-37EA5EF9C6D5}"/>
+              </a:ext>
+            </a:extLst>
+          </p:cNvPr>
+          <p:cNvSpPr txBox="1"/>
+          <p:nvPr/>
+        </p:nvSpPr>
+        <p:spPr>
+          <a:xfrm rot="19856471">
+            <a:off x="6467167" y="3455987"/>
+            <a:ext cx="2139240" cy="369332"/>
+          </a:xfrm>
+          <a:prstGeom prst="rect">
+            <a:avLst/>
+          </a:prstGeom>
+          <a:noFill/>
+        </p:spPr>
+        <p:txBody>
+          <a:bodyPr wrap="none" rtlCol="0">
+            <a:spAutoFit/>
+          </a:bodyPr>
+          <a:lstStyle/>
+          <a:p>
+            <a:r>
+              <a:rPr lang="fr-FR" dirty="0">
+                <a:solidFill>
+                  <a:srgbClr val="FF0000"/>
+                </a:solidFill>
+                <a:highlight>
+                  <a:srgbClr val="FFFF00"/>
+                </a:highlight>
+              </a:rPr>
+              <a:t>Retour CM2, slide 45</a:t>
+            </a:r>
+          </a:p>
+        </p:txBody>
+      </p:sp>
     </p:spTree>
     <p:extLst>
       <p:ext uri="{BB962C8B-B14F-4D97-AF65-F5344CB8AC3E}">
@@ -17081,6 +19028,12 @@
               <a:rPr lang="fr-FR" dirty="0"/>
               <a:t>Streaming, Visio, DHCP, DNS</a:t>
             </a:r>
+          </a:p>
+          <a:p>
+            <a:pPr marL="457200" lvl="1" indent="0">
+              <a:buNone/>
+            </a:pPr>
+            <a:endParaRPr lang="fr-FR" dirty="0"/>
           </a:p>
           <a:p>
             <a:r>
@@ -17274,6 +19227,444 @@
           </a:p>
         </p:txBody>
       </p:sp>
+      <p:sp>
+        <p:nvSpPr>
+          <p:cNvPr id="7" name="Rectangle 6">
+            <a:extLst>
+              <a:ext uri="{FF2B5EF4-FFF2-40B4-BE49-F238E27FC236}">
+                <a16:creationId xmlns:a16="http://schemas.microsoft.com/office/drawing/2014/main" id="{D8FA6672-0DBB-5F2D-1730-83168AD59CAA}"/>
+              </a:ext>
+            </a:extLst>
+          </p:cNvPr>
+          <p:cNvSpPr/>
+          <p:nvPr/>
+        </p:nvSpPr>
+        <p:spPr>
+          <a:xfrm>
+            <a:off x="5495003" y="2662085"/>
+            <a:ext cx="1201994" cy="722670"/>
+          </a:xfrm>
+          <a:prstGeom prst="rect">
+            <a:avLst/>
+          </a:prstGeom>
+        </p:spPr>
+        <p:style>
+          <a:lnRef idx="2">
+            <a:schemeClr val="accent1">
+              <a:shade val="15000"/>
+            </a:schemeClr>
+          </a:lnRef>
+          <a:fillRef idx="1">
+            <a:schemeClr val="accent1"/>
+          </a:fillRef>
+          <a:effectRef idx="0">
+            <a:schemeClr val="accent1"/>
+          </a:effectRef>
+          <a:fontRef idx="minor">
+            <a:schemeClr val="lt1"/>
+          </a:fontRef>
+        </p:style>
+        <p:txBody>
+          <a:bodyPr rtlCol="0" anchor="ctr"/>
+          <a:lstStyle/>
+          <a:p>
+            <a:pPr algn="ctr"/>
+            <a:r>
+              <a:rPr lang="fr-FR" dirty="0"/>
+              <a:t>Émetteur</a:t>
+            </a:r>
+          </a:p>
+        </p:txBody>
+      </p:sp>
+      <p:sp>
+        <p:nvSpPr>
+          <p:cNvPr id="8" name="Rectangle 7">
+            <a:extLst>
+              <a:ext uri="{FF2B5EF4-FFF2-40B4-BE49-F238E27FC236}">
+                <a16:creationId xmlns:a16="http://schemas.microsoft.com/office/drawing/2014/main" id="{91FA35FD-C7B7-9477-9B64-E591BFC9D97F}"/>
+              </a:ext>
+            </a:extLst>
+          </p:cNvPr>
+          <p:cNvSpPr/>
+          <p:nvPr/>
+        </p:nvSpPr>
+        <p:spPr>
+          <a:xfrm>
+            <a:off x="7535197" y="2662085"/>
+            <a:ext cx="1201994" cy="722670"/>
+          </a:xfrm>
+          <a:prstGeom prst="rect">
+            <a:avLst/>
+          </a:prstGeom>
+        </p:spPr>
+        <p:style>
+          <a:lnRef idx="2">
+            <a:schemeClr val="accent6">
+              <a:shade val="15000"/>
+            </a:schemeClr>
+          </a:lnRef>
+          <a:fillRef idx="1">
+            <a:schemeClr val="accent6"/>
+          </a:fillRef>
+          <a:effectRef idx="0">
+            <a:schemeClr val="accent6"/>
+          </a:effectRef>
+          <a:fontRef idx="minor">
+            <a:schemeClr val="lt1"/>
+          </a:fontRef>
+        </p:style>
+        <p:txBody>
+          <a:bodyPr rtlCol="0" anchor="ctr"/>
+          <a:lstStyle/>
+          <a:p>
+            <a:pPr algn="ctr"/>
+            <a:r>
+              <a:rPr lang="fr-FR" dirty="0"/>
+              <a:t>Récepteur</a:t>
+            </a:r>
+          </a:p>
+        </p:txBody>
+      </p:sp>
+      <p:sp>
+        <p:nvSpPr>
+          <p:cNvPr id="9" name="Rectangle 8">
+            <a:extLst>
+              <a:ext uri="{FF2B5EF4-FFF2-40B4-BE49-F238E27FC236}">
+                <a16:creationId xmlns:a16="http://schemas.microsoft.com/office/drawing/2014/main" id="{E6B77BA5-6763-1CED-9943-A6464F0A8656}"/>
+              </a:ext>
+            </a:extLst>
+          </p:cNvPr>
+          <p:cNvSpPr/>
+          <p:nvPr/>
+        </p:nvSpPr>
+        <p:spPr>
+          <a:xfrm>
+            <a:off x="5495003" y="4304072"/>
+            <a:ext cx="1201994" cy="722670"/>
+          </a:xfrm>
+          <a:prstGeom prst="rect">
+            <a:avLst/>
+          </a:prstGeom>
+        </p:spPr>
+        <p:style>
+          <a:lnRef idx="2">
+            <a:schemeClr val="accent1">
+              <a:shade val="15000"/>
+            </a:schemeClr>
+          </a:lnRef>
+          <a:fillRef idx="1">
+            <a:schemeClr val="accent1"/>
+          </a:fillRef>
+          <a:effectRef idx="0">
+            <a:schemeClr val="accent1"/>
+          </a:effectRef>
+          <a:fontRef idx="minor">
+            <a:schemeClr val="lt1"/>
+          </a:fontRef>
+        </p:style>
+        <p:txBody>
+          <a:bodyPr rtlCol="0" anchor="ctr"/>
+          <a:lstStyle/>
+          <a:p>
+            <a:pPr algn="ctr"/>
+            <a:r>
+              <a:rPr lang="fr-FR" dirty="0"/>
+              <a:t>Émetteur</a:t>
+            </a:r>
+          </a:p>
+        </p:txBody>
+      </p:sp>
+      <p:sp>
+        <p:nvSpPr>
+          <p:cNvPr id="10" name="Rectangle 9">
+            <a:extLst>
+              <a:ext uri="{FF2B5EF4-FFF2-40B4-BE49-F238E27FC236}">
+                <a16:creationId xmlns:a16="http://schemas.microsoft.com/office/drawing/2014/main" id="{35770A39-86E6-92BA-24AD-13C3A48CC205}"/>
+              </a:ext>
+            </a:extLst>
+          </p:cNvPr>
+          <p:cNvSpPr/>
+          <p:nvPr/>
+        </p:nvSpPr>
+        <p:spPr>
+          <a:xfrm>
+            <a:off x="7535197" y="4304072"/>
+            <a:ext cx="1201994" cy="722670"/>
+          </a:xfrm>
+          <a:prstGeom prst="rect">
+            <a:avLst/>
+          </a:prstGeom>
+        </p:spPr>
+        <p:style>
+          <a:lnRef idx="2">
+            <a:schemeClr val="accent6">
+              <a:shade val="15000"/>
+            </a:schemeClr>
+          </a:lnRef>
+          <a:fillRef idx="1">
+            <a:schemeClr val="accent6"/>
+          </a:fillRef>
+          <a:effectRef idx="0">
+            <a:schemeClr val="accent6"/>
+          </a:effectRef>
+          <a:fontRef idx="minor">
+            <a:schemeClr val="lt1"/>
+          </a:fontRef>
+        </p:style>
+        <p:txBody>
+          <a:bodyPr rtlCol="0" anchor="ctr"/>
+          <a:lstStyle/>
+          <a:p>
+            <a:pPr algn="ctr"/>
+            <a:r>
+              <a:rPr lang="fr-FR" dirty="0"/>
+              <a:t>Récepteur</a:t>
+            </a:r>
+          </a:p>
+        </p:txBody>
+      </p:sp>
+      <p:cxnSp>
+        <p:nvCxnSpPr>
+          <p:cNvPr id="12" name="Connecteur droit avec flèche 11">
+            <a:extLst>
+              <a:ext uri="{FF2B5EF4-FFF2-40B4-BE49-F238E27FC236}">
+                <a16:creationId xmlns:a16="http://schemas.microsoft.com/office/drawing/2014/main" id="{4F426910-A527-F9E8-B519-46698E2438F5}"/>
+              </a:ext>
+            </a:extLst>
+          </p:cNvPr>
+          <p:cNvCxnSpPr>
+            <a:cxnSpLocks/>
+          </p:cNvCxnSpPr>
+          <p:nvPr/>
+        </p:nvCxnSpPr>
+        <p:spPr>
+          <a:xfrm>
+            <a:off x="6696997" y="2883310"/>
+            <a:ext cx="838200" cy="0"/>
+          </a:xfrm>
+          <a:prstGeom prst="straightConnector1">
+            <a:avLst/>
+          </a:prstGeom>
+          <a:ln w="38100">
+            <a:tailEnd type="triangle"/>
+          </a:ln>
+        </p:spPr>
+        <p:style>
+          <a:lnRef idx="1">
+            <a:schemeClr val="dk1"/>
+          </a:lnRef>
+          <a:fillRef idx="0">
+            <a:schemeClr val="dk1"/>
+          </a:fillRef>
+          <a:effectRef idx="0">
+            <a:schemeClr val="dk1"/>
+          </a:effectRef>
+          <a:fontRef idx="minor">
+            <a:schemeClr val="tx1"/>
+          </a:fontRef>
+        </p:style>
+      </p:cxnSp>
+      <p:cxnSp>
+        <p:nvCxnSpPr>
+          <p:cNvPr id="13" name="Connecteur droit avec flèche 12">
+            <a:extLst>
+              <a:ext uri="{FF2B5EF4-FFF2-40B4-BE49-F238E27FC236}">
+                <a16:creationId xmlns:a16="http://schemas.microsoft.com/office/drawing/2014/main" id="{55110ACA-16C7-0B07-3388-52F9B3ADC396}"/>
+              </a:ext>
+            </a:extLst>
+          </p:cNvPr>
+          <p:cNvCxnSpPr/>
+          <p:nvPr/>
+        </p:nvCxnSpPr>
+        <p:spPr>
+          <a:xfrm>
+            <a:off x="6696997" y="4436809"/>
+            <a:ext cx="838200" cy="0"/>
+          </a:xfrm>
+          <a:prstGeom prst="straightConnector1">
+            <a:avLst/>
+          </a:prstGeom>
+          <a:ln w="38100">
+            <a:tailEnd type="triangle"/>
+          </a:ln>
+        </p:spPr>
+        <p:style>
+          <a:lnRef idx="1">
+            <a:schemeClr val="dk1"/>
+          </a:lnRef>
+          <a:fillRef idx="0">
+            <a:schemeClr val="dk1"/>
+          </a:fillRef>
+          <a:effectRef idx="0">
+            <a:schemeClr val="dk1"/>
+          </a:effectRef>
+          <a:fontRef idx="minor">
+            <a:schemeClr val="tx1"/>
+          </a:fontRef>
+        </p:style>
+      </p:cxnSp>
+      <p:cxnSp>
+        <p:nvCxnSpPr>
+          <p:cNvPr id="14" name="Connecteur droit avec flèche 13">
+            <a:extLst>
+              <a:ext uri="{FF2B5EF4-FFF2-40B4-BE49-F238E27FC236}">
+                <a16:creationId xmlns:a16="http://schemas.microsoft.com/office/drawing/2014/main" id="{99558BEC-2987-9638-FC54-A3EEDB7178A5}"/>
+              </a:ext>
+            </a:extLst>
+          </p:cNvPr>
+          <p:cNvCxnSpPr>
+            <a:cxnSpLocks/>
+          </p:cNvCxnSpPr>
+          <p:nvPr/>
+        </p:nvCxnSpPr>
+        <p:spPr>
+          <a:xfrm flipH="1">
+            <a:off x="6696997" y="4569544"/>
+            <a:ext cx="838200" cy="0"/>
+          </a:xfrm>
+          <a:prstGeom prst="straightConnector1">
+            <a:avLst/>
+          </a:prstGeom>
+          <a:ln w="38100">
+            <a:tailEnd type="triangle"/>
+          </a:ln>
+        </p:spPr>
+        <p:style>
+          <a:lnRef idx="1">
+            <a:schemeClr val="dk1"/>
+          </a:lnRef>
+          <a:fillRef idx="0">
+            <a:schemeClr val="dk1"/>
+          </a:fillRef>
+          <a:effectRef idx="0">
+            <a:schemeClr val="dk1"/>
+          </a:effectRef>
+          <a:fontRef idx="minor">
+            <a:schemeClr val="tx1"/>
+          </a:fontRef>
+        </p:style>
+      </p:cxnSp>
+      <p:cxnSp>
+        <p:nvCxnSpPr>
+          <p:cNvPr id="17" name="Connecteur droit avec flèche 16">
+            <a:extLst>
+              <a:ext uri="{FF2B5EF4-FFF2-40B4-BE49-F238E27FC236}">
+                <a16:creationId xmlns:a16="http://schemas.microsoft.com/office/drawing/2014/main" id="{844DF896-6C1C-FAF1-069B-75156172F90E}"/>
+              </a:ext>
+            </a:extLst>
+          </p:cNvPr>
+          <p:cNvCxnSpPr>
+            <a:cxnSpLocks/>
+          </p:cNvCxnSpPr>
+          <p:nvPr/>
+        </p:nvCxnSpPr>
+        <p:spPr>
+          <a:xfrm>
+            <a:off x="6696997" y="3205317"/>
+            <a:ext cx="838200" cy="0"/>
+          </a:xfrm>
+          <a:prstGeom prst="straightConnector1">
+            <a:avLst/>
+          </a:prstGeom>
+          <a:ln w="38100">
+            <a:tailEnd type="triangle"/>
+          </a:ln>
+        </p:spPr>
+        <p:style>
+          <a:lnRef idx="1">
+            <a:schemeClr val="dk1"/>
+          </a:lnRef>
+          <a:fillRef idx="0">
+            <a:schemeClr val="dk1"/>
+          </a:fillRef>
+          <a:effectRef idx="0">
+            <a:schemeClr val="dk1"/>
+          </a:effectRef>
+          <a:fontRef idx="minor">
+            <a:schemeClr val="tx1"/>
+          </a:fontRef>
+        </p:style>
+      </p:cxnSp>
+      <p:cxnSp>
+        <p:nvCxnSpPr>
+          <p:cNvPr id="18" name="Connecteur droit avec flèche 17">
+            <a:extLst>
+              <a:ext uri="{FF2B5EF4-FFF2-40B4-BE49-F238E27FC236}">
+                <a16:creationId xmlns:a16="http://schemas.microsoft.com/office/drawing/2014/main" id="{D2846193-5409-9B7F-C2B7-F13D25A18CDF}"/>
+              </a:ext>
+            </a:extLst>
+          </p:cNvPr>
+          <p:cNvCxnSpPr/>
+          <p:nvPr/>
+        </p:nvCxnSpPr>
+        <p:spPr>
+          <a:xfrm>
+            <a:off x="6696997" y="4817808"/>
+            <a:ext cx="838200" cy="0"/>
+          </a:xfrm>
+          <a:prstGeom prst="straightConnector1">
+            <a:avLst/>
+          </a:prstGeom>
+          <a:ln w="38100">
+            <a:tailEnd type="triangle"/>
+          </a:ln>
+        </p:spPr>
+        <p:style>
+          <a:lnRef idx="1">
+            <a:schemeClr val="dk1"/>
+          </a:lnRef>
+          <a:fillRef idx="0">
+            <a:schemeClr val="dk1"/>
+          </a:fillRef>
+          <a:effectRef idx="0">
+            <a:schemeClr val="dk1"/>
+          </a:effectRef>
+          <a:fontRef idx="minor">
+            <a:schemeClr val="tx1"/>
+          </a:fontRef>
+        </p:style>
+      </p:cxnSp>
+      <p:cxnSp>
+        <p:nvCxnSpPr>
+          <p:cNvPr id="19" name="Connecteur droit avec flèche 18">
+            <a:extLst>
+              <a:ext uri="{FF2B5EF4-FFF2-40B4-BE49-F238E27FC236}">
+                <a16:creationId xmlns:a16="http://schemas.microsoft.com/office/drawing/2014/main" id="{717868E7-D1C6-A07F-9FCF-68D0947F1180}"/>
+              </a:ext>
+            </a:extLst>
+          </p:cNvPr>
+          <p:cNvCxnSpPr>
+            <a:cxnSpLocks/>
+          </p:cNvCxnSpPr>
+          <p:nvPr/>
+        </p:nvCxnSpPr>
+        <p:spPr>
+          <a:xfrm flipH="1">
+            <a:off x="6696997" y="4950543"/>
+            <a:ext cx="838200" cy="0"/>
+          </a:xfrm>
+          <a:prstGeom prst="straightConnector1">
+            <a:avLst/>
+          </a:prstGeom>
+          <a:ln w="38100">
+            <a:tailEnd type="triangle"/>
+          </a:ln>
+        </p:spPr>
+        <p:style>
+          <a:lnRef idx="1">
+            <a:schemeClr val="dk1"/>
+          </a:lnRef>
+          <a:fillRef idx="0">
+            <a:schemeClr val="dk1"/>
+          </a:fillRef>
+          <a:effectRef idx="0">
+            <a:schemeClr val="dk1"/>
+          </a:effectRef>
+          <a:fontRef idx="minor">
+            <a:schemeClr val="tx1"/>
+          </a:fontRef>
+        </p:style>
+      </p:cxnSp>
     </p:spTree>
     <p:extLst>
       <p:ext uri="{BB962C8B-B14F-4D97-AF65-F5344CB8AC3E}">

--- a/01_CM/CM3 Réseaux Informatiques.pptx
+++ b/01_CM/CM3 Réseaux Informatiques.pptx
@@ -241,7 +241,7 @@
           <a:p>
             <a:fld id="{601F3737-FD25-4DA3-9DDE-A31E7FA8A5F0}" type="datetimeFigureOut">
               <a:rPr lang="fr-FR" smtClean="0"/>
-              <a:t>08/01/2024</a:t>
+              <a:t>20/01/2025</a:t>
             </a:fld>
             <a:endParaRPr lang="fr-FR"/>
           </a:p>
@@ -3048,7 +3048,7 @@
           <a:p>
             <a:fld id="{449235ED-62CB-4048-8D5F-74D492A1C6D7}" type="datetimeFigureOut">
               <a:rPr lang="fr-FR" smtClean="0"/>
-              <a:t>08/01/2024</a:t>
+              <a:t>20/01/2025</a:t>
             </a:fld>
             <a:endParaRPr lang="fr-FR"/>
           </a:p>
@@ -3246,7 +3246,7 @@
           <a:p>
             <a:fld id="{449235ED-62CB-4048-8D5F-74D492A1C6D7}" type="datetimeFigureOut">
               <a:rPr lang="fr-FR" smtClean="0"/>
-              <a:t>08/01/2024</a:t>
+              <a:t>20/01/2025</a:t>
             </a:fld>
             <a:endParaRPr lang="fr-FR"/>
           </a:p>
@@ -3454,7 +3454,7 @@
           <a:p>
             <a:fld id="{449235ED-62CB-4048-8D5F-74D492A1C6D7}" type="datetimeFigureOut">
               <a:rPr lang="fr-FR" smtClean="0"/>
-              <a:t>08/01/2024</a:t>
+              <a:t>20/01/2025</a:t>
             </a:fld>
             <a:endParaRPr lang="fr-FR"/>
           </a:p>
@@ -3652,7 +3652,7 @@
           <a:p>
             <a:fld id="{449235ED-62CB-4048-8D5F-74D492A1C6D7}" type="datetimeFigureOut">
               <a:rPr lang="fr-FR" smtClean="0"/>
-              <a:t>08/01/2024</a:t>
+              <a:t>20/01/2025</a:t>
             </a:fld>
             <a:endParaRPr lang="fr-FR"/>
           </a:p>
@@ -3927,7 +3927,7 @@
           <a:p>
             <a:fld id="{449235ED-62CB-4048-8D5F-74D492A1C6D7}" type="datetimeFigureOut">
               <a:rPr lang="fr-FR" smtClean="0"/>
-              <a:t>08/01/2024</a:t>
+              <a:t>20/01/2025</a:t>
             </a:fld>
             <a:endParaRPr lang="fr-FR"/>
           </a:p>
@@ -4192,7 +4192,7 @@
           <a:p>
             <a:fld id="{449235ED-62CB-4048-8D5F-74D492A1C6D7}" type="datetimeFigureOut">
               <a:rPr lang="fr-FR" smtClean="0"/>
-              <a:t>08/01/2024</a:t>
+              <a:t>20/01/2025</a:t>
             </a:fld>
             <a:endParaRPr lang="fr-FR"/>
           </a:p>
@@ -4604,7 +4604,7 @@
           <a:p>
             <a:fld id="{449235ED-62CB-4048-8D5F-74D492A1C6D7}" type="datetimeFigureOut">
               <a:rPr lang="fr-FR" smtClean="0"/>
-              <a:t>08/01/2024</a:t>
+              <a:t>20/01/2025</a:t>
             </a:fld>
             <a:endParaRPr lang="fr-FR"/>
           </a:p>
@@ -4745,7 +4745,7 @@
           <a:p>
             <a:fld id="{449235ED-62CB-4048-8D5F-74D492A1C6D7}" type="datetimeFigureOut">
               <a:rPr lang="fr-FR" smtClean="0"/>
-              <a:t>08/01/2024</a:t>
+              <a:t>20/01/2025</a:t>
             </a:fld>
             <a:endParaRPr lang="fr-FR"/>
           </a:p>
@@ -4858,7 +4858,7 @@
           <a:p>
             <a:fld id="{449235ED-62CB-4048-8D5F-74D492A1C6D7}" type="datetimeFigureOut">
               <a:rPr lang="fr-FR" smtClean="0"/>
-              <a:t>08/01/2024</a:t>
+              <a:t>20/01/2025</a:t>
             </a:fld>
             <a:endParaRPr lang="fr-FR"/>
           </a:p>
@@ -5169,7 +5169,7 @@
           <a:p>
             <a:fld id="{449235ED-62CB-4048-8D5F-74D492A1C6D7}" type="datetimeFigureOut">
               <a:rPr lang="fr-FR" smtClean="0"/>
-              <a:t>08/01/2024</a:t>
+              <a:t>20/01/2025</a:t>
             </a:fld>
             <a:endParaRPr lang="fr-FR"/>
           </a:p>
@@ -5457,7 +5457,7 @@
           <a:p>
             <a:fld id="{449235ED-62CB-4048-8D5F-74D492A1C6D7}" type="datetimeFigureOut">
               <a:rPr lang="fr-FR" smtClean="0"/>
-              <a:t>08/01/2024</a:t>
+              <a:t>20/01/2025</a:t>
             </a:fld>
             <a:endParaRPr lang="fr-FR"/>
           </a:p>
@@ -5698,7 +5698,7 @@
           <a:p>
             <a:fld id="{449235ED-62CB-4048-8D5F-74D492A1C6D7}" type="datetimeFigureOut">
               <a:rPr lang="fr-FR" smtClean="0"/>
-              <a:t>08/01/2024</a:t>
+              <a:t>20/01/2025</a:t>
             </a:fld>
             <a:endParaRPr lang="fr-FR"/>
           </a:p>
@@ -11729,7 +11729,7 @@
             </a:pPr>
             <a:r>
               <a:rPr lang="fr-FR" dirty="0"/>
-              <a:t>193.48.100.62.1001</a:t>
+              <a:t>193.48.100.62:1001</a:t>
             </a:r>
           </a:p>
           <a:p>
@@ -12831,15 +12831,7 @@
             </a:r>
             <a:r>
               <a:rPr lang="fr-FR" dirty="0"/>
-              <a:t> « </a:t>
-            </a:r>
-            <a:r>
-              <a:rPr lang="fr-FR" dirty="0" err="1"/>
-              <a:t>prete</a:t>
-            </a:r>
-            <a:r>
-              <a:rPr lang="fr-FR" dirty="0"/>
-              <a:t> » d’une adresse /64 à ses clients</a:t>
+              <a:t> « prête » d’une adresse /64 à ses clients</a:t>
             </a:r>
           </a:p>
         </p:txBody>
@@ -15133,13 +15125,21 @@
           <a:p>
             <a:r>
               <a:rPr lang="fr-FR" dirty="0"/>
-              <a:t>Bande Radio : 2,4 GHz, 5 GHz, 6 GHz (Wi-Fi 6E)</a:t>
-            </a:r>
-          </a:p>
-          <a:p>
-            <a:r>
-              <a:rPr lang="fr-FR" dirty="0"/>
-              <a:t>Débit : 1,3Gbits (</a:t>
+              <a:t>Bande Radio : 2,4 GHz, 5 GHz, 6 GHz (Wi-Fi 6</a:t>
+            </a:r>
+            <a:r>
+              <a:rPr lang="fr-FR" baseline="30000" dirty="0"/>
+              <a:t>E</a:t>
+            </a:r>
+            <a:r>
+              <a:rPr lang="fr-FR" dirty="0"/>
+              <a:t> &amp; &gt;)</a:t>
+            </a:r>
+          </a:p>
+          <a:p>
+            <a:r>
+              <a:rPr lang="fr-FR" dirty="0"/>
+              <a:t>Débit : 3,5Gbits (</a:t>
             </a:r>
             <a:r>
               <a:rPr lang="fr-FR" dirty="0" err="1"/>
@@ -15147,7 +15147,15 @@
             </a:r>
             <a:r>
               <a:rPr lang="fr-FR" dirty="0"/>
-              <a:t> 5)</a:t>
+              <a:t> 5) -&gt; 46Gbits (</a:t>
+            </a:r>
+            <a:r>
+              <a:rPr lang="fr-FR" dirty="0" err="1"/>
+              <a:t>WiFi</a:t>
+            </a:r>
+            <a:r>
+              <a:rPr lang="fr-FR" dirty="0"/>
+              <a:t> 7)</a:t>
             </a:r>
           </a:p>
           <a:p>
@@ -17149,13 +17157,7 @@
               <a:rPr lang="fr-FR" dirty="0">
                 <a:hlinkClick r:id="rId2"/>
               </a:rPr>
-              <a:t>https://cyber.gouv.fr/</a:t>
-            </a:r>
-            <a:r>
-              <a:rPr lang="fr-FR" dirty="0">
-                <a:hlinkClick r:id="rId2"/>
-              </a:rPr>
-              <a:t>uploads/2018/10/guide_nomadisme_anssi_pa_054_v1.pdf</a:t>
+              <a:t>https://cyber.gouv.fr/uploads/2018/10/guide_nomadisme_anssi_pa_054_v1.pdf</a:t>
             </a:r>
             <a:endParaRPr lang="fr-FR" dirty="0"/>
           </a:p>
